--- a/notes/notes/ds-algo/ch3-recursive.pptx
+++ b/notes/notes/ds-algo/ch3-recursive.pptx
@@ -5,23 +5,34 @@
     <p:sldMasterId id="2147483660" r:id="rId1"/>
   </p:sldMasterIdLst>
   <p:notesMasterIdLst>
-    <p:notesMasterId r:id="rId16"/>
+    <p:notesMasterId r:id="rId27"/>
   </p:notesMasterIdLst>
   <p:sldIdLst>
-    <p:sldId id="281" r:id="rId2"/>
-    <p:sldId id="257" r:id="rId3"/>
-    <p:sldId id="292" r:id="rId4"/>
-    <p:sldId id="282" r:id="rId5"/>
-    <p:sldId id="283" r:id="rId6"/>
-    <p:sldId id="284" r:id="rId7"/>
-    <p:sldId id="286" r:id="rId8"/>
-    <p:sldId id="293" r:id="rId9"/>
-    <p:sldId id="285" r:id="rId10"/>
-    <p:sldId id="288" r:id="rId11"/>
-    <p:sldId id="287" r:id="rId12"/>
-    <p:sldId id="289" r:id="rId13"/>
-    <p:sldId id="290" r:id="rId14"/>
-    <p:sldId id="291" r:id="rId15"/>
+    <p:sldId id="257" r:id="rId2"/>
+    <p:sldId id="292" r:id="rId3"/>
+    <p:sldId id="282" r:id="rId4"/>
+    <p:sldId id="283" r:id="rId5"/>
+    <p:sldId id="284" r:id="rId6"/>
+    <p:sldId id="286" r:id="rId7"/>
+    <p:sldId id="293" r:id="rId8"/>
+    <p:sldId id="285" r:id="rId9"/>
+    <p:sldId id="288" r:id="rId10"/>
+    <p:sldId id="287" r:id="rId11"/>
+    <p:sldId id="289" r:id="rId12"/>
+    <p:sldId id="290" r:id="rId13"/>
+    <p:sldId id="291" r:id="rId14"/>
+    <p:sldId id="294" r:id="rId15"/>
+    <p:sldId id="295" r:id="rId16"/>
+    <p:sldId id="296" r:id="rId17"/>
+    <p:sldId id="297" r:id="rId18"/>
+    <p:sldId id="298" r:id="rId19"/>
+    <p:sldId id="299" r:id="rId20"/>
+    <p:sldId id="300" r:id="rId21"/>
+    <p:sldId id="301" r:id="rId22"/>
+    <p:sldId id="302" r:id="rId23"/>
+    <p:sldId id="303" r:id="rId24"/>
+    <p:sldId id="304" r:id="rId25"/>
+    <p:sldId id="281" r:id="rId26"/>
   </p:sldIdLst>
   <p:sldSz cx="9144000" cy="6858000" type="screen4x3"/>
   <p:notesSz cx="6858000" cy="9144000"/>
@@ -210,7 +221,7 @@
           <a:p>
             <a:fld id="{9BFDADED-620D-D24E-82E2-96F000A12D1D}" type="datetimeFigureOut">
               <a:rPr lang="en-CN" smtClean="0"/>
-              <a:t>2024/1/22</a:t>
+              <a:t>2024/1/23</a:t>
             </a:fld>
             <a:endParaRPr lang="en-CN"/>
           </a:p>
@@ -543,7 +554,7 @@
           <a:p>
             <a:fld id="{9A852FB5-1F09-5546-B530-97D4A6D60E74}" type="slidenum">
               <a:rPr lang="en-CN" smtClean="0"/>
-              <a:t>2</a:t>
+              <a:t>1</a:t>
             </a:fld>
             <a:endParaRPr lang="en-CN"/>
           </a:p>
@@ -553,6 +564,90 @@
     <p:extLst>
       <p:ext uri="{BB962C8B-B14F-4D97-AF65-F5344CB8AC3E}">
         <p14:creationId xmlns:p14="http://schemas.microsoft.com/office/powerpoint/2010/main" val="1668306737"/>
+      </p:ext>
+    </p:extLst>
+  </p:cSld>
+  <p:clrMapOvr>
+    <a:masterClrMapping/>
+  </p:clrMapOvr>
+</p:notes>
+</file>
+
+<file path=ppt/notesSlides/notesSlide2.xml><?xml version="1.0" encoding="utf-8"?>
+<p:notes xmlns:a="http://schemas.openxmlformats.org/drawingml/2006/main" xmlns:r="http://schemas.openxmlformats.org/officeDocument/2006/relationships" xmlns:p="http://schemas.openxmlformats.org/presentationml/2006/main">
+  <p:cSld>
+    <p:spTree>
+      <p:nvGrpSpPr>
+        <p:cNvPr id="1" name=""/>
+        <p:cNvGrpSpPr/>
+        <p:nvPr/>
+      </p:nvGrpSpPr>
+      <p:grpSpPr>
+        <a:xfrm>
+          <a:off x="0" y="0"/>
+          <a:ext cx="0" cy="0"/>
+          <a:chOff x="0" y="0"/>
+          <a:chExt cx="0" cy="0"/>
+        </a:xfrm>
+      </p:grpSpPr>
+      <p:sp>
+        <p:nvSpPr>
+          <p:cNvPr id="2" name="Slide Image Placeholder 1"/>
+          <p:cNvSpPr>
+            <a:spLocks noGrp="1" noRot="1" noChangeAspect="1"/>
+          </p:cNvSpPr>
+          <p:nvPr>
+            <p:ph type="sldImg"/>
+          </p:nvPr>
+        </p:nvSpPr>
+        <p:spPr/>
+      </p:sp>
+      <p:sp>
+        <p:nvSpPr>
+          <p:cNvPr id="3" name="Notes Placeholder 2"/>
+          <p:cNvSpPr>
+            <a:spLocks noGrp="1"/>
+          </p:cNvSpPr>
+          <p:nvPr>
+            <p:ph type="body" idx="1"/>
+          </p:nvPr>
+        </p:nvSpPr>
+        <p:spPr/>
+        <p:txBody>
+          <a:bodyPr/>
+          <a:lstStyle/>
+          <a:p>
+            <a:endParaRPr kumimoji="1" lang="zh-CN" altLang="en-US" dirty="0"/>
+          </a:p>
+        </p:txBody>
+      </p:sp>
+      <p:sp>
+        <p:nvSpPr>
+          <p:cNvPr id="4" name="Slide Number Placeholder 3"/>
+          <p:cNvSpPr>
+            <a:spLocks noGrp="1"/>
+          </p:cNvSpPr>
+          <p:nvPr>
+            <p:ph type="sldNum" sz="quarter" idx="5"/>
+          </p:nvPr>
+        </p:nvSpPr>
+        <p:spPr/>
+        <p:txBody>
+          <a:bodyPr/>
+          <a:lstStyle/>
+          <a:p>
+            <a:fld id="{9A852FB5-1F09-5546-B530-97D4A6D60E74}" type="slidenum">
+              <a:rPr lang="en-CN" smtClean="0"/>
+              <a:t>18</a:t>
+            </a:fld>
+            <a:endParaRPr lang="en-CN"/>
+          </a:p>
+        </p:txBody>
+      </p:sp>
+    </p:spTree>
+    <p:extLst>
+      <p:ext uri="{BB962C8B-B14F-4D97-AF65-F5344CB8AC3E}">
+        <p14:creationId xmlns:p14="http://schemas.microsoft.com/office/powerpoint/2010/main" val="1879284223"/>
       </p:ext>
     </p:extLst>
   </p:cSld>
@@ -1699,7 +1794,7 @@
           <a:p>
             <a:fld id="{58D30FAB-176C-8449-8796-69F8D9C85B57}" type="datetime1">
               <a:rPr lang="en-US" smtClean="0"/>
-              <a:t>1/22/24</a:t>
+              <a:t>1/23/24</a:t>
             </a:fld>
             <a:endParaRPr lang="en-CN"/>
           </a:p>
@@ -2102,7 +2197,7 @@
           <p:cNvPr id="2" name="Slide Number Placeholder 1">
             <a:extLst>
               <a:ext uri="{FF2B5EF4-FFF2-40B4-BE49-F238E27FC236}">
-                <a16:creationId xmlns:a16="http://schemas.microsoft.com/office/drawing/2014/main" id="{B21780A8-2A62-1D37-FA41-493440D7A0C2}"/>
+                <a16:creationId xmlns:a16="http://schemas.microsoft.com/office/drawing/2014/main" id="{221EDF88-8D28-2A7D-1737-B9112AC5E0F0}"/>
               </a:ext>
             </a:extLst>
           </p:cNvPr>
@@ -2123,86 +2218,26 @@
               <a:pPr/>
               <a:t>1</a:t>
             </a:fld>
-            <a:endParaRPr lang="en-CN"/>
-          </a:p>
-        </p:txBody>
-      </p:sp>
-      <p:pic>
-        <p:nvPicPr>
-          <p:cNvPr id="5" name="Picture 4">
-            <a:extLst>
-              <a:ext uri="{FF2B5EF4-FFF2-40B4-BE49-F238E27FC236}">
-                <a16:creationId xmlns:a16="http://schemas.microsoft.com/office/drawing/2014/main" id="{B7523383-5359-C9E3-DD01-5D842BC27323}"/>
-              </a:ext>
-            </a:extLst>
-          </p:cNvPr>
-          <p:cNvPicPr>
-            <a:picLocks noChangeAspect="1"/>
-          </p:cNvPicPr>
+            <a:endParaRPr lang="en-CN" dirty="0"/>
+          </a:p>
+        </p:txBody>
+      </p:sp>
+      <p:sp>
+        <p:nvSpPr>
+          <p:cNvPr id="4" name="TextBox 3">
+            <a:extLst>
+              <a:ext uri="{FF2B5EF4-FFF2-40B4-BE49-F238E27FC236}">
+                <a16:creationId xmlns:a16="http://schemas.microsoft.com/office/drawing/2014/main" id="{8B29882B-FFAE-239E-8E47-130FA67976AD}"/>
+              </a:ext>
+            </a:extLst>
+          </p:cNvPr>
+          <p:cNvSpPr txBox="1"/>
           <p:nvPr/>
-        </p:nvPicPr>
-        <p:blipFill>
-          <a:blip r:embed="rId2"/>
-          <a:stretch>
-            <a:fillRect/>
-          </a:stretch>
-        </p:blipFill>
+        </p:nvSpPr>
         <p:spPr>
           <a:xfrm>
-            <a:off x="3202164" y="770223"/>
-            <a:ext cx="2739672" cy="1823127"/>
-          </a:xfrm>
-          <a:prstGeom prst="rect">
-            <a:avLst/>
-          </a:prstGeom>
-        </p:spPr>
-      </p:pic>
-      <p:pic>
-        <p:nvPicPr>
-          <p:cNvPr id="6" name="Picture 5">
-            <a:extLst>
-              <a:ext uri="{FF2B5EF4-FFF2-40B4-BE49-F238E27FC236}">
-                <a16:creationId xmlns:a16="http://schemas.microsoft.com/office/drawing/2014/main" id="{1D8F1FCB-02CC-AE75-09A2-48046C2FFF58}"/>
-              </a:ext>
-            </a:extLst>
-          </p:cNvPr>
-          <p:cNvPicPr>
-            <a:picLocks noChangeAspect="1"/>
-          </p:cNvPicPr>
-          <p:nvPr/>
-        </p:nvPicPr>
-        <p:blipFill>
-          <a:blip r:embed="rId3"/>
-          <a:stretch>
-            <a:fillRect/>
-          </a:stretch>
-        </p:blipFill>
-        <p:spPr>
-          <a:xfrm>
-            <a:off x="2137580" y="2724992"/>
-            <a:ext cx="4608174" cy="1972057"/>
-          </a:xfrm>
-          <a:prstGeom prst="rect">
-            <a:avLst/>
-          </a:prstGeom>
-        </p:spPr>
-      </p:pic>
-      <p:sp>
-        <p:nvSpPr>
-          <p:cNvPr id="8" name="TextBox 7">
-            <a:extLst>
-              <a:ext uri="{FF2B5EF4-FFF2-40B4-BE49-F238E27FC236}">
-                <a16:creationId xmlns:a16="http://schemas.microsoft.com/office/drawing/2014/main" id="{FCF5365B-5FB3-4693-8FDD-59683605F615}"/>
-              </a:ext>
-            </a:extLst>
-          </p:cNvPr>
-          <p:cNvSpPr txBox="1"/>
-          <p:nvPr/>
-        </p:nvSpPr>
-        <p:spPr>
-          <a:xfrm>
-            <a:off x="2137580" y="4719538"/>
-            <a:ext cx="4608174" cy="646331"/>
+            <a:off x="5277556" y="2220461"/>
+            <a:ext cx="3322253" cy="1323439"/>
           </a:xfrm>
           <a:prstGeom prst="rect">
             <a:avLst/>
@@ -2210,1166 +2245,6 @@
           <a:noFill/>
         </p:spPr>
         <p:txBody>
-          <a:bodyPr wrap="square">
-            <a:spAutoFit/>
-          </a:bodyPr>
-          <a:lstStyle/>
-          <a:p>
-            <a:pPr algn="ctr"/>
-            <a:r>
-              <a:rPr lang="en-US" altLang="zh-CN" dirty="0"/>
-              <a:t>QQ: 2095728218</a:t>
-            </a:r>
-          </a:p>
-          <a:p>
-            <a:pPr algn="ctr"/>
-            <a:r>
-              <a:rPr lang="en-US" altLang="zh-CN" dirty="0" err="1"/>
-              <a:t>gwzhang@cug.edu.cn</a:t>
-            </a:r>
-            <a:endParaRPr lang="en-US" altLang="zh-CN" dirty="0"/>
-          </a:p>
-        </p:txBody>
-      </p:sp>
-    </p:spTree>
-    <p:extLst>
-      <p:ext uri="{BB962C8B-B14F-4D97-AF65-F5344CB8AC3E}">
-        <p14:creationId xmlns:p14="http://schemas.microsoft.com/office/powerpoint/2010/main" val="1646968304"/>
-      </p:ext>
-    </p:extLst>
-  </p:cSld>
-  <p:clrMapOvr>
-    <a:masterClrMapping/>
-  </p:clrMapOvr>
-</p:sld>
-</file>
-
-<file path=ppt/slides/slide10.xml><?xml version="1.0" encoding="utf-8"?>
-<p:sld xmlns:a="http://schemas.openxmlformats.org/drawingml/2006/main" xmlns:r="http://schemas.openxmlformats.org/officeDocument/2006/relationships" xmlns:p="http://schemas.openxmlformats.org/presentationml/2006/main">
-  <p:cSld>
-    <p:spTree>
-      <p:nvGrpSpPr>
-        <p:cNvPr id="1" name=""/>
-        <p:cNvGrpSpPr/>
-        <p:nvPr/>
-      </p:nvGrpSpPr>
-      <p:grpSpPr>
-        <a:xfrm>
-          <a:off x="0" y="0"/>
-          <a:ext cx="0" cy="0"/>
-          <a:chOff x="0" y="0"/>
-          <a:chExt cx="0" cy="0"/>
-        </a:xfrm>
-      </p:grpSpPr>
-      <p:sp>
-        <p:nvSpPr>
-          <p:cNvPr id="2" name="Slide Number Placeholder 1">
-            <a:extLst>
-              <a:ext uri="{FF2B5EF4-FFF2-40B4-BE49-F238E27FC236}">
-                <a16:creationId xmlns:a16="http://schemas.microsoft.com/office/drawing/2014/main" id="{9CABB57A-8597-EF49-CABD-EC277B4CFABF}"/>
-              </a:ext>
-            </a:extLst>
-          </p:cNvPr>
-          <p:cNvSpPr>
-            <a:spLocks noGrp="1"/>
-          </p:cNvSpPr>
-          <p:nvPr>
-            <p:ph type="sldNum" sz="quarter" idx="12"/>
-          </p:nvPr>
-        </p:nvSpPr>
-        <p:spPr/>
-        <p:txBody>
-          <a:bodyPr/>
-          <a:lstStyle/>
-          <a:p>
-            <a:fld id="{7A304655-5D53-B746-8252-3F5A598C52D3}" type="slidenum">
-              <a:rPr lang="en-CN" smtClean="0"/>
-              <a:pPr/>
-              <a:t>10</a:t>
-            </a:fld>
-            <a:endParaRPr lang="en-CN"/>
-          </a:p>
-        </p:txBody>
-      </p:sp>
-      <p:sp>
-        <p:nvSpPr>
-          <p:cNvPr id="3" name="Title 2">
-            <a:extLst>
-              <a:ext uri="{FF2B5EF4-FFF2-40B4-BE49-F238E27FC236}">
-                <a16:creationId xmlns:a16="http://schemas.microsoft.com/office/drawing/2014/main" id="{95055BFD-2D18-CA57-F82E-62BE787FA87E}"/>
-              </a:ext>
-            </a:extLst>
-          </p:cNvPr>
-          <p:cNvSpPr>
-            <a:spLocks noGrp="1"/>
-          </p:cNvSpPr>
-          <p:nvPr>
-            <p:ph type="title"/>
-          </p:nvPr>
-        </p:nvSpPr>
-        <p:spPr/>
-        <p:txBody>
-          <a:bodyPr/>
-          <a:lstStyle/>
-          <a:p>
-            <a:r>
-              <a:rPr kumimoji="1" lang="zh-CN" altLang="en-US" dirty="0"/>
-              <a:t>大致思路</a:t>
-            </a:r>
-          </a:p>
-        </p:txBody>
-      </p:sp>
-      <p:pic>
-        <p:nvPicPr>
-          <p:cNvPr id="5" name="Picture 4">
-            <a:extLst>
-              <a:ext uri="{FF2B5EF4-FFF2-40B4-BE49-F238E27FC236}">
-                <a16:creationId xmlns:a16="http://schemas.microsoft.com/office/drawing/2014/main" id="{C00ADADB-0463-373F-0E57-DCD54EF4684A}"/>
-              </a:ext>
-            </a:extLst>
-          </p:cNvPr>
-          <p:cNvPicPr>
-            <a:picLocks noChangeAspect="1"/>
-          </p:cNvPicPr>
-          <p:nvPr/>
-        </p:nvPicPr>
-        <p:blipFill>
-          <a:blip r:embed="rId2"/>
-          <a:stretch>
-            <a:fillRect/>
-          </a:stretch>
-        </p:blipFill>
-        <p:spPr>
-          <a:xfrm>
-            <a:off x="628650" y="1296488"/>
-            <a:ext cx="7835900" cy="3429000"/>
-          </a:xfrm>
-          <a:prstGeom prst="rect">
-            <a:avLst/>
-          </a:prstGeom>
-        </p:spPr>
-      </p:pic>
-    </p:spTree>
-    <p:extLst>
-      <p:ext uri="{BB962C8B-B14F-4D97-AF65-F5344CB8AC3E}">
-        <p14:creationId xmlns:p14="http://schemas.microsoft.com/office/powerpoint/2010/main" val="2009290254"/>
-      </p:ext>
-    </p:extLst>
-  </p:cSld>
-  <p:clrMapOvr>
-    <a:masterClrMapping/>
-  </p:clrMapOvr>
-</p:sld>
-</file>
-
-<file path=ppt/slides/slide11.xml><?xml version="1.0" encoding="utf-8"?>
-<p:sld xmlns:a="http://schemas.openxmlformats.org/drawingml/2006/main" xmlns:r="http://schemas.openxmlformats.org/officeDocument/2006/relationships" xmlns:p="http://schemas.openxmlformats.org/presentationml/2006/main">
-  <p:cSld>
-    <p:spTree>
-      <p:nvGrpSpPr>
-        <p:cNvPr id="1" name=""/>
-        <p:cNvGrpSpPr/>
-        <p:nvPr/>
-      </p:nvGrpSpPr>
-      <p:grpSpPr>
-        <a:xfrm>
-          <a:off x="0" y="0"/>
-          <a:ext cx="0" cy="0"/>
-          <a:chOff x="0" y="0"/>
-          <a:chExt cx="0" cy="0"/>
-        </a:xfrm>
-      </p:grpSpPr>
-      <p:sp>
-        <p:nvSpPr>
-          <p:cNvPr id="2" name="Slide Number Placeholder 1">
-            <a:extLst>
-              <a:ext uri="{FF2B5EF4-FFF2-40B4-BE49-F238E27FC236}">
-                <a16:creationId xmlns:a16="http://schemas.microsoft.com/office/drawing/2014/main" id="{942FEEEC-D191-9709-9783-F24F75450152}"/>
-              </a:ext>
-            </a:extLst>
-          </p:cNvPr>
-          <p:cNvSpPr>
-            <a:spLocks noGrp="1"/>
-          </p:cNvSpPr>
-          <p:nvPr>
-            <p:ph type="sldNum" sz="quarter" idx="12"/>
-          </p:nvPr>
-        </p:nvSpPr>
-        <p:spPr/>
-        <p:txBody>
-          <a:bodyPr/>
-          <a:lstStyle/>
-          <a:p>
-            <a:fld id="{7A304655-5D53-B746-8252-3F5A598C52D3}" type="slidenum">
-              <a:rPr lang="en-CN" smtClean="0"/>
-              <a:pPr/>
-              <a:t>11</a:t>
-            </a:fld>
-            <a:endParaRPr lang="en-CN"/>
-          </a:p>
-        </p:txBody>
-      </p:sp>
-      <p:sp>
-        <p:nvSpPr>
-          <p:cNvPr id="3" name="Title 2">
-            <a:extLst>
-              <a:ext uri="{FF2B5EF4-FFF2-40B4-BE49-F238E27FC236}">
-                <a16:creationId xmlns:a16="http://schemas.microsoft.com/office/drawing/2014/main" id="{BA1132FD-96B6-9BF7-29DB-472DBB0F191A}"/>
-              </a:ext>
-            </a:extLst>
-          </p:cNvPr>
-          <p:cNvSpPr>
-            <a:spLocks noGrp="1"/>
-          </p:cNvSpPr>
-          <p:nvPr>
-            <p:ph type="title"/>
-          </p:nvPr>
-        </p:nvSpPr>
-        <p:spPr/>
-        <p:txBody>
-          <a:bodyPr/>
-          <a:lstStyle/>
-          <a:p>
-            <a:r>
-              <a:rPr kumimoji="1" lang="zh-CN" altLang="en-US" dirty="0"/>
-              <a:t>正确性证明</a:t>
-            </a:r>
-          </a:p>
-        </p:txBody>
-      </p:sp>
-      <p:sp>
-        <p:nvSpPr>
-          <p:cNvPr id="4" name="Cloud Callout 3">
-            <a:extLst>
-              <a:ext uri="{FF2B5EF4-FFF2-40B4-BE49-F238E27FC236}">
-                <a16:creationId xmlns:a16="http://schemas.microsoft.com/office/drawing/2014/main" id="{610104B5-BA23-7643-BF50-523DC14BF082}"/>
-              </a:ext>
-            </a:extLst>
-          </p:cNvPr>
-          <p:cNvSpPr/>
-          <p:nvPr/>
-        </p:nvSpPr>
-        <p:spPr>
-          <a:xfrm>
-            <a:off x="5086800" y="1040524"/>
-            <a:ext cx="3814354" cy="675397"/>
-          </a:xfrm>
-          <a:prstGeom prst="cloudCallout">
-            <a:avLst/>
-          </a:prstGeom>
-          <a:solidFill>
-            <a:schemeClr val="lt1">
-              <a:alpha val="75518"/>
-            </a:schemeClr>
-          </a:solidFill>
-        </p:spPr>
-        <p:style>
-          <a:lnRef idx="2">
-            <a:schemeClr val="accent5"/>
-          </a:lnRef>
-          <a:fillRef idx="1">
-            <a:schemeClr val="lt1"/>
-          </a:fillRef>
-          <a:effectRef idx="0">
-            <a:schemeClr val="accent5"/>
-          </a:effectRef>
-          <a:fontRef idx="minor">
-            <a:schemeClr val="dk1"/>
-          </a:fontRef>
-        </p:style>
-        <p:txBody>
-          <a:bodyPr rtlCol="0" anchor="ctr"/>
-          <a:lstStyle/>
-          <a:p>
-            <a:pPr algn="ctr"/>
-            <a:r>
-              <a:rPr kumimoji="1" lang="zh-CN" altLang="en-US" sz="1600" dirty="0">
-                <a:latin typeface="Consolas" panose="020B0609020204030204" pitchFamily="49" charset="0"/>
-                <a:ea typeface="FangSong" panose="02010609060101010101" pitchFamily="49" charset="-122"/>
-                <a:cs typeface="Consolas" panose="020B0609020204030204" pitchFamily="49" charset="0"/>
-              </a:rPr>
-              <a:t>归纳法永远是你的好朋友</a:t>
-            </a:r>
-          </a:p>
-        </p:txBody>
-      </p:sp>
-      <p:sp>
-        <p:nvSpPr>
-          <p:cNvPr id="5" name="TextBox 4">
-            <a:extLst>
-              <a:ext uri="{FF2B5EF4-FFF2-40B4-BE49-F238E27FC236}">
-                <a16:creationId xmlns:a16="http://schemas.microsoft.com/office/drawing/2014/main" id="{11D01FCD-E107-7982-FAE6-BB0C44C9442C}"/>
-              </a:ext>
-            </a:extLst>
-          </p:cNvPr>
-          <p:cNvSpPr txBox="1"/>
-          <p:nvPr/>
-        </p:nvSpPr>
-        <p:spPr>
-          <a:xfrm>
-            <a:off x="628650" y="1378222"/>
-            <a:ext cx="2943434" cy="1200329"/>
-          </a:xfrm>
-          <a:prstGeom prst="rect">
-            <a:avLst/>
-          </a:prstGeom>
-          <a:noFill/>
-        </p:spPr>
-        <p:txBody>
-          <a:bodyPr wrap="none" rtlCol="0">
-            <a:spAutoFit/>
-          </a:bodyPr>
-          <a:lstStyle/>
-          <a:p>
-            <a:pPr marL="342900" indent="-342900" algn="l">
-              <a:buFont typeface="Arial" panose="020B0604020202020204" pitchFamily="34" charset="0"/>
-              <a:buChar char="•"/>
-            </a:pPr>
-            <a:r>
-              <a:rPr kumimoji="1" lang="en-US" altLang="zh-CN" sz="2400" dirty="0"/>
-              <a:t>Merge</a:t>
-            </a:r>
-            <a:r>
-              <a:rPr kumimoji="1" lang="zh-CN" altLang="en-US" sz="2400" dirty="0"/>
-              <a:t>过程是对的</a:t>
-            </a:r>
-            <a:endParaRPr kumimoji="1" lang="en-US" altLang="zh-CN" sz="2400" dirty="0"/>
-          </a:p>
-          <a:p>
-            <a:pPr marL="342900" indent="-342900" algn="l">
-              <a:buFont typeface="Arial" panose="020B0604020202020204" pitchFamily="34" charset="0"/>
-              <a:buChar char="•"/>
-            </a:pPr>
-            <a:endParaRPr kumimoji="1" lang="en-US" altLang="zh-CN" sz="2400" dirty="0"/>
-          </a:p>
-          <a:p>
-            <a:pPr marL="342900" indent="-342900" algn="l">
-              <a:buFont typeface="Arial" panose="020B0604020202020204" pitchFamily="34" charset="0"/>
-              <a:buChar char="•"/>
-            </a:pPr>
-            <a:r>
-              <a:rPr kumimoji="1" lang="en-US" altLang="zh-CN" sz="2400" dirty="0" err="1"/>
-              <a:t>MergeSort</a:t>
-            </a:r>
-            <a:r>
-              <a:rPr kumimoji="1" lang="zh-CN" altLang="en-US" sz="2400" dirty="0"/>
-              <a:t>是对的</a:t>
-            </a:r>
-          </a:p>
-        </p:txBody>
-      </p:sp>
-      <p:sp>
-        <p:nvSpPr>
-          <p:cNvPr id="6" name="TextBox 5">
-            <a:extLst>
-              <a:ext uri="{FF2B5EF4-FFF2-40B4-BE49-F238E27FC236}">
-                <a16:creationId xmlns:a16="http://schemas.microsoft.com/office/drawing/2014/main" id="{D62EEAE1-4230-12BF-8131-6A0D97358E99}"/>
-              </a:ext>
-            </a:extLst>
-          </p:cNvPr>
-          <p:cNvSpPr txBox="1"/>
-          <p:nvPr/>
-        </p:nvSpPr>
-        <p:spPr>
-          <a:xfrm>
-            <a:off x="2882659" y="3429000"/>
-            <a:ext cx="3378682" cy="830997"/>
-          </a:xfrm>
-          <a:prstGeom prst="rect">
-            <a:avLst/>
-          </a:prstGeom>
-          <a:noFill/>
-        </p:spPr>
-        <p:txBody>
-          <a:bodyPr wrap="none" rtlCol="0">
-            <a:spAutoFit/>
-          </a:bodyPr>
-          <a:lstStyle/>
-          <a:p>
-            <a:pPr algn="ctr"/>
-            <a:r>
-              <a:rPr kumimoji="1" lang="en-US" altLang="zh-CN" sz="2400" dirty="0"/>
-              <a:t>Jeff</a:t>
-            </a:r>
-            <a:r>
-              <a:rPr kumimoji="1" lang="zh-CN" altLang="en-US" sz="2400" dirty="0"/>
-              <a:t> </a:t>
-            </a:r>
-            <a:r>
-              <a:rPr kumimoji="1" lang="en-US" altLang="zh-CN" sz="2400" dirty="0"/>
-              <a:t>Erickson</a:t>
-            </a:r>
-            <a:r>
-              <a:rPr kumimoji="1" lang="zh-CN" altLang="en-US" sz="2400" dirty="0"/>
-              <a:t> </a:t>
-            </a:r>
-            <a:r>
-              <a:rPr kumimoji="1" lang="en-US" altLang="zh-CN" sz="2400" dirty="0"/>
-              <a:t>Chapter</a:t>
-            </a:r>
-            <a:r>
-              <a:rPr kumimoji="1" lang="zh-CN" altLang="en-US" sz="2400" dirty="0"/>
-              <a:t> </a:t>
-            </a:r>
-            <a:r>
-              <a:rPr kumimoji="1" lang="en-US" altLang="zh-CN" sz="2400" dirty="0"/>
-              <a:t>2</a:t>
-            </a:r>
-          </a:p>
-          <a:p>
-            <a:pPr algn="ctr"/>
-            <a:r>
-              <a:rPr kumimoji="1" lang="en-US" altLang="zh-CN" sz="2400" dirty="0"/>
-              <a:t>Lemma</a:t>
-            </a:r>
-            <a:r>
-              <a:rPr kumimoji="1" lang="zh-CN" altLang="en-US" sz="2400" dirty="0"/>
-              <a:t> </a:t>
-            </a:r>
-            <a:r>
-              <a:rPr kumimoji="1" lang="en-US" altLang="zh-CN" sz="2400" dirty="0"/>
-              <a:t>X.XX</a:t>
-            </a:r>
-            <a:endParaRPr kumimoji="1" lang="zh-CN" altLang="en-US" sz="2400" dirty="0"/>
-          </a:p>
-        </p:txBody>
-      </p:sp>
-    </p:spTree>
-    <p:extLst>
-      <p:ext uri="{BB962C8B-B14F-4D97-AF65-F5344CB8AC3E}">
-        <p14:creationId xmlns:p14="http://schemas.microsoft.com/office/powerpoint/2010/main" val="1399789814"/>
-      </p:ext>
-    </p:extLst>
-  </p:cSld>
-  <p:clrMapOvr>
-    <a:masterClrMapping/>
-  </p:clrMapOvr>
-</p:sld>
-</file>
-
-<file path=ppt/slides/slide12.xml><?xml version="1.0" encoding="utf-8"?>
-<p:sld xmlns:a="http://schemas.openxmlformats.org/drawingml/2006/main" xmlns:r="http://schemas.openxmlformats.org/officeDocument/2006/relationships" xmlns:p="http://schemas.openxmlformats.org/presentationml/2006/main">
-  <p:cSld>
-    <p:spTree>
-      <p:nvGrpSpPr>
-        <p:cNvPr id="1" name=""/>
-        <p:cNvGrpSpPr/>
-        <p:nvPr/>
-      </p:nvGrpSpPr>
-      <p:grpSpPr>
-        <a:xfrm>
-          <a:off x="0" y="0"/>
-          <a:ext cx="0" cy="0"/>
-          <a:chOff x="0" y="0"/>
-          <a:chExt cx="0" cy="0"/>
-        </a:xfrm>
-      </p:grpSpPr>
-      <p:sp>
-        <p:nvSpPr>
-          <p:cNvPr id="2" name="Slide Number Placeholder 1">
-            <a:extLst>
-              <a:ext uri="{FF2B5EF4-FFF2-40B4-BE49-F238E27FC236}">
-                <a16:creationId xmlns:a16="http://schemas.microsoft.com/office/drawing/2014/main" id="{6FC98E56-A19B-10D8-42C4-0D08EDD94971}"/>
-              </a:ext>
-            </a:extLst>
-          </p:cNvPr>
-          <p:cNvSpPr>
-            <a:spLocks noGrp="1"/>
-          </p:cNvSpPr>
-          <p:nvPr>
-            <p:ph type="sldNum" sz="quarter" idx="12"/>
-          </p:nvPr>
-        </p:nvSpPr>
-        <p:spPr/>
-        <p:txBody>
-          <a:bodyPr/>
-          <a:lstStyle/>
-          <a:p>
-            <a:fld id="{7A304655-5D53-B746-8252-3F5A598C52D3}" type="slidenum">
-              <a:rPr lang="en-CN" smtClean="0"/>
-              <a:pPr/>
-              <a:t>12</a:t>
-            </a:fld>
-            <a:endParaRPr lang="en-CN"/>
-          </a:p>
-        </p:txBody>
-      </p:sp>
-      <p:sp>
-        <p:nvSpPr>
-          <p:cNvPr id="3" name="Title 2">
-            <a:extLst>
-              <a:ext uri="{FF2B5EF4-FFF2-40B4-BE49-F238E27FC236}">
-                <a16:creationId xmlns:a16="http://schemas.microsoft.com/office/drawing/2014/main" id="{1F77E191-8423-27C4-F528-60057AE3E35E}"/>
-              </a:ext>
-            </a:extLst>
-          </p:cNvPr>
-          <p:cNvSpPr>
-            <a:spLocks noGrp="1"/>
-          </p:cNvSpPr>
-          <p:nvPr>
-            <p:ph type="title"/>
-          </p:nvPr>
-        </p:nvSpPr>
-        <p:spPr/>
-        <p:txBody>
-          <a:bodyPr/>
-          <a:lstStyle/>
-          <a:p>
-            <a:r>
-              <a:rPr kumimoji="1" lang="zh-CN" altLang="en-US" dirty="0"/>
-              <a:t>用多少时间</a:t>
-            </a:r>
-            <a:r>
-              <a:rPr kumimoji="1" lang="en-US" altLang="zh-CN" dirty="0"/>
-              <a:t>?</a:t>
-            </a:r>
-            <a:endParaRPr kumimoji="1" lang="zh-CN" altLang="en-US" dirty="0"/>
-          </a:p>
-        </p:txBody>
-      </p:sp>
-      <p:pic>
-        <p:nvPicPr>
-          <p:cNvPr id="4" name="Picture 3">
-            <a:extLst>
-              <a:ext uri="{FF2B5EF4-FFF2-40B4-BE49-F238E27FC236}">
-                <a16:creationId xmlns:a16="http://schemas.microsoft.com/office/drawing/2014/main" id="{C919D3C3-47E3-7198-EDE4-839317DE5EC7}"/>
-              </a:ext>
-            </a:extLst>
-          </p:cNvPr>
-          <p:cNvPicPr>
-            <a:picLocks noChangeAspect="1"/>
-          </p:cNvPicPr>
-          <p:nvPr/>
-        </p:nvPicPr>
-        <p:blipFill>
-          <a:blip r:embed="rId2">
-            <a:clrChange>
-              <a:clrFrom>
-                <a:srgbClr val="F5F5F5"/>
-              </a:clrFrom>
-              <a:clrTo>
-                <a:srgbClr val="F5F5F5">
-                  <a:alpha val="0"/>
-                </a:srgbClr>
-              </a:clrTo>
-            </a:clrChange>
-          </a:blip>
-          <a:stretch>
-            <a:fillRect/>
-          </a:stretch>
-        </p:blipFill>
-        <p:spPr>
-          <a:xfrm>
-            <a:off x="527050" y="1358900"/>
-            <a:ext cx="7988300" cy="2070100"/>
-          </a:xfrm>
-          <a:prstGeom prst="rect">
-            <a:avLst/>
-          </a:prstGeom>
-        </p:spPr>
-      </p:pic>
-      <p:sp>
-        <p:nvSpPr>
-          <p:cNvPr id="5" name="TextBox 4">
-            <a:extLst>
-              <a:ext uri="{FF2B5EF4-FFF2-40B4-BE49-F238E27FC236}">
-                <a16:creationId xmlns:a16="http://schemas.microsoft.com/office/drawing/2014/main" id="{8EFB98E3-2C7C-35E7-5CB5-D0C0D9EF9B58}"/>
-              </a:ext>
-            </a:extLst>
-          </p:cNvPr>
-          <p:cNvSpPr txBox="1"/>
-          <p:nvPr/>
-        </p:nvSpPr>
-        <p:spPr>
-          <a:xfrm>
-            <a:off x="2632702" y="3747376"/>
-            <a:ext cx="3776996" cy="461665"/>
-          </a:xfrm>
-          <a:prstGeom prst="rect">
-            <a:avLst/>
-          </a:prstGeom>
-          <a:noFill/>
-        </p:spPr>
-        <p:txBody>
-          <a:bodyPr wrap="none" rtlCol="0">
-            <a:spAutoFit/>
-          </a:bodyPr>
-          <a:lstStyle/>
-          <a:p>
-            <a:pPr algn="l"/>
-            <a:r>
-              <a:rPr kumimoji="1" lang="zh-CN" altLang="en-US" sz="2400" dirty="0"/>
-              <a:t>为什么可以去掉取</a:t>
-            </a:r>
-            <a:r>
-              <a:rPr kumimoji="1" lang="zh-CN" altLang="en-CN" sz="2400" dirty="0"/>
-              <a:t>整</a:t>
-            </a:r>
-            <a:r>
-              <a:rPr kumimoji="1" lang="zh-CN" altLang="en-US" sz="2400" dirty="0"/>
-              <a:t>记号</a:t>
-            </a:r>
-            <a:r>
-              <a:rPr kumimoji="1" lang="en-US" altLang="zh-CN" sz="2400" dirty="0"/>
-              <a:t>?</a:t>
-            </a:r>
-            <a:endParaRPr kumimoji="1" lang="zh-CN" altLang="en-US" sz="2400" dirty="0"/>
-          </a:p>
-        </p:txBody>
-      </p:sp>
-      <p:sp>
-        <p:nvSpPr>
-          <p:cNvPr id="6" name="TextBox 5">
-            <a:extLst>
-              <a:ext uri="{FF2B5EF4-FFF2-40B4-BE49-F238E27FC236}">
-                <a16:creationId xmlns:a16="http://schemas.microsoft.com/office/drawing/2014/main" id="{E6DB19E2-0A71-0BCE-83FA-D07211C6FB86}"/>
-              </a:ext>
-            </a:extLst>
-          </p:cNvPr>
-          <p:cNvSpPr txBox="1"/>
-          <p:nvPr/>
-        </p:nvSpPr>
-        <p:spPr>
-          <a:xfrm>
-            <a:off x="1123406" y="4493623"/>
-            <a:ext cx="5808000" cy="830997"/>
-          </a:xfrm>
-          <a:prstGeom prst="rect">
-            <a:avLst/>
-          </a:prstGeom>
-          <a:noFill/>
-        </p:spPr>
-        <p:txBody>
-          <a:bodyPr wrap="none" rtlCol="0">
-            <a:spAutoFit/>
-          </a:bodyPr>
-          <a:lstStyle/>
-          <a:p>
-            <a:pPr marL="342900" indent="-342900" algn="l">
-              <a:buFont typeface="Arial" panose="020B0604020202020204" pitchFamily="34" charset="0"/>
-              <a:buChar char="•"/>
-            </a:pPr>
-            <a:r>
-              <a:rPr kumimoji="1" lang="zh-CN" altLang="en-US" sz="2400" dirty="0"/>
-              <a:t>太小了</a:t>
-            </a:r>
-            <a:r>
-              <a:rPr kumimoji="1" lang="en-US" altLang="zh-CN" sz="2400" dirty="0"/>
-              <a:t>?</a:t>
-            </a:r>
-            <a:r>
-              <a:rPr kumimoji="1" lang="zh-CN" altLang="en-US" sz="2400" dirty="0"/>
-              <a:t> 有多小</a:t>
-            </a:r>
-            <a:r>
-              <a:rPr kumimoji="1" lang="en-US" altLang="zh-CN" sz="2400" dirty="0"/>
-              <a:t>?</a:t>
-            </a:r>
-            <a:r>
-              <a:rPr kumimoji="1" lang="zh-CN" altLang="en-US" sz="2400" dirty="0"/>
-              <a:t> 误差会累计吗</a:t>
-            </a:r>
-            <a:r>
-              <a:rPr kumimoji="1" lang="en-US" altLang="zh-CN" sz="2400" dirty="0"/>
-              <a:t>?</a:t>
-            </a:r>
-          </a:p>
-          <a:p>
-            <a:pPr marL="342900" indent="-342900" algn="l">
-              <a:buFont typeface="Arial" panose="020B0604020202020204" pitchFamily="34" charset="0"/>
-              <a:buChar char="•"/>
-            </a:pPr>
-            <a:r>
-              <a:rPr kumimoji="1" lang="en-US" altLang="zh-CN" sz="2400" dirty="0"/>
-              <a:t>Aside:</a:t>
-            </a:r>
-            <a:r>
-              <a:rPr kumimoji="1" lang="zh-CN" altLang="en-US" sz="2400" dirty="0"/>
-              <a:t> </a:t>
-            </a:r>
-            <a:r>
-              <a:rPr kumimoji="1" lang="en-US" altLang="zh-CN" sz="2400" dirty="0"/>
-              <a:t>O</a:t>
-            </a:r>
-            <a:r>
-              <a:rPr kumimoji="1" lang="zh-CN" altLang="en-US" sz="2400" dirty="0"/>
-              <a:t>本身就是一个非常粗略的记号</a:t>
-            </a:r>
-          </a:p>
-        </p:txBody>
-      </p:sp>
-      <p:sp>
-        <p:nvSpPr>
-          <p:cNvPr id="8" name="Merge 7">
-            <a:extLst>
-              <a:ext uri="{FF2B5EF4-FFF2-40B4-BE49-F238E27FC236}">
-                <a16:creationId xmlns:a16="http://schemas.microsoft.com/office/drawing/2014/main" id="{A40BEA53-4950-0B71-4624-48DB56CF2B39}"/>
-              </a:ext>
-            </a:extLst>
-          </p:cNvPr>
-          <p:cNvSpPr/>
-          <p:nvPr/>
-        </p:nvSpPr>
-        <p:spPr>
-          <a:xfrm>
-            <a:off x="527050" y="3713582"/>
-            <a:ext cx="705394" cy="705394"/>
-          </a:xfrm>
-          <a:prstGeom prst="flowChartMerge">
-            <a:avLst/>
-          </a:prstGeom>
-          <a:solidFill>
-            <a:schemeClr val="lt1">
-              <a:alpha val="75518"/>
-            </a:schemeClr>
-          </a:solidFill>
-        </p:spPr>
-        <p:style>
-          <a:lnRef idx="2">
-            <a:schemeClr val="accent5"/>
-          </a:lnRef>
-          <a:fillRef idx="1">
-            <a:schemeClr val="lt1"/>
-          </a:fillRef>
-          <a:effectRef idx="0">
-            <a:schemeClr val="accent5"/>
-          </a:effectRef>
-          <a:fontRef idx="minor">
-            <a:schemeClr val="dk1"/>
-          </a:fontRef>
-        </p:style>
-        <p:txBody>
-          <a:bodyPr rtlCol="0" anchor="ctr"/>
-          <a:lstStyle/>
-          <a:p>
-            <a:pPr algn="ctr"/>
-            <a:endParaRPr kumimoji="1" lang="zh-CN" altLang="en-US" sz="1600" dirty="0">
-              <a:latin typeface="Consolas" panose="020B0609020204030204" pitchFamily="49" charset="0"/>
-              <a:ea typeface="FangSong" panose="02010609060101010101" pitchFamily="49" charset="-122"/>
-              <a:cs typeface="Consolas" panose="020B0609020204030204" pitchFamily="49" charset="0"/>
-            </a:endParaRPr>
-          </a:p>
-        </p:txBody>
-      </p:sp>
-    </p:spTree>
-    <p:extLst>
-      <p:ext uri="{BB962C8B-B14F-4D97-AF65-F5344CB8AC3E}">
-        <p14:creationId xmlns:p14="http://schemas.microsoft.com/office/powerpoint/2010/main" val="108398700"/>
-      </p:ext>
-    </p:extLst>
-  </p:cSld>
-  <p:clrMapOvr>
-    <a:masterClrMapping/>
-  </p:clrMapOvr>
-</p:sld>
-</file>
-
-<file path=ppt/slides/slide13.xml><?xml version="1.0" encoding="utf-8"?>
-<p:sld xmlns:a="http://schemas.openxmlformats.org/drawingml/2006/main" xmlns:r="http://schemas.openxmlformats.org/officeDocument/2006/relationships" xmlns:p="http://schemas.openxmlformats.org/presentationml/2006/main">
-  <p:cSld>
-    <p:spTree>
-      <p:nvGrpSpPr>
-        <p:cNvPr id="1" name=""/>
-        <p:cNvGrpSpPr/>
-        <p:nvPr/>
-      </p:nvGrpSpPr>
-      <p:grpSpPr>
-        <a:xfrm>
-          <a:off x="0" y="0"/>
-          <a:ext cx="0" cy="0"/>
-          <a:chOff x="0" y="0"/>
-          <a:chExt cx="0" cy="0"/>
-        </a:xfrm>
-      </p:grpSpPr>
-      <p:sp>
-        <p:nvSpPr>
-          <p:cNvPr id="2" name="Slide Number Placeholder 1">
-            <a:extLst>
-              <a:ext uri="{FF2B5EF4-FFF2-40B4-BE49-F238E27FC236}">
-                <a16:creationId xmlns:a16="http://schemas.microsoft.com/office/drawing/2014/main" id="{5D3E279F-089A-8A9D-1445-B25474CB1A7F}"/>
-              </a:ext>
-            </a:extLst>
-          </p:cNvPr>
-          <p:cNvSpPr>
-            <a:spLocks noGrp="1"/>
-          </p:cNvSpPr>
-          <p:nvPr>
-            <p:ph type="sldNum" sz="quarter" idx="12"/>
-          </p:nvPr>
-        </p:nvSpPr>
-        <p:spPr/>
-        <p:txBody>
-          <a:bodyPr/>
-          <a:lstStyle/>
-          <a:p>
-            <a:fld id="{7A304655-5D53-B746-8252-3F5A598C52D3}" type="slidenum">
-              <a:rPr lang="en-CN" smtClean="0"/>
-              <a:pPr/>
-              <a:t>13</a:t>
-            </a:fld>
-            <a:endParaRPr lang="en-CN"/>
-          </a:p>
-        </p:txBody>
-      </p:sp>
-      <p:sp>
-        <p:nvSpPr>
-          <p:cNvPr id="3" name="Title 2">
-            <a:extLst>
-              <a:ext uri="{FF2B5EF4-FFF2-40B4-BE49-F238E27FC236}">
-                <a16:creationId xmlns:a16="http://schemas.microsoft.com/office/drawing/2014/main" id="{2A4EDCCE-D1BD-CCFE-0DDC-20DA76D09859}"/>
-              </a:ext>
-            </a:extLst>
-          </p:cNvPr>
-          <p:cNvSpPr>
-            <a:spLocks noGrp="1"/>
-          </p:cNvSpPr>
-          <p:nvPr>
-            <p:ph type="title"/>
-          </p:nvPr>
-        </p:nvSpPr>
-        <p:spPr/>
-        <p:txBody>
-          <a:bodyPr/>
-          <a:lstStyle/>
-          <a:p>
-            <a:r>
-              <a:rPr kumimoji="1" lang="en-US" altLang="zh-CN" dirty="0"/>
-              <a:t>Aside:</a:t>
-            </a:r>
-            <a:r>
-              <a:rPr kumimoji="1" lang="zh-CN" altLang="en-US" dirty="0"/>
-              <a:t> 大</a:t>
-            </a:r>
-            <a:r>
-              <a:rPr kumimoji="1" lang="en-US" altLang="zh-CN" dirty="0"/>
-              <a:t>O</a:t>
-            </a:r>
-            <a:r>
-              <a:rPr kumimoji="1" lang="zh-CN" altLang="en-US" dirty="0"/>
-              <a:t>记号是一个非常粗略的估计</a:t>
-            </a:r>
-          </a:p>
-        </p:txBody>
-      </p:sp>
-      <p:pic>
-        <p:nvPicPr>
-          <p:cNvPr id="5" name="Picture 4">
-            <a:extLst>
-              <a:ext uri="{FF2B5EF4-FFF2-40B4-BE49-F238E27FC236}">
-                <a16:creationId xmlns:a16="http://schemas.microsoft.com/office/drawing/2014/main" id="{081D1498-F865-C14C-EABF-3F7F140FE4EF}"/>
-              </a:ext>
-            </a:extLst>
-          </p:cNvPr>
-          <p:cNvPicPr>
-            <a:picLocks noChangeAspect="1"/>
-          </p:cNvPicPr>
-          <p:nvPr/>
-        </p:nvPicPr>
-        <p:blipFill>
-          <a:blip r:embed="rId2"/>
-          <a:stretch>
-            <a:fillRect/>
-          </a:stretch>
-        </p:blipFill>
-        <p:spPr>
-          <a:xfrm>
-            <a:off x="524620" y="1170264"/>
-            <a:ext cx="8094760" cy="4517472"/>
-          </a:xfrm>
-          <a:prstGeom prst="rect">
-            <a:avLst/>
-          </a:prstGeom>
-        </p:spPr>
-      </p:pic>
-      <p:sp>
-        <p:nvSpPr>
-          <p:cNvPr id="6" name="TextBox 5">
-            <a:extLst>
-              <a:ext uri="{FF2B5EF4-FFF2-40B4-BE49-F238E27FC236}">
-                <a16:creationId xmlns:a16="http://schemas.microsoft.com/office/drawing/2014/main" id="{B7925EF9-A783-8367-F0DD-C138BB0DAE8B}"/>
-              </a:ext>
-            </a:extLst>
-          </p:cNvPr>
-          <p:cNvSpPr txBox="1"/>
-          <p:nvPr/>
-        </p:nvSpPr>
-        <p:spPr>
-          <a:xfrm>
-            <a:off x="1886489" y="5777881"/>
-            <a:ext cx="5455981" cy="461665"/>
-          </a:xfrm>
-          <a:prstGeom prst="rect">
-            <a:avLst/>
-          </a:prstGeom>
-          <a:noFill/>
-        </p:spPr>
-        <p:txBody>
-          <a:bodyPr wrap="none" rtlCol="0">
-            <a:spAutoFit/>
-          </a:bodyPr>
-          <a:lstStyle/>
-          <a:p>
-            <a:pPr algn="l"/>
-            <a:r>
-              <a:rPr kumimoji="1" lang="zh-CN" altLang="en-US" sz="2400" dirty="0"/>
-              <a:t>选自</a:t>
-            </a:r>
-            <a:r>
-              <a:rPr kumimoji="1" lang="en-US" altLang="zh-CN" sz="2400" dirty="0"/>
-              <a:t>Analysis</a:t>
-            </a:r>
-            <a:r>
-              <a:rPr kumimoji="1" lang="zh-CN" altLang="en-US" sz="2400" dirty="0"/>
-              <a:t> </a:t>
-            </a:r>
-            <a:r>
-              <a:rPr kumimoji="1" lang="en-US" altLang="zh-CN" sz="2400" dirty="0"/>
-              <a:t>of</a:t>
-            </a:r>
-            <a:r>
-              <a:rPr kumimoji="1" lang="zh-CN" altLang="en-US" sz="2400" dirty="0"/>
-              <a:t> </a:t>
-            </a:r>
-            <a:r>
-              <a:rPr kumimoji="1" lang="en-US" altLang="zh-CN" sz="2400" dirty="0"/>
-              <a:t>Algorithms</a:t>
-            </a:r>
-            <a:r>
-              <a:rPr kumimoji="1" lang="zh-CN" altLang="en-US" sz="2400" dirty="0"/>
-              <a:t> </a:t>
-            </a:r>
-            <a:r>
-              <a:rPr kumimoji="1" lang="en-US" altLang="zh-CN" sz="2400" dirty="0"/>
-              <a:t>(Coursera)</a:t>
-            </a:r>
-            <a:endParaRPr kumimoji="1" lang="zh-CN" altLang="en-US" sz="2400" dirty="0"/>
-          </a:p>
-        </p:txBody>
-      </p:sp>
-      <p:sp>
-        <p:nvSpPr>
-          <p:cNvPr id="7" name="Merge 6">
-            <a:extLst>
-              <a:ext uri="{FF2B5EF4-FFF2-40B4-BE49-F238E27FC236}">
-                <a16:creationId xmlns:a16="http://schemas.microsoft.com/office/drawing/2014/main" id="{B92537BA-C178-69BF-AF7E-4D16B3594917}"/>
-              </a:ext>
-            </a:extLst>
-          </p:cNvPr>
-          <p:cNvSpPr/>
-          <p:nvPr/>
-        </p:nvSpPr>
-        <p:spPr>
-          <a:xfrm>
-            <a:off x="396421" y="335130"/>
-            <a:ext cx="705394" cy="705394"/>
-          </a:xfrm>
-          <a:prstGeom prst="flowChartMerge">
-            <a:avLst/>
-          </a:prstGeom>
-          <a:solidFill>
-            <a:schemeClr val="lt1">
-              <a:alpha val="75518"/>
-            </a:schemeClr>
-          </a:solidFill>
-        </p:spPr>
-        <p:style>
-          <a:lnRef idx="2">
-            <a:schemeClr val="accent5"/>
-          </a:lnRef>
-          <a:fillRef idx="1">
-            <a:schemeClr val="lt1"/>
-          </a:fillRef>
-          <a:effectRef idx="0">
-            <a:schemeClr val="accent5"/>
-          </a:effectRef>
-          <a:fontRef idx="minor">
-            <a:schemeClr val="dk1"/>
-          </a:fontRef>
-        </p:style>
-        <p:txBody>
-          <a:bodyPr rtlCol="0" anchor="ctr"/>
-          <a:lstStyle/>
-          <a:p>
-            <a:pPr algn="ctr"/>
-            <a:endParaRPr kumimoji="1" lang="zh-CN" altLang="en-US" sz="1600" dirty="0">
-              <a:latin typeface="Consolas" panose="020B0609020204030204" pitchFamily="49" charset="0"/>
-              <a:ea typeface="FangSong" panose="02010609060101010101" pitchFamily="49" charset="-122"/>
-              <a:cs typeface="Consolas" panose="020B0609020204030204" pitchFamily="49" charset="0"/>
-            </a:endParaRPr>
-          </a:p>
-        </p:txBody>
-      </p:sp>
-    </p:spTree>
-    <p:extLst>
-      <p:ext uri="{BB962C8B-B14F-4D97-AF65-F5344CB8AC3E}">
-        <p14:creationId xmlns:p14="http://schemas.microsoft.com/office/powerpoint/2010/main" val="1150933897"/>
-      </p:ext>
-    </p:extLst>
-  </p:cSld>
-  <p:clrMapOvr>
-    <a:masterClrMapping/>
-  </p:clrMapOvr>
-</p:sld>
-</file>
-
-<file path=ppt/slides/slide14.xml><?xml version="1.0" encoding="utf-8"?>
-<p:sld xmlns:a="http://schemas.openxmlformats.org/drawingml/2006/main" xmlns:r="http://schemas.openxmlformats.org/officeDocument/2006/relationships" xmlns:p="http://schemas.openxmlformats.org/presentationml/2006/main">
-  <p:cSld>
-    <p:spTree>
-      <p:nvGrpSpPr>
-        <p:cNvPr id="1" name=""/>
-        <p:cNvGrpSpPr/>
-        <p:nvPr/>
-      </p:nvGrpSpPr>
-      <p:grpSpPr>
-        <a:xfrm>
-          <a:off x="0" y="0"/>
-          <a:ext cx="0" cy="0"/>
-          <a:chOff x="0" y="0"/>
-          <a:chExt cx="0" cy="0"/>
-        </a:xfrm>
-      </p:grpSpPr>
-      <p:sp>
-        <p:nvSpPr>
-          <p:cNvPr id="2" name="Slide Number Placeholder 1">
-            <a:extLst>
-              <a:ext uri="{FF2B5EF4-FFF2-40B4-BE49-F238E27FC236}">
-                <a16:creationId xmlns:a16="http://schemas.microsoft.com/office/drawing/2014/main" id="{DC86E2BC-9F71-DB0B-A96D-992A8E2235BC}"/>
-              </a:ext>
-            </a:extLst>
-          </p:cNvPr>
-          <p:cNvSpPr>
-            <a:spLocks noGrp="1"/>
-          </p:cNvSpPr>
-          <p:nvPr>
-            <p:ph type="sldNum" sz="quarter" idx="12"/>
-          </p:nvPr>
-        </p:nvSpPr>
-        <p:spPr/>
-        <p:txBody>
-          <a:bodyPr/>
-          <a:lstStyle/>
-          <a:p>
-            <a:fld id="{7A304655-5D53-B746-8252-3F5A598C52D3}" type="slidenum">
-              <a:rPr lang="en-CN" smtClean="0"/>
-              <a:pPr/>
-              <a:t>14</a:t>
-            </a:fld>
-            <a:endParaRPr lang="en-CN"/>
-          </a:p>
-        </p:txBody>
-      </p:sp>
-      <p:sp>
-        <p:nvSpPr>
-          <p:cNvPr id="4" name="Title 3">
-            <a:extLst>
-              <a:ext uri="{FF2B5EF4-FFF2-40B4-BE49-F238E27FC236}">
-                <a16:creationId xmlns:a16="http://schemas.microsoft.com/office/drawing/2014/main" id="{93F391E9-3AF5-176E-2C96-4681FB11F2EB}"/>
-              </a:ext>
-            </a:extLst>
-          </p:cNvPr>
-          <p:cNvSpPr>
-            <a:spLocks noGrp="1"/>
-          </p:cNvSpPr>
-          <p:nvPr>
-            <p:ph type="title"/>
-          </p:nvPr>
-        </p:nvSpPr>
-        <p:spPr/>
-        <p:txBody>
-          <a:bodyPr/>
-          <a:lstStyle/>
-          <a:p>
-            <a:r>
-              <a:rPr lang="zh-CN" altLang="en-US"/>
-              <a:t>排序问题</a:t>
-            </a:r>
-          </a:p>
-        </p:txBody>
-      </p:sp>
-    </p:spTree>
-    <p:extLst>
-      <p:ext uri="{BB962C8B-B14F-4D97-AF65-F5344CB8AC3E}">
-        <p14:creationId xmlns:p14="http://schemas.microsoft.com/office/powerpoint/2010/main" val="514680864"/>
-      </p:ext>
-    </p:extLst>
-  </p:cSld>
-  <p:clrMapOvr>
-    <a:masterClrMapping/>
-  </p:clrMapOvr>
-</p:sld>
-</file>
-
-<file path=ppt/slides/slide2.xml><?xml version="1.0" encoding="utf-8"?>
-<p:sld xmlns:a="http://schemas.openxmlformats.org/drawingml/2006/main" xmlns:r="http://schemas.openxmlformats.org/officeDocument/2006/relationships" xmlns:p="http://schemas.openxmlformats.org/presentationml/2006/main">
-  <p:cSld>
-    <p:spTree>
-      <p:nvGrpSpPr>
-        <p:cNvPr id="1" name=""/>
-        <p:cNvGrpSpPr/>
-        <p:nvPr/>
-      </p:nvGrpSpPr>
-      <p:grpSpPr>
-        <a:xfrm>
-          <a:off x="0" y="0"/>
-          <a:ext cx="0" cy="0"/>
-          <a:chOff x="0" y="0"/>
-          <a:chExt cx="0" cy="0"/>
-        </a:xfrm>
-      </p:grpSpPr>
-      <p:sp>
-        <p:nvSpPr>
-          <p:cNvPr id="2" name="Slide Number Placeholder 1">
-            <a:extLst>
-              <a:ext uri="{FF2B5EF4-FFF2-40B4-BE49-F238E27FC236}">
-                <a16:creationId xmlns:a16="http://schemas.microsoft.com/office/drawing/2014/main" id="{221EDF88-8D28-2A7D-1737-B9112AC5E0F0}"/>
-              </a:ext>
-            </a:extLst>
-          </p:cNvPr>
-          <p:cNvSpPr>
-            <a:spLocks noGrp="1"/>
-          </p:cNvSpPr>
-          <p:nvPr>
-            <p:ph type="sldNum" sz="quarter" idx="12"/>
-          </p:nvPr>
-        </p:nvSpPr>
-        <p:spPr/>
-        <p:txBody>
-          <a:bodyPr/>
-          <a:lstStyle/>
-          <a:p>
-            <a:fld id="{7A304655-5D53-B746-8252-3F5A598C52D3}" type="slidenum">
-              <a:rPr lang="en-CN" smtClean="0"/>
-              <a:pPr/>
-              <a:t>2</a:t>
-            </a:fld>
-            <a:endParaRPr lang="en-CN" dirty="0"/>
-          </a:p>
-        </p:txBody>
-      </p:sp>
-      <p:sp>
-        <p:nvSpPr>
-          <p:cNvPr id="4" name="TextBox 3">
-            <a:extLst>
-              <a:ext uri="{FF2B5EF4-FFF2-40B4-BE49-F238E27FC236}">
-                <a16:creationId xmlns:a16="http://schemas.microsoft.com/office/drawing/2014/main" id="{8B29882B-FFAE-239E-8E47-130FA67976AD}"/>
-              </a:ext>
-            </a:extLst>
-          </p:cNvPr>
-          <p:cNvSpPr txBox="1"/>
-          <p:nvPr/>
-        </p:nvSpPr>
-        <p:spPr>
-          <a:xfrm>
-            <a:off x="5486400" y="2220461"/>
-            <a:ext cx="3113409" cy="1323439"/>
-          </a:xfrm>
-          <a:prstGeom prst="rect">
-            <a:avLst/>
-          </a:prstGeom>
-          <a:noFill/>
-        </p:spPr>
-        <p:txBody>
           <a:bodyPr wrap="square" rtlCol="0">
             <a:spAutoFit/>
           </a:bodyPr>
@@ -3378,7 +2253,15 @@
             <a:pPr algn="r"/>
             <a:r>
               <a:rPr kumimoji="1" lang="zh-CN" altLang="en-US" sz="4000" dirty="0"/>
-              <a:t>递归地求解问题</a:t>
+              <a:t>递归地</a:t>
+            </a:r>
+            <a:endParaRPr kumimoji="1" lang="en-US" altLang="zh-CN" sz="4000" dirty="0"/>
+          </a:p>
+          <a:p>
+            <a:pPr algn="r"/>
+            <a:r>
+              <a:rPr kumimoji="1" lang="zh-CN" altLang="en-US" sz="4000" dirty="0"/>
+              <a:t>求解问题</a:t>
             </a:r>
           </a:p>
         </p:txBody>
@@ -3590,7 +2473,7 @@
         </p:blipFill>
         <p:spPr>
           <a:xfrm>
-            <a:off x="191910" y="918430"/>
+            <a:off x="349954" y="664762"/>
             <a:ext cx="5407379" cy="2604062"/>
           </a:xfrm>
           <a:prstGeom prst="rect">
@@ -3621,6 +2504,5768 @@
 </p:sld>
 </file>
 
+<file path=ppt/slides/slide10.xml><?xml version="1.0" encoding="utf-8"?>
+<p:sld xmlns:a="http://schemas.openxmlformats.org/drawingml/2006/main" xmlns:r="http://schemas.openxmlformats.org/officeDocument/2006/relationships" xmlns:p="http://schemas.openxmlformats.org/presentationml/2006/main">
+  <p:cSld>
+    <p:spTree>
+      <p:nvGrpSpPr>
+        <p:cNvPr id="1" name=""/>
+        <p:cNvGrpSpPr/>
+        <p:nvPr/>
+      </p:nvGrpSpPr>
+      <p:grpSpPr>
+        <a:xfrm>
+          <a:off x="0" y="0"/>
+          <a:ext cx="0" cy="0"/>
+          <a:chOff x="0" y="0"/>
+          <a:chExt cx="0" cy="0"/>
+        </a:xfrm>
+      </p:grpSpPr>
+      <p:sp>
+        <p:nvSpPr>
+          <p:cNvPr id="2" name="Slide Number Placeholder 1">
+            <a:extLst>
+              <a:ext uri="{FF2B5EF4-FFF2-40B4-BE49-F238E27FC236}">
+                <a16:creationId xmlns:a16="http://schemas.microsoft.com/office/drawing/2014/main" id="{942FEEEC-D191-9709-9783-F24F75450152}"/>
+              </a:ext>
+            </a:extLst>
+          </p:cNvPr>
+          <p:cNvSpPr>
+            <a:spLocks noGrp="1"/>
+          </p:cNvSpPr>
+          <p:nvPr>
+            <p:ph type="sldNum" sz="quarter" idx="12"/>
+          </p:nvPr>
+        </p:nvSpPr>
+        <p:spPr/>
+        <p:txBody>
+          <a:bodyPr/>
+          <a:lstStyle/>
+          <a:p>
+            <a:fld id="{7A304655-5D53-B746-8252-3F5A598C52D3}" type="slidenum">
+              <a:rPr lang="en-CN" smtClean="0"/>
+              <a:pPr/>
+              <a:t>10</a:t>
+            </a:fld>
+            <a:endParaRPr lang="en-CN"/>
+          </a:p>
+        </p:txBody>
+      </p:sp>
+      <p:sp>
+        <p:nvSpPr>
+          <p:cNvPr id="3" name="Title 2">
+            <a:extLst>
+              <a:ext uri="{FF2B5EF4-FFF2-40B4-BE49-F238E27FC236}">
+                <a16:creationId xmlns:a16="http://schemas.microsoft.com/office/drawing/2014/main" id="{BA1132FD-96B6-9BF7-29DB-472DBB0F191A}"/>
+              </a:ext>
+            </a:extLst>
+          </p:cNvPr>
+          <p:cNvSpPr>
+            <a:spLocks noGrp="1"/>
+          </p:cNvSpPr>
+          <p:nvPr>
+            <p:ph type="title"/>
+          </p:nvPr>
+        </p:nvSpPr>
+        <p:spPr/>
+        <p:txBody>
+          <a:bodyPr/>
+          <a:lstStyle/>
+          <a:p>
+            <a:r>
+              <a:rPr kumimoji="1" lang="zh-CN" altLang="en-US" dirty="0"/>
+              <a:t>正确性证明</a:t>
+            </a:r>
+          </a:p>
+        </p:txBody>
+      </p:sp>
+      <p:sp>
+        <p:nvSpPr>
+          <p:cNvPr id="4" name="Cloud Callout 3">
+            <a:extLst>
+              <a:ext uri="{FF2B5EF4-FFF2-40B4-BE49-F238E27FC236}">
+                <a16:creationId xmlns:a16="http://schemas.microsoft.com/office/drawing/2014/main" id="{610104B5-BA23-7643-BF50-523DC14BF082}"/>
+              </a:ext>
+            </a:extLst>
+          </p:cNvPr>
+          <p:cNvSpPr/>
+          <p:nvPr/>
+        </p:nvSpPr>
+        <p:spPr>
+          <a:xfrm>
+            <a:off x="5086800" y="1040524"/>
+            <a:ext cx="3814354" cy="675397"/>
+          </a:xfrm>
+          <a:prstGeom prst="cloudCallout">
+            <a:avLst/>
+          </a:prstGeom>
+          <a:solidFill>
+            <a:schemeClr val="lt1">
+              <a:alpha val="75518"/>
+            </a:schemeClr>
+          </a:solidFill>
+        </p:spPr>
+        <p:style>
+          <a:lnRef idx="2">
+            <a:schemeClr val="accent5"/>
+          </a:lnRef>
+          <a:fillRef idx="1">
+            <a:schemeClr val="lt1"/>
+          </a:fillRef>
+          <a:effectRef idx="0">
+            <a:schemeClr val="accent5"/>
+          </a:effectRef>
+          <a:fontRef idx="minor">
+            <a:schemeClr val="dk1"/>
+          </a:fontRef>
+        </p:style>
+        <p:txBody>
+          <a:bodyPr rtlCol="0" anchor="ctr"/>
+          <a:lstStyle/>
+          <a:p>
+            <a:pPr algn="ctr"/>
+            <a:r>
+              <a:rPr kumimoji="1" lang="zh-CN" altLang="en-US" sz="1600" dirty="0">
+                <a:latin typeface="Consolas" panose="020B0609020204030204" pitchFamily="49" charset="0"/>
+                <a:ea typeface="FangSong" panose="02010609060101010101" pitchFamily="49" charset="-122"/>
+                <a:cs typeface="Consolas" panose="020B0609020204030204" pitchFamily="49" charset="0"/>
+              </a:rPr>
+              <a:t>归纳法永远是你的好朋友</a:t>
+            </a:r>
+          </a:p>
+        </p:txBody>
+      </p:sp>
+      <p:sp>
+        <p:nvSpPr>
+          <p:cNvPr id="5" name="TextBox 4">
+            <a:extLst>
+              <a:ext uri="{FF2B5EF4-FFF2-40B4-BE49-F238E27FC236}">
+                <a16:creationId xmlns:a16="http://schemas.microsoft.com/office/drawing/2014/main" id="{11D01FCD-E107-7982-FAE6-BB0C44C9442C}"/>
+              </a:ext>
+            </a:extLst>
+          </p:cNvPr>
+          <p:cNvSpPr txBox="1"/>
+          <p:nvPr/>
+        </p:nvSpPr>
+        <p:spPr>
+          <a:xfrm>
+            <a:off x="628650" y="1378222"/>
+            <a:ext cx="7899920" cy="1569660"/>
+          </a:xfrm>
+          <a:prstGeom prst="rect">
+            <a:avLst/>
+          </a:prstGeom>
+          <a:noFill/>
+        </p:spPr>
+        <p:txBody>
+          <a:bodyPr wrap="none" rtlCol="0">
+            <a:spAutoFit/>
+          </a:bodyPr>
+          <a:lstStyle/>
+          <a:p>
+            <a:pPr marL="342900" indent="-342900" algn="l">
+              <a:buFont typeface="Arial" panose="020B0604020202020204" pitchFamily="34" charset="0"/>
+              <a:buChar char="•"/>
+            </a:pPr>
+            <a:r>
+              <a:rPr kumimoji="1" lang="en-US" altLang="zh-CN" sz="2400" dirty="0"/>
+              <a:t>Merge</a:t>
+            </a:r>
+            <a:r>
+              <a:rPr kumimoji="1" lang="zh-CN" altLang="en-US" sz="2400" dirty="0"/>
+              <a:t>过程是对的</a:t>
+            </a:r>
+            <a:endParaRPr kumimoji="1" lang="en-US" altLang="zh-CN" sz="2400" dirty="0"/>
+          </a:p>
+          <a:p>
+            <a:pPr marL="800100" lvl="1" indent="-342900">
+              <a:buFont typeface="Arial" panose="020B0604020202020204" pitchFamily="34" charset="0"/>
+              <a:buChar char="•"/>
+            </a:pPr>
+            <a:r>
+              <a:rPr kumimoji="1" lang="en-US" altLang="zh-CN" sz="2400" dirty="0"/>
+              <a:t>Informal:</a:t>
+            </a:r>
+            <a:r>
+              <a:rPr kumimoji="1" lang="zh-CN" altLang="en-US" sz="2400" dirty="0"/>
+              <a:t>每次选的是最小值</a:t>
+            </a:r>
+            <a:r>
+              <a:rPr kumimoji="1" lang="en-US" altLang="zh-CN" sz="2400" dirty="0"/>
+              <a:t>,</a:t>
+            </a:r>
+            <a:r>
+              <a:rPr kumimoji="1" lang="zh-CN" altLang="en-US" sz="2400" dirty="0"/>
+              <a:t> 结果当然是从小到大的</a:t>
+            </a:r>
+            <a:endParaRPr kumimoji="1" lang="en-US" altLang="zh-CN" sz="2400" dirty="0"/>
+          </a:p>
+          <a:p>
+            <a:pPr marL="342900" indent="-342900" algn="l">
+              <a:buFont typeface="Arial" panose="020B0604020202020204" pitchFamily="34" charset="0"/>
+              <a:buChar char="•"/>
+            </a:pPr>
+            <a:endParaRPr kumimoji="1" lang="en-US" altLang="zh-CN" sz="2400" dirty="0"/>
+          </a:p>
+          <a:p>
+            <a:pPr marL="342900" indent="-342900" algn="l">
+              <a:buFont typeface="Arial" panose="020B0604020202020204" pitchFamily="34" charset="0"/>
+              <a:buChar char="•"/>
+            </a:pPr>
+            <a:r>
+              <a:rPr kumimoji="1" lang="en-US" altLang="zh-CN" sz="2400" dirty="0" err="1"/>
+              <a:t>MergeSort</a:t>
+            </a:r>
+            <a:r>
+              <a:rPr kumimoji="1" lang="zh-CN" altLang="en-US" sz="2400" dirty="0"/>
+              <a:t>是对的</a:t>
+            </a:r>
+          </a:p>
+        </p:txBody>
+      </p:sp>
+      <p:sp>
+        <p:nvSpPr>
+          <p:cNvPr id="6" name="TextBox 5">
+            <a:extLst>
+              <a:ext uri="{FF2B5EF4-FFF2-40B4-BE49-F238E27FC236}">
+                <a16:creationId xmlns:a16="http://schemas.microsoft.com/office/drawing/2014/main" id="{D62EEAE1-4230-12BF-8131-6A0D97358E99}"/>
+              </a:ext>
+            </a:extLst>
+          </p:cNvPr>
+          <p:cNvSpPr txBox="1"/>
+          <p:nvPr/>
+        </p:nvSpPr>
+        <p:spPr>
+          <a:xfrm>
+            <a:off x="545860" y="3910118"/>
+            <a:ext cx="3378682" cy="1569660"/>
+          </a:xfrm>
+          <a:prstGeom prst="rect">
+            <a:avLst/>
+          </a:prstGeom>
+          <a:noFill/>
+        </p:spPr>
+        <p:txBody>
+          <a:bodyPr wrap="none" rtlCol="0">
+            <a:spAutoFit/>
+          </a:bodyPr>
+          <a:lstStyle/>
+          <a:p>
+            <a:pPr algn="ctr"/>
+            <a:r>
+              <a:rPr kumimoji="1" lang="en-US" altLang="zh-CN" sz="2400" dirty="0"/>
+              <a:t>Jeff</a:t>
+            </a:r>
+            <a:r>
+              <a:rPr kumimoji="1" lang="zh-CN" altLang="en-US" sz="2400" dirty="0"/>
+              <a:t> </a:t>
+            </a:r>
+            <a:r>
+              <a:rPr kumimoji="1" lang="en-US" altLang="zh-CN" sz="2400" dirty="0"/>
+              <a:t>Erickson</a:t>
+            </a:r>
+            <a:r>
+              <a:rPr kumimoji="1" lang="zh-CN" altLang="en-US" sz="2400" dirty="0"/>
+              <a:t> </a:t>
+            </a:r>
+            <a:r>
+              <a:rPr kumimoji="1" lang="en-US" altLang="zh-CN" sz="2400" dirty="0"/>
+              <a:t>Chapter</a:t>
+            </a:r>
+            <a:r>
+              <a:rPr kumimoji="1" lang="zh-CN" altLang="en-US" sz="2400" dirty="0"/>
+              <a:t> </a:t>
+            </a:r>
+            <a:r>
+              <a:rPr kumimoji="1" lang="en-US" altLang="zh-CN" sz="2400" dirty="0"/>
+              <a:t>2</a:t>
+            </a:r>
+          </a:p>
+          <a:p>
+            <a:pPr algn="ctr"/>
+            <a:r>
+              <a:rPr kumimoji="1" lang="en-US" altLang="zh-CN" sz="2400" dirty="0"/>
+              <a:t>Lemma</a:t>
+            </a:r>
+            <a:r>
+              <a:rPr kumimoji="1" lang="zh-CN" altLang="en-US" sz="2400" dirty="0"/>
+              <a:t> </a:t>
+            </a:r>
+            <a:r>
+              <a:rPr kumimoji="1" lang="en-US" altLang="zh-CN" sz="2400" dirty="0"/>
+              <a:t>1.1</a:t>
+            </a:r>
+            <a:r>
+              <a:rPr kumimoji="1" lang="zh-CN" altLang="en-US" sz="2400" dirty="0"/>
+              <a:t> </a:t>
+            </a:r>
+            <a:endParaRPr kumimoji="1" lang="en-US" altLang="zh-CN" sz="2400" dirty="0"/>
+          </a:p>
+          <a:p>
+            <a:pPr algn="ctr"/>
+            <a:r>
+              <a:rPr kumimoji="1" lang="en-US" altLang="zh-CN" sz="2400" dirty="0"/>
+              <a:t>Theorem</a:t>
+            </a:r>
+            <a:r>
+              <a:rPr kumimoji="1" lang="zh-CN" altLang="en-US" sz="2400" dirty="0"/>
+              <a:t> </a:t>
+            </a:r>
+            <a:r>
+              <a:rPr kumimoji="1" lang="en-US" altLang="zh-CN" sz="2400" dirty="0"/>
+              <a:t>1.2</a:t>
+            </a:r>
+          </a:p>
+          <a:p>
+            <a:pPr algn="ctr"/>
+            <a:r>
+              <a:rPr kumimoji="1" lang="zh-CN" altLang="en-US" sz="2400" dirty="0"/>
+              <a:t>或者点</a:t>
+            </a:r>
+            <a:r>
+              <a:rPr kumimoji="1" lang="en-US" altLang="zh-CN" sz="2400" dirty="0"/>
+              <a:t>Note</a:t>
+            </a:r>
+            <a:r>
+              <a:rPr kumimoji="1" lang="zh-CN" altLang="en-US" sz="2400" dirty="0"/>
+              <a:t>里面的 </a:t>
+            </a:r>
+            <a:r>
+              <a:rPr kumimoji="1" lang="en-US" altLang="zh-CN" sz="2400" dirty="0"/>
+              <a:t>“&gt;”</a:t>
+            </a:r>
+            <a:endParaRPr kumimoji="1" lang="zh-CN" altLang="en-US" sz="2400" dirty="0"/>
+          </a:p>
+        </p:txBody>
+      </p:sp>
+      <p:pic>
+        <p:nvPicPr>
+          <p:cNvPr id="7" name="Picture 6">
+            <a:extLst>
+              <a:ext uri="{FF2B5EF4-FFF2-40B4-BE49-F238E27FC236}">
+                <a16:creationId xmlns:a16="http://schemas.microsoft.com/office/drawing/2014/main" id="{305E312B-4493-C136-1CE9-A933EDCC2215}"/>
+              </a:ext>
+            </a:extLst>
+          </p:cNvPr>
+          <p:cNvPicPr>
+            <a:picLocks noChangeAspect="1"/>
+          </p:cNvPicPr>
+          <p:nvPr/>
+        </p:nvPicPr>
+        <p:blipFill>
+          <a:blip r:embed="rId2"/>
+          <a:stretch>
+            <a:fillRect/>
+          </a:stretch>
+        </p:blipFill>
+        <p:spPr>
+          <a:xfrm>
+            <a:off x="4099134" y="2391318"/>
+            <a:ext cx="5044866" cy="3722272"/>
+          </a:xfrm>
+          <a:prstGeom prst="rect">
+            <a:avLst/>
+          </a:prstGeom>
+        </p:spPr>
+      </p:pic>
+    </p:spTree>
+    <p:extLst>
+      <p:ext uri="{BB962C8B-B14F-4D97-AF65-F5344CB8AC3E}">
+        <p14:creationId xmlns:p14="http://schemas.microsoft.com/office/powerpoint/2010/main" val="1399789814"/>
+      </p:ext>
+    </p:extLst>
+  </p:cSld>
+  <p:clrMapOvr>
+    <a:masterClrMapping/>
+  </p:clrMapOvr>
+</p:sld>
+</file>
+
+<file path=ppt/slides/slide11.xml><?xml version="1.0" encoding="utf-8"?>
+<p:sld xmlns:a="http://schemas.openxmlformats.org/drawingml/2006/main" xmlns:r="http://schemas.openxmlformats.org/officeDocument/2006/relationships" xmlns:p="http://schemas.openxmlformats.org/presentationml/2006/main">
+  <p:cSld>
+    <p:spTree>
+      <p:nvGrpSpPr>
+        <p:cNvPr id="1" name=""/>
+        <p:cNvGrpSpPr/>
+        <p:nvPr/>
+      </p:nvGrpSpPr>
+      <p:grpSpPr>
+        <a:xfrm>
+          <a:off x="0" y="0"/>
+          <a:ext cx="0" cy="0"/>
+          <a:chOff x="0" y="0"/>
+          <a:chExt cx="0" cy="0"/>
+        </a:xfrm>
+      </p:grpSpPr>
+      <p:sp>
+        <p:nvSpPr>
+          <p:cNvPr id="2" name="Slide Number Placeholder 1">
+            <a:extLst>
+              <a:ext uri="{FF2B5EF4-FFF2-40B4-BE49-F238E27FC236}">
+                <a16:creationId xmlns:a16="http://schemas.microsoft.com/office/drawing/2014/main" id="{6FC98E56-A19B-10D8-42C4-0D08EDD94971}"/>
+              </a:ext>
+            </a:extLst>
+          </p:cNvPr>
+          <p:cNvSpPr>
+            <a:spLocks noGrp="1"/>
+          </p:cNvSpPr>
+          <p:nvPr>
+            <p:ph type="sldNum" sz="quarter" idx="12"/>
+          </p:nvPr>
+        </p:nvSpPr>
+        <p:spPr/>
+        <p:txBody>
+          <a:bodyPr/>
+          <a:lstStyle/>
+          <a:p>
+            <a:fld id="{7A304655-5D53-B746-8252-3F5A598C52D3}" type="slidenum">
+              <a:rPr lang="en-CN" smtClean="0"/>
+              <a:pPr/>
+              <a:t>11</a:t>
+            </a:fld>
+            <a:endParaRPr lang="en-CN"/>
+          </a:p>
+        </p:txBody>
+      </p:sp>
+      <p:sp>
+        <p:nvSpPr>
+          <p:cNvPr id="3" name="Title 2">
+            <a:extLst>
+              <a:ext uri="{FF2B5EF4-FFF2-40B4-BE49-F238E27FC236}">
+                <a16:creationId xmlns:a16="http://schemas.microsoft.com/office/drawing/2014/main" id="{1F77E191-8423-27C4-F528-60057AE3E35E}"/>
+              </a:ext>
+            </a:extLst>
+          </p:cNvPr>
+          <p:cNvSpPr>
+            <a:spLocks noGrp="1"/>
+          </p:cNvSpPr>
+          <p:nvPr>
+            <p:ph type="title"/>
+          </p:nvPr>
+        </p:nvSpPr>
+        <p:spPr/>
+        <p:txBody>
+          <a:bodyPr/>
+          <a:lstStyle/>
+          <a:p>
+            <a:r>
+              <a:rPr kumimoji="1" lang="zh-CN" altLang="en-US" dirty="0"/>
+              <a:t>用多少时间</a:t>
+            </a:r>
+            <a:r>
+              <a:rPr kumimoji="1" lang="en-US" altLang="zh-CN" dirty="0"/>
+              <a:t>?</a:t>
+            </a:r>
+            <a:endParaRPr kumimoji="1" lang="zh-CN" altLang="en-US" dirty="0"/>
+          </a:p>
+        </p:txBody>
+      </p:sp>
+      <p:pic>
+        <p:nvPicPr>
+          <p:cNvPr id="4" name="Picture 3">
+            <a:extLst>
+              <a:ext uri="{FF2B5EF4-FFF2-40B4-BE49-F238E27FC236}">
+                <a16:creationId xmlns:a16="http://schemas.microsoft.com/office/drawing/2014/main" id="{C919D3C3-47E3-7198-EDE4-839317DE5EC7}"/>
+              </a:ext>
+            </a:extLst>
+          </p:cNvPr>
+          <p:cNvPicPr>
+            <a:picLocks noChangeAspect="1"/>
+          </p:cNvPicPr>
+          <p:nvPr/>
+        </p:nvPicPr>
+        <p:blipFill>
+          <a:blip r:embed="rId2">
+            <a:clrChange>
+              <a:clrFrom>
+                <a:srgbClr val="F5F5F5"/>
+              </a:clrFrom>
+              <a:clrTo>
+                <a:srgbClr val="F5F5F5">
+                  <a:alpha val="0"/>
+                </a:srgbClr>
+              </a:clrTo>
+            </a:clrChange>
+          </a:blip>
+          <a:stretch>
+            <a:fillRect/>
+          </a:stretch>
+        </p:blipFill>
+        <p:spPr>
+          <a:xfrm>
+            <a:off x="527050" y="1358900"/>
+            <a:ext cx="7988300" cy="2070100"/>
+          </a:xfrm>
+          <a:prstGeom prst="rect">
+            <a:avLst/>
+          </a:prstGeom>
+        </p:spPr>
+      </p:pic>
+      <p:sp>
+        <p:nvSpPr>
+          <p:cNvPr id="5" name="TextBox 4">
+            <a:extLst>
+              <a:ext uri="{FF2B5EF4-FFF2-40B4-BE49-F238E27FC236}">
+                <a16:creationId xmlns:a16="http://schemas.microsoft.com/office/drawing/2014/main" id="{8EFB98E3-2C7C-35E7-5CB5-D0C0D9EF9B58}"/>
+              </a:ext>
+            </a:extLst>
+          </p:cNvPr>
+          <p:cNvSpPr txBox="1"/>
+          <p:nvPr/>
+        </p:nvSpPr>
+        <p:spPr>
+          <a:xfrm>
+            <a:off x="2632702" y="3747376"/>
+            <a:ext cx="3776996" cy="461665"/>
+          </a:xfrm>
+          <a:prstGeom prst="rect">
+            <a:avLst/>
+          </a:prstGeom>
+          <a:noFill/>
+        </p:spPr>
+        <p:txBody>
+          <a:bodyPr wrap="none" rtlCol="0">
+            <a:spAutoFit/>
+          </a:bodyPr>
+          <a:lstStyle/>
+          <a:p>
+            <a:pPr algn="l"/>
+            <a:r>
+              <a:rPr kumimoji="1" lang="zh-CN" altLang="en-US" sz="2400" dirty="0"/>
+              <a:t>为什么可以去掉取</a:t>
+            </a:r>
+            <a:r>
+              <a:rPr kumimoji="1" lang="zh-CN" altLang="en-CN" sz="2400" dirty="0"/>
+              <a:t>整</a:t>
+            </a:r>
+            <a:r>
+              <a:rPr kumimoji="1" lang="zh-CN" altLang="en-US" sz="2400" dirty="0"/>
+              <a:t>记号</a:t>
+            </a:r>
+            <a:r>
+              <a:rPr kumimoji="1" lang="en-US" altLang="zh-CN" sz="2400" dirty="0"/>
+              <a:t>?</a:t>
+            </a:r>
+            <a:endParaRPr kumimoji="1" lang="zh-CN" altLang="en-US" sz="2400" dirty="0"/>
+          </a:p>
+        </p:txBody>
+      </p:sp>
+      <p:sp>
+        <p:nvSpPr>
+          <p:cNvPr id="6" name="TextBox 5">
+            <a:extLst>
+              <a:ext uri="{FF2B5EF4-FFF2-40B4-BE49-F238E27FC236}">
+                <a16:creationId xmlns:a16="http://schemas.microsoft.com/office/drawing/2014/main" id="{E6DB19E2-0A71-0BCE-83FA-D07211C6FB86}"/>
+              </a:ext>
+            </a:extLst>
+          </p:cNvPr>
+          <p:cNvSpPr txBox="1"/>
+          <p:nvPr/>
+        </p:nvSpPr>
+        <p:spPr>
+          <a:xfrm>
+            <a:off x="1123406" y="4493623"/>
+            <a:ext cx="5808000" cy="830997"/>
+          </a:xfrm>
+          <a:prstGeom prst="rect">
+            <a:avLst/>
+          </a:prstGeom>
+          <a:noFill/>
+        </p:spPr>
+        <p:txBody>
+          <a:bodyPr wrap="none" rtlCol="0">
+            <a:spAutoFit/>
+          </a:bodyPr>
+          <a:lstStyle/>
+          <a:p>
+            <a:pPr marL="342900" indent="-342900" algn="l">
+              <a:buFont typeface="Arial" panose="020B0604020202020204" pitchFamily="34" charset="0"/>
+              <a:buChar char="•"/>
+            </a:pPr>
+            <a:r>
+              <a:rPr kumimoji="1" lang="zh-CN" altLang="en-US" sz="2400" dirty="0"/>
+              <a:t>太小了</a:t>
+            </a:r>
+            <a:r>
+              <a:rPr kumimoji="1" lang="en-US" altLang="zh-CN" sz="2400" dirty="0"/>
+              <a:t>?</a:t>
+            </a:r>
+            <a:r>
+              <a:rPr kumimoji="1" lang="zh-CN" altLang="en-US" sz="2400" dirty="0"/>
+              <a:t> 有多小</a:t>
+            </a:r>
+            <a:r>
+              <a:rPr kumimoji="1" lang="en-US" altLang="zh-CN" sz="2400" dirty="0"/>
+              <a:t>?</a:t>
+            </a:r>
+            <a:r>
+              <a:rPr kumimoji="1" lang="zh-CN" altLang="en-US" sz="2400" dirty="0"/>
+              <a:t> 误差会累计吗</a:t>
+            </a:r>
+            <a:r>
+              <a:rPr kumimoji="1" lang="en-US" altLang="zh-CN" sz="2400" dirty="0"/>
+              <a:t>?</a:t>
+            </a:r>
+          </a:p>
+          <a:p>
+            <a:pPr marL="342900" indent="-342900" algn="l">
+              <a:buFont typeface="Arial" panose="020B0604020202020204" pitchFamily="34" charset="0"/>
+              <a:buChar char="•"/>
+            </a:pPr>
+            <a:r>
+              <a:rPr kumimoji="1" lang="en-US" altLang="zh-CN" sz="2400" dirty="0"/>
+              <a:t>Aside:</a:t>
+            </a:r>
+            <a:r>
+              <a:rPr kumimoji="1" lang="zh-CN" altLang="en-US" sz="2400" dirty="0"/>
+              <a:t> </a:t>
+            </a:r>
+            <a:r>
+              <a:rPr kumimoji="1" lang="en-US" altLang="zh-CN" sz="2400" dirty="0"/>
+              <a:t>O</a:t>
+            </a:r>
+            <a:r>
+              <a:rPr kumimoji="1" lang="zh-CN" altLang="en-US" sz="2400" dirty="0"/>
+              <a:t>本身就是一个非常粗略的记号</a:t>
+            </a:r>
+          </a:p>
+        </p:txBody>
+      </p:sp>
+      <p:sp>
+        <p:nvSpPr>
+          <p:cNvPr id="8" name="Merge 7">
+            <a:extLst>
+              <a:ext uri="{FF2B5EF4-FFF2-40B4-BE49-F238E27FC236}">
+                <a16:creationId xmlns:a16="http://schemas.microsoft.com/office/drawing/2014/main" id="{A40BEA53-4950-0B71-4624-48DB56CF2B39}"/>
+              </a:ext>
+            </a:extLst>
+          </p:cNvPr>
+          <p:cNvSpPr/>
+          <p:nvPr/>
+        </p:nvSpPr>
+        <p:spPr>
+          <a:xfrm>
+            <a:off x="527050" y="3713582"/>
+            <a:ext cx="705394" cy="705394"/>
+          </a:xfrm>
+          <a:prstGeom prst="flowChartMerge">
+            <a:avLst/>
+          </a:prstGeom>
+          <a:solidFill>
+            <a:schemeClr val="lt1">
+              <a:alpha val="75518"/>
+            </a:schemeClr>
+          </a:solidFill>
+        </p:spPr>
+        <p:style>
+          <a:lnRef idx="2">
+            <a:schemeClr val="accent5"/>
+          </a:lnRef>
+          <a:fillRef idx="1">
+            <a:schemeClr val="lt1"/>
+          </a:fillRef>
+          <a:effectRef idx="0">
+            <a:schemeClr val="accent5"/>
+          </a:effectRef>
+          <a:fontRef idx="minor">
+            <a:schemeClr val="dk1"/>
+          </a:fontRef>
+        </p:style>
+        <p:txBody>
+          <a:bodyPr rtlCol="0" anchor="ctr"/>
+          <a:lstStyle/>
+          <a:p>
+            <a:pPr algn="ctr"/>
+            <a:endParaRPr kumimoji="1" lang="zh-CN" altLang="en-US" sz="1600" dirty="0">
+              <a:latin typeface="Consolas" panose="020B0609020204030204" pitchFamily="49" charset="0"/>
+              <a:ea typeface="FangSong" panose="02010609060101010101" pitchFamily="49" charset="-122"/>
+              <a:cs typeface="Consolas" panose="020B0609020204030204" pitchFamily="49" charset="0"/>
+            </a:endParaRPr>
+          </a:p>
+        </p:txBody>
+      </p:sp>
+    </p:spTree>
+    <p:extLst>
+      <p:ext uri="{BB962C8B-B14F-4D97-AF65-F5344CB8AC3E}">
+        <p14:creationId xmlns:p14="http://schemas.microsoft.com/office/powerpoint/2010/main" val="108398700"/>
+      </p:ext>
+    </p:extLst>
+  </p:cSld>
+  <p:clrMapOvr>
+    <a:masterClrMapping/>
+  </p:clrMapOvr>
+</p:sld>
+</file>
+
+<file path=ppt/slides/slide12.xml><?xml version="1.0" encoding="utf-8"?>
+<p:sld xmlns:a="http://schemas.openxmlformats.org/drawingml/2006/main" xmlns:r="http://schemas.openxmlformats.org/officeDocument/2006/relationships" xmlns:p="http://schemas.openxmlformats.org/presentationml/2006/main">
+  <p:cSld>
+    <p:spTree>
+      <p:nvGrpSpPr>
+        <p:cNvPr id="1" name=""/>
+        <p:cNvGrpSpPr/>
+        <p:nvPr/>
+      </p:nvGrpSpPr>
+      <p:grpSpPr>
+        <a:xfrm>
+          <a:off x="0" y="0"/>
+          <a:ext cx="0" cy="0"/>
+          <a:chOff x="0" y="0"/>
+          <a:chExt cx="0" cy="0"/>
+        </a:xfrm>
+      </p:grpSpPr>
+      <p:sp>
+        <p:nvSpPr>
+          <p:cNvPr id="2" name="Slide Number Placeholder 1">
+            <a:extLst>
+              <a:ext uri="{FF2B5EF4-FFF2-40B4-BE49-F238E27FC236}">
+                <a16:creationId xmlns:a16="http://schemas.microsoft.com/office/drawing/2014/main" id="{5D3E279F-089A-8A9D-1445-B25474CB1A7F}"/>
+              </a:ext>
+            </a:extLst>
+          </p:cNvPr>
+          <p:cNvSpPr>
+            <a:spLocks noGrp="1"/>
+          </p:cNvSpPr>
+          <p:nvPr>
+            <p:ph type="sldNum" sz="quarter" idx="12"/>
+          </p:nvPr>
+        </p:nvSpPr>
+        <p:spPr/>
+        <p:txBody>
+          <a:bodyPr/>
+          <a:lstStyle/>
+          <a:p>
+            <a:fld id="{7A304655-5D53-B746-8252-3F5A598C52D3}" type="slidenum">
+              <a:rPr lang="en-CN" smtClean="0"/>
+              <a:pPr/>
+              <a:t>12</a:t>
+            </a:fld>
+            <a:endParaRPr lang="en-CN"/>
+          </a:p>
+        </p:txBody>
+      </p:sp>
+      <p:sp>
+        <p:nvSpPr>
+          <p:cNvPr id="3" name="Title 2">
+            <a:extLst>
+              <a:ext uri="{FF2B5EF4-FFF2-40B4-BE49-F238E27FC236}">
+                <a16:creationId xmlns:a16="http://schemas.microsoft.com/office/drawing/2014/main" id="{2A4EDCCE-D1BD-CCFE-0DDC-20DA76D09859}"/>
+              </a:ext>
+            </a:extLst>
+          </p:cNvPr>
+          <p:cNvSpPr>
+            <a:spLocks noGrp="1"/>
+          </p:cNvSpPr>
+          <p:nvPr>
+            <p:ph type="title"/>
+          </p:nvPr>
+        </p:nvSpPr>
+        <p:spPr/>
+        <p:txBody>
+          <a:bodyPr/>
+          <a:lstStyle/>
+          <a:p>
+            <a:r>
+              <a:rPr kumimoji="1" lang="en-US" altLang="zh-CN" dirty="0"/>
+              <a:t>Aside:</a:t>
+            </a:r>
+            <a:r>
+              <a:rPr kumimoji="1" lang="zh-CN" altLang="en-US" dirty="0"/>
+              <a:t> 大</a:t>
+            </a:r>
+            <a:r>
+              <a:rPr kumimoji="1" lang="en-US" altLang="zh-CN" dirty="0"/>
+              <a:t>O</a:t>
+            </a:r>
+            <a:r>
+              <a:rPr kumimoji="1" lang="zh-CN" altLang="en-US" dirty="0"/>
+              <a:t>记号是一个非常粗略的估计</a:t>
+            </a:r>
+          </a:p>
+        </p:txBody>
+      </p:sp>
+      <p:pic>
+        <p:nvPicPr>
+          <p:cNvPr id="5" name="Picture 4">
+            <a:extLst>
+              <a:ext uri="{FF2B5EF4-FFF2-40B4-BE49-F238E27FC236}">
+                <a16:creationId xmlns:a16="http://schemas.microsoft.com/office/drawing/2014/main" id="{081D1498-F865-C14C-EABF-3F7F140FE4EF}"/>
+              </a:ext>
+            </a:extLst>
+          </p:cNvPr>
+          <p:cNvPicPr>
+            <a:picLocks noChangeAspect="1"/>
+          </p:cNvPicPr>
+          <p:nvPr/>
+        </p:nvPicPr>
+        <p:blipFill>
+          <a:blip r:embed="rId2"/>
+          <a:stretch>
+            <a:fillRect/>
+          </a:stretch>
+        </p:blipFill>
+        <p:spPr>
+          <a:xfrm>
+            <a:off x="524620" y="1170264"/>
+            <a:ext cx="8094760" cy="4517472"/>
+          </a:xfrm>
+          <a:prstGeom prst="rect">
+            <a:avLst/>
+          </a:prstGeom>
+        </p:spPr>
+      </p:pic>
+      <p:sp>
+        <p:nvSpPr>
+          <p:cNvPr id="6" name="TextBox 5">
+            <a:extLst>
+              <a:ext uri="{FF2B5EF4-FFF2-40B4-BE49-F238E27FC236}">
+                <a16:creationId xmlns:a16="http://schemas.microsoft.com/office/drawing/2014/main" id="{B7925EF9-A783-8367-F0DD-C138BB0DAE8B}"/>
+              </a:ext>
+            </a:extLst>
+          </p:cNvPr>
+          <p:cNvSpPr txBox="1"/>
+          <p:nvPr/>
+        </p:nvSpPr>
+        <p:spPr>
+          <a:xfrm>
+            <a:off x="1886489" y="5777881"/>
+            <a:ext cx="5455981" cy="461665"/>
+          </a:xfrm>
+          <a:prstGeom prst="rect">
+            <a:avLst/>
+          </a:prstGeom>
+          <a:noFill/>
+        </p:spPr>
+        <p:txBody>
+          <a:bodyPr wrap="none" rtlCol="0">
+            <a:spAutoFit/>
+          </a:bodyPr>
+          <a:lstStyle/>
+          <a:p>
+            <a:pPr algn="l"/>
+            <a:r>
+              <a:rPr kumimoji="1" lang="zh-CN" altLang="en-US" sz="2400" dirty="0"/>
+              <a:t>选自</a:t>
+            </a:r>
+            <a:r>
+              <a:rPr kumimoji="1" lang="en-US" altLang="zh-CN" sz="2400" dirty="0"/>
+              <a:t>Analysis</a:t>
+            </a:r>
+            <a:r>
+              <a:rPr kumimoji="1" lang="zh-CN" altLang="en-US" sz="2400" dirty="0"/>
+              <a:t> </a:t>
+            </a:r>
+            <a:r>
+              <a:rPr kumimoji="1" lang="en-US" altLang="zh-CN" sz="2400" dirty="0"/>
+              <a:t>of</a:t>
+            </a:r>
+            <a:r>
+              <a:rPr kumimoji="1" lang="zh-CN" altLang="en-US" sz="2400" dirty="0"/>
+              <a:t> </a:t>
+            </a:r>
+            <a:r>
+              <a:rPr kumimoji="1" lang="en-US" altLang="zh-CN" sz="2400" dirty="0"/>
+              <a:t>Algorithms</a:t>
+            </a:r>
+            <a:r>
+              <a:rPr kumimoji="1" lang="zh-CN" altLang="en-US" sz="2400" dirty="0"/>
+              <a:t> </a:t>
+            </a:r>
+            <a:r>
+              <a:rPr kumimoji="1" lang="en-US" altLang="zh-CN" sz="2400" dirty="0"/>
+              <a:t>(Coursera)</a:t>
+            </a:r>
+            <a:endParaRPr kumimoji="1" lang="zh-CN" altLang="en-US" sz="2400" dirty="0"/>
+          </a:p>
+        </p:txBody>
+      </p:sp>
+      <p:sp>
+        <p:nvSpPr>
+          <p:cNvPr id="7" name="Merge 6">
+            <a:extLst>
+              <a:ext uri="{FF2B5EF4-FFF2-40B4-BE49-F238E27FC236}">
+                <a16:creationId xmlns:a16="http://schemas.microsoft.com/office/drawing/2014/main" id="{B92537BA-C178-69BF-AF7E-4D16B3594917}"/>
+              </a:ext>
+            </a:extLst>
+          </p:cNvPr>
+          <p:cNvSpPr/>
+          <p:nvPr/>
+        </p:nvSpPr>
+        <p:spPr>
+          <a:xfrm>
+            <a:off x="396421" y="335130"/>
+            <a:ext cx="705394" cy="705394"/>
+          </a:xfrm>
+          <a:prstGeom prst="flowChartMerge">
+            <a:avLst/>
+          </a:prstGeom>
+          <a:solidFill>
+            <a:schemeClr val="lt1">
+              <a:alpha val="75518"/>
+            </a:schemeClr>
+          </a:solidFill>
+        </p:spPr>
+        <p:style>
+          <a:lnRef idx="2">
+            <a:schemeClr val="accent5"/>
+          </a:lnRef>
+          <a:fillRef idx="1">
+            <a:schemeClr val="lt1"/>
+          </a:fillRef>
+          <a:effectRef idx="0">
+            <a:schemeClr val="accent5"/>
+          </a:effectRef>
+          <a:fontRef idx="minor">
+            <a:schemeClr val="dk1"/>
+          </a:fontRef>
+        </p:style>
+        <p:txBody>
+          <a:bodyPr rtlCol="0" anchor="ctr"/>
+          <a:lstStyle/>
+          <a:p>
+            <a:pPr algn="ctr"/>
+            <a:endParaRPr kumimoji="1" lang="zh-CN" altLang="en-US" sz="1600" dirty="0">
+              <a:latin typeface="Consolas" panose="020B0609020204030204" pitchFamily="49" charset="0"/>
+              <a:ea typeface="FangSong" panose="02010609060101010101" pitchFamily="49" charset="-122"/>
+              <a:cs typeface="Consolas" panose="020B0609020204030204" pitchFamily="49" charset="0"/>
+            </a:endParaRPr>
+          </a:p>
+        </p:txBody>
+      </p:sp>
+    </p:spTree>
+    <p:extLst>
+      <p:ext uri="{BB962C8B-B14F-4D97-AF65-F5344CB8AC3E}">
+        <p14:creationId xmlns:p14="http://schemas.microsoft.com/office/powerpoint/2010/main" val="1150933897"/>
+      </p:ext>
+    </p:extLst>
+  </p:cSld>
+  <p:clrMapOvr>
+    <a:masterClrMapping/>
+  </p:clrMapOvr>
+</p:sld>
+</file>
+
+<file path=ppt/slides/slide13.xml><?xml version="1.0" encoding="utf-8"?>
+<p:sld xmlns:a="http://schemas.openxmlformats.org/drawingml/2006/main" xmlns:r="http://schemas.openxmlformats.org/officeDocument/2006/relationships" xmlns:p="http://schemas.openxmlformats.org/presentationml/2006/main">
+  <p:cSld>
+    <p:spTree>
+      <p:nvGrpSpPr>
+        <p:cNvPr id="1" name=""/>
+        <p:cNvGrpSpPr/>
+        <p:nvPr/>
+      </p:nvGrpSpPr>
+      <p:grpSpPr>
+        <a:xfrm>
+          <a:off x="0" y="0"/>
+          <a:ext cx="0" cy="0"/>
+          <a:chOff x="0" y="0"/>
+          <a:chExt cx="0" cy="0"/>
+        </a:xfrm>
+      </p:grpSpPr>
+      <p:sp>
+        <p:nvSpPr>
+          <p:cNvPr id="2" name="Slide Number Placeholder 1">
+            <a:extLst>
+              <a:ext uri="{FF2B5EF4-FFF2-40B4-BE49-F238E27FC236}">
+                <a16:creationId xmlns:a16="http://schemas.microsoft.com/office/drawing/2014/main" id="{DC86E2BC-9F71-DB0B-A96D-992A8E2235BC}"/>
+              </a:ext>
+            </a:extLst>
+          </p:cNvPr>
+          <p:cNvSpPr>
+            <a:spLocks noGrp="1"/>
+          </p:cNvSpPr>
+          <p:nvPr>
+            <p:ph type="sldNum" sz="quarter" idx="12"/>
+          </p:nvPr>
+        </p:nvSpPr>
+        <p:spPr/>
+        <p:txBody>
+          <a:bodyPr/>
+          <a:lstStyle/>
+          <a:p>
+            <a:fld id="{7A304655-5D53-B746-8252-3F5A598C52D3}" type="slidenum">
+              <a:rPr lang="en-CN" smtClean="0"/>
+              <a:pPr/>
+              <a:t>13</a:t>
+            </a:fld>
+            <a:endParaRPr lang="en-CN"/>
+          </a:p>
+        </p:txBody>
+      </p:sp>
+      <p:sp>
+        <p:nvSpPr>
+          <p:cNvPr id="4" name="Title 3">
+            <a:extLst>
+              <a:ext uri="{FF2B5EF4-FFF2-40B4-BE49-F238E27FC236}">
+                <a16:creationId xmlns:a16="http://schemas.microsoft.com/office/drawing/2014/main" id="{93F391E9-3AF5-176E-2C96-4681FB11F2EB}"/>
+              </a:ext>
+            </a:extLst>
+          </p:cNvPr>
+          <p:cNvSpPr>
+            <a:spLocks noGrp="1"/>
+          </p:cNvSpPr>
+          <p:nvPr>
+            <p:ph type="title"/>
+          </p:nvPr>
+        </p:nvSpPr>
+        <p:spPr/>
+        <p:txBody>
+          <a:bodyPr/>
+          <a:lstStyle/>
+          <a:p>
+            <a:r>
+              <a:rPr lang="zh-CN" altLang="en-US" dirty="0"/>
+              <a:t>排序问题回顾</a:t>
+            </a:r>
+            <a:r>
+              <a:rPr lang="en-US" altLang="zh-CN" dirty="0"/>
+              <a:t>II:</a:t>
+            </a:r>
+            <a:r>
+              <a:rPr lang="zh-CN" altLang="en-US" dirty="0"/>
+              <a:t> </a:t>
+            </a:r>
+            <a:r>
+              <a:rPr lang="en-US" altLang="zh-CN" dirty="0" err="1"/>
+              <a:t>QuickSort</a:t>
+            </a:r>
+            <a:endParaRPr lang="zh-CN" altLang="en-US" dirty="0"/>
+          </a:p>
+        </p:txBody>
+      </p:sp>
+    </p:spTree>
+    <p:extLst>
+      <p:ext uri="{BB962C8B-B14F-4D97-AF65-F5344CB8AC3E}">
+        <p14:creationId xmlns:p14="http://schemas.microsoft.com/office/powerpoint/2010/main" val="514680864"/>
+      </p:ext>
+    </p:extLst>
+  </p:cSld>
+  <p:clrMapOvr>
+    <a:masterClrMapping/>
+  </p:clrMapOvr>
+</p:sld>
+</file>
+
+<file path=ppt/slides/slide14.xml><?xml version="1.0" encoding="utf-8"?>
+<p:sld xmlns:a="http://schemas.openxmlformats.org/drawingml/2006/main" xmlns:r="http://schemas.openxmlformats.org/officeDocument/2006/relationships" xmlns:p="http://schemas.openxmlformats.org/presentationml/2006/main">
+  <p:cSld>
+    <p:spTree>
+      <p:nvGrpSpPr>
+        <p:cNvPr id="1" name=""/>
+        <p:cNvGrpSpPr/>
+        <p:nvPr/>
+      </p:nvGrpSpPr>
+      <p:grpSpPr>
+        <a:xfrm>
+          <a:off x="0" y="0"/>
+          <a:ext cx="0" cy="0"/>
+          <a:chOff x="0" y="0"/>
+          <a:chExt cx="0" cy="0"/>
+        </a:xfrm>
+      </p:grpSpPr>
+      <p:sp>
+        <p:nvSpPr>
+          <p:cNvPr id="2" name="Slide Number Placeholder 1">
+            <a:extLst>
+              <a:ext uri="{FF2B5EF4-FFF2-40B4-BE49-F238E27FC236}">
+                <a16:creationId xmlns:a16="http://schemas.microsoft.com/office/drawing/2014/main" id="{E3F531C8-1CF4-D890-A186-0809E0090570}"/>
+              </a:ext>
+            </a:extLst>
+          </p:cNvPr>
+          <p:cNvSpPr>
+            <a:spLocks noGrp="1"/>
+          </p:cNvSpPr>
+          <p:nvPr>
+            <p:ph type="sldNum" sz="quarter" idx="12"/>
+          </p:nvPr>
+        </p:nvSpPr>
+        <p:spPr/>
+        <p:txBody>
+          <a:bodyPr/>
+          <a:lstStyle/>
+          <a:p>
+            <a:fld id="{7A304655-5D53-B746-8252-3F5A598C52D3}" type="slidenum">
+              <a:rPr lang="en-CN" smtClean="0"/>
+              <a:pPr/>
+              <a:t>14</a:t>
+            </a:fld>
+            <a:endParaRPr lang="en-CN"/>
+          </a:p>
+        </p:txBody>
+      </p:sp>
+      <p:sp>
+        <p:nvSpPr>
+          <p:cNvPr id="3" name="Title 2">
+            <a:extLst>
+              <a:ext uri="{FF2B5EF4-FFF2-40B4-BE49-F238E27FC236}">
+                <a16:creationId xmlns:a16="http://schemas.microsoft.com/office/drawing/2014/main" id="{A1ADE8AE-26A0-B877-E49B-99C070D7E6AE}"/>
+              </a:ext>
+            </a:extLst>
+          </p:cNvPr>
+          <p:cNvSpPr>
+            <a:spLocks noGrp="1"/>
+          </p:cNvSpPr>
+          <p:nvPr>
+            <p:ph type="title"/>
+          </p:nvPr>
+        </p:nvSpPr>
+        <p:spPr/>
+        <p:txBody>
+          <a:bodyPr/>
+          <a:lstStyle/>
+          <a:p>
+            <a:r>
+              <a:rPr kumimoji="1" lang="en-US" altLang="zh-CN" dirty="0"/>
+              <a:t>Idea</a:t>
+            </a:r>
+            <a:endParaRPr kumimoji="1" lang="zh-CN" altLang="en-US" dirty="0"/>
+          </a:p>
+        </p:txBody>
+      </p:sp>
+      <p:pic>
+        <p:nvPicPr>
+          <p:cNvPr id="5" name="Picture 4">
+            <a:extLst>
+              <a:ext uri="{FF2B5EF4-FFF2-40B4-BE49-F238E27FC236}">
+                <a16:creationId xmlns:a16="http://schemas.microsoft.com/office/drawing/2014/main" id="{E72C6E66-726F-5ED7-1B43-EFB55D486513}"/>
+              </a:ext>
+            </a:extLst>
+          </p:cNvPr>
+          <p:cNvPicPr>
+            <a:picLocks noChangeAspect="1"/>
+          </p:cNvPicPr>
+          <p:nvPr/>
+        </p:nvPicPr>
+        <p:blipFill>
+          <a:blip r:embed="rId2">
+            <a:clrChange>
+              <a:clrFrom>
+                <a:srgbClr val="F5F5F5"/>
+              </a:clrFrom>
+              <a:clrTo>
+                <a:srgbClr val="F5F5F5">
+                  <a:alpha val="0"/>
+                </a:srgbClr>
+              </a:clrTo>
+            </a:clrChange>
+          </a:blip>
+          <a:stretch>
+            <a:fillRect/>
+          </a:stretch>
+        </p:blipFill>
+        <p:spPr>
+          <a:xfrm>
+            <a:off x="628650" y="1285522"/>
+            <a:ext cx="6492602" cy="2575278"/>
+          </a:xfrm>
+          <a:prstGeom prst="rect">
+            <a:avLst/>
+          </a:prstGeom>
+        </p:spPr>
+      </p:pic>
+      <p:sp>
+        <p:nvSpPr>
+          <p:cNvPr id="6" name="TextBox 5">
+            <a:extLst>
+              <a:ext uri="{FF2B5EF4-FFF2-40B4-BE49-F238E27FC236}">
+                <a16:creationId xmlns:a16="http://schemas.microsoft.com/office/drawing/2014/main" id="{2BEE6554-CBDC-CFEE-874D-B2B922204EE8}"/>
+              </a:ext>
+            </a:extLst>
+          </p:cNvPr>
+          <p:cNvSpPr txBox="1"/>
+          <p:nvPr/>
+        </p:nvSpPr>
+        <p:spPr>
+          <a:xfrm>
+            <a:off x="5554134" y="1630219"/>
+            <a:ext cx="1127232" cy="461665"/>
+          </a:xfrm>
+          <a:prstGeom prst="rect">
+            <a:avLst/>
+          </a:prstGeom>
+          <a:noFill/>
+        </p:spPr>
+        <p:txBody>
+          <a:bodyPr wrap="none" rtlCol="0">
+            <a:spAutoFit/>
+          </a:bodyPr>
+          <a:lstStyle/>
+          <a:p>
+            <a:pPr algn="l"/>
+            <a:r>
+              <a:rPr kumimoji="1" lang="en-US" altLang="zh-CN" sz="2400" dirty="0">
+                <a:solidFill>
+                  <a:srgbClr val="FF0000"/>
+                </a:solidFill>
+              </a:rPr>
+              <a:t>(how?)</a:t>
+            </a:r>
+            <a:endParaRPr kumimoji="1" lang="zh-CN" altLang="en-US" sz="2400" dirty="0">
+              <a:solidFill>
+                <a:srgbClr val="FF0000"/>
+              </a:solidFill>
+            </a:endParaRPr>
+          </a:p>
+        </p:txBody>
+      </p:sp>
+      <p:sp>
+        <p:nvSpPr>
+          <p:cNvPr id="7" name="TextBox 6">
+            <a:extLst>
+              <a:ext uri="{FF2B5EF4-FFF2-40B4-BE49-F238E27FC236}">
+                <a16:creationId xmlns:a16="http://schemas.microsoft.com/office/drawing/2014/main" id="{F20783CF-CAA1-7A20-858D-A4EEB4B02385}"/>
+              </a:ext>
+            </a:extLst>
+          </p:cNvPr>
+          <p:cNvSpPr txBox="1"/>
+          <p:nvPr/>
+        </p:nvSpPr>
+        <p:spPr>
+          <a:xfrm>
+            <a:off x="628650" y="4566537"/>
+            <a:ext cx="5339923" cy="1200329"/>
+          </a:xfrm>
+          <a:prstGeom prst="rect">
+            <a:avLst/>
+          </a:prstGeom>
+          <a:noFill/>
+        </p:spPr>
+        <p:txBody>
+          <a:bodyPr wrap="none" rtlCol="0">
+            <a:spAutoFit/>
+          </a:bodyPr>
+          <a:lstStyle/>
+          <a:p>
+            <a:pPr algn="l"/>
+            <a:r>
+              <a:rPr kumimoji="1" lang="en-US" altLang="zh-CN" sz="2400" dirty="0"/>
+              <a:t>Partitioning</a:t>
+            </a:r>
+          </a:p>
+          <a:p>
+            <a:pPr marL="342900" indent="-342900" algn="l">
+              <a:buFont typeface="Arial" panose="020B0604020202020204" pitchFamily="34" charset="0"/>
+              <a:buChar char="•"/>
+            </a:pPr>
+            <a:r>
+              <a:rPr kumimoji="1" lang="en-US" altLang="zh-CN" sz="2400" dirty="0"/>
+              <a:t>by</a:t>
+            </a:r>
+            <a:r>
+              <a:rPr kumimoji="1" lang="zh-CN" altLang="en-US" sz="2400" dirty="0"/>
+              <a:t> </a:t>
+            </a:r>
+            <a:r>
+              <a:rPr kumimoji="1" lang="en-US" altLang="zh-CN" sz="2400" dirty="0"/>
+              <a:t>2 new arrays</a:t>
+            </a:r>
+            <a:r>
+              <a:rPr kumimoji="1" lang="zh-CN" altLang="en-US" sz="2400" dirty="0"/>
+              <a:t> </a:t>
+            </a:r>
+            <a:r>
+              <a:rPr kumimoji="1" lang="en-US" altLang="zh-CN" sz="2400" dirty="0"/>
+              <a:t>–</a:t>
+            </a:r>
+            <a:r>
+              <a:rPr kumimoji="1" lang="zh-CN" altLang="en-US" sz="2400" dirty="0"/>
+              <a:t> </a:t>
+            </a:r>
+            <a:r>
+              <a:rPr kumimoji="1" lang="en-US" altLang="zh-CN" sz="2400" dirty="0"/>
+              <a:t>not</a:t>
+            </a:r>
+            <a:r>
+              <a:rPr kumimoji="1" lang="zh-CN" altLang="en-US" sz="2400" dirty="0"/>
+              <a:t> </a:t>
+            </a:r>
+            <a:r>
+              <a:rPr kumimoji="1" lang="en-US" altLang="zh-CN" sz="2400" dirty="0"/>
+              <a:t>good</a:t>
+            </a:r>
+          </a:p>
+          <a:p>
+            <a:pPr marL="342900" indent="-342900" algn="l">
+              <a:buFont typeface="Arial" panose="020B0604020202020204" pitchFamily="34" charset="0"/>
+              <a:buChar char="•"/>
+            </a:pPr>
+            <a:r>
+              <a:rPr kumimoji="1" lang="en-US" altLang="zh-CN" sz="2400" dirty="0"/>
+              <a:t>Nico</a:t>
+            </a:r>
+            <a:r>
+              <a:rPr kumimoji="1" lang="zh-CN" altLang="en-US" sz="2400" dirty="0"/>
+              <a:t> </a:t>
+            </a:r>
+            <a:r>
+              <a:rPr kumimoji="1" lang="en-US" altLang="zh-CN" sz="2400" dirty="0" err="1"/>
+              <a:t>Lomuto</a:t>
+            </a:r>
+            <a:r>
+              <a:rPr kumimoji="1" lang="en-US" altLang="zh-CN" sz="2400" dirty="0"/>
+              <a:t>:</a:t>
+            </a:r>
+            <a:r>
+              <a:rPr kumimoji="1" lang="zh-CN" altLang="en-US" sz="2400" dirty="0"/>
+              <a:t> </a:t>
+            </a:r>
+            <a:r>
+              <a:rPr kumimoji="1" lang="en-US" altLang="zh-CN" sz="2400" dirty="0"/>
+              <a:t>“I</a:t>
+            </a:r>
+            <a:r>
+              <a:rPr kumimoji="1" lang="zh-CN" altLang="en-US" sz="2400" dirty="0"/>
+              <a:t> </a:t>
+            </a:r>
+            <a:r>
+              <a:rPr kumimoji="1" lang="en-US" altLang="zh-CN" sz="2400" dirty="0"/>
+              <a:t>have</a:t>
+            </a:r>
+            <a:r>
+              <a:rPr kumimoji="1" lang="zh-CN" altLang="en-US" sz="2400" dirty="0"/>
+              <a:t> </a:t>
+            </a:r>
+            <a:r>
+              <a:rPr kumimoji="1" lang="en-US" altLang="zh-CN" sz="2400" dirty="0"/>
+              <a:t>a</a:t>
+            </a:r>
+            <a:r>
+              <a:rPr kumimoji="1" lang="zh-CN" altLang="en-US" sz="2400" dirty="0"/>
+              <a:t> </a:t>
+            </a:r>
+            <a:r>
+              <a:rPr kumimoji="1" lang="en-US" altLang="zh-CN" sz="2400" dirty="0"/>
+              <a:t>good</a:t>
+            </a:r>
+            <a:r>
+              <a:rPr kumimoji="1" lang="zh-CN" altLang="en-US" sz="2400" dirty="0"/>
+              <a:t> </a:t>
+            </a:r>
+            <a:r>
+              <a:rPr kumimoji="1" lang="en-US" altLang="zh-CN" sz="2400" dirty="0"/>
+              <a:t>idea!</a:t>
+            </a:r>
+            <a:r>
+              <a:rPr kumimoji="1" lang="zh-CN" altLang="en-US" sz="2400" dirty="0"/>
+              <a:t> </a:t>
+            </a:r>
+            <a:r>
+              <a:rPr kumimoji="1" lang="en-US" altLang="zh-CN" sz="2400" dirty="0"/>
+              <a:t>”</a:t>
+            </a:r>
+            <a:endParaRPr kumimoji="1" lang="zh-CN" altLang="en-US" sz="2400" dirty="0"/>
+          </a:p>
+        </p:txBody>
+      </p:sp>
+      <p:pic>
+        <p:nvPicPr>
+          <p:cNvPr id="8" name="Picture 7">
+            <a:extLst>
+              <a:ext uri="{FF2B5EF4-FFF2-40B4-BE49-F238E27FC236}">
+                <a16:creationId xmlns:a16="http://schemas.microsoft.com/office/drawing/2014/main" id="{BC131018-6CB9-DCA1-443E-CDC5ACB9DCEB}"/>
+              </a:ext>
+            </a:extLst>
+          </p:cNvPr>
+          <p:cNvPicPr>
+            <a:picLocks noChangeAspect="1"/>
+          </p:cNvPicPr>
+          <p:nvPr/>
+        </p:nvPicPr>
+        <p:blipFill>
+          <a:blip r:embed="rId3"/>
+          <a:stretch>
+            <a:fillRect/>
+          </a:stretch>
+        </p:blipFill>
+        <p:spPr>
+          <a:xfrm>
+            <a:off x="5294921" y="3724566"/>
+            <a:ext cx="3652662" cy="1383982"/>
+          </a:xfrm>
+          <a:prstGeom prst="rect">
+            <a:avLst/>
+          </a:prstGeom>
+        </p:spPr>
+      </p:pic>
+    </p:spTree>
+    <p:extLst>
+      <p:ext uri="{BB962C8B-B14F-4D97-AF65-F5344CB8AC3E}">
+        <p14:creationId xmlns:p14="http://schemas.microsoft.com/office/powerpoint/2010/main" val="1668773530"/>
+      </p:ext>
+    </p:extLst>
+  </p:cSld>
+  <p:clrMapOvr>
+    <a:masterClrMapping/>
+  </p:clrMapOvr>
+</p:sld>
+</file>
+
+<file path=ppt/slides/slide15.xml><?xml version="1.0" encoding="utf-8"?>
+<p:sld xmlns:a="http://schemas.openxmlformats.org/drawingml/2006/main" xmlns:r="http://schemas.openxmlformats.org/officeDocument/2006/relationships" xmlns:p="http://schemas.openxmlformats.org/presentationml/2006/main">
+  <p:cSld>
+    <p:spTree>
+      <p:nvGrpSpPr>
+        <p:cNvPr id="1" name=""/>
+        <p:cNvGrpSpPr/>
+        <p:nvPr/>
+      </p:nvGrpSpPr>
+      <p:grpSpPr>
+        <a:xfrm>
+          <a:off x="0" y="0"/>
+          <a:ext cx="0" cy="0"/>
+          <a:chOff x="0" y="0"/>
+          <a:chExt cx="0" cy="0"/>
+        </a:xfrm>
+      </p:grpSpPr>
+      <p:sp>
+        <p:nvSpPr>
+          <p:cNvPr id="2" name="Slide Number Placeholder 1">
+            <a:extLst>
+              <a:ext uri="{FF2B5EF4-FFF2-40B4-BE49-F238E27FC236}">
+                <a16:creationId xmlns:a16="http://schemas.microsoft.com/office/drawing/2014/main" id="{D10C2FF9-0D34-7FBF-76AF-61A88E4496B8}"/>
+              </a:ext>
+            </a:extLst>
+          </p:cNvPr>
+          <p:cNvSpPr>
+            <a:spLocks noGrp="1"/>
+          </p:cNvSpPr>
+          <p:nvPr>
+            <p:ph type="sldNum" sz="quarter" idx="12"/>
+          </p:nvPr>
+        </p:nvSpPr>
+        <p:spPr/>
+        <p:txBody>
+          <a:bodyPr/>
+          <a:lstStyle/>
+          <a:p>
+            <a:fld id="{7A304655-5D53-B746-8252-3F5A598C52D3}" type="slidenum">
+              <a:rPr lang="en-CN" smtClean="0"/>
+              <a:pPr/>
+              <a:t>15</a:t>
+            </a:fld>
+            <a:endParaRPr lang="en-CN"/>
+          </a:p>
+        </p:txBody>
+      </p:sp>
+      <p:sp>
+        <p:nvSpPr>
+          <p:cNvPr id="3" name="Title 2">
+            <a:extLst>
+              <a:ext uri="{FF2B5EF4-FFF2-40B4-BE49-F238E27FC236}">
+                <a16:creationId xmlns:a16="http://schemas.microsoft.com/office/drawing/2014/main" id="{C4733597-7FF6-7AF7-4495-306CF33EF7E8}"/>
+              </a:ext>
+            </a:extLst>
+          </p:cNvPr>
+          <p:cNvSpPr>
+            <a:spLocks noGrp="1"/>
+          </p:cNvSpPr>
+          <p:nvPr>
+            <p:ph type="title"/>
+          </p:nvPr>
+        </p:nvSpPr>
+        <p:spPr/>
+        <p:txBody>
+          <a:bodyPr/>
+          <a:lstStyle/>
+          <a:p>
+            <a:r>
+              <a:rPr kumimoji="1" lang="en-US" altLang="zh-CN" i="1" dirty="0"/>
+              <a:t>Nico </a:t>
+            </a:r>
+            <a:r>
+              <a:rPr kumimoji="1" lang="en-US" altLang="zh-CN" i="1" dirty="0" err="1"/>
+              <a:t>Lomuto</a:t>
+            </a:r>
+            <a:r>
+              <a:rPr kumimoji="1" lang="en-US" altLang="zh-CN" dirty="0" err="1"/>
+              <a:t>’s</a:t>
+            </a:r>
+            <a:r>
+              <a:rPr kumimoji="1" lang="zh-CN" altLang="en-US" dirty="0"/>
+              <a:t> </a:t>
+            </a:r>
+            <a:r>
+              <a:rPr kumimoji="1" lang="en-US" altLang="zh-CN" dirty="0"/>
+              <a:t>partition</a:t>
+            </a:r>
+            <a:r>
+              <a:rPr kumimoji="1" lang="zh-CN" altLang="en-US" dirty="0"/>
+              <a:t> </a:t>
+            </a:r>
+            <a:r>
+              <a:rPr kumimoji="1" lang="en-US" altLang="zh-CN" dirty="0"/>
+              <a:t>idea</a:t>
+            </a:r>
+            <a:endParaRPr kumimoji="1" lang="zh-CN" altLang="en-US" dirty="0"/>
+          </a:p>
+        </p:txBody>
+      </p:sp>
+      <p:pic>
+        <p:nvPicPr>
+          <p:cNvPr id="5" name="Picture 4">
+            <a:extLst>
+              <a:ext uri="{FF2B5EF4-FFF2-40B4-BE49-F238E27FC236}">
+                <a16:creationId xmlns:a16="http://schemas.microsoft.com/office/drawing/2014/main" id="{D7B71701-CDDD-6113-B0F4-4200D702C1F9}"/>
+              </a:ext>
+            </a:extLst>
+          </p:cNvPr>
+          <p:cNvPicPr>
+            <a:picLocks noChangeAspect="1"/>
+          </p:cNvPicPr>
+          <p:nvPr/>
+        </p:nvPicPr>
+        <p:blipFill>
+          <a:blip r:embed="rId2">
+            <a:clrChange>
+              <a:clrFrom>
+                <a:srgbClr val="F5F5F5"/>
+              </a:clrFrom>
+              <a:clrTo>
+                <a:srgbClr val="F5F5F5">
+                  <a:alpha val="0"/>
+                </a:srgbClr>
+              </a:clrTo>
+            </a:clrChange>
+          </a:blip>
+          <a:stretch>
+            <a:fillRect/>
+          </a:stretch>
+        </p:blipFill>
+        <p:spPr>
+          <a:xfrm>
+            <a:off x="628649" y="1354667"/>
+            <a:ext cx="6622141" cy="2472266"/>
+          </a:xfrm>
+          <a:prstGeom prst="rect">
+            <a:avLst/>
+          </a:prstGeom>
+        </p:spPr>
+      </p:pic>
+      <p:pic>
+        <p:nvPicPr>
+          <p:cNvPr id="8" name="Picture 7">
+            <a:extLst>
+              <a:ext uri="{FF2B5EF4-FFF2-40B4-BE49-F238E27FC236}">
+                <a16:creationId xmlns:a16="http://schemas.microsoft.com/office/drawing/2014/main" id="{DC05A1DB-C106-1A1D-B36B-8599495FDC2E}"/>
+              </a:ext>
+            </a:extLst>
+          </p:cNvPr>
+          <p:cNvPicPr>
+            <a:picLocks noChangeAspect="1"/>
+          </p:cNvPicPr>
+          <p:nvPr/>
+        </p:nvPicPr>
+        <p:blipFill>
+          <a:blip r:embed="rId3"/>
+          <a:stretch>
+            <a:fillRect/>
+          </a:stretch>
+        </p:blipFill>
+        <p:spPr>
+          <a:xfrm>
+            <a:off x="1400536" y="3826933"/>
+            <a:ext cx="6622141" cy="2154365"/>
+          </a:xfrm>
+          <a:prstGeom prst="rect">
+            <a:avLst/>
+          </a:prstGeom>
+        </p:spPr>
+      </p:pic>
+    </p:spTree>
+    <p:extLst>
+      <p:ext uri="{BB962C8B-B14F-4D97-AF65-F5344CB8AC3E}">
+        <p14:creationId xmlns:p14="http://schemas.microsoft.com/office/powerpoint/2010/main" val="3408751218"/>
+      </p:ext>
+    </p:extLst>
+  </p:cSld>
+  <p:clrMapOvr>
+    <a:masterClrMapping/>
+  </p:clrMapOvr>
+</p:sld>
+</file>
+
+<file path=ppt/slides/slide16.xml><?xml version="1.0" encoding="utf-8"?>
+<p:sld xmlns:a="http://schemas.openxmlformats.org/drawingml/2006/main" xmlns:r="http://schemas.openxmlformats.org/officeDocument/2006/relationships" xmlns:p="http://schemas.openxmlformats.org/presentationml/2006/main">
+  <p:cSld>
+    <p:spTree>
+      <p:nvGrpSpPr>
+        <p:cNvPr id="1" name=""/>
+        <p:cNvGrpSpPr/>
+        <p:nvPr/>
+      </p:nvGrpSpPr>
+      <p:grpSpPr>
+        <a:xfrm>
+          <a:off x="0" y="0"/>
+          <a:ext cx="0" cy="0"/>
+          <a:chOff x="0" y="0"/>
+          <a:chExt cx="0" cy="0"/>
+        </a:xfrm>
+      </p:grpSpPr>
+      <p:sp>
+        <p:nvSpPr>
+          <p:cNvPr id="2" name="Slide Number Placeholder 1">
+            <a:extLst>
+              <a:ext uri="{FF2B5EF4-FFF2-40B4-BE49-F238E27FC236}">
+                <a16:creationId xmlns:a16="http://schemas.microsoft.com/office/drawing/2014/main" id="{29D1890B-F50E-A18A-5034-91DC58AE0E8A}"/>
+              </a:ext>
+            </a:extLst>
+          </p:cNvPr>
+          <p:cNvSpPr>
+            <a:spLocks noGrp="1"/>
+          </p:cNvSpPr>
+          <p:nvPr>
+            <p:ph type="sldNum" sz="quarter" idx="12"/>
+          </p:nvPr>
+        </p:nvSpPr>
+        <p:spPr/>
+        <p:txBody>
+          <a:bodyPr/>
+          <a:lstStyle/>
+          <a:p>
+            <a:fld id="{7A304655-5D53-B746-8252-3F5A598C52D3}" type="slidenum">
+              <a:rPr lang="en-CN" smtClean="0"/>
+              <a:pPr/>
+              <a:t>16</a:t>
+            </a:fld>
+            <a:endParaRPr lang="en-CN"/>
+          </a:p>
+        </p:txBody>
+      </p:sp>
+      <p:sp>
+        <p:nvSpPr>
+          <p:cNvPr id="3" name="Title 2">
+            <a:extLst>
+              <a:ext uri="{FF2B5EF4-FFF2-40B4-BE49-F238E27FC236}">
+                <a16:creationId xmlns:a16="http://schemas.microsoft.com/office/drawing/2014/main" id="{6FA1F4FB-D83C-2C0B-9A81-5091610D02EB}"/>
+              </a:ext>
+            </a:extLst>
+          </p:cNvPr>
+          <p:cNvSpPr>
+            <a:spLocks noGrp="1"/>
+          </p:cNvSpPr>
+          <p:nvPr>
+            <p:ph type="title"/>
+          </p:nvPr>
+        </p:nvSpPr>
+        <p:spPr/>
+        <p:txBody>
+          <a:bodyPr/>
+          <a:lstStyle/>
+          <a:p>
+            <a:r>
+              <a:rPr kumimoji="1" lang="en-US" altLang="zh-CN" dirty="0"/>
+              <a:t>partition</a:t>
+            </a:r>
+            <a:r>
+              <a:rPr kumimoji="1" lang="zh-CN" altLang="en-US" dirty="0"/>
+              <a:t>为什么是对的</a:t>
+            </a:r>
+            <a:r>
+              <a:rPr kumimoji="1" lang="en-US" altLang="zh-CN" dirty="0"/>
+              <a:t>?</a:t>
+            </a:r>
+            <a:endParaRPr kumimoji="1" lang="zh-CN" altLang="en-US" dirty="0"/>
+          </a:p>
+        </p:txBody>
+      </p:sp>
+      <p:pic>
+        <p:nvPicPr>
+          <p:cNvPr id="4" name="Picture 3">
+            <a:extLst>
+              <a:ext uri="{FF2B5EF4-FFF2-40B4-BE49-F238E27FC236}">
+                <a16:creationId xmlns:a16="http://schemas.microsoft.com/office/drawing/2014/main" id="{AEAAC1BB-FED0-B76B-2FD7-B31F1B3D8897}"/>
+              </a:ext>
+            </a:extLst>
+          </p:cNvPr>
+          <p:cNvPicPr>
+            <a:picLocks noChangeAspect="1"/>
+          </p:cNvPicPr>
+          <p:nvPr/>
+        </p:nvPicPr>
+        <p:blipFill>
+          <a:blip r:embed="rId2"/>
+          <a:stretch>
+            <a:fillRect/>
+          </a:stretch>
+        </p:blipFill>
+        <p:spPr>
+          <a:xfrm>
+            <a:off x="347824" y="1382183"/>
+            <a:ext cx="3565891" cy="2478617"/>
+          </a:xfrm>
+          <a:prstGeom prst="rect">
+            <a:avLst/>
+          </a:prstGeom>
+        </p:spPr>
+      </p:pic>
+      <p:cxnSp>
+        <p:nvCxnSpPr>
+          <p:cNvPr id="6" name="Straight Arrow Connector 5">
+            <a:extLst>
+              <a:ext uri="{FF2B5EF4-FFF2-40B4-BE49-F238E27FC236}">
+                <a16:creationId xmlns:a16="http://schemas.microsoft.com/office/drawing/2014/main" id="{A236B465-BD94-6F68-9218-E88518EF5707}"/>
+              </a:ext>
+            </a:extLst>
+          </p:cNvPr>
+          <p:cNvCxnSpPr>
+            <a:cxnSpLocks/>
+          </p:cNvCxnSpPr>
+          <p:nvPr/>
+        </p:nvCxnSpPr>
+        <p:spPr>
+          <a:xfrm>
+            <a:off x="2280355" y="2359377"/>
+            <a:ext cx="2065867" cy="0"/>
+          </a:xfrm>
+          <a:prstGeom prst="straightConnector1">
+            <a:avLst/>
+          </a:prstGeom>
+          <a:ln>
+            <a:tailEnd type="triangle"/>
+          </a:ln>
+        </p:spPr>
+        <p:style>
+          <a:lnRef idx="3">
+            <a:schemeClr val="dk1"/>
+          </a:lnRef>
+          <a:fillRef idx="0">
+            <a:schemeClr val="dk1"/>
+          </a:fillRef>
+          <a:effectRef idx="2">
+            <a:schemeClr val="dk1"/>
+          </a:effectRef>
+          <a:fontRef idx="minor">
+            <a:schemeClr val="tx1"/>
+          </a:fontRef>
+        </p:style>
+      </p:cxnSp>
+      <p:sp>
+        <p:nvSpPr>
+          <p:cNvPr id="7" name="TextBox 6">
+            <a:extLst>
+              <a:ext uri="{FF2B5EF4-FFF2-40B4-BE49-F238E27FC236}">
+                <a16:creationId xmlns:a16="http://schemas.microsoft.com/office/drawing/2014/main" id="{042E494A-5254-67DA-689E-CF2511A235D9}"/>
+              </a:ext>
+            </a:extLst>
+          </p:cNvPr>
+          <p:cNvSpPr txBox="1"/>
+          <p:nvPr/>
+        </p:nvSpPr>
+        <p:spPr>
+          <a:xfrm>
+            <a:off x="4346222" y="2102629"/>
+            <a:ext cx="4564070" cy="830997"/>
+          </a:xfrm>
+          <a:prstGeom prst="rect">
+            <a:avLst/>
+          </a:prstGeom>
+          <a:noFill/>
+        </p:spPr>
+        <p:txBody>
+          <a:bodyPr wrap="none" rtlCol="0">
+            <a:spAutoFit/>
+          </a:bodyPr>
+          <a:lstStyle/>
+          <a:p>
+            <a:pPr marL="342900" indent="-342900" algn="l">
+              <a:buFont typeface="Arial" panose="020B0604020202020204" pitchFamily="34" charset="0"/>
+              <a:buChar char="•"/>
+            </a:pPr>
+            <a:r>
+              <a:rPr kumimoji="1" lang="zh-CN" altLang="en-US" sz="2400" dirty="0"/>
+              <a:t>每一次这个循环结束后</a:t>
+            </a:r>
+            <a:endParaRPr kumimoji="1" lang="en-US" altLang="zh-CN" sz="2400" dirty="0"/>
+          </a:p>
+          <a:p>
+            <a:pPr marL="800100" lvl="1" indent="-342900">
+              <a:buFont typeface="Arial" panose="020B0604020202020204" pitchFamily="34" charset="0"/>
+              <a:buChar char="•"/>
+            </a:pPr>
+            <a:r>
+              <a:rPr kumimoji="1" lang="en-US" altLang="zh-CN" sz="2400" dirty="0"/>
+              <a:t>A[1..l]</a:t>
+            </a:r>
+            <a:r>
+              <a:rPr kumimoji="1" lang="zh-CN" altLang="en-US" sz="2400" dirty="0"/>
+              <a:t>的所有元素小于</a:t>
+            </a:r>
+            <a:r>
+              <a:rPr kumimoji="1" lang="en-US" altLang="zh-CN" sz="2400" dirty="0"/>
+              <a:t>A[n]</a:t>
+            </a:r>
+            <a:r>
+              <a:rPr kumimoji="1" lang="zh-CN" altLang="en-US" sz="2400" dirty="0"/>
+              <a:t> </a:t>
+            </a:r>
+          </a:p>
+        </p:txBody>
+      </p:sp>
+      <p:sp>
+        <p:nvSpPr>
+          <p:cNvPr id="9" name="TextBox 8">
+            <a:extLst>
+              <a:ext uri="{FF2B5EF4-FFF2-40B4-BE49-F238E27FC236}">
+                <a16:creationId xmlns:a16="http://schemas.microsoft.com/office/drawing/2014/main" id="{A60C0798-664F-BAA3-4073-8C992B29A553}"/>
+              </a:ext>
+            </a:extLst>
+          </p:cNvPr>
+          <p:cNvSpPr txBox="1"/>
+          <p:nvPr/>
+        </p:nvSpPr>
+        <p:spPr>
+          <a:xfrm>
+            <a:off x="824089" y="4402076"/>
+            <a:ext cx="5269391" cy="461665"/>
+          </a:xfrm>
+          <a:prstGeom prst="rect">
+            <a:avLst/>
+          </a:prstGeom>
+          <a:noFill/>
+        </p:spPr>
+        <p:txBody>
+          <a:bodyPr wrap="none" rtlCol="0">
+            <a:spAutoFit/>
+          </a:bodyPr>
+          <a:lstStyle/>
+          <a:p>
+            <a:pPr marL="342900" indent="-342900" algn="l">
+              <a:buFont typeface="Arial" panose="020B0604020202020204" pitchFamily="34" charset="0"/>
+              <a:buChar char="•"/>
+            </a:pPr>
+            <a:r>
+              <a:rPr kumimoji="1" lang="zh-CN" altLang="en-US" sz="2400" dirty="0"/>
+              <a:t>之后再证明</a:t>
+            </a:r>
+            <a:r>
+              <a:rPr kumimoji="1" lang="en-US" altLang="zh-CN" sz="2400" dirty="0" err="1"/>
+              <a:t>QuickSort</a:t>
+            </a:r>
+            <a:r>
+              <a:rPr kumimoji="1" lang="zh-CN" altLang="en-US" sz="2400" dirty="0"/>
+              <a:t>是对的</a:t>
+            </a:r>
+            <a:r>
+              <a:rPr kumimoji="1" lang="en-US" altLang="zh-CN" sz="2400" dirty="0"/>
+              <a:t>(trivial)</a:t>
+            </a:r>
+            <a:endParaRPr kumimoji="1" lang="zh-CN" altLang="en-US" sz="2400" dirty="0"/>
+          </a:p>
+        </p:txBody>
+      </p:sp>
+    </p:spTree>
+    <p:extLst>
+      <p:ext uri="{BB962C8B-B14F-4D97-AF65-F5344CB8AC3E}">
+        <p14:creationId xmlns:p14="http://schemas.microsoft.com/office/powerpoint/2010/main" val="1032531987"/>
+      </p:ext>
+    </p:extLst>
+  </p:cSld>
+  <p:clrMapOvr>
+    <a:masterClrMapping/>
+  </p:clrMapOvr>
+</p:sld>
+</file>
+
+<file path=ppt/slides/slide17.xml><?xml version="1.0" encoding="utf-8"?>
+<p:sld xmlns:a="http://schemas.openxmlformats.org/drawingml/2006/main" xmlns:r="http://schemas.openxmlformats.org/officeDocument/2006/relationships" xmlns:p="http://schemas.openxmlformats.org/presentationml/2006/main">
+  <p:cSld>
+    <p:spTree>
+      <p:nvGrpSpPr>
+        <p:cNvPr id="1" name=""/>
+        <p:cNvGrpSpPr/>
+        <p:nvPr/>
+      </p:nvGrpSpPr>
+      <p:grpSpPr>
+        <a:xfrm>
+          <a:off x="0" y="0"/>
+          <a:ext cx="0" cy="0"/>
+          <a:chOff x="0" y="0"/>
+          <a:chExt cx="0" cy="0"/>
+        </a:xfrm>
+      </p:grpSpPr>
+      <p:sp>
+        <p:nvSpPr>
+          <p:cNvPr id="2" name="Slide Number Placeholder 1">
+            <a:extLst>
+              <a:ext uri="{FF2B5EF4-FFF2-40B4-BE49-F238E27FC236}">
+                <a16:creationId xmlns:a16="http://schemas.microsoft.com/office/drawing/2014/main" id="{A602FB25-909F-E110-04B5-29754D58FB32}"/>
+              </a:ext>
+            </a:extLst>
+          </p:cNvPr>
+          <p:cNvSpPr>
+            <a:spLocks noGrp="1"/>
+          </p:cNvSpPr>
+          <p:nvPr>
+            <p:ph type="sldNum" sz="quarter" idx="12"/>
+          </p:nvPr>
+        </p:nvSpPr>
+        <p:spPr/>
+        <p:txBody>
+          <a:bodyPr/>
+          <a:lstStyle/>
+          <a:p>
+            <a:fld id="{7A304655-5D53-B746-8252-3F5A598C52D3}" type="slidenum">
+              <a:rPr lang="en-CN" smtClean="0"/>
+              <a:pPr/>
+              <a:t>17</a:t>
+            </a:fld>
+            <a:endParaRPr lang="en-CN"/>
+          </a:p>
+        </p:txBody>
+      </p:sp>
+      <p:sp>
+        <p:nvSpPr>
+          <p:cNvPr id="3" name="Title 2">
+            <a:extLst>
+              <a:ext uri="{FF2B5EF4-FFF2-40B4-BE49-F238E27FC236}">
+                <a16:creationId xmlns:a16="http://schemas.microsoft.com/office/drawing/2014/main" id="{B484EBB2-92EC-C928-F593-677407B253B2}"/>
+              </a:ext>
+            </a:extLst>
+          </p:cNvPr>
+          <p:cNvSpPr>
+            <a:spLocks noGrp="1"/>
+          </p:cNvSpPr>
+          <p:nvPr>
+            <p:ph type="title"/>
+          </p:nvPr>
+        </p:nvSpPr>
+        <p:spPr/>
+        <p:txBody>
+          <a:bodyPr/>
+          <a:lstStyle/>
+          <a:p>
+            <a:r>
+              <a:rPr kumimoji="1" lang="zh-CN" altLang="en-US" dirty="0"/>
+              <a:t>花了多少时间</a:t>
+            </a:r>
+            <a:r>
+              <a:rPr kumimoji="1" lang="en-US" altLang="zh-CN" dirty="0"/>
+              <a:t>?</a:t>
+            </a:r>
+            <a:endParaRPr kumimoji="1" lang="zh-CN" altLang="en-US" dirty="0"/>
+          </a:p>
+        </p:txBody>
+      </p:sp>
+      <p:pic>
+        <p:nvPicPr>
+          <p:cNvPr id="4" name="Picture 3">
+            <a:extLst>
+              <a:ext uri="{FF2B5EF4-FFF2-40B4-BE49-F238E27FC236}">
+                <a16:creationId xmlns:a16="http://schemas.microsoft.com/office/drawing/2014/main" id="{D49C4FA2-A61A-6AA9-9CED-B475B1A654E9}"/>
+              </a:ext>
+            </a:extLst>
+          </p:cNvPr>
+          <p:cNvPicPr>
+            <a:picLocks noChangeAspect="1"/>
+          </p:cNvPicPr>
+          <p:nvPr/>
+        </p:nvPicPr>
+        <p:blipFill>
+          <a:blip r:embed="rId2"/>
+          <a:stretch>
+            <a:fillRect/>
+          </a:stretch>
+        </p:blipFill>
+        <p:spPr>
+          <a:xfrm>
+            <a:off x="2064808" y="1335616"/>
+            <a:ext cx="5014383" cy="365125"/>
+          </a:xfrm>
+          <a:prstGeom prst="rect">
+            <a:avLst/>
+          </a:prstGeom>
+        </p:spPr>
+      </p:pic>
+      <mc:AlternateContent xmlns:mc="http://schemas.openxmlformats.org/markup-compatibility/2006">
+        <mc:Choice xmlns:a14="http://schemas.microsoft.com/office/drawing/2010/main" Requires="a14">
+          <p:sp>
+            <p:nvSpPr>
+              <p:cNvPr id="5" name="TextBox 4">
+                <a:extLst>
+                  <a:ext uri="{FF2B5EF4-FFF2-40B4-BE49-F238E27FC236}">
+                    <a16:creationId xmlns:a16="http://schemas.microsoft.com/office/drawing/2014/main" id="{96B7B6DD-015A-20E4-351E-EAC8386B74E5}"/>
+                  </a:ext>
+                </a:extLst>
+              </p:cNvPr>
+              <p:cNvSpPr txBox="1"/>
+              <p:nvPr/>
+            </p:nvSpPr>
+            <p:spPr>
+              <a:xfrm>
+                <a:off x="982133" y="2370667"/>
+                <a:ext cx="4086375" cy="2119683"/>
+              </a:xfrm>
+              <a:prstGeom prst="rect">
+                <a:avLst/>
+              </a:prstGeom>
+              <a:noFill/>
+            </p:spPr>
+            <p:txBody>
+              <a:bodyPr wrap="none" rtlCol="0">
+                <a:spAutoFit/>
+              </a:bodyPr>
+              <a:lstStyle/>
+              <a:p>
+                <a:pPr marL="342900" indent="-342900" algn="l">
+                  <a:buFont typeface="Arial" panose="020B0604020202020204" pitchFamily="34" charset="0"/>
+                  <a:buChar char="•"/>
+                </a:pPr>
+                <a:r>
+                  <a:rPr kumimoji="1" lang="zh-CN" altLang="en-US" sz="2400" dirty="0"/>
+                  <a:t>运气好</a:t>
+                </a:r>
+                <a:r>
+                  <a:rPr kumimoji="1" lang="en-US" altLang="zh-CN" sz="2400" dirty="0"/>
+                  <a:t>,</a:t>
+                </a:r>
+                <a:r>
+                  <a:rPr kumimoji="1" lang="zh-CN" altLang="en-US" sz="2400" dirty="0"/>
+                  <a:t> 选了</a:t>
+                </a:r>
+                <a14:m>
+                  <m:oMath xmlns:m="http://schemas.openxmlformats.org/officeDocument/2006/math">
+                    <m:r>
+                      <a:rPr kumimoji="1" lang="en-US" altLang="zh-CN" sz="2400" b="0" i="1" smtClean="0">
+                        <a:latin typeface="Cambria Math" panose="02040503050406030204" pitchFamily="18" charset="0"/>
+                      </a:rPr>
+                      <m:t>𝑟</m:t>
+                    </m:r>
+                    <m:r>
+                      <a:rPr kumimoji="1" lang="en-US" altLang="zh-CN" sz="2400" b="0" i="1" smtClean="0">
+                        <a:latin typeface="Cambria Math" panose="02040503050406030204" pitchFamily="18" charset="0"/>
+                      </a:rPr>
+                      <m:t>=</m:t>
+                    </m:r>
+                    <m:d>
+                      <m:dPr>
+                        <m:begChr m:val="⌊"/>
+                        <m:endChr m:val="⌋"/>
+                        <m:ctrlPr>
+                          <a:rPr kumimoji="1" lang="en-US" altLang="zh-CN" sz="2400" b="0" i="1" smtClean="0">
+                            <a:latin typeface="Cambria Math" panose="02040503050406030204" pitchFamily="18" charset="0"/>
+                          </a:rPr>
+                        </m:ctrlPr>
+                      </m:dPr>
+                      <m:e>
+                        <m:f>
+                          <m:fPr>
+                            <m:ctrlPr>
+                              <a:rPr kumimoji="1" lang="en-US" altLang="zh-CN" sz="2400" b="0" i="1" smtClean="0">
+                                <a:latin typeface="Cambria Math" panose="02040503050406030204" pitchFamily="18" charset="0"/>
+                              </a:rPr>
+                            </m:ctrlPr>
+                          </m:fPr>
+                          <m:num>
+                            <m:r>
+                              <a:rPr kumimoji="1" lang="en-US" altLang="zh-CN" sz="2400" b="0" i="1" smtClean="0">
+                                <a:latin typeface="Cambria Math" panose="02040503050406030204" pitchFamily="18" charset="0"/>
+                              </a:rPr>
+                              <m:t>𝑛</m:t>
+                            </m:r>
+                          </m:num>
+                          <m:den>
+                            <m:r>
+                              <a:rPr kumimoji="1" lang="en-US" altLang="zh-CN" sz="2400" b="0" i="1" smtClean="0">
+                                <a:latin typeface="Cambria Math" panose="02040503050406030204" pitchFamily="18" charset="0"/>
+                              </a:rPr>
+                              <m:t>2</m:t>
+                            </m:r>
+                          </m:den>
+                        </m:f>
+                      </m:e>
+                    </m:d>
+                  </m:oMath>
+                </a14:m>
+                <a:endParaRPr kumimoji="1" lang="en-US" altLang="zh-CN" sz="2400" dirty="0"/>
+              </a:p>
+              <a:p>
+                <a:pPr marL="342900" indent="-342900" algn="l">
+                  <a:buFont typeface="Arial" panose="020B0604020202020204" pitchFamily="34" charset="0"/>
+                  <a:buChar char="•"/>
+                </a:pPr>
+                <a:endParaRPr kumimoji="1" lang="en-US" altLang="zh-CN" sz="2400" dirty="0"/>
+              </a:p>
+              <a:p>
+                <a:pPr marL="342900" indent="-342900" algn="l">
+                  <a:buFont typeface="Arial" panose="020B0604020202020204" pitchFamily="34" charset="0"/>
+                  <a:buChar char="•"/>
+                </a:pPr>
+                <a:endParaRPr kumimoji="1" lang="en-US" altLang="zh-CN" sz="2400" dirty="0"/>
+              </a:p>
+              <a:p>
+                <a:pPr marL="342900" indent="-342900" algn="l">
+                  <a:buFont typeface="Arial" panose="020B0604020202020204" pitchFamily="34" charset="0"/>
+                  <a:buChar char="•"/>
+                </a:pPr>
+                <a:endParaRPr kumimoji="1" lang="en-US" altLang="zh-CN" sz="2400" dirty="0"/>
+              </a:p>
+              <a:p>
+                <a:pPr marL="342900" indent="-342900" algn="l">
+                  <a:buFont typeface="Arial" panose="020B0604020202020204" pitchFamily="34" charset="0"/>
+                  <a:buChar char="•"/>
+                </a:pPr>
+                <a:r>
+                  <a:rPr kumimoji="1" lang="zh-CN" altLang="en-US" sz="2400" dirty="0"/>
+                  <a:t>运气不好</a:t>
+                </a:r>
+                <a:r>
+                  <a:rPr kumimoji="1" lang="en-US" altLang="zh-CN" sz="2400" dirty="0"/>
+                  <a:t>,</a:t>
+                </a:r>
+                <a:r>
+                  <a:rPr kumimoji="1" lang="zh-CN" altLang="en-US" sz="2400" dirty="0"/>
+                  <a:t> 看看最坏的情况</a:t>
+                </a:r>
+              </a:p>
+            </p:txBody>
+          </p:sp>
+        </mc:Choice>
+        <mc:Fallback>
+          <p:sp>
+            <p:nvSpPr>
+              <p:cNvPr id="5" name="TextBox 4">
+                <a:extLst>
+                  <a:ext uri="{FF2B5EF4-FFF2-40B4-BE49-F238E27FC236}">
+                    <a16:creationId xmlns:a16="http://schemas.microsoft.com/office/drawing/2014/main" id="{96B7B6DD-015A-20E4-351E-EAC8386B74E5}"/>
+                  </a:ext>
+                </a:extLst>
+              </p:cNvPr>
+              <p:cNvSpPr txBox="1">
+                <a:spLocks noRot="1" noChangeAspect="1" noMove="1" noResize="1" noEditPoints="1" noAdjustHandles="1" noChangeArrowheads="1" noChangeShapeType="1" noTextEdit="1"/>
+              </p:cNvSpPr>
+              <p:nvPr/>
+            </p:nvSpPr>
+            <p:spPr>
+              <a:xfrm>
+                <a:off x="982133" y="2370667"/>
+                <a:ext cx="4086375" cy="2119683"/>
+              </a:xfrm>
+              <a:prstGeom prst="rect">
+                <a:avLst/>
+              </a:prstGeom>
+              <a:blipFill>
+                <a:blip r:embed="rId3"/>
+                <a:stretch>
+                  <a:fillRect l="-2174" r="-1553" b="-5357"/>
+                </a:stretch>
+              </a:blipFill>
+            </p:spPr>
+            <p:txBody>
+              <a:bodyPr/>
+              <a:lstStyle/>
+              <a:p>
+                <a:r>
+                  <a:rPr lang="zh-CN" altLang="en-US">
+                    <a:noFill/>
+                  </a:rPr>
+                  <a:t> </a:t>
+                </a:r>
+              </a:p>
+            </p:txBody>
+          </p:sp>
+        </mc:Fallback>
+      </mc:AlternateContent>
+      <p:pic>
+        <p:nvPicPr>
+          <p:cNvPr id="6" name="Picture 5">
+            <a:extLst>
+              <a:ext uri="{FF2B5EF4-FFF2-40B4-BE49-F238E27FC236}">
+                <a16:creationId xmlns:a16="http://schemas.microsoft.com/office/drawing/2014/main" id="{8B14725F-9EE1-8353-2F03-83B6425970AD}"/>
+              </a:ext>
+            </a:extLst>
+          </p:cNvPr>
+          <p:cNvPicPr>
+            <a:picLocks noChangeAspect="1"/>
+          </p:cNvPicPr>
+          <p:nvPr/>
+        </p:nvPicPr>
+        <p:blipFill>
+          <a:blip r:embed="rId4"/>
+          <a:stretch>
+            <a:fillRect/>
+          </a:stretch>
+        </p:blipFill>
+        <p:spPr>
+          <a:xfrm>
+            <a:off x="844550" y="3254401"/>
+            <a:ext cx="8078114" cy="349198"/>
+          </a:xfrm>
+          <a:prstGeom prst="rect">
+            <a:avLst/>
+          </a:prstGeom>
+        </p:spPr>
+      </p:pic>
+      <p:pic>
+        <p:nvPicPr>
+          <p:cNvPr id="7" name="Picture 6">
+            <a:extLst>
+              <a:ext uri="{FF2B5EF4-FFF2-40B4-BE49-F238E27FC236}">
+                <a16:creationId xmlns:a16="http://schemas.microsoft.com/office/drawing/2014/main" id="{A20663C1-5785-AC5D-ABDF-C90E86E09A11}"/>
+              </a:ext>
+            </a:extLst>
+          </p:cNvPr>
+          <p:cNvPicPr>
+            <a:picLocks noChangeAspect="1"/>
+          </p:cNvPicPr>
+          <p:nvPr/>
+        </p:nvPicPr>
+        <p:blipFill>
+          <a:blip r:embed="rId5"/>
+          <a:stretch>
+            <a:fillRect/>
+          </a:stretch>
+        </p:blipFill>
+        <p:spPr>
+          <a:xfrm>
+            <a:off x="1629832" y="4620432"/>
+            <a:ext cx="6295217" cy="579160"/>
+          </a:xfrm>
+          <a:prstGeom prst="rect">
+            <a:avLst/>
+          </a:prstGeom>
+        </p:spPr>
+      </p:pic>
+    </p:spTree>
+    <p:extLst>
+      <p:ext uri="{BB962C8B-B14F-4D97-AF65-F5344CB8AC3E}">
+        <p14:creationId xmlns:p14="http://schemas.microsoft.com/office/powerpoint/2010/main" val="4056454796"/>
+      </p:ext>
+    </p:extLst>
+  </p:cSld>
+  <p:clrMapOvr>
+    <a:masterClrMapping/>
+  </p:clrMapOvr>
+</p:sld>
+</file>
+
+<file path=ppt/slides/slide18.xml><?xml version="1.0" encoding="utf-8"?>
+<p:sld xmlns:a="http://schemas.openxmlformats.org/drawingml/2006/main" xmlns:r="http://schemas.openxmlformats.org/officeDocument/2006/relationships" xmlns:p="http://schemas.openxmlformats.org/presentationml/2006/main">
+  <p:cSld>
+    <p:spTree>
+      <p:nvGrpSpPr>
+        <p:cNvPr id="1" name=""/>
+        <p:cNvGrpSpPr/>
+        <p:nvPr/>
+      </p:nvGrpSpPr>
+      <p:grpSpPr>
+        <a:xfrm>
+          <a:off x="0" y="0"/>
+          <a:ext cx="0" cy="0"/>
+          <a:chOff x="0" y="0"/>
+          <a:chExt cx="0" cy="0"/>
+        </a:xfrm>
+      </p:grpSpPr>
+      <p:sp>
+        <p:nvSpPr>
+          <p:cNvPr id="2" name="Slide Number Placeholder 1">
+            <a:extLst>
+              <a:ext uri="{FF2B5EF4-FFF2-40B4-BE49-F238E27FC236}">
+                <a16:creationId xmlns:a16="http://schemas.microsoft.com/office/drawing/2014/main" id="{1CC68BFB-9DCA-DB7B-3E22-E8873955763F}"/>
+              </a:ext>
+            </a:extLst>
+          </p:cNvPr>
+          <p:cNvSpPr>
+            <a:spLocks noGrp="1"/>
+          </p:cNvSpPr>
+          <p:nvPr>
+            <p:ph type="sldNum" sz="quarter" idx="12"/>
+          </p:nvPr>
+        </p:nvSpPr>
+        <p:spPr/>
+        <p:txBody>
+          <a:bodyPr/>
+          <a:lstStyle/>
+          <a:p>
+            <a:fld id="{7A304655-5D53-B746-8252-3F5A598C52D3}" type="slidenum">
+              <a:rPr lang="en-CN" smtClean="0"/>
+              <a:pPr/>
+              <a:t>18</a:t>
+            </a:fld>
+            <a:endParaRPr lang="en-CN"/>
+          </a:p>
+        </p:txBody>
+      </p:sp>
+      <p:sp>
+        <p:nvSpPr>
+          <p:cNvPr id="3" name="Title 2">
+            <a:extLst>
+              <a:ext uri="{FF2B5EF4-FFF2-40B4-BE49-F238E27FC236}">
+                <a16:creationId xmlns:a16="http://schemas.microsoft.com/office/drawing/2014/main" id="{06D207F6-1137-F6DE-102D-76E3FF356A24}"/>
+              </a:ext>
+            </a:extLst>
+          </p:cNvPr>
+          <p:cNvSpPr>
+            <a:spLocks noGrp="1"/>
+          </p:cNvSpPr>
+          <p:nvPr>
+            <p:ph type="title"/>
+          </p:nvPr>
+        </p:nvSpPr>
+        <p:spPr/>
+        <p:txBody>
+          <a:bodyPr/>
+          <a:lstStyle/>
+          <a:p>
+            <a:r>
+              <a:rPr kumimoji="1" lang="zh-CN" altLang="en-US" dirty="0"/>
+              <a:t>花了多少时间</a:t>
+            </a:r>
+            <a:r>
+              <a:rPr kumimoji="1" lang="en-US" altLang="zh-CN" dirty="0"/>
+              <a:t>(</a:t>
+            </a:r>
+            <a:r>
+              <a:rPr kumimoji="1" lang="zh-CN" altLang="en-US" dirty="0"/>
+              <a:t>继续</a:t>
+            </a:r>
+            <a:r>
+              <a:rPr kumimoji="1" lang="en-US" altLang="zh-CN" dirty="0"/>
+              <a:t>)</a:t>
+            </a:r>
+            <a:endParaRPr kumimoji="1" lang="zh-CN" altLang="en-US" dirty="0"/>
+          </a:p>
+        </p:txBody>
+      </p:sp>
+      <p:sp>
+        <p:nvSpPr>
+          <p:cNvPr id="4" name="TextBox 3">
+            <a:extLst>
+              <a:ext uri="{FF2B5EF4-FFF2-40B4-BE49-F238E27FC236}">
+                <a16:creationId xmlns:a16="http://schemas.microsoft.com/office/drawing/2014/main" id="{7228F83E-4DA2-6892-3084-EAB16B88A4A0}"/>
+              </a:ext>
+            </a:extLst>
+          </p:cNvPr>
+          <p:cNvSpPr txBox="1"/>
+          <p:nvPr/>
+        </p:nvSpPr>
+        <p:spPr>
+          <a:xfrm>
+            <a:off x="628650" y="1241779"/>
+            <a:ext cx="2710999" cy="461665"/>
+          </a:xfrm>
+          <a:prstGeom prst="rect">
+            <a:avLst/>
+          </a:prstGeom>
+          <a:noFill/>
+        </p:spPr>
+        <p:txBody>
+          <a:bodyPr wrap="none" rtlCol="0">
+            <a:spAutoFit/>
+          </a:bodyPr>
+          <a:lstStyle/>
+          <a:p>
+            <a:pPr marL="342900" indent="-342900" algn="l">
+              <a:buFont typeface="Arial" panose="020B0604020202020204" pitchFamily="34" charset="0"/>
+              <a:buChar char="•"/>
+            </a:pPr>
+            <a:r>
+              <a:rPr kumimoji="1" lang="zh-CN" altLang="en-US" sz="2400" dirty="0"/>
+              <a:t>更加精确的模型</a:t>
+            </a:r>
+          </a:p>
+        </p:txBody>
+      </p:sp>
+      <p:pic>
+        <p:nvPicPr>
+          <p:cNvPr id="5" name="Picture 4">
+            <a:extLst>
+              <a:ext uri="{FF2B5EF4-FFF2-40B4-BE49-F238E27FC236}">
+                <a16:creationId xmlns:a16="http://schemas.microsoft.com/office/drawing/2014/main" id="{F5326641-A58B-9F2B-0E10-51585C8D50E6}"/>
+              </a:ext>
+            </a:extLst>
+          </p:cNvPr>
+          <p:cNvPicPr>
+            <a:picLocks noChangeAspect="1"/>
+          </p:cNvPicPr>
+          <p:nvPr/>
+        </p:nvPicPr>
+        <p:blipFill>
+          <a:blip r:embed="rId3"/>
+          <a:stretch>
+            <a:fillRect/>
+          </a:stretch>
+        </p:blipFill>
+        <p:spPr>
+          <a:xfrm>
+            <a:off x="2253094" y="1658710"/>
+            <a:ext cx="4384322" cy="992336"/>
+          </a:xfrm>
+          <a:prstGeom prst="rect">
+            <a:avLst/>
+          </a:prstGeom>
+        </p:spPr>
+      </p:pic>
+      <p:pic>
+        <p:nvPicPr>
+          <p:cNvPr id="7" name="Picture 6">
+            <a:extLst>
+              <a:ext uri="{FF2B5EF4-FFF2-40B4-BE49-F238E27FC236}">
+                <a16:creationId xmlns:a16="http://schemas.microsoft.com/office/drawing/2014/main" id="{848A944B-E75B-A682-520B-1A500ADF22BD}"/>
+              </a:ext>
+            </a:extLst>
+          </p:cNvPr>
+          <p:cNvPicPr>
+            <a:picLocks noChangeAspect="1"/>
+          </p:cNvPicPr>
+          <p:nvPr/>
+        </p:nvPicPr>
+        <p:blipFill>
+          <a:blip r:embed="rId4"/>
+          <a:stretch>
+            <a:fillRect/>
+          </a:stretch>
+        </p:blipFill>
+        <p:spPr>
+          <a:xfrm>
+            <a:off x="3200047" y="2578652"/>
+            <a:ext cx="2743906" cy="690580"/>
+          </a:xfrm>
+          <a:prstGeom prst="rect">
+            <a:avLst/>
+          </a:prstGeom>
+        </p:spPr>
+      </p:pic>
+      <p:pic>
+        <p:nvPicPr>
+          <p:cNvPr id="8" name="Picture 7">
+            <a:extLst>
+              <a:ext uri="{FF2B5EF4-FFF2-40B4-BE49-F238E27FC236}">
+                <a16:creationId xmlns:a16="http://schemas.microsoft.com/office/drawing/2014/main" id="{1375B542-CFB8-BADD-580D-ED83B3FD3532}"/>
+              </a:ext>
+            </a:extLst>
+          </p:cNvPr>
+          <p:cNvPicPr>
+            <a:picLocks noChangeAspect="1"/>
+          </p:cNvPicPr>
+          <p:nvPr/>
+        </p:nvPicPr>
+        <p:blipFill>
+          <a:blip r:embed="rId5"/>
+          <a:stretch>
+            <a:fillRect/>
+          </a:stretch>
+        </p:blipFill>
+        <p:spPr>
+          <a:xfrm>
+            <a:off x="2275221" y="3195096"/>
+            <a:ext cx="4718756" cy="467808"/>
+          </a:xfrm>
+          <a:prstGeom prst="rect">
+            <a:avLst/>
+          </a:prstGeom>
+        </p:spPr>
+      </p:pic>
+      <p:pic>
+        <p:nvPicPr>
+          <p:cNvPr id="9" name="Picture 8">
+            <a:extLst>
+              <a:ext uri="{FF2B5EF4-FFF2-40B4-BE49-F238E27FC236}">
+                <a16:creationId xmlns:a16="http://schemas.microsoft.com/office/drawing/2014/main" id="{2D973BF9-9A90-BC45-0AF2-EDBB2AD2D55D}"/>
+              </a:ext>
+            </a:extLst>
+          </p:cNvPr>
+          <p:cNvPicPr>
+            <a:picLocks noChangeAspect="1"/>
+          </p:cNvPicPr>
+          <p:nvPr/>
+        </p:nvPicPr>
+        <p:blipFill>
+          <a:blip r:embed="rId6"/>
+          <a:stretch>
+            <a:fillRect/>
+          </a:stretch>
+        </p:blipFill>
+        <p:spPr>
+          <a:xfrm>
+            <a:off x="3616148" y="3666242"/>
+            <a:ext cx="1911703" cy="522932"/>
+          </a:xfrm>
+          <a:prstGeom prst="rect">
+            <a:avLst/>
+          </a:prstGeom>
+        </p:spPr>
+      </p:pic>
+      <p:pic>
+        <p:nvPicPr>
+          <p:cNvPr id="12" name="Picture 11">
+            <a:extLst>
+              <a:ext uri="{FF2B5EF4-FFF2-40B4-BE49-F238E27FC236}">
+                <a16:creationId xmlns:a16="http://schemas.microsoft.com/office/drawing/2014/main" id="{C293AF4D-FDE5-F0D8-BA19-9699D6A6AFA4}"/>
+              </a:ext>
+            </a:extLst>
+          </p:cNvPr>
+          <p:cNvPicPr>
+            <a:picLocks noChangeAspect="1"/>
+          </p:cNvPicPr>
+          <p:nvPr/>
+        </p:nvPicPr>
+        <p:blipFill>
+          <a:blip r:embed="rId7"/>
+          <a:stretch>
+            <a:fillRect/>
+          </a:stretch>
+        </p:blipFill>
+        <p:spPr>
+          <a:xfrm>
+            <a:off x="4167971" y="4235320"/>
+            <a:ext cx="1911703" cy="570298"/>
+          </a:xfrm>
+          <a:prstGeom prst="rect">
+            <a:avLst/>
+          </a:prstGeom>
+        </p:spPr>
+      </p:pic>
+      <p:pic>
+        <p:nvPicPr>
+          <p:cNvPr id="13" name="Picture 12">
+            <a:extLst>
+              <a:ext uri="{FF2B5EF4-FFF2-40B4-BE49-F238E27FC236}">
+                <a16:creationId xmlns:a16="http://schemas.microsoft.com/office/drawing/2014/main" id="{BC75BB1E-6C7E-52F0-64BB-348649C38454}"/>
+              </a:ext>
+            </a:extLst>
+          </p:cNvPr>
+          <p:cNvPicPr>
+            <a:picLocks noChangeAspect="1"/>
+          </p:cNvPicPr>
+          <p:nvPr/>
+        </p:nvPicPr>
+        <p:blipFill>
+          <a:blip r:embed="rId8"/>
+          <a:stretch>
+            <a:fillRect/>
+          </a:stretch>
+        </p:blipFill>
+        <p:spPr>
+          <a:xfrm>
+            <a:off x="4167971" y="4851764"/>
+            <a:ext cx="2469445" cy="875363"/>
+          </a:xfrm>
+          <a:prstGeom prst="rect">
+            <a:avLst/>
+          </a:prstGeom>
+        </p:spPr>
+      </p:pic>
+      <p:sp>
+        <p:nvSpPr>
+          <p:cNvPr id="14" name="Merge 13">
+            <a:extLst>
+              <a:ext uri="{FF2B5EF4-FFF2-40B4-BE49-F238E27FC236}">
+                <a16:creationId xmlns:a16="http://schemas.microsoft.com/office/drawing/2014/main" id="{7DCB1C2D-62DE-E910-5399-630B2919890D}"/>
+              </a:ext>
+            </a:extLst>
+          </p:cNvPr>
+          <p:cNvSpPr/>
+          <p:nvPr/>
+        </p:nvSpPr>
+        <p:spPr>
+          <a:xfrm>
+            <a:off x="396421" y="335130"/>
+            <a:ext cx="705394" cy="705394"/>
+          </a:xfrm>
+          <a:prstGeom prst="flowChartMerge">
+            <a:avLst/>
+          </a:prstGeom>
+          <a:solidFill>
+            <a:schemeClr val="lt1">
+              <a:alpha val="75518"/>
+            </a:schemeClr>
+          </a:solidFill>
+        </p:spPr>
+        <p:style>
+          <a:lnRef idx="2">
+            <a:schemeClr val="accent5"/>
+          </a:lnRef>
+          <a:fillRef idx="1">
+            <a:schemeClr val="lt1"/>
+          </a:fillRef>
+          <a:effectRef idx="0">
+            <a:schemeClr val="accent5"/>
+          </a:effectRef>
+          <a:fontRef idx="minor">
+            <a:schemeClr val="dk1"/>
+          </a:fontRef>
+        </p:style>
+        <p:txBody>
+          <a:bodyPr rtlCol="0" anchor="ctr"/>
+          <a:lstStyle/>
+          <a:p>
+            <a:pPr algn="ctr"/>
+            <a:endParaRPr kumimoji="1" lang="zh-CN" altLang="en-US" sz="1600" dirty="0">
+              <a:latin typeface="Consolas" panose="020B0609020204030204" pitchFamily="49" charset="0"/>
+              <a:ea typeface="FangSong" panose="02010609060101010101" pitchFamily="49" charset="-122"/>
+              <a:cs typeface="Consolas" panose="020B0609020204030204" pitchFamily="49" charset="0"/>
+            </a:endParaRPr>
+          </a:p>
+        </p:txBody>
+      </p:sp>
+    </p:spTree>
+    <p:extLst>
+      <p:ext uri="{BB962C8B-B14F-4D97-AF65-F5344CB8AC3E}">
+        <p14:creationId xmlns:p14="http://schemas.microsoft.com/office/powerpoint/2010/main" val="2338922999"/>
+      </p:ext>
+    </p:extLst>
+  </p:cSld>
+  <p:clrMapOvr>
+    <a:masterClrMapping/>
+  </p:clrMapOvr>
+</p:sld>
+</file>
+
+<file path=ppt/slides/slide19.xml><?xml version="1.0" encoding="utf-8"?>
+<p:sld xmlns:a="http://schemas.openxmlformats.org/drawingml/2006/main" xmlns:r="http://schemas.openxmlformats.org/officeDocument/2006/relationships" xmlns:p="http://schemas.openxmlformats.org/presentationml/2006/main">
+  <p:cSld>
+    <p:spTree>
+      <p:nvGrpSpPr>
+        <p:cNvPr id="1" name=""/>
+        <p:cNvGrpSpPr/>
+        <p:nvPr/>
+      </p:nvGrpSpPr>
+      <p:grpSpPr>
+        <a:xfrm>
+          <a:off x="0" y="0"/>
+          <a:ext cx="0" cy="0"/>
+          <a:chOff x="0" y="0"/>
+          <a:chExt cx="0" cy="0"/>
+        </a:xfrm>
+      </p:grpSpPr>
+      <p:sp>
+        <p:nvSpPr>
+          <p:cNvPr id="2" name="Slide Number Placeholder 1">
+            <a:extLst>
+              <a:ext uri="{FF2B5EF4-FFF2-40B4-BE49-F238E27FC236}">
+                <a16:creationId xmlns:a16="http://schemas.microsoft.com/office/drawing/2014/main" id="{28CBD2FB-E350-B5C0-2FCF-37DFB96D0917}"/>
+              </a:ext>
+            </a:extLst>
+          </p:cNvPr>
+          <p:cNvSpPr>
+            <a:spLocks noGrp="1"/>
+          </p:cNvSpPr>
+          <p:nvPr>
+            <p:ph type="sldNum" sz="quarter" idx="12"/>
+          </p:nvPr>
+        </p:nvSpPr>
+        <p:spPr/>
+        <p:txBody>
+          <a:bodyPr/>
+          <a:lstStyle/>
+          <a:p>
+            <a:fld id="{7A304655-5D53-B746-8252-3F5A598C52D3}" type="slidenum">
+              <a:rPr lang="en-CN" smtClean="0"/>
+              <a:pPr/>
+              <a:t>19</a:t>
+            </a:fld>
+            <a:endParaRPr lang="en-CN"/>
+          </a:p>
+        </p:txBody>
+      </p:sp>
+      <p:sp>
+        <p:nvSpPr>
+          <p:cNvPr id="4" name="Title 3">
+            <a:extLst>
+              <a:ext uri="{FF2B5EF4-FFF2-40B4-BE49-F238E27FC236}">
+                <a16:creationId xmlns:a16="http://schemas.microsoft.com/office/drawing/2014/main" id="{64721D14-1A38-A7C5-EF55-C0F3A8E441FE}"/>
+              </a:ext>
+            </a:extLst>
+          </p:cNvPr>
+          <p:cNvSpPr>
+            <a:spLocks noGrp="1"/>
+          </p:cNvSpPr>
+          <p:nvPr>
+            <p:ph type="title"/>
+          </p:nvPr>
+        </p:nvSpPr>
+        <p:spPr/>
+        <p:txBody>
+          <a:bodyPr/>
+          <a:lstStyle/>
+          <a:p>
+            <a:r>
+              <a:rPr lang="zh-CN" altLang="en-US" dirty="0"/>
+              <a:t>上述问题的模式</a:t>
+            </a:r>
+            <a:r>
+              <a:rPr lang="en-US" altLang="zh-CN" dirty="0"/>
+              <a:t>.</a:t>
+            </a:r>
+            <a:r>
+              <a:rPr lang="zh-CN" altLang="en-US" dirty="0"/>
+              <a:t> 主定理</a:t>
+            </a:r>
+          </a:p>
+        </p:txBody>
+      </p:sp>
+    </p:spTree>
+    <p:extLst>
+      <p:ext uri="{BB962C8B-B14F-4D97-AF65-F5344CB8AC3E}">
+        <p14:creationId xmlns:p14="http://schemas.microsoft.com/office/powerpoint/2010/main" val="4026027727"/>
+      </p:ext>
+    </p:extLst>
+  </p:cSld>
+  <p:clrMapOvr>
+    <a:masterClrMapping/>
+  </p:clrMapOvr>
+</p:sld>
+</file>
+
+<file path=ppt/slides/slide2.xml><?xml version="1.0" encoding="utf-8"?>
+<p:sld xmlns:a="http://schemas.openxmlformats.org/drawingml/2006/main" xmlns:r="http://schemas.openxmlformats.org/officeDocument/2006/relationships" xmlns:p="http://schemas.openxmlformats.org/presentationml/2006/main">
+  <p:cSld>
+    <p:spTree>
+      <p:nvGrpSpPr>
+        <p:cNvPr id="1" name=""/>
+        <p:cNvGrpSpPr/>
+        <p:nvPr/>
+      </p:nvGrpSpPr>
+      <p:grpSpPr>
+        <a:xfrm>
+          <a:off x="0" y="0"/>
+          <a:ext cx="0" cy="0"/>
+          <a:chOff x="0" y="0"/>
+          <a:chExt cx="0" cy="0"/>
+        </a:xfrm>
+      </p:grpSpPr>
+      <p:sp>
+        <p:nvSpPr>
+          <p:cNvPr id="2" name="Slide Number Placeholder 1">
+            <a:extLst>
+              <a:ext uri="{FF2B5EF4-FFF2-40B4-BE49-F238E27FC236}">
+                <a16:creationId xmlns:a16="http://schemas.microsoft.com/office/drawing/2014/main" id="{76147F3F-1935-51CB-6002-61B16DB20D5A}"/>
+              </a:ext>
+            </a:extLst>
+          </p:cNvPr>
+          <p:cNvSpPr>
+            <a:spLocks noGrp="1"/>
+          </p:cNvSpPr>
+          <p:nvPr>
+            <p:ph type="sldNum" sz="quarter" idx="12"/>
+          </p:nvPr>
+        </p:nvSpPr>
+        <p:spPr/>
+        <p:txBody>
+          <a:bodyPr/>
+          <a:lstStyle/>
+          <a:p>
+            <a:fld id="{7A304655-5D53-B746-8252-3F5A598C52D3}" type="slidenum">
+              <a:rPr lang="en-CN" smtClean="0"/>
+              <a:pPr/>
+              <a:t>2</a:t>
+            </a:fld>
+            <a:endParaRPr lang="en-CN"/>
+          </a:p>
+        </p:txBody>
+      </p:sp>
+      <p:sp>
+        <p:nvSpPr>
+          <p:cNvPr id="4" name="Title 3">
+            <a:extLst>
+              <a:ext uri="{FF2B5EF4-FFF2-40B4-BE49-F238E27FC236}">
+                <a16:creationId xmlns:a16="http://schemas.microsoft.com/office/drawing/2014/main" id="{4FD1A3B3-C499-BEC8-A453-9584708D3EA3}"/>
+              </a:ext>
+            </a:extLst>
+          </p:cNvPr>
+          <p:cNvSpPr>
+            <a:spLocks noGrp="1"/>
+          </p:cNvSpPr>
+          <p:nvPr>
+            <p:ph type="title"/>
+          </p:nvPr>
+        </p:nvSpPr>
+        <p:spPr/>
+        <p:txBody>
+          <a:bodyPr/>
+          <a:lstStyle/>
+          <a:p>
+            <a:r>
+              <a:rPr lang="zh-CN" altLang="en-US" dirty="0"/>
+              <a:t>热身练习</a:t>
+            </a:r>
+          </a:p>
+        </p:txBody>
+      </p:sp>
+    </p:spTree>
+    <p:extLst>
+      <p:ext uri="{BB962C8B-B14F-4D97-AF65-F5344CB8AC3E}">
+        <p14:creationId xmlns:p14="http://schemas.microsoft.com/office/powerpoint/2010/main" val="2741753206"/>
+      </p:ext>
+    </p:extLst>
+  </p:cSld>
+  <p:clrMapOvr>
+    <a:masterClrMapping/>
+  </p:clrMapOvr>
+</p:sld>
+</file>
+
+<file path=ppt/slides/slide20.xml><?xml version="1.0" encoding="utf-8"?>
+<p:sld xmlns:a="http://schemas.openxmlformats.org/drawingml/2006/main" xmlns:r="http://schemas.openxmlformats.org/officeDocument/2006/relationships" xmlns:p="http://schemas.openxmlformats.org/presentationml/2006/main">
+  <p:cSld>
+    <p:bg>
+      <p:bgPr>
+        <a:solidFill>
+          <a:schemeClr val="bg1"/>
+        </a:solidFill>
+        <a:effectLst/>
+      </p:bgPr>
+    </p:bg>
+    <p:spTree>
+      <p:nvGrpSpPr>
+        <p:cNvPr id="1" name=""/>
+        <p:cNvGrpSpPr/>
+        <p:nvPr/>
+      </p:nvGrpSpPr>
+      <p:grpSpPr>
+        <a:xfrm>
+          <a:off x="0" y="0"/>
+          <a:ext cx="0" cy="0"/>
+          <a:chOff x="0" y="0"/>
+          <a:chExt cx="0" cy="0"/>
+        </a:xfrm>
+      </p:grpSpPr>
+      <p:sp>
+        <p:nvSpPr>
+          <p:cNvPr id="2" name="Slide Number Placeholder 1">
+            <a:extLst>
+              <a:ext uri="{FF2B5EF4-FFF2-40B4-BE49-F238E27FC236}">
+                <a16:creationId xmlns:a16="http://schemas.microsoft.com/office/drawing/2014/main" id="{5AC1BE50-1C0A-0637-8976-DFEDDDE486CF}"/>
+              </a:ext>
+            </a:extLst>
+          </p:cNvPr>
+          <p:cNvSpPr>
+            <a:spLocks noGrp="1"/>
+          </p:cNvSpPr>
+          <p:nvPr>
+            <p:ph type="sldNum" sz="quarter" idx="12"/>
+          </p:nvPr>
+        </p:nvSpPr>
+        <p:spPr/>
+        <p:txBody>
+          <a:bodyPr/>
+          <a:lstStyle/>
+          <a:p>
+            <a:fld id="{7A304655-5D53-B746-8252-3F5A598C52D3}" type="slidenum">
+              <a:rPr lang="en-CN" smtClean="0"/>
+              <a:pPr/>
+              <a:t>20</a:t>
+            </a:fld>
+            <a:endParaRPr lang="en-CN"/>
+          </a:p>
+        </p:txBody>
+      </p:sp>
+      <p:sp>
+        <p:nvSpPr>
+          <p:cNvPr id="3" name="Title 2">
+            <a:extLst>
+              <a:ext uri="{FF2B5EF4-FFF2-40B4-BE49-F238E27FC236}">
+                <a16:creationId xmlns:a16="http://schemas.microsoft.com/office/drawing/2014/main" id="{FDEF5DD8-2F94-049F-5F29-076FC913F345}"/>
+              </a:ext>
+            </a:extLst>
+          </p:cNvPr>
+          <p:cNvSpPr>
+            <a:spLocks noGrp="1"/>
+          </p:cNvSpPr>
+          <p:nvPr>
+            <p:ph type="title"/>
+          </p:nvPr>
+        </p:nvSpPr>
+        <p:spPr/>
+        <p:txBody>
+          <a:bodyPr/>
+          <a:lstStyle/>
+          <a:p>
+            <a:r>
+              <a:rPr kumimoji="1" lang="zh-CN" altLang="en-US" dirty="0"/>
+              <a:t>很多问题的 </a:t>
+            </a:r>
+            <a:r>
+              <a:rPr kumimoji="1" lang="en-US" altLang="zh-CN" dirty="0"/>
+              <a:t>“</a:t>
+            </a:r>
+            <a:r>
+              <a:rPr kumimoji="1" lang="zh-CN" altLang="en-US" dirty="0"/>
+              <a:t>规律</a:t>
+            </a:r>
+            <a:r>
+              <a:rPr kumimoji="1" lang="en-US" altLang="zh-CN" dirty="0"/>
+              <a:t>”</a:t>
+            </a:r>
+            <a:endParaRPr kumimoji="1" lang="zh-CN" altLang="en-US" dirty="0"/>
+          </a:p>
+        </p:txBody>
+      </p:sp>
+      <p:pic>
+        <p:nvPicPr>
+          <p:cNvPr id="5" name="Picture 4">
+            <a:extLst>
+              <a:ext uri="{FF2B5EF4-FFF2-40B4-BE49-F238E27FC236}">
+                <a16:creationId xmlns:a16="http://schemas.microsoft.com/office/drawing/2014/main" id="{E757F63E-14B1-4C35-FEB4-F73C7495A72E}"/>
+              </a:ext>
+            </a:extLst>
+          </p:cNvPr>
+          <p:cNvPicPr>
+            <a:picLocks noChangeAspect="1"/>
+          </p:cNvPicPr>
+          <p:nvPr/>
+        </p:nvPicPr>
+        <p:blipFill>
+          <a:blip r:embed="rId2"/>
+          <a:stretch>
+            <a:fillRect/>
+          </a:stretch>
+        </p:blipFill>
+        <p:spPr>
+          <a:xfrm>
+            <a:off x="4203700" y="1450622"/>
+            <a:ext cx="606800" cy="376634"/>
+          </a:xfrm>
+          <a:prstGeom prst="rect">
+            <a:avLst/>
+          </a:prstGeom>
+        </p:spPr>
+      </p:pic>
+      <p:pic>
+        <p:nvPicPr>
+          <p:cNvPr id="7" name="Picture 6">
+            <a:extLst>
+              <a:ext uri="{FF2B5EF4-FFF2-40B4-BE49-F238E27FC236}">
+                <a16:creationId xmlns:a16="http://schemas.microsoft.com/office/drawing/2014/main" id="{0A827D12-396B-0FAE-01D2-3E7067C8F659}"/>
+              </a:ext>
+            </a:extLst>
+          </p:cNvPr>
+          <p:cNvPicPr>
+            <a:picLocks noChangeAspect="1"/>
+          </p:cNvPicPr>
+          <p:nvPr/>
+        </p:nvPicPr>
+        <p:blipFill>
+          <a:blip r:embed="rId3">
+            <a:clrChange>
+              <a:clrFrom>
+                <a:srgbClr val="FFFFFF"/>
+              </a:clrFrom>
+              <a:clrTo>
+                <a:srgbClr val="FFFFFF">
+                  <a:alpha val="0"/>
+                </a:srgbClr>
+              </a:clrTo>
+            </a:clrChange>
+          </a:blip>
+          <a:stretch>
+            <a:fillRect/>
+          </a:stretch>
+        </p:blipFill>
+        <p:spPr>
+          <a:xfrm>
+            <a:off x="3261451" y="1358904"/>
+            <a:ext cx="2594594" cy="910200"/>
+          </a:xfrm>
+          <a:prstGeom prst="rect">
+            <a:avLst/>
+          </a:prstGeom>
+        </p:spPr>
+      </p:pic>
+      <p:pic>
+        <p:nvPicPr>
+          <p:cNvPr id="8" name="Picture 7">
+            <a:extLst>
+              <a:ext uri="{FF2B5EF4-FFF2-40B4-BE49-F238E27FC236}">
+                <a16:creationId xmlns:a16="http://schemas.microsoft.com/office/drawing/2014/main" id="{2FB3126C-7AC6-5F05-8452-FA03968586B6}"/>
+              </a:ext>
+            </a:extLst>
+          </p:cNvPr>
+          <p:cNvPicPr>
+            <a:picLocks noChangeAspect="1"/>
+          </p:cNvPicPr>
+          <p:nvPr/>
+        </p:nvPicPr>
+        <p:blipFill>
+          <a:blip r:embed="rId4"/>
+          <a:stretch>
+            <a:fillRect/>
+          </a:stretch>
+        </p:blipFill>
+        <p:spPr>
+          <a:xfrm>
+            <a:off x="5647358" y="475067"/>
+            <a:ext cx="1003300" cy="546100"/>
+          </a:xfrm>
+          <a:prstGeom prst="rect">
+            <a:avLst/>
+          </a:prstGeom>
+        </p:spPr>
+      </p:pic>
+      <mc:AlternateContent xmlns:mc="http://schemas.openxmlformats.org/markup-compatibility/2006">
+        <mc:Choice xmlns:a14="http://schemas.microsoft.com/office/drawing/2010/main" Requires="a14">
+          <p:sp>
+            <p:nvSpPr>
+              <p:cNvPr id="9" name="TextBox 8">
+                <a:extLst>
+                  <a:ext uri="{FF2B5EF4-FFF2-40B4-BE49-F238E27FC236}">
+                    <a16:creationId xmlns:a16="http://schemas.microsoft.com/office/drawing/2014/main" id="{55AFA80D-E816-FA32-2B23-5A9CF9E843B2}"/>
+                  </a:ext>
+                </a:extLst>
+              </p:cNvPr>
+              <p:cNvSpPr txBox="1"/>
+              <p:nvPr/>
+            </p:nvSpPr>
+            <p:spPr>
+              <a:xfrm>
+                <a:off x="6650658" y="517284"/>
+                <a:ext cx="422231" cy="461665"/>
+              </a:xfrm>
+              <a:prstGeom prst="rect">
+                <a:avLst/>
+              </a:prstGeom>
+              <a:noFill/>
+            </p:spPr>
+            <p:txBody>
+              <a:bodyPr wrap="none" rtlCol="0">
+                <a:spAutoFit/>
+              </a:bodyPr>
+              <a:lstStyle/>
+              <a:p>
+                <a:pPr algn="l"/>
+                <a14:m>
+                  <m:oMathPara xmlns:m="http://schemas.openxmlformats.org/officeDocument/2006/math">
+                    <m:oMathParaPr>
+                      <m:jc m:val="centerGroup"/>
+                    </m:oMathParaPr>
+                    <m:oMath xmlns:m="http://schemas.openxmlformats.org/officeDocument/2006/math">
+                      <m:r>
+                        <a:rPr kumimoji="1" lang="en-US" altLang="zh-CN" sz="2400" b="0" i="1" smtClean="0">
+                          <a:latin typeface="Cambria Math" panose="02040503050406030204" pitchFamily="18" charset="0"/>
+                        </a:rPr>
+                        <m:t>𝑟</m:t>
+                      </m:r>
+                    </m:oMath>
+                  </m:oMathPara>
+                </a14:m>
+                <a:endParaRPr kumimoji="1" lang="zh-CN" altLang="en-US" sz="2400" dirty="0"/>
+              </a:p>
+            </p:txBody>
+          </p:sp>
+        </mc:Choice>
+        <mc:Fallback>
+          <p:sp>
+            <p:nvSpPr>
+              <p:cNvPr id="9" name="TextBox 8">
+                <a:extLst>
+                  <a:ext uri="{FF2B5EF4-FFF2-40B4-BE49-F238E27FC236}">
+                    <a16:creationId xmlns:a16="http://schemas.microsoft.com/office/drawing/2014/main" id="{55AFA80D-E816-FA32-2B23-5A9CF9E843B2}"/>
+                  </a:ext>
+                </a:extLst>
+              </p:cNvPr>
+              <p:cNvSpPr txBox="1">
+                <a:spLocks noRot="1" noChangeAspect="1" noMove="1" noResize="1" noEditPoints="1" noAdjustHandles="1" noChangeArrowheads="1" noChangeShapeType="1" noTextEdit="1"/>
+              </p:cNvSpPr>
+              <p:nvPr/>
+            </p:nvSpPr>
+            <p:spPr>
+              <a:xfrm>
+                <a:off x="6650658" y="517284"/>
+                <a:ext cx="422231" cy="461665"/>
+              </a:xfrm>
+              <a:prstGeom prst="rect">
+                <a:avLst/>
+              </a:prstGeom>
+              <a:blipFill>
+                <a:blip r:embed="rId5"/>
+                <a:stretch>
+                  <a:fillRect/>
+                </a:stretch>
+              </a:blipFill>
+            </p:spPr>
+            <p:txBody>
+              <a:bodyPr/>
+              <a:lstStyle/>
+              <a:p>
+                <a:r>
+                  <a:rPr lang="zh-CN" altLang="en-US">
+                    <a:noFill/>
+                  </a:rPr>
+                  <a:t> </a:t>
+                </a:r>
+              </a:p>
+            </p:txBody>
+          </p:sp>
+        </mc:Fallback>
+      </mc:AlternateContent>
+      <p:pic>
+        <p:nvPicPr>
+          <p:cNvPr id="10" name="Picture 9">
+            <a:extLst>
+              <a:ext uri="{FF2B5EF4-FFF2-40B4-BE49-F238E27FC236}">
+                <a16:creationId xmlns:a16="http://schemas.microsoft.com/office/drawing/2014/main" id="{159E00C0-395C-16BD-DBDC-EA11CEAF4855}"/>
+              </a:ext>
+            </a:extLst>
+          </p:cNvPr>
+          <p:cNvPicPr>
+            <a:picLocks noChangeAspect="1"/>
+          </p:cNvPicPr>
+          <p:nvPr/>
+        </p:nvPicPr>
+        <p:blipFill>
+          <a:blip r:embed="rId6">
+            <a:clrChange>
+              <a:clrFrom>
+                <a:srgbClr val="FFFFFF"/>
+              </a:clrFrom>
+              <a:clrTo>
+                <a:srgbClr val="FFFFFF">
+                  <a:alpha val="0"/>
+                </a:srgbClr>
+              </a:clrTo>
+            </a:clrChange>
+          </a:blip>
+          <a:stretch>
+            <a:fillRect/>
+          </a:stretch>
+        </p:blipFill>
+        <p:spPr>
+          <a:xfrm>
+            <a:off x="1035603" y="1905722"/>
+            <a:ext cx="7114210" cy="826504"/>
+          </a:xfrm>
+          <a:prstGeom prst="rect">
+            <a:avLst/>
+          </a:prstGeom>
+        </p:spPr>
+      </p:pic>
+      <mc:AlternateContent xmlns:mc="http://schemas.openxmlformats.org/markup-compatibility/2006">
+        <mc:Choice xmlns:a14="http://schemas.microsoft.com/office/drawing/2010/main" Requires="a14">
+          <p:sp>
+            <p:nvSpPr>
+              <p:cNvPr id="11" name="TextBox 10">
+                <a:extLst>
+                  <a:ext uri="{FF2B5EF4-FFF2-40B4-BE49-F238E27FC236}">
+                    <a16:creationId xmlns:a16="http://schemas.microsoft.com/office/drawing/2014/main" id="{02766BB1-A2F2-1F69-89CA-A12AF83E24B7}"/>
+                  </a:ext>
+                </a:extLst>
+              </p:cNvPr>
+              <p:cNvSpPr txBox="1"/>
+              <p:nvPr/>
+            </p:nvSpPr>
+            <p:spPr>
+              <a:xfrm>
+                <a:off x="6861773" y="385612"/>
+                <a:ext cx="983218" cy="725007"/>
+              </a:xfrm>
+              <a:prstGeom prst="rect">
+                <a:avLst/>
+              </a:prstGeom>
+              <a:noFill/>
+            </p:spPr>
+            <p:txBody>
+              <a:bodyPr wrap="none" rtlCol="0">
+                <a:spAutoFit/>
+              </a:bodyPr>
+              <a:lstStyle/>
+              <a:p>
+                <a:pPr algn="l"/>
+                <a14:m>
+                  <m:oMathPara xmlns:m="http://schemas.openxmlformats.org/officeDocument/2006/math">
+                    <m:oMathParaPr>
+                      <m:jc m:val="centerGroup"/>
+                    </m:oMathParaPr>
+                    <m:oMath xmlns:m="http://schemas.openxmlformats.org/officeDocument/2006/math">
+                      <m:r>
+                        <a:rPr kumimoji="1" lang="en-US" altLang="zh-CN" sz="2400" b="0" i="1" smtClean="0">
+                          <a:latin typeface="Cambria Math" panose="02040503050406030204" pitchFamily="18" charset="0"/>
+                        </a:rPr>
+                        <m:t>𝑓</m:t>
+                      </m:r>
+                      <m:d>
+                        <m:dPr>
+                          <m:ctrlPr>
+                            <a:rPr kumimoji="1" lang="en-US" altLang="zh-CN" sz="2400" b="0" i="1" smtClean="0">
+                              <a:latin typeface="Cambria Math" panose="02040503050406030204" pitchFamily="18" charset="0"/>
+                            </a:rPr>
+                          </m:ctrlPr>
+                        </m:dPr>
+                        <m:e>
+                          <m:f>
+                            <m:fPr>
+                              <m:ctrlPr>
+                                <a:rPr kumimoji="1" lang="en-US" altLang="zh-CN" sz="2400" b="0" i="1" smtClean="0">
+                                  <a:latin typeface="Cambria Math" panose="02040503050406030204" pitchFamily="18" charset="0"/>
+                                </a:rPr>
+                              </m:ctrlPr>
+                            </m:fPr>
+                            <m:num>
+                              <m:r>
+                                <a:rPr kumimoji="1" lang="en-US" altLang="zh-CN" sz="2400" b="0" i="1" smtClean="0">
+                                  <a:latin typeface="Cambria Math" panose="02040503050406030204" pitchFamily="18" charset="0"/>
+                                </a:rPr>
+                                <m:t>𝑛</m:t>
+                              </m:r>
+                            </m:num>
+                            <m:den>
+                              <m:r>
+                                <a:rPr kumimoji="1" lang="en-US" altLang="zh-CN" sz="2400" b="0" i="1" smtClean="0">
+                                  <a:latin typeface="Cambria Math" panose="02040503050406030204" pitchFamily="18" charset="0"/>
+                                </a:rPr>
+                                <m:t>𝑐</m:t>
+                              </m:r>
+                            </m:den>
+                          </m:f>
+                        </m:e>
+                      </m:d>
+                    </m:oMath>
+                  </m:oMathPara>
+                </a14:m>
+                <a:endParaRPr kumimoji="1" lang="zh-CN" altLang="en-US" sz="2400" dirty="0"/>
+              </a:p>
+            </p:txBody>
+          </p:sp>
+        </mc:Choice>
+        <mc:Fallback>
+          <p:sp>
+            <p:nvSpPr>
+              <p:cNvPr id="11" name="TextBox 10">
+                <a:extLst>
+                  <a:ext uri="{FF2B5EF4-FFF2-40B4-BE49-F238E27FC236}">
+                    <a16:creationId xmlns:a16="http://schemas.microsoft.com/office/drawing/2014/main" id="{02766BB1-A2F2-1F69-89CA-A12AF83E24B7}"/>
+                  </a:ext>
+                </a:extLst>
+              </p:cNvPr>
+              <p:cNvSpPr txBox="1">
+                <a:spLocks noRot="1" noChangeAspect="1" noMove="1" noResize="1" noEditPoints="1" noAdjustHandles="1" noChangeArrowheads="1" noChangeShapeType="1" noTextEdit="1"/>
+              </p:cNvSpPr>
+              <p:nvPr/>
+            </p:nvSpPr>
+            <p:spPr>
+              <a:xfrm>
+                <a:off x="6861773" y="385612"/>
+                <a:ext cx="983218" cy="725007"/>
+              </a:xfrm>
+              <a:prstGeom prst="rect">
+                <a:avLst/>
+              </a:prstGeom>
+              <a:blipFill>
+                <a:blip r:embed="rId7"/>
+                <a:stretch>
+                  <a:fillRect b="-1724"/>
+                </a:stretch>
+              </a:blipFill>
+            </p:spPr>
+            <p:txBody>
+              <a:bodyPr/>
+              <a:lstStyle/>
+              <a:p>
+                <a:r>
+                  <a:rPr lang="zh-CN" altLang="en-US">
+                    <a:noFill/>
+                  </a:rPr>
+                  <a:t> </a:t>
+                </a:r>
+              </a:p>
+            </p:txBody>
+          </p:sp>
+        </mc:Fallback>
+      </mc:AlternateContent>
+      <mc:AlternateContent xmlns:mc="http://schemas.openxmlformats.org/markup-compatibility/2006">
+        <mc:Choice xmlns:a14="http://schemas.microsoft.com/office/drawing/2010/main" Requires="a14">
+          <p:sp>
+            <p:nvSpPr>
+              <p:cNvPr id="12" name="TextBox 11">
+                <a:extLst>
+                  <a:ext uri="{FF2B5EF4-FFF2-40B4-BE49-F238E27FC236}">
+                    <a16:creationId xmlns:a16="http://schemas.microsoft.com/office/drawing/2014/main" id="{2A657D29-6E4A-4D23-6CD7-C1BA88C89061}"/>
+                  </a:ext>
+                </a:extLst>
+              </p:cNvPr>
+              <p:cNvSpPr txBox="1"/>
+              <p:nvPr/>
+            </p:nvSpPr>
+            <p:spPr>
+              <a:xfrm>
+                <a:off x="7640704" y="517284"/>
+                <a:ext cx="1115883" cy="461665"/>
+              </a:xfrm>
+              <a:prstGeom prst="rect">
+                <a:avLst/>
+              </a:prstGeom>
+              <a:noFill/>
+            </p:spPr>
+            <p:txBody>
+              <a:bodyPr wrap="none" rtlCol="0">
+                <a:spAutoFit/>
+              </a:bodyPr>
+              <a:lstStyle/>
+              <a:p>
+                <a:pPr algn="l"/>
+                <a14:m>
+                  <m:oMathPara xmlns:m="http://schemas.openxmlformats.org/officeDocument/2006/math">
+                    <m:oMathParaPr>
+                      <m:jc m:val="centerGroup"/>
+                    </m:oMathParaPr>
+                    <m:oMath xmlns:m="http://schemas.openxmlformats.org/officeDocument/2006/math">
+                      <m:r>
+                        <a:rPr kumimoji="1" lang="en-US" altLang="zh-CN" sz="2400" b="0" i="1" smtClean="0">
+                          <a:latin typeface="Cambria Math" panose="02040503050406030204" pitchFamily="18" charset="0"/>
+                        </a:rPr>
+                        <m:t>+</m:t>
+                      </m:r>
+                      <m:r>
+                        <a:rPr kumimoji="1" lang="en-US" altLang="zh-CN" sz="2400" b="0" i="1" smtClean="0">
+                          <a:latin typeface="Cambria Math" panose="02040503050406030204" pitchFamily="18" charset="0"/>
+                        </a:rPr>
+                        <m:t>𝑓</m:t>
+                      </m:r>
+                      <m:d>
+                        <m:dPr>
+                          <m:ctrlPr>
+                            <a:rPr kumimoji="1" lang="en-US" altLang="zh-CN" sz="2400" b="0" i="1" smtClean="0">
+                              <a:latin typeface="Cambria Math" panose="02040503050406030204" pitchFamily="18" charset="0"/>
+                            </a:rPr>
+                          </m:ctrlPr>
+                        </m:dPr>
+                        <m:e>
+                          <m:r>
+                            <a:rPr kumimoji="1" lang="en-US" altLang="zh-CN" sz="2400" b="0" i="1" smtClean="0">
+                              <a:latin typeface="Cambria Math" panose="02040503050406030204" pitchFamily="18" charset="0"/>
+                            </a:rPr>
+                            <m:t>𝑛</m:t>
+                          </m:r>
+                        </m:e>
+                      </m:d>
+                    </m:oMath>
+                  </m:oMathPara>
+                </a14:m>
+                <a:endParaRPr kumimoji="1" lang="zh-CN" altLang="en-US" sz="2400" dirty="0"/>
+              </a:p>
+            </p:txBody>
+          </p:sp>
+        </mc:Choice>
+        <mc:Fallback>
+          <p:sp>
+            <p:nvSpPr>
+              <p:cNvPr id="12" name="TextBox 11">
+                <a:extLst>
+                  <a:ext uri="{FF2B5EF4-FFF2-40B4-BE49-F238E27FC236}">
+                    <a16:creationId xmlns:a16="http://schemas.microsoft.com/office/drawing/2014/main" id="{2A657D29-6E4A-4D23-6CD7-C1BA88C89061}"/>
+                  </a:ext>
+                </a:extLst>
+              </p:cNvPr>
+              <p:cNvSpPr txBox="1">
+                <a:spLocks noRot="1" noChangeAspect="1" noMove="1" noResize="1" noEditPoints="1" noAdjustHandles="1" noChangeArrowheads="1" noChangeShapeType="1" noTextEdit="1"/>
+              </p:cNvSpPr>
+              <p:nvPr/>
+            </p:nvSpPr>
+            <p:spPr>
+              <a:xfrm>
+                <a:off x="7640704" y="517284"/>
+                <a:ext cx="1115883" cy="461665"/>
+              </a:xfrm>
+              <a:prstGeom prst="rect">
+                <a:avLst/>
+              </a:prstGeom>
+              <a:blipFill>
+                <a:blip r:embed="rId8"/>
+                <a:stretch>
+                  <a:fillRect b="-15789"/>
+                </a:stretch>
+              </a:blipFill>
+            </p:spPr>
+            <p:txBody>
+              <a:bodyPr/>
+              <a:lstStyle/>
+              <a:p>
+                <a:r>
+                  <a:rPr lang="zh-CN" altLang="en-US">
+                    <a:noFill/>
+                  </a:rPr>
+                  <a:t> </a:t>
+                </a:r>
+              </a:p>
+            </p:txBody>
+          </p:sp>
+        </mc:Fallback>
+      </mc:AlternateContent>
+      <p:pic>
+        <p:nvPicPr>
+          <p:cNvPr id="14" name="Picture 13">
+            <a:extLst>
+              <a:ext uri="{FF2B5EF4-FFF2-40B4-BE49-F238E27FC236}">
+                <a16:creationId xmlns:a16="http://schemas.microsoft.com/office/drawing/2014/main" id="{9C516267-22B5-D8AD-C707-192D0569A351}"/>
+              </a:ext>
+            </a:extLst>
+          </p:cNvPr>
+          <p:cNvPicPr>
+            <a:picLocks noChangeAspect="1"/>
+          </p:cNvPicPr>
+          <p:nvPr/>
+        </p:nvPicPr>
+        <p:blipFill>
+          <a:blip r:embed="rId9">
+            <a:clrChange>
+              <a:clrFrom>
+                <a:srgbClr val="FFFFFF"/>
+              </a:clrFrom>
+              <a:clrTo>
+                <a:srgbClr val="FFFFFF">
+                  <a:alpha val="0"/>
+                </a:srgbClr>
+              </a:clrTo>
+            </a:clrChange>
+          </a:blip>
+          <a:stretch>
+            <a:fillRect/>
+          </a:stretch>
+        </p:blipFill>
+        <p:spPr>
+          <a:xfrm>
+            <a:off x="1152940" y="2350430"/>
+            <a:ext cx="7460973" cy="3677945"/>
+          </a:xfrm>
+          <a:prstGeom prst="rect">
+            <a:avLst/>
+          </a:prstGeom>
+        </p:spPr>
+      </p:pic>
+      <mc:AlternateContent xmlns:mc="http://schemas.openxmlformats.org/markup-compatibility/2006">
+        <mc:Choice xmlns:a14="http://schemas.microsoft.com/office/drawing/2010/main" Requires="a14">
+          <p:sp>
+            <p:nvSpPr>
+              <p:cNvPr id="15" name="TextBox 14">
+                <a:extLst>
+                  <a:ext uri="{FF2B5EF4-FFF2-40B4-BE49-F238E27FC236}">
+                    <a16:creationId xmlns:a16="http://schemas.microsoft.com/office/drawing/2014/main" id="{E22CC7DA-83F5-F447-B086-6C52E2B6E648}"/>
+                  </a:ext>
+                </a:extLst>
+              </p:cNvPr>
+              <p:cNvSpPr txBox="1"/>
+              <p:nvPr/>
+            </p:nvSpPr>
+            <p:spPr>
+              <a:xfrm>
+                <a:off x="8022677" y="1352339"/>
+                <a:ext cx="886653" cy="461665"/>
+              </a:xfrm>
+              <a:prstGeom prst="rect">
+                <a:avLst/>
+              </a:prstGeom>
+              <a:noFill/>
+            </p:spPr>
+            <p:txBody>
+              <a:bodyPr wrap="none" rtlCol="0">
+                <a:spAutoFit/>
+              </a:bodyPr>
+              <a:lstStyle/>
+              <a:p>
+                <a:pPr algn="l"/>
+                <a14:m>
+                  <m:oMathPara xmlns:m="http://schemas.openxmlformats.org/officeDocument/2006/math">
+                    <m:oMathParaPr>
+                      <m:jc m:val="centerGroup"/>
+                    </m:oMathParaPr>
+                    <m:oMath xmlns:m="http://schemas.openxmlformats.org/officeDocument/2006/math">
+                      <m:r>
+                        <a:rPr kumimoji="1" lang="en-US" altLang="zh-CN" sz="2400" b="0" i="1" smtClean="0">
+                          <a:latin typeface="Cambria Math" panose="02040503050406030204" pitchFamily="18" charset="0"/>
+                        </a:rPr>
+                        <m:t>𝑓</m:t>
+                      </m:r>
+                      <m:r>
+                        <a:rPr kumimoji="1" lang="en-US" altLang="zh-CN" sz="2400" b="0" i="1" smtClean="0">
+                          <a:latin typeface="Cambria Math" panose="02040503050406030204" pitchFamily="18" charset="0"/>
+                        </a:rPr>
+                        <m:t>(</m:t>
+                      </m:r>
+                      <m:r>
+                        <a:rPr kumimoji="1" lang="en-US" altLang="zh-CN" sz="2400" b="0" i="1" smtClean="0">
+                          <a:latin typeface="Cambria Math" panose="02040503050406030204" pitchFamily="18" charset="0"/>
+                        </a:rPr>
+                        <m:t>𝑛</m:t>
+                      </m:r>
+                      <m:r>
+                        <a:rPr kumimoji="1" lang="en-US" altLang="zh-CN" sz="2400" b="0" i="1" smtClean="0">
+                          <a:latin typeface="Cambria Math" panose="02040503050406030204" pitchFamily="18" charset="0"/>
+                        </a:rPr>
+                        <m:t>)</m:t>
+                      </m:r>
+                    </m:oMath>
+                  </m:oMathPara>
+                </a14:m>
+                <a:endParaRPr kumimoji="1" lang="zh-CN" altLang="en-US" sz="2400" dirty="0"/>
+              </a:p>
+            </p:txBody>
+          </p:sp>
+        </mc:Choice>
+        <mc:Fallback>
+          <p:sp>
+            <p:nvSpPr>
+              <p:cNvPr id="15" name="TextBox 14">
+                <a:extLst>
+                  <a:ext uri="{FF2B5EF4-FFF2-40B4-BE49-F238E27FC236}">
+                    <a16:creationId xmlns:a16="http://schemas.microsoft.com/office/drawing/2014/main" id="{E22CC7DA-83F5-F447-B086-6C52E2B6E648}"/>
+                  </a:ext>
+                </a:extLst>
+              </p:cNvPr>
+              <p:cNvSpPr txBox="1">
+                <a:spLocks noRot="1" noChangeAspect="1" noMove="1" noResize="1" noEditPoints="1" noAdjustHandles="1" noChangeArrowheads="1" noChangeShapeType="1" noTextEdit="1"/>
+              </p:cNvSpPr>
+              <p:nvPr/>
+            </p:nvSpPr>
+            <p:spPr>
+              <a:xfrm>
+                <a:off x="8022677" y="1352339"/>
+                <a:ext cx="886653" cy="461665"/>
+              </a:xfrm>
+              <a:prstGeom prst="rect">
+                <a:avLst/>
+              </a:prstGeom>
+              <a:blipFill>
+                <a:blip r:embed="rId10"/>
+                <a:stretch>
+                  <a:fillRect b="-15789"/>
+                </a:stretch>
+              </a:blipFill>
+            </p:spPr>
+            <p:txBody>
+              <a:bodyPr/>
+              <a:lstStyle/>
+              <a:p>
+                <a:r>
+                  <a:rPr lang="zh-CN" altLang="en-US">
+                    <a:noFill/>
+                  </a:rPr>
+                  <a:t> </a:t>
+                </a:r>
+              </a:p>
+            </p:txBody>
+          </p:sp>
+        </mc:Fallback>
+      </mc:AlternateContent>
+      <p:sp>
+        <p:nvSpPr>
+          <p:cNvPr id="16" name="Notched Right Arrow 15">
+            <a:extLst>
+              <a:ext uri="{FF2B5EF4-FFF2-40B4-BE49-F238E27FC236}">
+                <a16:creationId xmlns:a16="http://schemas.microsoft.com/office/drawing/2014/main" id="{AB17FE71-D509-1B44-BEDC-B89D0B0E6C7F}"/>
+              </a:ext>
+            </a:extLst>
+          </p:cNvPr>
+          <p:cNvSpPr/>
+          <p:nvPr/>
+        </p:nvSpPr>
+        <p:spPr>
+          <a:xfrm>
+            <a:off x="5721071" y="1545584"/>
+            <a:ext cx="2197633" cy="186710"/>
+          </a:xfrm>
+          <a:prstGeom prst="notchedRightArrow">
+            <a:avLst/>
+          </a:prstGeom>
+          <a:solidFill>
+            <a:schemeClr val="lt1">
+              <a:alpha val="75518"/>
+            </a:schemeClr>
+          </a:solidFill>
+        </p:spPr>
+        <p:style>
+          <a:lnRef idx="2">
+            <a:schemeClr val="accent5"/>
+          </a:lnRef>
+          <a:fillRef idx="1">
+            <a:schemeClr val="lt1"/>
+          </a:fillRef>
+          <a:effectRef idx="0">
+            <a:schemeClr val="accent5"/>
+          </a:effectRef>
+          <a:fontRef idx="minor">
+            <a:schemeClr val="dk1"/>
+          </a:fontRef>
+        </p:style>
+        <p:txBody>
+          <a:bodyPr rtlCol="0" anchor="ctr"/>
+          <a:lstStyle/>
+          <a:p>
+            <a:pPr algn="ctr"/>
+            <a:endParaRPr kumimoji="1" lang="zh-CN" altLang="en-US" sz="1600" dirty="0">
+              <a:latin typeface="Consolas" panose="020B0609020204030204" pitchFamily="49" charset="0"/>
+              <a:ea typeface="FangSong" panose="02010609060101010101" pitchFamily="49" charset="-122"/>
+              <a:cs typeface="Consolas" panose="020B0609020204030204" pitchFamily="49" charset="0"/>
+            </a:endParaRPr>
+          </a:p>
+        </p:txBody>
+      </p:sp>
+      <mc:AlternateContent xmlns:mc="http://schemas.openxmlformats.org/markup-compatibility/2006">
+        <mc:Choice xmlns:a14="http://schemas.microsoft.com/office/drawing/2010/main" Requires="a14">
+          <p:sp>
+            <p:nvSpPr>
+              <p:cNvPr id="17" name="TextBox 16">
+                <a:extLst>
+                  <a:ext uri="{FF2B5EF4-FFF2-40B4-BE49-F238E27FC236}">
+                    <a16:creationId xmlns:a16="http://schemas.microsoft.com/office/drawing/2014/main" id="{62C7A983-1DDA-97F8-7202-145E290CF35F}"/>
+                  </a:ext>
+                </a:extLst>
+              </p:cNvPr>
+              <p:cNvSpPr txBox="1"/>
+              <p:nvPr/>
+            </p:nvSpPr>
+            <p:spPr>
+              <a:xfrm>
+                <a:off x="7844991" y="2279112"/>
+                <a:ext cx="1334020" cy="461665"/>
+              </a:xfrm>
+              <a:prstGeom prst="rect">
+                <a:avLst/>
+              </a:prstGeom>
+              <a:noFill/>
+            </p:spPr>
+            <p:txBody>
+              <a:bodyPr wrap="none" rtlCol="0">
+                <a:spAutoFit/>
+              </a:bodyPr>
+              <a:lstStyle/>
+              <a:p>
+                <a:pPr algn="l"/>
+                <a14:m>
+                  <m:oMathPara xmlns:m="http://schemas.openxmlformats.org/officeDocument/2006/math">
+                    <m:oMathParaPr>
+                      <m:jc m:val="centerGroup"/>
+                    </m:oMathParaPr>
+                    <m:oMath xmlns:m="http://schemas.openxmlformats.org/officeDocument/2006/math">
+                      <m:r>
+                        <a:rPr kumimoji="1" lang="en-US" altLang="zh-CN" sz="2400" b="0" i="1" smtClean="0">
+                          <a:latin typeface="Cambria Math" panose="02040503050406030204" pitchFamily="18" charset="0"/>
+                        </a:rPr>
+                        <m:t>𝑟𝑓</m:t>
+                      </m:r>
+                      <m:r>
+                        <a:rPr kumimoji="1" lang="en-US" altLang="zh-CN" sz="2400" b="0" i="1" smtClean="0">
+                          <a:latin typeface="Cambria Math" panose="02040503050406030204" pitchFamily="18" charset="0"/>
+                        </a:rPr>
+                        <m:t>(</m:t>
+                      </m:r>
+                      <m:r>
+                        <a:rPr kumimoji="1" lang="en-US" altLang="zh-CN" sz="2400" b="0" i="1" smtClean="0">
+                          <a:latin typeface="Cambria Math" panose="02040503050406030204" pitchFamily="18" charset="0"/>
+                        </a:rPr>
+                        <m:t>𝑛</m:t>
+                      </m:r>
+                      <m:r>
+                        <a:rPr kumimoji="1" lang="en-US" altLang="zh-CN" sz="2400" b="0" i="1" smtClean="0">
+                          <a:latin typeface="Cambria Math" panose="02040503050406030204" pitchFamily="18" charset="0"/>
+                        </a:rPr>
+                        <m:t>/</m:t>
+                      </m:r>
+                      <m:r>
+                        <a:rPr kumimoji="1" lang="en-US" altLang="zh-CN" sz="2400" b="0" i="1" smtClean="0">
+                          <a:latin typeface="Cambria Math" panose="02040503050406030204" pitchFamily="18" charset="0"/>
+                        </a:rPr>
+                        <m:t>𝑐</m:t>
+                      </m:r>
+                      <m:r>
+                        <a:rPr kumimoji="1" lang="en-US" altLang="zh-CN" sz="2400" b="0" i="1" smtClean="0">
+                          <a:latin typeface="Cambria Math" panose="02040503050406030204" pitchFamily="18" charset="0"/>
+                        </a:rPr>
+                        <m:t>)</m:t>
+                      </m:r>
+                    </m:oMath>
+                  </m:oMathPara>
+                </a14:m>
+                <a:endParaRPr kumimoji="1" lang="zh-CN" altLang="en-US" sz="2400" dirty="0"/>
+              </a:p>
+            </p:txBody>
+          </p:sp>
+        </mc:Choice>
+        <mc:Fallback>
+          <p:sp>
+            <p:nvSpPr>
+              <p:cNvPr id="17" name="TextBox 16">
+                <a:extLst>
+                  <a:ext uri="{FF2B5EF4-FFF2-40B4-BE49-F238E27FC236}">
+                    <a16:creationId xmlns:a16="http://schemas.microsoft.com/office/drawing/2014/main" id="{62C7A983-1DDA-97F8-7202-145E290CF35F}"/>
+                  </a:ext>
+                </a:extLst>
+              </p:cNvPr>
+              <p:cNvSpPr txBox="1">
+                <a:spLocks noRot="1" noChangeAspect="1" noMove="1" noResize="1" noEditPoints="1" noAdjustHandles="1" noChangeArrowheads="1" noChangeShapeType="1" noTextEdit="1"/>
+              </p:cNvSpPr>
+              <p:nvPr/>
+            </p:nvSpPr>
+            <p:spPr>
+              <a:xfrm>
+                <a:off x="7844991" y="2279112"/>
+                <a:ext cx="1334020" cy="461665"/>
+              </a:xfrm>
+              <a:prstGeom prst="rect">
+                <a:avLst/>
+              </a:prstGeom>
+              <a:blipFill>
+                <a:blip r:embed="rId11"/>
+                <a:stretch>
+                  <a:fillRect b="-15789"/>
+                </a:stretch>
+              </a:blipFill>
+            </p:spPr>
+            <p:txBody>
+              <a:bodyPr/>
+              <a:lstStyle/>
+              <a:p>
+                <a:r>
+                  <a:rPr lang="zh-CN" altLang="en-US">
+                    <a:noFill/>
+                  </a:rPr>
+                  <a:t> </a:t>
+                </a:r>
+              </a:p>
+            </p:txBody>
+          </p:sp>
+        </mc:Fallback>
+      </mc:AlternateContent>
+      <mc:AlternateContent xmlns:mc="http://schemas.openxmlformats.org/markup-compatibility/2006">
+        <mc:Choice xmlns:a14="http://schemas.microsoft.com/office/drawing/2010/main" Requires="a14">
+          <p:sp>
+            <p:nvSpPr>
+              <p:cNvPr id="18" name="TextBox 17">
+                <a:extLst>
+                  <a:ext uri="{FF2B5EF4-FFF2-40B4-BE49-F238E27FC236}">
+                    <a16:creationId xmlns:a16="http://schemas.microsoft.com/office/drawing/2014/main" id="{3CCD9ABC-BA7A-6A1D-2BB6-0FFD34E970FF}"/>
+                  </a:ext>
+                </a:extLst>
+              </p:cNvPr>
+              <p:cNvSpPr txBox="1"/>
+              <p:nvPr/>
+            </p:nvSpPr>
+            <p:spPr>
+              <a:xfrm>
+                <a:off x="7614200" y="3238002"/>
+                <a:ext cx="1639488" cy="461665"/>
+              </a:xfrm>
+              <a:prstGeom prst="rect">
+                <a:avLst/>
+              </a:prstGeom>
+              <a:noFill/>
+            </p:spPr>
+            <p:txBody>
+              <a:bodyPr wrap="none" rtlCol="0">
+                <a:spAutoFit/>
+              </a:bodyPr>
+              <a:lstStyle/>
+              <a:p>
+                <a:pPr algn="l"/>
+                <a14:m>
+                  <m:oMathPara xmlns:m="http://schemas.openxmlformats.org/officeDocument/2006/math">
+                    <m:oMathParaPr>
+                      <m:jc m:val="centerGroup"/>
+                    </m:oMathParaPr>
+                    <m:oMath xmlns:m="http://schemas.openxmlformats.org/officeDocument/2006/math">
+                      <m:sSup>
+                        <m:sSupPr>
+                          <m:ctrlPr>
+                            <a:rPr kumimoji="1" lang="en-US" altLang="zh-CN" sz="2400" b="0" i="1" smtClean="0">
+                              <a:latin typeface="Cambria Math" panose="02040503050406030204" pitchFamily="18" charset="0"/>
+                            </a:rPr>
+                          </m:ctrlPr>
+                        </m:sSupPr>
+                        <m:e>
+                          <m:r>
+                            <a:rPr kumimoji="1" lang="en-US" altLang="zh-CN" sz="2400" b="0" i="1" smtClean="0">
+                              <a:latin typeface="Cambria Math" panose="02040503050406030204" pitchFamily="18" charset="0"/>
+                            </a:rPr>
+                            <m:t>𝑟</m:t>
+                          </m:r>
+                        </m:e>
+                        <m:sup>
+                          <m:r>
+                            <a:rPr kumimoji="1" lang="en-US" altLang="zh-CN" sz="2400" b="0" i="1" smtClean="0">
+                              <a:latin typeface="Cambria Math" panose="02040503050406030204" pitchFamily="18" charset="0"/>
+                            </a:rPr>
+                            <m:t>2</m:t>
+                          </m:r>
+                        </m:sup>
+                      </m:sSup>
+                      <m:r>
+                        <a:rPr kumimoji="1" lang="en-US" altLang="zh-CN" sz="2400" b="0" i="1" smtClean="0">
+                          <a:latin typeface="Cambria Math" panose="02040503050406030204" pitchFamily="18" charset="0"/>
+                        </a:rPr>
+                        <m:t>𝑓</m:t>
+                      </m:r>
+                      <m:r>
+                        <a:rPr kumimoji="1" lang="en-US" altLang="zh-CN" sz="2400" b="0" i="1" smtClean="0">
+                          <a:latin typeface="Cambria Math" panose="02040503050406030204" pitchFamily="18" charset="0"/>
+                        </a:rPr>
+                        <m:t>(</m:t>
+                      </m:r>
+                      <m:r>
+                        <a:rPr kumimoji="1" lang="en-US" altLang="zh-CN" sz="2400" b="0" i="1" smtClean="0">
+                          <a:latin typeface="Cambria Math" panose="02040503050406030204" pitchFamily="18" charset="0"/>
+                        </a:rPr>
+                        <m:t>𝑛</m:t>
+                      </m:r>
+                      <m:r>
+                        <a:rPr kumimoji="1" lang="en-US" altLang="zh-CN" sz="2400" b="0" i="1" smtClean="0">
+                          <a:latin typeface="Cambria Math" panose="02040503050406030204" pitchFamily="18" charset="0"/>
+                        </a:rPr>
+                        <m:t>/</m:t>
+                      </m:r>
+                      <m:sSup>
+                        <m:sSupPr>
+                          <m:ctrlPr>
+                            <a:rPr kumimoji="1" lang="en-US" altLang="zh-CN" sz="2400" b="0" i="1" smtClean="0">
+                              <a:latin typeface="Cambria Math" panose="02040503050406030204" pitchFamily="18" charset="0"/>
+                            </a:rPr>
+                          </m:ctrlPr>
+                        </m:sSupPr>
+                        <m:e>
+                          <m:r>
+                            <a:rPr kumimoji="1" lang="en-US" altLang="zh-CN" sz="2400" b="0" i="1" smtClean="0">
+                              <a:latin typeface="Cambria Math" panose="02040503050406030204" pitchFamily="18" charset="0"/>
+                            </a:rPr>
+                            <m:t>𝑐</m:t>
+                          </m:r>
+                        </m:e>
+                        <m:sup>
+                          <m:r>
+                            <a:rPr kumimoji="1" lang="en-US" altLang="zh-CN" sz="2400" b="0" i="1" smtClean="0">
+                              <a:latin typeface="Cambria Math" panose="02040503050406030204" pitchFamily="18" charset="0"/>
+                            </a:rPr>
+                            <m:t>2</m:t>
+                          </m:r>
+                        </m:sup>
+                      </m:sSup>
+                      <m:r>
+                        <a:rPr kumimoji="1" lang="en-US" altLang="zh-CN" sz="2400" b="0" i="1" smtClean="0">
+                          <a:latin typeface="Cambria Math" panose="02040503050406030204" pitchFamily="18" charset="0"/>
+                        </a:rPr>
+                        <m:t>)</m:t>
+                      </m:r>
+                    </m:oMath>
+                  </m:oMathPara>
+                </a14:m>
+                <a:endParaRPr kumimoji="1" lang="zh-CN" altLang="en-US" sz="2400" dirty="0"/>
+              </a:p>
+            </p:txBody>
+          </p:sp>
+        </mc:Choice>
+        <mc:Fallback>
+          <p:sp>
+            <p:nvSpPr>
+              <p:cNvPr id="18" name="TextBox 17">
+                <a:extLst>
+                  <a:ext uri="{FF2B5EF4-FFF2-40B4-BE49-F238E27FC236}">
+                    <a16:creationId xmlns:a16="http://schemas.microsoft.com/office/drawing/2014/main" id="{3CCD9ABC-BA7A-6A1D-2BB6-0FFD34E970FF}"/>
+                  </a:ext>
+                </a:extLst>
+              </p:cNvPr>
+              <p:cNvSpPr txBox="1">
+                <a:spLocks noRot="1" noChangeAspect="1" noMove="1" noResize="1" noEditPoints="1" noAdjustHandles="1" noChangeArrowheads="1" noChangeShapeType="1" noTextEdit="1"/>
+              </p:cNvSpPr>
+              <p:nvPr/>
+            </p:nvSpPr>
+            <p:spPr>
+              <a:xfrm>
+                <a:off x="7614200" y="3238002"/>
+                <a:ext cx="1639488" cy="461665"/>
+              </a:xfrm>
+              <a:prstGeom prst="rect">
+                <a:avLst/>
+              </a:prstGeom>
+              <a:blipFill>
+                <a:blip r:embed="rId12"/>
+                <a:stretch>
+                  <a:fillRect b="-15789"/>
+                </a:stretch>
+              </a:blipFill>
+            </p:spPr>
+            <p:txBody>
+              <a:bodyPr/>
+              <a:lstStyle/>
+              <a:p>
+                <a:r>
+                  <a:rPr lang="zh-CN" altLang="en-US">
+                    <a:noFill/>
+                  </a:rPr>
+                  <a:t> </a:t>
+                </a:r>
+              </a:p>
+            </p:txBody>
+          </p:sp>
+        </mc:Fallback>
+      </mc:AlternateContent>
+      <mc:AlternateContent xmlns:mc="http://schemas.openxmlformats.org/markup-compatibility/2006">
+        <mc:Choice xmlns:a14="http://schemas.microsoft.com/office/drawing/2010/main" Requires="a14">
+          <p:sp>
+            <p:nvSpPr>
+              <p:cNvPr id="19" name="TextBox 18">
+                <a:extLst>
+                  <a:ext uri="{FF2B5EF4-FFF2-40B4-BE49-F238E27FC236}">
+                    <a16:creationId xmlns:a16="http://schemas.microsoft.com/office/drawing/2014/main" id="{8FFC0588-F875-F95E-1ADE-503347A0EBE9}"/>
+                  </a:ext>
+                </a:extLst>
+              </p:cNvPr>
+              <p:cNvSpPr txBox="1"/>
+              <p:nvPr/>
+            </p:nvSpPr>
+            <p:spPr>
+              <a:xfrm>
+                <a:off x="7692257" y="4638252"/>
+                <a:ext cx="1638718" cy="461665"/>
+              </a:xfrm>
+              <a:prstGeom prst="rect">
+                <a:avLst/>
+              </a:prstGeom>
+              <a:noFill/>
+            </p:spPr>
+            <p:txBody>
+              <a:bodyPr wrap="none" rtlCol="0">
+                <a:spAutoFit/>
+              </a:bodyPr>
+              <a:lstStyle/>
+              <a:p>
+                <a:pPr algn="l"/>
+                <a14:m>
+                  <m:oMathPara xmlns:m="http://schemas.openxmlformats.org/officeDocument/2006/math">
+                    <m:oMathParaPr>
+                      <m:jc m:val="centerGroup"/>
+                    </m:oMathParaPr>
+                    <m:oMath xmlns:m="http://schemas.openxmlformats.org/officeDocument/2006/math">
+                      <m:sSup>
+                        <m:sSupPr>
+                          <m:ctrlPr>
+                            <a:rPr kumimoji="1" lang="en-US" altLang="zh-CN" sz="2400" b="0" i="1" smtClean="0">
+                              <a:latin typeface="Cambria Math" panose="02040503050406030204" pitchFamily="18" charset="0"/>
+                            </a:rPr>
+                          </m:ctrlPr>
+                        </m:sSupPr>
+                        <m:e>
+                          <m:r>
+                            <a:rPr kumimoji="1" lang="en-US" altLang="zh-CN" sz="2400" b="0" i="1" smtClean="0">
+                              <a:latin typeface="Cambria Math" panose="02040503050406030204" pitchFamily="18" charset="0"/>
+                            </a:rPr>
+                            <m:t>𝑟</m:t>
+                          </m:r>
+                        </m:e>
+                        <m:sup>
+                          <m:r>
+                            <a:rPr kumimoji="1" lang="en-US" altLang="zh-CN" sz="2400" b="0" i="1" smtClean="0">
+                              <a:latin typeface="Cambria Math" panose="02040503050406030204" pitchFamily="18" charset="0"/>
+                            </a:rPr>
+                            <m:t>𝐿</m:t>
+                          </m:r>
+                        </m:sup>
+                      </m:sSup>
+                      <m:r>
+                        <a:rPr kumimoji="1" lang="en-US" altLang="zh-CN" sz="2400" b="0" i="1" smtClean="0">
+                          <a:latin typeface="Cambria Math" panose="02040503050406030204" pitchFamily="18" charset="0"/>
+                        </a:rPr>
+                        <m:t>𝑓</m:t>
+                      </m:r>
+                      <m:r>
+                        <a:rPr kumimoji="1" lang="en-US" altLang="zh-CN" sz="2400" b="0" i="1" smtClean="0">
+                          <a:latin typeface="Cambria Math" panose="02040503050406030204" pitchFamily="18" charset="0"/>
+                        </a:rPr>
+                        <m:t>(</m:t>
+                      </m:r>
+                      <m:r>
+                        <a:rPr kumimoji="1" lang="en-US" altLang="zh-CN" sz="2400" b="0" i="1" smtClean="0">
+                          <a:latin typeface="Cambria Math" panose="02040503050406030204" pitchFamily="18" charset="0"/>
+                        </a:rPr>
+                        <m:t>𝑛</m:t>
+                      </m:r>
+                      <m:r>
+                        <a:rPr kumimoji="1" lang="en-US" altLang="zh-CN" sz="2400" b="0" i="1" smtClean="0">
+                          <a:latin typeface="Cambria Math" panose="02040503050406030204" pitchFamily="18" charset="0"/>
+                        </a:rPr>
+                        <m:t>/</m:t>
+                      </m:r>
+                      <m:sSup>
+                        <m:sSupPr>
+                          <m:ctrlPr>
+                            <a:rPr kumimoji="1" lang="en-US" altLang="zh-CN" sz="2400" b="0" i="1" smtClean="0">
+                              <a:latin typeface="Cambria Math" panose="02040503050406030204" pitchFamily="18" charset="0"/>
+                            </a:rPr>
+                          </m:ctrlPr>
+                        </m:sSupPr>
+                        <m:e>
+                          <m:r>
+                            <a:rPr kumimoji="1" lang="en-US" altLang="zh-CN" sz="2400" b="0" i="1" smtClean="0">
+                              <a:latin typeface="Cambria Math" panose="02040503050406030204" pitchFamily="18" charset="0"/>
+                            </a:rPr>
+                            <m:t>𝑐</m:t>
+                          </m:r>
+                        </m:e>
+                        <m:sup>
+                          <m:r>
+                            <a:rPr kumimoji="1" lang="en-US" altLang="zh-CN" sz="2400" b="0" i="1" smtClean="0">
+                              <a:latin typeface="Cambria Math" panose="02040503050406030204" pitchFamily="18" charset="0"/>
+                            </a:rPr>
+                            <m:t>𝐿</m:t>
+                          </m:r>
+                        </m:sup>
+                      </m:sSup>
+                      <m:r>
+                        <a:rPr kumimoji="1" lang="en-US" altLang="zh-CN" sz="2400" b="0" i="1" smtClean="0">
+                          <a:latin typeface="Cambria Math" panose="02040503050406030204" pitchFamily="18" charset="0"/>
+                        </a:rPr>
+                        <m:t>)</m:t>
+                      </m:r>
+                    </m:oMath>
+                  </m:oMathPara>
+                </a14:m>
+                <a:endParaRPr kumimoji="1" lang="zh-CN" altLang="en-US" sz="2400" dirty="0"/>
+              </a:p>
+            </p:txBody>
+          </p:sp>
+        </mc:Choice>
+        <mc:Fallback>
+          <p:sp>
+            <p:nvSpPr>
+              <p:cNvPr id="19" name="TextBox 18">
+                <a:extLst>
+                  <a:ext uri="{FF2B5EF4-FFF2-40B4-BE49-F238E27FC236}">
+                    <a16:creationId xmlns:a16="http://schemas.microsoft.com/office/drawing/2014/main" id="{8FFC0588-F875-F95E-1ADE-503347A0EBE9}"/>
+                  </a:ext>
+                </a:extLst>
+              </p:cNvPr>
+              <p:cNvSpPr txBox="1">
+                <a:spLocks noRot="1" noChangeAspect="1" noMove="1" noResize="1" noEditPoints="1" noAdjustHandles="1" noChangeArrowheads="1" noChangeShapeType="1" noTextEdit="1"/>
+              </p:cNvSpPr>
+              <p:nvPr/>
+            </p:nvSpPr>
+            <p:spPr>
+              <a:xfrm>
+                <a:off x="7692257" y="4638252"/>
+                <a:ext cx="1638718" cy="461665"/>
+              </a:xfrm>
+              <a:prstGeom prst="rect">
+                <a:avLst/>
+              </a:prstGeom>
+              <a:blipFill>
+                <a:blip r:embed="rId13"/>
+                <a:stretch>
+                  <a:fillRect b="-18919"/>
+                </a:stretch>
+              </a:blipFill>
+            </p:spPr>
+            <p:txBody>
+              <a:bodyPr/>
+              <a:lstStyle/>
+              <a:p>
+                <a:r>
+                  <a:rPr lang="zh-CN" altLang="en-US">
+                    <a:noFill/>
+                  </a:rPr>
+                  <a:t> </a:t>
+                </a:r>
+              </a:p>
+            </p:txBody>
+          </p:sp>
+        </mc:Fallback>
+      </mc:AlternateContent>
+    </p:spTree>
+    <p:extLst>
+      <p:ext uri="{BB962C8B-B14F-4D97-AF65-F5344CB8AC3E}">
+        <p14:creationId xmlns:p14="http://schemas.microsoft.com/office/powerpoint/2010/main" val="428023056"/>
+      </p:ext>
+    </p:extLst>
+  </p:cSld>
+  <p:clrMapOvr>
+    <a:masterClrMapping/>
+  </p:clrMapOvr>
+  <p:timing>
+    <p:tnLst>
+      <p:par>
+        <p:cTn id="1" dur="indefinite" restart="never" nodeType="tmRoot">
+          <p:childTnLst>
+            <p:seq concurrent="1" nextAc="seek">
+              <p:cTn id="2" dur="indefinite" nodeType="mainSeq">
+                <p:childTnLst>
+                  <p:par>
+                    <p:cTn id="3" fill="hold">
+                      <p:stCondLst>
+                        <p:cond delay="indefinite"/>
+                      </p:stCondLst>
+                      <p:childTnLst>
+                        <p:par>
+                          <p:cTn id="4" fill="hold">
+                            <p:stCondLst>
+                              <p:cond delay="0"/>
+                            </p:stCondLst>
+                            <p:childTnLst>
+                              <p:par>
+                                <p:cTn id="5" presetID="1" presetClass="entr" presetSubtype="0" fill="hold" nodeType="clickEffect">
+                                  <p:stCondLst>
+                                    <p:cond delay="0"/>
+                                  </p:stCondLst>
+                                  <p:childTnLst>
+                                    <p:set>
+                                      <p:cBhvr>
+                                        <p:cTn id="6" dur="1" fill="hold">
+                                          <p:stCondLst>
+                                            <p:cond delay="0"/>
+                                          </p:stCondLst>
+                                        </p:cTn>
+                                        <p:tgtEl>
+                                          <p:spTgt spid="7"/>
+                                        </p:tgtEl>
+                                        <p:attrNameLst>
+                                          <p:attrName>style.visibility</p:attrName>
+                                        </p:attrNameLst>
+                                      </p:cBhvr>
+                                      <p:to>
+                                        <p:strVal val="visible"/>
+                                      </p:to>
+                                    </p:set>
+                                  </p:childTnLst>
+                                </p:cTn>
+                              </p:par>
+                              <p:par>
+                                <p:cTn id="7" presetID="1" presetClass="entr" presetSubtype="0" fill="hold" grpId="0" nodeType="withEffect">
+                                  <p:stCondLst>
+                                    <p:cond delay="0"/>
+                                  </p:stCondLst>
+                                  <p:childTnLst>
+                                    <p:set>
+                                      <p:cBhvr>
+                                        <p:cTn id="8" dur="1" fill="hold">
+                                          <p:stCondLst>
+                                            <p:cond delay="0"/>
+                                          </p:stCondLst>
+                                        </p:cTn>
+                                        <p:tgtEl>
+                                          <p:spTgt spid="9"/>
+                                        </p:tgtEl>
+                                        <p:attrNameLst>
+                                          <p:attrName>style.visibility</p:attrName>
+                                        </p:attrNameLst>
+                                      </p:cBhvr>
+                                      <p:to>
+                                        <p:strVal val="visible"/>
+                                      </p:to>
+                                    </p:set>
+                                  </p:childTnLst>
+                                </p:cTn>
+                              </p:par>
+                            </p:childTnLst>
+                          </p:cTn>
+                        </p:par>
+                      </p:childTnLst>
+                    </p:cTn>
+                  </p:par>
+                  <p:par>
+                    <p:cTn id="9" fill="hold">
+                      <p:stCondLst>
+                        <p:cond delay="indefinite"/>
+                      </p:stCondLst>
+                      <p:childTnLst>
+                        <p:par>
+                          <p:cTn id="10" fill="hold">
+                            <p:stCondLst>
+                              <p:cond delay="0"/>
+                            </p:stCondLst>
+                            <p:childTnLst>
+                              <p:par>
+                                <p:cTn id="11" presetID="1" presetClass="entr" presetSubtype="0" fill="hold" nodeType="clickEffect">
+                                  <p:stCondLst>
+                                    <p:cond delay="0"/>
+                                  </p:stCondLst>
+                                  <p:childTnLst>
+                                    <p:set>
+                                      <p:cBhvr>
+                                        <p:cTn id="12" dur="1" fill="hold">
+                                          <p:stCondLst>
+                                            <p:cond delay="0"/>
+                                          </p:stCondLst>
+                                        </p:cTn>
+                                        <p:tgtEl>
+                                          <p:spTgt spid="10"/>
+                                        </p:tgtEl>
+                                        <p:attrNameLst>
+                                          <p:attrName>style.visibility</p:attrName>
+                                        </p:attrNameLst>
+                                      </p:cBhvr>
+                                      <p:to>
+                                        <p:strVal val="visible"/>
+                                      </p:to>
+                                    </p:set>
+                                  </p:childTnLst>
+                                </p:cTn>
+                              </p:par>
+                              <p:par>
+                                <p:cTn id="13" presetID="1" presetClass="entr" presetSubtype="0" fill="hold" grpId="0" nodeType="withEffect">
+                                  <p:stCondLst>
+                                    <p:cond delay="0"/>
+                                  </p:stCondLst>
+                                  <p:childTnLst>
+                                    <p:set>
+                                      <p:cBhvr>
+                                        <p:cTn id="14" dur="1" fill="hold">
+                                          <p:stCondLst>
+                                            <p:cond delay="0"/>
+                                          </p:stCondLst>
+                                        </p:cTn>
+                                        <p:tgtEl>
+                                          <p:spTgt spid="11"/>
+                                        </p:tgtEl>
+                                        <p:attrNameLst>
+                                          <p:attrName>style.visibility</p:attrName>
+                                        </p:attrNameLst>
+                                      </p:cBhvr>
+                                      <p:to>
+                                        <p:strVal val="visible"/>
+                                      </p:to>
+                                    </p:set>
+                                  </p:childTnLst>
+                                </p:cTn>
+                              </p:par>
+                            </p:childTnLst>
+                          </p:cTn>
+                        </p:par>
+                      </p:childTnLst>
+                    </p:cTn>
+                  </p:par>
+                  <p:par>
+                    <p:cTn id="15" fill="hold">
+                      <p:stCondLst>
+                        <p:cond delay="indefinite"/>
+                      </p:stCondLst>
+                      <p:childTnLst>
+                        <p:par>
+                          <p:cTn id="16" fill="hold">
+                            <p:stCondLst>
+                              <p:cond delay="0"/>
+                            </p:stCondLst>
+                            <p:childTnLst>
+                              <p:par>
+                                <p:cTn id="17" presetID="1" presetClass="entr" presetSubtype="0" fill="hold" grpId="0" nodeType="clickEffect">
+                                  <p:stCondLst>
+                                    <p:cond delay="0"/>
+                                  </p:stCondLst>
+                                  <p:childTnLst>
+                                    <p:set>
+                                      <p:cBhvr>
+                                        <p:cTn id="18" dur="1" fill="hold">
+                                          <p:stCondLst>
+                                            <p:cond delay="0"/>
+                                          </p:stCondLst>
+                                        </p:cTn>
+                                        <p:tgtEl>
+                                          <p:spTgt spid="12"/>
+                                        </p:tgtEl>
+                                        <p:attrNameLst>
+                                          <p:attrName>style.visibility</p:attrName>
+                                        </p:attrNameLst>
+                                      </p:cBhvr>
+                                      <p:to>
+                                        <p:strVal val="visible"/>
+                                      </p:to>
+                                    </p:set>
+                                  </p:childTnLst>
+                                </p:cTn>
+                              </p:par>
+                              <p:par>
+                                <p:cTn id="19" presetID="1" presetClass="entr" presetSubtype="0" fill="hold" grpId="0" nodeType="withEffect">
+                                  <p:stCondLst>
+                                    <p:cond delay="0"/>
+                                  </p:stCondLst>
+                                  <p:childTnLst>
+                                    <p:set>
+                                      <p:cBhvr>
+                                        <p:cTn id="20" dur="1" fill="hold">
+                                          <p:stCondLst>
+                                            <p:cond delay="0"/>
+                                          </p:stCondLst>
+                                        </p:cTn>
+                                        <p:tgtEl>
+                                          <p:spTgt spid="15"/>
+                                        </p:tgtEl>
+                                        <p:attrNameLst>
+                                          <p:attrName>style.visibility</p:attrName>
+                                        </p:attrNameLst>
+                                      </p:cBhvr>
+                                      <p:to>
+                                        <p:strVal val="visible"/>
+                                      </p:to>
+                                    </p:set>
+                                  </p:childTnLst>
+                                </p:cTn>
+                              </p:par>
+                              <p:par>
+                                <p:cTn id="21" presetID="1" presetClass="entr" presetSubtype="0" fill="hold" grpId="0" nodeType="withEffect">
+                                  <p:stCondLst>
+                                    <p:cond delay="0"/>
+                                  </p:stCondLst>
+                                  <p:childTnLst>
+                                    <p:set>
+                                      <p:cBhvr>
+                                        <p:cTn id="22" dur="1" fill="hold">
+                                          <p:stCondLst>
+                                            <p:cond delay="0"/>
+                                          </p:stCondLst>
+                                        </p:cTn>
+                                        <p:tgtEl>
+                                          <p:spTgt spid="16"/>
+                                        </p:tgtEl>
+                                        <p:attrNameLst>
+                                          <p:attrName>style.visibility</p:attrName>
+                                        </p:attrNameLst>
+                                      </p:cBhvr>
+                                      <p:to>
+                                        <p:strVal val="visible"/>
+                                      </p:to>
+                                    </p:set>
+                                  </p:childTnLst>
+                                </p:cTn>
+                              </p:par>
+                            </p:childTnLst>
+                          </p:cTn>
+                        </p:par>
+                      </p:childTnLst>
+                    </p:cTn>
+                  </p:par>
+                  <p:par>
+                    <p:cTn id="23" fill="hold">
+                      <p:stCondLst>
+                        <p:cond delay="indefinite"/>
+                      </p:stCondLst>
+                      <p:childTnLst>
+                        <p:par>
+                          <p:cTn id="24" fill="hold">
+                            <p:stCondLst>
+                              <p:cond delay="0"/>
+                            </p:stCondLst>
+                            <p:childTnLst>
+                              <p:par>
+                                <p:cTn id="25" presetID="1" presetClass="entr" presetSubtype="0" fill="hold" grpId="0" nodeType="clickEffect">
+                                  <p:stCondLst>
+                                    <p:cond delay="0"/>
+                                  </p:stCondLst>
+                                  <p:childTnLst>
+                                    <p:set>
+                                      <p:cBhvr>
+                                        <p:cTn id="26" dur="1" fill="hold">
+                                          <p:stCondLst>
+                                            <p:cond delay="0"/>
+                                          </p:stCondLst>
+                                        </p:cTn>
+                                        <p:tgtEl>
+                                          <p:spTgt spid="17"/>
+                                        </p:tgtEl>
+                                        <p:attrNameLst>
+                                          <p:attrName>style.visibility</p:attrName>
+                                        </p:attrNameLst>
+                                      </p:cBhvr>
+                                      <p:to>
+                                        <p:strVal val="visible"/>
+                                      </p:to>
+                                    </p:set>
+                                  </p:childTnLst>
+                                </p:cTn>
+                              </p:par>
+                            </p:childTnLst>
+                          </p:cTn>
+                        </p:par>
+                      </p:childTnLst>
+                    </p:cTn>
+                  </p:par>
+                  <p:par>
+                    <p:cTn id="27" fill="hold">
+                      <p:stCondLst>
+                        <p:cond delay="indefinite"/>
+                      </p:stCondLst>
+                      <p:childTnLst>
+                        <p:par>
+                          <p:cTn id="28" fill="hold">
+                            <p:stCondLst>
+                              <p:cond delay="0"/>
+                            </p:stCondLst>
+                            <p:childTnLst>
+                              <p:par>
+                                <p:cTn id="29" presetID="1" presetClass="entr" presetSubtype="0" fill="hold" nodeType="clickEffect">
+                                  <p:stCondLst>
+                                    <p:cond delay="0"/>
+                                  </p:stCondLst>
+                                  <p:childTnLst>
+                                    <p:set>
+                                      <p:cBhvr>
+                                        <p:cTn id="30" dur="1" fill="hold">
+                                          <p:stCondLst>
+                                            <p:cond delay="0"/>
+                                          </p:stCondLst>
+                                        </p:cTn>
+                                        <p:tgtEl>
+                                          <p:spTgt spid="14"/>
+                                        </p:tgtEl>
+                                        <p:attrNameLst>
+                                          <p:attrName>style.visibility</p:attrName>
+                                        </p:attrNameLst>
+                                      </p:cBhvr>
+                                      <p:to>
+                                        <p:strVal val="visible"/>
+                                      </p:to>
+                                    </p:set>
+                                  </p:childTnLst>
+                                </p:cTn>
+                              </p:par>
+                              <p:par>
+                                <p:cTn id="31" presetID="1" presetClass="entr" presetSubtype="0" fill="hold" grpId="0" nodeType="withEffect">
+                                  <p:stCondLst>
+                                    <p:cond delay="0"/>
+                                  </p:stCondLst>
+                                  <p:childTnLst>
+                                    <p:set>
+                                      <p:cBhvr>
+                                        <p:cTn id="32" dur="1" fill="hold">
+                                          <p:stCondLst>
+                                            <p:cond delay="0"/>
+                                          </p:stCondLst>
+                                        </p:cTn>
+                                        <p:tgtEl>
+                                          <p:spTgt spid="19"/>
+                                        </p:tgtEl>
+                                        <p:attrNameLst>
+                                          <p:attrName>style.visibility</p:attrName>
+                                        </p:attrNameLst>
+                                      </p:cBhvr>
+                                      <p:to>
+                                        <p:strVal val="visible"/>
+                                      </p:to>
+                                    </p:set>
+                                  </p:childTnLst>
+                                </p:cTn>
+                              </p:par>
+                              <p:par>
+                                <p:cTn id="33" presetID="1" presetClass="entr" presetSubtype="0" fill="hold" grpId="0" nodeType="withEffect">
+                                  <p:stCondLst>
+                                    <p:cond delay="0"/>
+                                  </p:stCondLst>
+                                  <p:childTnLst>
+                                    <p:set>
+                                      <p:cBhvr>
+                                        <p:cTn id="34" dur="1" fill="hold">
+                                          <p:stCondLst>
+                                            <p:cond delay="0"/>
+                                          </p:stCondLst>
+                                        </p:cTn>
+                                        <p:tgtEl>
+                                          <p:spTgt spid="18"/>
+                                        </p:tgtEl>
+                                        <p:attrNameLst>
+                                          <p:attrName>style.visibility</p:attrName>
+                                        </p:attrNameLst>
+                                      </p:cBhvr>
+                                      <p:to>
+                                        <p:strVal val="visible"/>
+                                      </p:to>
+                                    </p:set>
+                                  </p:childTnLst>
+                                </p:cTn>
+                              </p:par>
+                            </p:childTnLst>
+                          </p:cTn>
+                        </p:par>
+                      </p:childTnLst>
+                    </p:cTn>
+                  </p:par>
+                </p:childTnLst>
+              </p:cTn>
+              <p:prevCondLst>
+                <p:cond evt="onPrev" delay="0">
+                  <p:tgtEl>
+                    <p:sldTgt/>
+                  </p:tgtEl>
+                </p:cond>
+              </p:prevCondLst>
+              <p:nextCondLst>
+                <p:cond evt="onNext" delay="0">
+                  <p:tgtEl>
+                    <p:sldTgt/>
+                  </p:tgtEl>
+                </p:cond>
+              </p:nextCondLst>
+            </p:seq>
+          </p:childTnLst>
+        </p:cTn>
+      </p:par>
+    </p:tnLst>
+    <p:bldLst>
+      <p:bldP spid="9" grpId="0"/>
+      <p:bldP spid="11" grpId="0"/>
+      <p:bldP spid="12" grpId="0"/>
+      <p:bldP spid="15" grpId="0"/>
+      <p:bldP spid="16" grpId="0" animBg="1"/>
+      <p:bldP spid="17" grpId="0"/>
+      <p:bldP spid="18" grpId="0"/>
+      <p:bldP spid="19" grpId="0"/>
+    </p:bldLst>
+  </p:timing>
+</p:sld>
+</file>
+
+<file path=ppt/slides/slide21.xml><?xml version="1.0" encoding="utf-8"?>
+<p:sld xmlns:a="http://schemas.openxmlformats.org/drawingml/2006/main" xmlns:r="http://schemas.openxmlformats.org/officeDocument/2006/relationships" xmlns:p="http://schemas.openxmlformats.org/presentationml/2006/main">
+  <p:cSld>
+    <p:spTree>
+      <p:nvGrpSpPr>
+        <p:cNvPr id="1" name=""/>
+        <p:cNvGrpSpPr/>
+        <p:nvPr/>
+      </p:nvGrpSpPr>
+      <p:grpSpPr>
+        <a:xfrm>
+          <a:off x="0" y="0"/>
+          <a:ext cx="0" cy="0"/>
+          <a:chOff x="0" y="0"/>
+          <a:chExt cx="0" cy="0"/>
+        </a:xfrm>
+      </p:grpSpPr>
+      <p:sp>
+        <p:nvSpPr>
+          <p:cNvPr id="2" name="Slide Number Placeholder 1">
+            <a:extLst>
+              <a:ext uri="{FF2B5EF4-FFF2-40B4-BE49-F238E27FC236}">
+                <a16:creationId xmlns:a16="http://schemas.microsoft.com/office/drawing/2014/main" id="{D8929DC5-D907-6BCF-EB25-DA3BA1363218}"/>
+              </a:ext>
+            </a:extLst>
+          </p:cNvPr>
+          <p:cNvSpPr>
+            <a:spLocks noGrp="1"/>
+          </p:cNvSpPr>
+          <p:nvPr>
+            <p:ph type="sldNum" sz="quarter" idx="12"/>
+          </p:nvPr>
+        </p:nvSpPr>
+        <p:spPr/>
+        <p:txBody>
+          <a:bodyPr/>
+          <a:lstStyle/>
+          <a:p>
+            <a:fld id="{7A304655-5D53-B746-8252-3F5A598C52D3}" type="slidenum">
+              <a:rPr lang="en-CN" smtClean="0"/>
+              <a:pPr/>
+              <a:t>21</a:t>
+            </a:fld>
+            <a:endParaRPr lang="en-CN"/>
+          </a:p>
+        </p:txBody>
+      </p:sp>
+      <p:sp>
+        <p:nvSpPr>
+          <p:cNvPr id="3" name="Title 2">
+            <a:extLst>
+              <a:ext uri="{FF2B5EF4-FFF2-40B4-BE49-F238E27FC236}">
+                <a16:creationId xmlns:a16="http://schemas.microsoft.com/office/drawing/2014/main" id="{6972A900-214F-2281-0117-F57A991810CB}"/>
+              </a:ext>
+            </a:extLst>
+          </p:cNvPr>
+          <p:cNvSpPr>
+            <a:spLocks noGrp="1"/>
+          </p:cNvSpPr>
+          <p:nvPr>
+            <p:ph type="title"/>
+          </p:nvPr>
+        </p:nvSpPr>
+        <p:spPr/>
+        <p:txBody>
+          <a:bodyPr/>
+          <a:lstStyle/>
+          <a:p>
+            <a:r>
+              <a:rPr kumimoji="1" lang="zh-CN" altLang="en-US" dirty="0"/>
+              <a:t>花费多少时间</a:t>
+            </a:r>
+            <a:r>
+              <a:rPr kumimoji="1" lang="en-US" altLang="zh-CN" dirty="0"/>
+              <a:t>?</a:t>
+            </a:r>
+            <a:endParaRPr kumimoji="1" lang="zh-CN" altLang="en-US" dirty="0"/>
+          </a:p>
+        </p:txBody>
+      </p:sp>
+      <p:pic>
+        <p:nvPicPr>
+          <p:cNvPr id="4" name="Picture 3">
+            <a:extLst>
+              <a:ext uri="{FF2B5EF4-FFF2-40B4-BE49-F238E27FC236}">
+                <a16:creationId xmlns:a16="http://schemas.microsoft.com/office/drawing/2014/main" id="{63586B65-FEB5-7951-0633-D2FAD40BC301}"/>
+              </a:ext>
+            </a:extLst>
+          </p:cNvPr>
+          <p:cNvPicPr>
+            <a:picLocks noChangeAspect="1"/>
+          </p:cNvPicPr>
+          <p:nvPr/>
+        </p:nvPicPr>
+        <p:blipFill>
+          <a:blip r:embed="rId2"/>
+          <a:stretch>
+            <a:fillRect/>
+          </a:stretch>
+        </p:blipFill>
+        <p:spPr>
+          <a:xfrm>
+            <a:off x="2559050" y="1040524"/>
+            <a:ext cx="4025900" cy="1485900"/>
+          </a:xfrm>
+          <a:prstGeom prst="rect">
+            <a:avLst/>
+          </a:prstGeom>
+        </p:spPr>
+      </p:pic>
+      <mc:AlternateContent xmlns:mc="http://schemas.openxmlformats.org/markup-compatibility/2006">
+        <mc:Choice xmlns:a14="http://schemas.microsoft.com/office/drawing/2010/main" Requires="a14">
+          <p:sp>
+            <p:nvSpPr>
+              <p:cNvPr id="5" name="TextBox 4">
+                <a:extLst>
+                  <a:ext uri="{FF2B5EF4-FFF2-40B4-BE49-F238E27FC236}">
+                    <a16:creationId xmlns:a16="http://schemas.microsoft.com/office/drawing/2014/main" id="{B8CA6B24-ECFF-1FD6-99D1-35C5047A28FB}"/>
+                  </a:ext>
+                </a:extLst>
+              </p:cNvPr>
+              <p:cNvSpPr txBox="1"/>
+              <p:nvPr/>
+            </p:nvSpPr>
+            <p:spPr>
+              <a:xfrm>
+                <a:off x="748035" y="2295591"/>
+                <a:ext cx="1878656" cy="461665"/>
+              </a:xfrm>
+              <a:prstGeom prst="rect">
+                <a:avLst/>
+              </a:prstGeom>
+              <a:noFill/>
+            </p:spPr>
+            <p:txBody>
+              <a:bodyPr wrap="none" rtlCol="0">
+                <a:spAutoFit/>
+              </a:bodyPr>
+              <a:lstStyle/>
+              <a:p>
+                <a:pPr marL="342900" indent="-342900" algn="l">
+                  <a:buFont typeface="Arial" panose="020B0604020202020204" pitchFamily="34" charset="0"/>
+                  <a:buChar char="•"/>
+                </a:pPr>
+                <a14:m>
+                  <m:oMath xmlns:m="http://schemas.openxmlformats.org/officeDocument/2006/math">
+                    <m:r>
+                      <a:rPr kumimoji="1" lang="en-US" altLang="zh-CN" sz="2400" b="0" i="1" smtClean="0">
+                        <a:latin typeface="Cambria Math" panose="02040503050406030204" pitchFamily="18" charset="0"/>
+                      </a:rPr>
+                      <m:t>𝐿</m:t>
+                    </m:r>
+                    <m:r>
+                      <a:rPr kumimoji="1" lang="en-US" altLang="zh-CN" sz="2400" b="0" i="1" smtClean="0">
+                        <a:latin typeface="Cambria Math" panose="02040503050406030204" pitchFamily="18" charset="0"/>
+                      </a:rPr>
+                      <m:t>=</m:t>
+                    </m:r>
+                    <m:func>
+                      <m:funcPr>
+                        <m:ctrlPr>
+                          <a:rPr kumimoji="1" lang="zh-CN" altLang="en-US" sz="2400" b="0" i="1" smtClean="0">
+                            <a:latin typeface="Cambria Math" panose="02040503050406030204" pitchFamily="18" charset="0"/>
+                          </a:rPr>
+                        </m:ctrlPr>
+                      </m:funcPr>
+                      <m:fName>
+                        <m:sSub>
+                          <m:sSubPr>
+                            <m:ctrlPr>
+                              <a:rPr kumimoji="1" lang="en-US" altLang="zh-CN" sz="2400" b="0" i="1" smtClean="0">
+                                <a:latin typeface="Cambria Math" panose="02040503050406030204" pitchFamily="18" charset="0"/>
+                              </a:rPr>
+                            </m:ctrlPr>
+                          </m:sSubPr>
+                          <m:e>
+                            <m:r>
+                              <m:rPr>
+                                <m:sty m:val="p"/>
+                              </m:rPr>
+                              <a:rPr kumimoji="1" lang="en-US" altLang="zh-CN" sz="2400" b="0" i="0" smtClean="0">
+                                <a:latin typeface="Cambria Math" panose="02040503050406030204" pitchFamily="18" charset="0"/>
+                              </a:rPr>
+                              <m:t>log</m:t>
+                            </m:r>
+                          </m:e>
+                          <m:sub>
+                            <m:r>
+                              <a:rPr kumimoji="1" lang="en-US" altLang="zh-CN" sz="2400" b="0" i="1" smtClean="0">
+                                <a:latin typeface="Cambria Math" panose="02040503050406030204" pitchFamily="18" charset="0"/>
+                              </a:rPr>
+                              <m:t>𝑐</m:t>
+                            </m:r>
+                          </m:sub>
+                        </m:sSub>
+                      </m:fName>
+                      <m:e>
+                        <m:r>
+                          <a:rPr kumimoji="1" lang="en-US" altLang="zh-CN" sz="2400" b="0" i="1" smtClean="0">
+                            <a:latin typeface="Cambria Math" panose="02040503050406030204" pitchFamily="18" charset="0"/>
+                          </a:rPr>
+                          <m:t>𝑛</m:t>
+                        </m:r>
+                      </m:e>
+                    </m:func>
+                  </m:oMath>
+                </a14:m>
+                <a:endParaRPr kumimoji="1" lang="zh-CN" altLang="en-US" sz="2400" dirty="0"/>
+              </a:p>
+            </p:txBody>
+          </p:sp>
+        </mc:Choice>
+        <mc:Fallback>
+          <p:sp>
+            <p:nvSpPr>
+              <p:cNvPr id="5" name="TextBox 4">
+                <a:extLst>
+                  <a:ext uri="{FF2B5EF4-FFF2-40B4-BE49-F238E27FC236}">
+                    <a16:creationId xmlns:a16="http://schemas.microsoft.com/office/drawing/2014/main" id="{B8CA6B24-ECFF-1FD6-99D1-35C5047A28FB}"/>
+                  </a:ext>
+                </a:extLst>
+              </p:cNvPr>
+              <p:cNvSpPr txBox="1">
+                <a:spLocks noRot="1" noChangeAspect="1" noMove="1" noResize="1" noEditPoints="1" noAdjustHandles="1" noChangeArrowheads="1" noChangeShapeType="1" noTextEdit="1"/>
+              </p:cNvSpPr>
+              <p:nvPr/>
+            </p:nvSpPr>
+            <p:spPr>
+              <a:xfrm>
+                <a:off x="748035" y="2295591"/>
+                <a:ext cx="1878656" cy="461665"/>
+              </a:xfrm>
+              <a:prstGeom prst="rect">
+                <a:avLst/>
+              </a:prstGeom>
+              <a:blipFill>
+                <a:blip r:embed="rId3"/>
+                <a:stretch>
+                  <a:fillRect l="-4730" t="-5405" b="-27027"/>
+                </a:stretch>
+              </a:blipFill>
+            </p:spPr>
+            <p:txBody>
+              <a:bodyPr/>
+              <a:lstStyle/>
+              <a:p>
+                <a:r>
+                  <a:rPr lang="zh-CN" altLang="en-US">
+                    <a:noFill/>
+                  </a:rPr>
+                  <a:t> </a:t>
+                </a:r>
+              </a:p>
+            </p:txBody>
+          </p:sp>
+        </mc:Fallback>
+      </mc:AlternateContent>
+      <p:pic>
+        <p:nvPicPr>
+          <p:cNvPr id="6" name="Picture 5">
+            <a:extLst>
+              <a:ext uri="{FF2B5EF4-FFF2-40B4-BE49-F238E27FC236}">
+                <a16:creationId xmlns:a16="http://schemas.microsoft.com/office/drawing/2014/main" id="{9631138A-364C-BF18-BFAF-FC93B373FBC5}"/>
+              </a:ext>
+            </a:extLst>
+          </p:cNvPr>
+          <p:cNvPicPr>
+            <a:picLocks noChangeAspect="1"/>
+          </p:cNvPicPr>
+          <p:nvPr/>
+        </p:nvPicPr>
+        <p:blipFill>
+          <a:blip r:embed="rId4">
+            <a:clrChange>
+              <a:clrFrom>
+                <a:srgbClr val="F5F5F5"/>
+              </a:clrFrom>
+              <a:clrTo>
+                <a:srgbClr val="F5F5F5">
+                  <a:alpha val="0"/>
+                </a:srgbClr>
+              </a:clrTo>
+            </a:clrChange>
+          </a:blip>
+          <a:stretch>
+            <a:fillRect/>
+          </a:stretch>
+        </p:blipFill>
+        <p:spPr>
+          <a:xfrm>
+            <a:off x="748034" y="2983144"/>
+            <a:ext cx="7755639" cy="2980333"/>
+          </a:xfrm>
+          <a:prstGeom prst="rect">
+            <a:avLst/>
+          </a:prstGeom>
+        </p:spPr>
+      </p:pic>
+    </p:spTree>
+    <p:extLst>
+      <p:ext uri="{BB962C8B-B14F-4D97-AF65-F5344CB8AC3E}">
+        <p14:creationId xmlns:p14="http://schemas.microsoft.com/office/powerpoint/2010/main" val="4103833721"/>
+      </p:ext>
+    </p:extLst>
+  </p:cSld>
+  <p:clrMapOvr>
+    <a:masterClrMapping/>
+  </p:clrMapOvr>
+</p:sld>
+</file>
+
+<file path=ppt/slides/slide22.xml><?xml version="1.0" encoding="utf-8"?>
+<p:sld xmlns:a="http://schemas.openxmlformats.org/drawingml/2006/main" xmlns:r="http://schemas.openxmlformats.org/officeDocument/2006/relationships" xmlns:p="http://schemas.openxmlformats.org/presentationml/2006/main">
+  <p:cSld>
+    <p:spTree>
+      <p:nvGrpSpPr>
+        <p:cNvPr id="1" name=""/>
+        <p:cNvGrpSpPr/>
+        <p:nvPr/>
+      </p:nvGrpSpPr>
+      <p:grpSpPr>
+        <a:xfrm>
+          <a:off x="0" y="0"/>
+          <a:ext cx="0" cy="0"/>
+          <a:chOff x="0" y="0"/>
+          <a:chExt cx="0" cy="0"/>
+        </a:xfrm>
+      </p:grpSpPr>
+      <p:sp>
+        <p:nvSpPr>
+          <p:cNvPr id="2" name="Slide Number Placeholder 1">
+            <a:extLst>
+              <a:ext uri="{FF2B5EF4-FFF2-40B4-BE49-F238E27FC236}">
+                <a16:creationId xmlns:a16="http://schemas.microsoft.com/office/drawing/2014/main" id="{6B5145AF-CF0B-7ADF-5787-C681E12A314C}"/>
+              </a:ext>
+            </a:extLst>
+          </p:cNvPr>
+          <p:cNvSpPr>
+            <a:spLocks noGrp="1"/>
+          </p:cNvSpPr>
+          <p:nvPr>
+            <p:ph type="sldNum" sz="quarter" idx="12"/>
+          </p:nvPr>
+        </p:nvSpPr>
+        <p:spPr/>
+        <p:txBody>
+          <a:bodyPr/>
+          <a:lstStyle/>
+          <a:p>
+            <a:fld id="{7A304655-5D53-B746-8252-3F5A598C52D3}" type="slidenum">
+              <a:rPr lang="en-CN" smtClean="0"/>
+              <a:pPr/>
+              <a:t>22</a:t>
+            </a:fld>
+            <a:endParaRPr lang="en-CN"/>
+          </a:p>
+        </p:txBody>
+      </p:sp>
+      <p:sp>
+        <p:nvSpPr>
+          <p:cNvPr id="3" name="Title 2">
+            <a:extLst>
+              <a:ext uri="{FF2B5EF4-FFF2-40B4-BE49-F238E27FC236}">
+                <a16:creationId xmlns:a16="http://schemas.microsoft.com/office/drawing/2014/main" id="{70A79059-654B-D8CA-D598-9F5786EC7245}"/>
+              </a:ext>
+            </a:extLst>
+          </p:cNvPr>
+          <p:cNvSpPr>
+            <a:spLocks noGrp="1"/>
+          </p:cNvSpPr>
+          <p:nvPr>
+            <p:ph type="title"/>
+          </p:nvPr>
+        </p:nvSpPr>
+        <p:spPr/>
+        <p:txBody>
+          <a:bodyPr/>
+          <a:lstStyle/>
+          <a:p>
+            <a:r>
+              <a:rPr kumimoji="1" lang="zh-CN" altLang="en-US" dirty="0"/>
+              <a:t>主定理</a:t>
+            </a:r>
+            <a:r>
+              <a:rPr kumimoji="1" lang="en-US" altLang="zh-CN" dirty="0"/>
+              <a:t>(Master</a:t>
+            </a:r>
+            <a:r>
+              <a:rPr kumimoji="1" lang="zh-CN" altLang="en-US" dirty="0"/>
+              <a:t> </a:t>
+            </a:r>
+            <a:r>
+              <a:rPr kumimoji="1" lang="en-US" altLang="zh-CN" dirty="0"/>
+              <a:t>Theorem)</a:t>
+            </a:r>
+            <a:endParaRPr kumimoji="1" lang="zh-CN" altLang="en-US" dirty="0"/>
+          </a:p>
+        </p:txBody>
+      </p:sp>
+      <p:pic>
+        <p:nvPicPr>
+          <p:cNvPr id="5" name="Picture 4">
+            <a:extLst>
+              <a:ext uri="{FF2B5EF4-FFF2-40B4-BE49-F238E27FC236}">
+                <a16:creationId xmlns:a16="http://schemas.microsoft.com/office/drawing/2014/main" id="{85222070-8CA2-0762-2A79-65681A8B8803}"/>
+              </a:ext>
+            </a:extLst>
+          </p:cNvPr>
+          <p:cNvPicPr>
+            <a:picLocks noChangeAspect="1"/>
+          </p:cNvPicPr>
+          <p:nvPr/>
+        </p:nvPicPr>
+        <p:blipFill>
+          <a:blip r:embed="rId2">
+            <a:clrChange>
+              <a:clrFrom>
+                <a:srgbClr val="F5F5F5"/>
+              </a:clrFrom>
+              <a:clrTo>
+                <a:srgbClr val="F5F5F5">
+                  <a:alpha val="0"/>
+                </a:srgbClr>
+              </a:clrTo>
+            </a:clrChange>
+          </a:blip>
+          <a:stretch>
+            <a:fillRect/>
+          </a:stretch>
+        </p:blipFill>
+        <p:spPr>
+          <a:xfrm>
+            <a:off x="628650" y="861848"/>
+            <a:ext cx="7309072" cy="3339092"/>
+          </a:xfrm>
+          <a:prstGeom prst="rect">
+            <a:avLst/>
+          </a:prstGeom>
+        </p:spPr>
+      </p:pic>
+      <p:pic>
+        <p:nvPicPr>
+          <p:cNvPr id="6" name="Picture 5">
+            <a:extLst>
+              <a:ext uri="{FF2B5EF4-FFF2-40B4-BE49-F238E27FC236}">
+                <a16:creationId xmlns:a16="http://schemas.microsoft.com/office/drawing/2014/main" id="{D32164D0-E577-0E07-9E99-C5CD546C564A}"/>
+              </a:ext>
+            </a:extLst>
+          </p:cNvPr>
+          <p:cNvPicPr>
+            <a:picLocks noChangeAspect="1"/>
+          </p:cNvPicPr>
+          <p:nvPr/>
+        </p:nvPicPr>
+        <p:blipFill>
+          <a:blip r:embed="rId3">
+            <a:clrChange>
+              <a:clrFrom>
+                <a:srgbClr val="F3F5F8"/>
+              </a:clrFrom>
+              <a:clrTo>
+                <a:srgbClr val="F3F5F8">
+                  <a:alpha val="0"/>
+                </a:srgbClr>
+              </a:clrTo>
+            </a:clrChange>
+          </a:blip>
+          <a:stretch>
+            <a:fillRect/>
+          </a:stretch>
+        </p:blipFill>
+        <p:spPr>
+          <a:xfrm>
+            <a:off x="628650" y="4146248"/>
+            <a:ext cx="8422727" cy="1777910"/>
+          </a:xfrm>
+          <a:prstGeom prst="rect">
+            <a:avLst/>
+          </a:prstGeom>
+        </p:spPr>
+      </p:pic>
+      <p:sp>
+        <p:nvSpPr>
+          <p:cNvPr id="7" name="TextBox 6">
+            <a:extLst>
+              <a:ext uri="{FF2B5EF4-FFF2-40B4-BE49-F238E27FC236}">
+                <a16:creationId xmlns:a16="http://schemas.microsoft.com/office/drawing/2014/main" id="{6E3982FB-035A-46BC-313E-4CFC112778B6}"/>
+              </a:ext>
+            </a:extLst>
+          </p:cNvPr>
+          <p:cNvSpPr txBox="1"/>
+          <p:nvPr/>
+        </p:nvSpPr>
+        <p:spPr>
+          <a:xfrm>
+            <a:off x="755374" y="5864067"/>
+            <a:ext cx="2568332" cy="461665"/>
+          </a:xfrm>
+          <a:prstGeom prst="rect">
+            <a:avLst/>
+          </a:prstGeom>
+          <a:noFill/>
+        </p:spPr>
+        <p:txBody>
+          <a:bodyPr wrap="none" rtlCol="0">
+            <a:spAutoFit/>
+          </a:bodyPr>
+          <a:lstStyle/>
+          <a:p>
+            <a:pPr marL="342900" indent="-342900" algn="l">
+              <a:buFont typeface="Arial" panose="020B0604020202020204" pitchFamily="34" charset="0"/>
+              <a:buChar char="•"/>
+            </a:pPr>
+            <a:r>
+              <a:rPr kumimoji="1" lang="en-US" altLang="zh-CN" sz="2400" dirty="0"/>
+              <a:t>Not</a:t>
+            </a:r>
+            <a:r>
+              <a:rPr kumimoji="1" lang="zh-CN" altLang="en-US" sz="2400" dirty="0"/>
+              <a:t> </a:t>
+            </a:r>
+            <a:r>
+              <a:rPr kumimoji="1" lang="en-US" altLang="zh-CN" sz="2400" dirty="0"/>
+              <a:t>exhaustive</a:t>
+            </a:r>
+            <a:endParaRPr kumimoji="1" lang="zh-CN" altLang="en-US" sz="2400" dirty="0"/>
+          </a:p>
+        </p:txBody>
+      </p:sp>
+    </p:spTree>
+    <p:extLst>
+      <p:ext uri="{BB962C8B-B14F-4D97-AF65-F5344CB8AC3E}">
+        <p14:creationId xmlns:p14="http://schemas.microsoft.com/office/powerpoint/2010/main" val="431600933"/>
+      </p:ext>
+    </p:extLst>
+  </p:cSld>
+  <p:clrMapOvr>
+    <a:masterClrMapping/>
+  </p:clrMapOvr>
+</p:sld>
+</file>
+
+<file path=ppt/slides/slide23.xml><?xml version="1.0" encoding="utf-8"?>
+<p:sld xmlns:a="http://schemas.openxmlformats.org/drawingml/2006/main" xmlns:r="http://schemas.openxmlformats.org/officeDocument/2006/relationships" xmlns:p="http://schemas.openxmlformats.org/presentationml/2006/main">
+  <p:cSld>
+    <p:spTree>
+      <p:nvGrpSpPr>
+        <p:cNvPr id="1" name=""/>
+        <p:cNvGrpSpPr/>
+        <p:nvPr/>
+      </p:nvGrpSpPr>
+      <p:grpSpPr>
+        <a:xfrm>
+          <a:off x="0" y="0"/>
+          <a:ext cx="0" cy="0"/>
+          <a:chOff x="0" y="0"/>
+          <a:chExt cx="0" cy="0"/>
+        </a:xfrm>
+      </p:grpSpPr>
+      <p:sp>
+        <p:nvSpPr>
+          <p:cNvPr id="2" name="Slide Number Placeholder 1">
+            <a:extLst>
+              <a:ext uri="{FF2B5EF4-FFF2-40B4-BE49-F238E27FC236}">
+                <a16:creationId xmlns:a16="http://schemas.microsoft.com/office/drawing/2014/main" id="{E87E1B7C-C68B-759E-2A0A-A7EBB1EBA395}"/>
+              </a:ext>
+            </a:extLst>
+          </p:cNvPr>
+          <p:cNvSpPr>
+            <a:spLocks noGrp="1"/>
+          </p:cNvSpPr>
+          <p:nvPr>
+            <p:ph type="sldNum" sz="quarter" idx="12"/>
+          </p:nvPr>
+        </p:nvSpPr>
+        <p:spPr/>
+        <p:txBody>
+          <a:bodyPr/>
+          <a:lstStyle/>
+          <a:p>
+            <a:fld id="{7A304655-5D53-B746-8252-3F5A598C52D3}" type="slidenum">
+              <a:rPr lang="en-CN" smtClean="0"/>
+              <a:pPr/>
+              <a:t>23</a:t>
+            </a:fld>
+            <a:endParaRPr lang="en-CN"/>
+          </a:p>
+        </p:txBody>
+      </p:sp>
+      <p:sp>
+        <p:nvSpPr>
+          <p:cNvPr id="3" name="Title 2">
+            <a:extLst>
+              <a:ext uri="{FF2B5EF4-FFF2-40B4-BE49-F238E27FC236}">
+                <a16:creationId xmlns:a16="http://schemas.microsoft.com/office/drawing/2014/main" id="{1F2840C4-6D9C-CDA6-B092-46A4AAE33C6A}"/>
+              </a:ext>
+            </a:extLst>
+          </p:cNvPr>
+          <p:cNvSpPr>
+            <a:spLocks noGrp="1"/>
+          </p:cNvSpPr>
+          <p:nvPr>
+            <p:ph type="title"/>
+          </p:nvPr>
+        </p:nvSpPr>
+        <p:spPr/>
+        <p:txBody>
+          <a:bodyPr/>
+          <a:lstStyle/>
+          <a:p>
+            <a:r>
+              <a:rPr lang="zh-CN" altLang="en-US" dirty="0"/>
+              <a:t>例子</a:t>
+            </a:r>
+          </a:p>
+        </p:txBody>
+      </p:sp>
+      <p:pic>
+        <p:nvPicPr>
+          <p:cNvPr id="4" name="Picture 3">
+            <a:extLst>
+              <a:ext uri="{FF2B5EF4-FFF2-40B4-BE49-F238E27FC236}">
+                <a16:creationId xmlns:a16="http://schemas.microsoft.com/office/drawing/2014/main" id="{6EF4FE34-D0A5-20C1-8293-F58069C76395}"/>
+              </a:ext>
+            </a:extLst>
+          </p:cNvPr>
+          <p:cNvPicPr>
+            <a:picLocks noChangeAspect="1"/>
+          </p:cNvPicPr>
+          <p:nvPr/>
+        </p:nvPicPr>
+        <p:blipFill>
+          <a:blip r:embed="rId2"/>
+          <a:stretch>
+            <a:fillRect/>
+          </a:stretch>
+        </p:blipFill>
+        <p:spPr>
+          <a:xfrm>
+            <a:off x="726108" y="1363042"/>
+            <a:ext cx="2311400" cy="368300"/>
+          </a:xfrm>
+          <a:prstGeom prst="rect">
+            <a:avLst/>
+          </a:prstGeom>
+        </p:spPr>
+      </p:pic>
+      <p:pic>
+        <p:nvPicPr>
+          <p:cNvPr id="9" name="Picture 8">
+            <a:extLst>
+              <a:ext uri="{FF2B5EF4-FFF2-40B4-BE49-F238E27FC236}">
+                <a16:creationId xmlns:a16="http://schemas.microsoft.com/office/drawing/2014/main" id="{95C4E4B3-2086-95E0-0191-BE53415F52FE}"/>
+              </a:ext>
+            </a:extLst>
+          </p:cNvPr>
+          <p:cNvPicPr>
+            <a:picLocks noChangeAspect="1"/>
+          </p:cNvPicPr>
+          <p:nvPr/>
+        </p:nvPicPr>
+        <p:blipFill>
+          <a:blip r:embed="rId3"/>
+          <a:stretch>
+            <a:fillRect/>
+          </a:stretch>
+        </p:blipFill>
+        <p:spPr>
+          <a:xfrm>
+            <a:off x="4470052" y="-14908"/>
+            <a:ext cx="4673947" cy="2135256"/>
+          </a:xfrm>
+          <a:prstGeom prst="rect">
+            <a:avLst/>
+          </a:prstGeom>
+        </p:spPr>
+      </p:pic>
+      <p:pic>
+        <p:nvPicPr>
+          <p:cNvPr id="11" name="Picture 10">
+            <a:extLst>
+              <a:ext uri="{FF2B5EF4-FFF2-40B4-BE49-F238E27FC236}">
+                <a16:creationId xmlns:a16="http://schemas.microsoft.com/office/drawing/2014/main" id="{CF920E01-BBF3-FE46-E9D7-5607FF46DFC5}"/>
+              </a:ext>
+            </a:extLst>
+          </p:cNvPr>
+          <p:cNvPicPr>
+            <a:picLocks noChangeAspect="1"/>
+          </p:cNvPicPr>
+          <p:nvPr/>
+        </p:nvPicPr>
+        <p:blipFill>
+          <a:blip r:embed="rId4"/>
+          <a:stretch>
+            <a:fillRect/>
+          </a:stretch>
+        </p:blipFill>
+        <p:spPr>
+          <a:xfrm>
+            <a:off x="732458" y="2893392"/>
+            <a:ext cx="2298700" cy="355600"/>
+          </a:xfrm>
+          <a:prstGeom prst="rect">
+            <a:avLst/>
+          </a:prstGeom>
+        </p:spPr>
+      </p:pic>
+      <p:pic>
+        <p:nvPicPr>
+          <p:cNvPr id="12" name="Picture 11">
+            <a:extLst>
+              <a:ext uri="{FF2B5EF4-FFF2-40B4-BE49-F238E27FC236}">
+                <a16:creationId xmlns:a16="http://schemas.microsoft.com/office/drawing/2014/main" id="{D5547078-62A7-819D-8131-3FCC556CAD28}"/>
+              </a:ext>
+            </a:extLst>
+          </p:cNvPr>
+          <p:cNvPicPr>
+            <a:picLocks noChangeAspect="1"/>
+          </p:cNvPicPr>
+          <p:nvPr/>
+        </p:nvPicPr>
+        <p:blipFill>
+          <a:blip r:embed="rId5"/>
+          <a:stretch>
+            <a:fillRect/>
+          </a:stretch>
+        </p:blipFill>
+        <p:spPr>
+          <a:xfrm>
+            <a:off x="732458" y="4233242"/>
+            <a:ext cx="3035300" cy="355600"/>
+          </a:xfrm>
+          <a:prstGeom prst="rect">
+            <a:avLst/>
+          </a:prstGeom>
+        </p:spPr>
+      </p:pic>
+      <p:pic>
+        <p:nvPicPr>
+          <p:cNvPr id="17" name="Picture 16">
+            <a:extLst>
+              <a:ext uri="{FF2B5EF4-FFF2-40B4-BE49-F238E27FC236}">
+                <a16:creationId xmlns:a16="http://schemas.microsoft.com/office/drawing/2014/main" id="{AB1B882A-091E-123F-3302-EB847CF76C72}"/>
+              </a:ext>
+            </a:extLst>
+          </p:cNvPr>
+          <p:cNvPicPr>
+            <a:picLocks noChangeAspect="1"/>
+          </p:cNvPicPr>
+          <p:nvPr/>
+        </p:nvPicPr>
+        <p:blipFill>
+          <a:blip r:embed="rId6"/>
+          <a:stretch>
+            <a:fillRect/>
+          </a:stretch>
+        </p:blipFill>
+        <p:spPr>
+          <a:xfrm>
+            <a:off x="1032565" y="1742290"/>
+            <a:ext cx="4216400" cy="215900"/>
+          </a:xfrm>
+          <a:prstGeom prst="rect">
+            <a:avLst/>
+          </a:prstGeom>
+        </p:spPr>
+      </p:pic>
+      <p:pic>
+        <p:nvPicPr>
+          <p:cNvPr id="18" name="Picture 17">
+            <a:extLst>
+              <a:ext uri="{FF2B5EF4-FFF2-40B4-BE49-F238E27FC236}">
+                <a16:creationId xmlns:a16="http://schemas.microsoft.com/office/drawing/2014/main" id="{4BB68C87-2C99-B81A-91DD-AF367204981F}"/>
+              </a:ext>
+            </a:extLst>
+          </p:cNvPr>
+          <p:cNvPicPr>
+            <a:picLocks noChangeAspect="1"/>
+          </p:cNvPicPr>
+          <p:nvPr/>
+        </p:nvPicPr>
+        <p:blipFill>
+          <a:blip r:embed="rId7"/>
+          <a:stretch>
+            <a:fillRect/>
+          </a:stretch>
+        </p:blipFill>
+        <p:spPr>
+          <a:xfrm>
+            <a:off x="1032565" y="3282398"/>
+            <a:ext cx="3771900" cy="203200"/>
+          </a:xfrm>
+          <a:prstGeom prst="rect">
+            <a:avLst/>
+          </a:prstGeom>
+        </p:spPr>
+      </p:pic>
+      <p:pic>
+        <p:nvPicPr>
+          <p:cNvPr id="19" name="Picture 18">
+            <a:extLst>
+              <a:ext uri="{FF2B5EF4-FFF2-40B4-BE49-F238E27FC236}">
+                <a16:creationId xmlns:a16="http://schemas.microsoft.com/office/drawing/2014/main" id="{4D88FA1B-DD4E-38C0-3588-D11E4A2957A1}"/>
+              </a:ext>
+            </a:extLst>
+          </p:cNvPr>
+          <p:cNvPicPr>
+            <a:picLocks noChangeAspect="1"/>
+          </p:cNvPicPr>
+          <p:nvPr/>
+        </p:nvPicPr>
+        <p:blipFill>
+          <a:blip r:embed="rId8"/>
+          <a:stretch>
+            <a:fillRect/>
+          </a:stretch>
+        </p:blipFill>
+        <p:spPr>
+          <a:xfrm>
+            <a:off x="1032565" y="1991596"/>
+            <a:ext cx="1048026" cy="229256"/>
+          </a:xfrm>
+          <a:prstGeom prst="rect">
+            <a:avLst/>
+          </a:prstGeom>
+        </p:spPr>
+      </p:pic>
+      <p:pic>
+        <p:nvPicPr>
+          <p:cNvPr id="20" name="Picture 19">
+            <a:extLst>
+              <a:ext uri="{FF2B5EF4-FFF2-40B4-BE49-F238E27FC236}">
+                <a16:creationId xmlns:a16="http://schemas.microsoft.com/office/drawing/2014/main" id="{0D0C579B-3413-6D85-43FE-51FC5437F80F}"/>
+              </a:ext>
+            </a:extLst>
+          </p:cNvPr>
+          <p:cNvPicPr>
+            <a:picLocks noChangeAspect="1"/>
+          </p:cNvPicPr>
+          <p:nvPr/>
+        </p:nvPicPr>
+        <p:blipFill>
+          <a:blip r:embed="rId9"/>
+          <a:stretch>
+            <a:fillRect/>
+          </a:stretch>
+        </p:blipFill>
+        <p:spPr>
+          <a:xfrm>
+            <a:off x="1089643" y="3529358"/>
+            <a:ext cx="1250278" cy="259798"/>
+          </a:xfrm>
+          <a:prstGeom prst="rect">
+            <a:avLst/>
+          </a:prstGeom>
+        </p:spPr>
+      </p:pic>
+      <p:pic>
+        <p:nvPicPr>
+          <p:cNvPr id="21" name="Picture 20">
+            <a:extLst>
+              <a:ext uri="{FF2B5EF4-FFF2-40B4-BE49-F238E27FC236}">
+                <a16:creationId xmlns:a16="http://schemas.microsoft.com/office/drawing/2014/main" id="{32E0B295-4262-FB92-2955-9BDCDE5069C8}"/>
+              </a:ext>
+            </a:extLst>
+          </p:cNvPr>
+          <p:cNvPicPr>
+            <a:picLocks noChangeAspect="1"/>
+          </p:cNvPicPr>
+          <p:nvPr/>
+        </p:nvPicPr>
+        <p:blipFill>
+          <a:blip r:embed="rId10"/>
+          <a:stretch>
+            <a:fillRect/>
+          </a:stretch>
+        </p:blipFill>
+        <p:spPr>
+          <a:xfrm>
+            <a:off x="1032565" y="4669460"/>
+            <a:ext cx="2380370" cy="247097"/>
+          </a:xfrm>
+          <a:prstGeom prst="rect">
+            <a:avLst/>
+          </a:prstGeom>
+        </p:spPr>
+      </p:pic>
+    </p:spTree>
+    <p:extLst>
+      <p:ext uri="{BB962C8B-B14F-4D97-AF65-F5344CB8AC3E}">
+        <p14:creationId xmlns:p14="http://schemas.microsoft.com/office/powerpoint/2010/main" val="4053886855"/>
+      </p:ext>
+    </p:extLst>
+  </p:cSld>
+  <p:clrMapOvr>
+    <a:masterClrMapping/>
+  </p:clrMapOvr>
+</p:sld>
+</file>
+
+<file path=ppt/slides/slide24.xml><?xml version="1.0" encoding="utf-8"?>
+<p:sld xmlns:a="http://schemas.openxmlformats.org/drawingml/2006/main" xmlns:r="http://schemas.openxmlformats.org/officeDocument/2006/relationships" xmlns:p="http://schemas.openxmlformats.org/presentationml/2006/main">
+  <p:cSld>
+    <p:spTree>
+      <p:nvGrpSpPr>
+        <p:cNvPr id="1" name=""/>
+        <p:cNvGrpSpPr/>
+        <p:nvPr/>
+      </p:nvGrpSpPr>
+      <p:grpSpPr>
+        <a:xfrm>
+          <a:off x="0" y="0"/>
+          <a:ext cx="0" cy="0"/>
+          <a:chOff x="0" y="0"/>
+          <a:chExt cx="0" cy="0"/>
+        </a:xfrm>
+      </p:grpSpPr>
+      <p:sp>
+        <p:nvSpPr>
+          <p:cNvPr id="2" name="Slide Number Placeholder 1">
+            <a:extLst>
+              <a:ext uri="{FF2B5EF4-FFF2-40B4-BE49-F238E27FC236}">
+                <a16:creationId xmlns:a16="http://schemas.microsoft.com/office/drawing/2014/main" id="{015676C1-D023-6BB7-5751-CF2F72742790}"/>
+              </a:ext>
+            </a:extLst>
+          </p:cNvPr>
+          <p:cNvSpPr>
+            <a:spLocks noGrp="1"/>
+          </p:cNvSpPr>
+          <p:nvPr>
+            <p:ph type="sldNum" sz="quarter" idx="12"/>
+          </p:nvPr>
+        </p:nvSpPr>
+        <p:spPr/>
+        <p:txBody>
+          <a:bodyPr/>
+          <a:lstStyle/>
+          <a:p>
+            <a:fld id="{7A304655-5D53-B746-8252-3F5A598C52D3}" type="slidenum">
+              <a:rPr lang="en-CN" smtClean="0"/>
+              <a:pPr/>
+              <a:t>24</a:t>
+            </a:fld>
+            <a:endParaRPr lang="en-CN"/>
+          </a:p>
+        </p:txBody>
+      </p:sp>
+      <p:sp>
+        <p:nvSpPr>
+          <p:cNvPr id="3" name="Title 2">
+            <a:extLst>
+              <a:ext uri="{FF2B5EF4-FFF2-40B4-BE49-F238E27FC236}">
+                <a16:creationId xmlns:a16="http://schemas.microsoft.com/office/drawing/2014/main" id="{E6DE4461-CDFF-17A3-732C-A0874AB9C321}"/>
+              </a:ext>
+            </a:extLst>
+          </p:cNvPr>
+          <p:cNvSpPr>
+            <a:spLocks noGrp="1"/>
+          </p:cNvSpPr>
+          <p:nvPr>
+            <p:ph type="title"/>
+          </p:nvPr>
+        </p:nvSpPr>
+        <p:spPr/>
+        <p:txBody>
+          <a:bodyPr/>
+          <a:lstStyle/>
+          <a:p>
+            <a:r>
+              <a:rPr kumimoji="1" lang="en-US" altLang="zh-CN" dirty="0"/>
+              <a:t>References</a:t>
+            </a:r>
+            <a:endParaRPr kumimoji="1" lang="zh-CN" altLang="en-US" dirty="0"/>
+          </a:p>
+        </p:txBody>
+      </p:sp>
+      <p:sp>
+        <p:nvSpPr>
+          <p:cNvPr id="4" name="TextBox 3">
+            <a:extLst>
+              <a:ext uri="{FF2B5EF4-FFF2-40B4-BE49-F238E27FC236}">
+                <a16:creationId xmlns:a16="http://schemas.microsoft.com/office/drawing/2014/main" id="{C82EB0DE-7D1F-24C2-DD56-35C6C6963072}"/>
+              </a:ext>
+            </a:extLst>
+          </p:cNvPr>
+          <p:cNvSpPr txBox="1"/>
+          <p:nvPr/>
+        </p:nvSpPr>
+        <p:spPr>
+          <a:xfrm>
+            <a:off x="702365" y="1338470"/>
+            <a:ext cx="6117380" cy="1569660"/>
+          </a:xfrm>
+          <a:prstGeom prst="rect">
+            <a:avLst/>
+          </a:prstGeom>
+          <a:noFill/>
+        </p:spPr>
+        <p:txBody>
+          <a:bodyPr wrap="none" rtlCol="0">
+            <a:spAutoFit/>
+          </a:bodyPr>
+          <a:lstStyle/>
+          <a:p>
+            <a:pPr marL="342900" indent="-342900" algn="l">
+              <a:buFont typeface="Arial" panose="020B0604020202020204" pitchFamily="34" charset="0"/>
+              <a:buChar char="•"/>
+            </a:pPr>
+            <a:r>
+              <a:rPr kumimoji="1" lang="en-US" altLang="zh-CN" sz="2400" dirty="0"/>
+              <a:t>Jeff</a:t>
+            </a:r>
+            <a:r>
+              <a:rPr kumimoji="1" lang="zh-CN" altLang="en-US" sz="2400" dirty="0"/>
+              <a:t> </a:t>
+            </a:r>
+            <a:r>
+              <a:rPr kumimoji="1" lang="en-US" altLang="zh-CN" sz="2400" dirty="0"/>
+              <a:t>Erickson</a:t>
+            </a:r>
+            <a:r>
+              <a:rPr kumimoji="1" lang="zh-CN" altLang="en-US" sz="2400" dirty="0"/>
+              <a:t> </a:t>
+            </a:r>
+            <a:r>
+              <a:rPr kumimoji="1" lang="en-US" altLang="zh-CN" sz="2400" dirty="0"/>
+              <a:t>Algorithms</a:t>
+            </a:r>
+            <a:r>
+              <a:rPr kumimoji="1" lang="zh-CN" altLang="en-US" sz="2400" dirty="0"/>
+              <a:t> 第一章</a:t>
+            </a:r>
+            <a:r>
+              <a:rPr kumimoji="1" lang="en-US" altLang="zh-CN" sz="2400" dirty="0"/>
+              <a:t>,</a:t>
+            </a:r>
+            <a:r>
+              <a:rPr kumimoji="1" lang="zh-CN" altLang="en-US" sz="2400" dirty="0"/>
+              <a:t> 第二章</a:t>
+            </a:r>
+            <a:endParaRPr kumimoji="1" lang="en-US" altLang="zh-CN" sz="2400" dirty="0"/>
+          </a:p>
+          <a:p>
+            <a:pPr marL="342900" indent="-342900" algn="l">
+              <a:buFont typeface="Arial" panose="020B0604020202020204" pitchFamily="34" charset="0"/>
+              <a:buChar char="•"/>
+            </a:pPr>
+            <a:r>
+              <a:rPr kumimoji="1" lang="en-US" altLang="zh-CN" sz="2400" dirty="0"/>
+              <a:t>Analysis</a:t>
+            </a:r>
+            <a:r>
+              <a:rPr kumimoji="1" lang="zh-CN" altLang="en-US" sz="2400" dirty="0"/>
+              <a:t> </a:t>
+            </a:r>
+            <a:r>
+              <a:rPr kumimoji="1" lang="en-US" altLang="zh-CN" sz="2400" dirty="0"/>
+              <a:t>of</a:t>
+            </a:r>
+            <a:r>
+              <a:rPr kumimoji="1" lang="zh-CN" altLang="en-US" sz="2400" dirty="0"/>
+              <a:t> </a:t>
+            </a:r>
+            <a:r>
+              <a:rPr kumimoji="1" lang="en-US" altLang="zh-CN" sz="2400" dirty="0"/>
+              <a:t>Algorithms</a:t>
+            </a:r>
+            <a:r>
+              <a:rPr kumimoji="1" lang="zh-CN" altLang="en-US" sz="2400" dirty="0"/>
+              <a:t> 第一章</a:t>
+            </a:r>
+            <a:endParaRPr kumimoji="1" lang="en-US" altLang="zh-CN" sz="2400" dirty="0"/>
+          </a:p>
+          <a:p>
+            <a:pPr marL="342900" indent="-342900" algn="l">
+              <a:buFont typeface="Arial" panose="020B0604020202020204" pitchFamily="34" charset="0"/>
+              <a:buChar char="•"/>
+            </a:pPr>
+            <a:endParaRPr kumimoji="1" lang="en-US" altLang="zh-CN" sz="2400" dirty="0"/>
+          </a:p>
+          <a:p>
+            <a:pPr algn="l"/>
+            <a:r>
+              <a:rPr kumimoji="1" lang="zh-CN" altLang="en-US" sz="2400" dirty="0"/>
+              <a:t>其余的出处在各张幻灯片图片部分已经标出</a:t>
+            </a:r>
+            <a:r>
+              <a:rPr kumimoji="1" lang="en-US" altLang="zh-CN" sz="2400" dirty="0"/>
+              <a:t>.</a:t>
+            </a:r>
+            <a:endParaRPr kumimoji="1" lang="zh-CN" altLang="en-US" sz="2400" dirty="0"/>
+          </a:p>
+        </p:txBody>
+      </p:sp>
+    </p:spTree>
+    <p:extLst>
+      <p:ext uri="{BB962C8B-B14F-4D97-AF65-F5344CB8AC3E}">
+        <p14:creationId xmlns:p14="http://schemas.microsoft.com/office/powerpoint/2010/main" val="1959283491"/>
+      </p:ext>
+    </p:extLst>
+  </p:cSld>
+  <p:clrMapOvr>
+    <a:masterClrMapping/>
+  </p:clrMapOvr>
+</p:sld>
+</file>
+
+<file path=ppt/slides/slide25.xml><?xml version="1.0" encoding="utf-8"?>
+<p:sld xmlns:a="http://schemas.openxmlformats.org/drawingml/2006/main" xmlns:r="http://schemas.openxmlformats.org/officeDocument/2006/relationships" xmlns:p="http://schemas.openxmlformats.org/presentationml/2006/main">
+  <p:cSld>
+    <p:spTree>
+      <p:nvGrpSpPr>
+        <p:cNvPr id="1" name=""/>
+        <p:cNvGrpSpPr/>
+        <p:nvPr/>
+      </p:nvGrpSpPr>
+      <p:grpSpPr>
+        <a:xfrm>
+          <a:off x="0" y="0"/>
+          <a:ext cx="0" cy="0"/>
+          <a:chOff x="0" y="0"/>
+          <a:chExt cx="0" cy="0"/>
+        </a:xfrm>
+      </p:grpSpPr>
+      <p:sp>
+        <p:nvSpPr>
+          <p:cNvPr id="2" name="Slide Number Placeholder 1">
+            <a:extLst>
+              <a:ext uri="{FF2B5EF4-FFF2-40B4-BE49-F238E27FC236}">
+                <a16:creationId xmlns:a16="http://schemas.microsoft.com/office/drawing/2014/main" id="{B21780A8-2A62-1D37-FA41-493440D7A0C2}"/>
+              </a:ext>
+            </a:extLst>
+          </p:cNvPr>
+          <p:cNvSpPr>
+            <a:spLocks noGrp="1"/>
+          </p:cNvSpPr>
+          <p:nvPr>
+            <p:ph type="sldNum" sz="quarter" idx="12"/>
+          </p:nvPr>
+        </p:nvSpPr>
+        <p:spPr/>
+        <p:txBody>
+          <a:bodyPr/>
+          <a:lstStyle/>
+          <a:p>
+            <a:fld id="{7A304655-5D53-B746-8252-3F5A598C52D3}" type="slidenum">
+              <a:rPr lang="en-CN" smtClean="0"/>
+              <a:pPr/>
+              <a:t>25</a:t>
+            </a:fld>
+            <a:endParaRPr lang="en-CN"/>
+          </a:p>
+        </p:txBody>
+      </p:sp>
+      <p:pic>
+        <p:nvPicPr>
+          <p:cNvPr id="5" name="Picture 4">
+            <a:extLst>
+              <a:ext uri="{FF2B5EF4-FFF2-40B4-BE49-F238E27FC236}">
+                <a16:creationId xmlns:a16="http://schemas.microsoft.com/office/drawing/2014/main" id="{B7523383-5359-C9E3-DD01-5D842BC27323}"/>
+              </a:ext>
+            </a:extLst>
+          </p:cNvPr>
+          <p:cNvPicPr>
+            <a:picLocks noChangeAspect="1"/>
+          </p:cNvPicPr>
+          <p:nvPr/>
+        </p:nvPicPr>
+        <p:blipFill>
+          <a:blip r:embed="rId2"/>
+          <a:stretch>
+            <a:fillRect/>
+          </a:stretch>
+        </p:blipFill>
+        <p:spPr>
+          <a:xfrm>
+            <a:off x="3202164" y="770223"/>
+            <a:ext cx="2739672" cy="1823127"/>
+          </a:xfrm>
+          <a:prstGeom prst="rect">
+            <a:avLst/>
+          </a:prstGeom>
+        </p:spPr>
+      </p:pic>
+      <p:pic>
+        <p:nvPicPr>
+          <p:cNvPr id="6" name="Picture 5">
+            <a:extLst>
+              <a:ext uri="{FF2B5EF4-FFF2-40B4-BE49-F238E27FC236}">
+                <a16:creationId xmlns:a16="http://schemas.microsoft.com/office/drawing/2014/main" id="{1D8F1FCB-02CC-AE75-09A2-48046C2FFF58}"/>
+              </a:ext>
+            </a:extLst>
+          </p:cNvPr>
+          <p:cNvPicPr>
+            <a:picLocks noChangeAspect="1"/>
+          </p:cNvPicPr>
+          <p:nvPr/>
+        </p:nvPicPr>
+        <p:blipFill>
+          <a:blip r:embed="rId3"/>
+          <a:stretch>
+            <a:fillRect/>
+          </a:stretch>
+        </p:blipFill>
+        <p:spPr>
+          <a:xfrm>
+            <a:off x="2137580" y="2724992"/>
+            <a:ext cx="4608174" cy="1972057"/>
+          </a:xfrm>
+          <a:prstGeom prst="rect">
+            <a:avLst/>
+          </a:prstGeom>
+        </p:spPr>
+      </p:pic>
+      <p:sp>
+        <p:nvSpPr>
+          <p:cNvPr id="8" name="TextBox 7">
+            <a:extLst>
+              <a:ext uri="{FF2B5EF4-FFF2-40B4-BE49-F238E27FC236}">
+                <a16:creationId xmlns:a16="http://schemas.microsoft.com/office/drawing/2014/main" id="{FCF5365B-5FB3-4693-8FDD-59683605F615}"/>
+              </a:ext>
+            </a:extLst>
+          </p:cNvPr>
+          <p:cNvSpPr txBox="1"/>
+          <p:nvPr/>
+        </p:nvSpPr>
+        <p:spPr>
+          <a:xfrm>
+            <a:off x="2137580" y="4719538"/>
+            <a:ext cx="4608174" cy="646331"/>
+          </a:xfrm>
+          <a:prstGeom prst="rect">
+            <a:avLst/>
+          </a:prstGeom>
+          <a:noFill/>
+        </p:spPr>
+        <p:txBody>
+          <a:bodyPr wrap="square">
+            <a:spAutoFit/>
+          </a:bodyPr>
+          <a:lstStyle/>
+          <a:p>
+            <a:pPr algn="ctr"/>
+            <a:r>
+              <a:rPr lang="en-US" altLang="zh-CN" dirty="0"/>
+              <a:t>QQ: 2095728218</a:t>
+            </a:r>
+          </a:p>
+          <a:p>
+            <a:pPr algn="ctr"/>
+            <a:r>
+              <a:rPr lang="en-US" altLang="zh-CN" dirty="0" err="1"/>
+              <a:t>gwzhang@cug.edu.cn</a:t>
+            </a:r>
+            <a:endParaRPr lang="en-US" altLang="zh-CN" dirty="0"/>
+          </a:p>
+        </p:txBody>
+      </p:sp>
+    </p:spTree>
+    <p:extLst>
+      <p:ext uri="{BB962C8B-B14F-4D97-AF65-F5344CB8AC3E}">
+        <p14:creationId xmlns:p14="http://schemas.microsoft.com/office/powerpoint/2010/main" val="1646968304"/>
+      </p:ext>
+    </p:extLst>
+  </p:cSld>
+  <p:clrMapOvr>
+    <a:masterClrMapping/>
+  </p:clrMapOvr>
+</p:sld>
+</file>
+
 <file path=ppt/slides/slide3.xml><?xml version="1.0" encoding="utf-8"?>
 <p:sld xmlns:a="http://schemas.openxmlformats.org/drawingml/2006/main" xmlns:r="http://schemas.openxmlformats.org/officeDocument/2006/relationships" xmlns:p="http://schemas.openxmlformats.org/presentationml/2006/main">
   <p:cSld>
@@ -3643,7 +8288,7 @@
           <p:cNvPr id="2" name="Slide Number Placeholder 1">
             <a:extLst>
               <a:ext uri="{FF2B5EF4-FFF2-40B4-BE49-F238E27FC236}">
-                <a16:creationId xmlns:a16="http://schemas.microsoft.com/office/drawing/2014/main" id="{76147F3F-1935-51CB-6002-61B16DB20D5A}"/>
+                <a16:creationId xmlns:a16="http://schemas.microsoft.com/office/drawing/2014/main" id="{16CEB23F-A2CC-9FA0-6F72-C74E1BBB0AEE}"/>
               </a:ext>
             </a:extLst>
           </p:cNvPr>
@@ -3663,94 +8308,6 @@
               <a:rPr lang="en-CN" smtClean="0"/>
               <a:pPr/>
               <a:t>3</a:t>
-            </a:fld>
-            <a:endParaRPr lang="en-CN"/>
-          </a:p>
-        </p:txBody>
-      </p:sp>
-      <p:sp>
-        <p:nvSpPr>
-          <p:cNvPr id="4" name="Title 3">
-            <a:extLst>
-              <a:ext uri="{FF2B5EF4-FFF2-40B4-BE49-F238E27FC236}">
-                <a16:creationId xmlns:a16="http://schemas.microsoft.com/office/drawing/2014/main" id="{4FD1A3B3-C499-BEC8-A453-9584708D3EA3}"/>
-              </a:ext>
-            </a:extLst>
-          </p:cNvPr>
-          <p:cNvSpPr>
-            <a:spLocks noGrp="1"/>
-          </p:cNvSpPr>
-          <p:nvPr>
-            <p:ph type="title"/>
-          </p:nvPr>
-        </p:nvSpPr>
-        <p:spPr/>
-        <p:txBody>
-          <a:bodyPr/>
-          <a:lstStyle/>
-          <a:p>
-            <a:r>
-              <a:rPr lang="zh-CN" altLang="en-US" dirty="0"/>
-              <a:t>热身练习</a:t>
-            </a:r>
-          </a:p>
-        </p:txBody>
-      </p:sp>
-    </p:spTree>
-    <p:extLst>
-      <p:ext uri="{BB962C8B-B14F-4D97-AF65-F5344CB8AC3E}">
-        <p14:creationId xmlns:p14="http://schemas.microsoft.com/office/powerpoint/2010/main" val="2741753206"/>
-      </p:ext>
-    </p:extLst>
-  </p:cSld>
-  <p:clrMapOvr>
-    <a:masterClrMapping/>
-  </p:clrMapOvr>
-</p:sld>
-</file>
-
-<file path=ppt/slides/slide4.xml><?xml version="1.0" encoding="utf-8"?>
-<p:sld xmlns:a="http://schemas.openxmlformats.org/drawingml/2006/main" xmlns:r="http://schemas.openxmlformats.org/officeDocument/2006/relationships" xmlns:p="http://schemas.openxmlformats.org/presentationml/2006/main">
-  <p:cSld>
-    <p:spTree>
-      <p:nvGrpSpPr>
-        <p:cNvPr id="1" name=""/>
-        <p:cNvGrpSpPr/>
-        <p:nvPr/>
-      </p:nvGrpSpPr>
-      <p:grpSpPr>
-        <a:xfrm>
-          <a:off x="0" y="0"/>
-          <a:ext cx="0" cy="0"/>
-          <a:chOff x="0" y="0"/>
-          <a:chExt cx="0" cy="0"/>
-        </a:xfrm>
-      </p:grpSpPr>
-      <p:sp>
-        <p:nvSpPr>
-          <p:cNvPr id="2" name="Slide Number Placeholder 1">
-            <a:extLst>
-              <a:ext uri="{FF2B5EF4-FFF2-40B4-BE49-F238E27FC236}">
-                <a16:creationId xmlns:a16="http://schemas.microsoft.com/office/drawing/2014/main" id="{16CEB23F-A2CC-9FA0-6F72-C74E1BBB0AEE}"/>
-              </a:ext>
-            </a:extLst>
-          </p:cNvPr>
-          <p:cNvSpPr>
-            <a:spLocks noGrp="1"/>
-          </p:cNvSpPr>
-          <p:nvPr>
-            <p:ph type="sldNum" sz="quarter" idx="12"/>
-          </p:nvPr>
-        </p:nvSpPr>
-        <p:spPr/>
-        <p:txBody>
-          <a:bodyPr/>
-          <a:lstStyle/>
-          <a:p>
-            <a:fld id="{7A304655-5D53-B746-8252-3F5A598C52D3}" type="slidenum">
-              <a:rPr lang="en-CN" smtClean="0"/>
-              <a:pPr/>
-              <a:t>4</a:t>
             </a:fld>
             <a:endParaRPr lang="en-CN"/>
           </a:p>
@@ -4383,6 +8940,108 @@
           </a:p>
         </p:txBody>
       </p:sp>
+      <p:sp>
+        <p:nvSpPr>
+          <p:cNvPr id="14" name="TextBox 13">
+            <a:extLst>
+              <a:ext uri="{FF2B5EF4-FFF2-40B4-BE49-F238E27FC236}">
+                <a16:creationId xmlns:a16="http://schemas.microsoft.com/office/drawing/2014/main" id="{B1CB75CD-2E0C-4B7C-7CF8-8E16D354F18B}"/>
+              </a:ext>
+            </a:extLst>
+          </p:cNvPr>
+          <p:cNvSpPr txBox="1"/>
+          <p:nvPr/>
+        </p:nvSpPr>
+        <p:spPr>
+          <a:xfrm>
+            <a:off x="4619655" y="3696579"/>
+            <a:ext cx="3151825" cy="276999"/>
+          </a:xfrm>
+          <a:prstGeom prst="rect">
+            <a:avLst/>
+          </a:prstGeom>
+          <a:noFill/>
+        </p:spPr>
+        <p:txBody>
+          <a:bodyPr wrap="none" rtlCol="0">
+            <a:spAutoFit/>
+          </a:bodyPr>
+          <a:lstStyle/>
+          <a:p>
+            <a:pPr algn="l"/>
+            <a:r>
+              <a:rPr kumimoji="1" lang="zh-CN" altLang="en-US" sz="1200" dirty="0">
+                <a:solidFill>
+                  <a:schemeClr val="bg2">
+                    <a:lumMod val="50000"/>
+                  </a:schemeClr>
+                </a:solidFill>
+              </a:rPr>
+              <a:t>选自</a:t>
+            </a:r>
+            <a:r>
+              <a:rPr kumimoji="1" lang="en-US" altLang="zh-CN" sz="1200" dirty="0">
+                <a:solidFill>
+                  <a:schemeClr val="bg2">
+                    <a:lumMod val="50000"/>
+                  </a:schemeClr>
+                </a:solidFill>
+              </a:rPr>
+              <a:t>《</a:t>
+            </a:r>
+            <a:r>
+              <a:rPr kumimoji="1" lang="zh-CN" altLang="en-US" sz="1200" dirty="0">
+                <a:solidFill>
+                  <a:schemeClr val="bg2">
+                    <a:lumMod val="50000"/>
+                  </a:schemeClr>
+                </a:solidFill>
+              </a:rPr>
+              <a:t>高等代数与解析几何</a:t>
+            </a:r>
+            <a:r>
+              <a:rPr kumimoji="1" lang="en-US" altLang="zh-CN" sz="1200" dirty="0">
+                <a:solidFill>
+                  <a:schemeClr val="bg2">
+                    <a:lumMod val="50000"/>
+                  </a:schemeClr>
+                </a:solidFill>
+              </a:rPr>
+              <a:t>》</a:t>
+            </a:r>
+            <a:r>
+              <a:rPr kumimoji="1" lang="zh-CN" altLang="en-US" sz="1200" dirty="0">
+                <a:solidFill>
+                  <a:schemeClr val="bg2">
+                    <a:lumMod val="50000"/>
+                  </a:schemeClr>
+                </a:solidFill>
+              </a:rPr>
+              <a:t>朱富海</a:t>
+            </a:r>
+            <a:r>
+              <a:rPr kumimoji="1" lang="en-US" altLang="zh-CN" sz="1200" dirty="0">
+                <a:solidFill>
+                  <a:schemeClr val="bg2">
+                    <a:lumMod val="50000"/>
+                  </a:schemeClr>
+                </a:solidFill>
+              </a:rPr>
+              <a:t>,</a:t>
+            </a:r>
+            <a:r>
+              <a:rPr kumimoji="1" lang="zh-CN" altLang="en-US" sz="1200" dirty="0">
+                <a:solidFill>
+                  <a:schemeClr val="bg2">
+                    <a:lumMod val="50000"/>
+                  </a:schemeClr>
+                </a:solidFill>
+              </a:rPr>
+              <a:t>陈智奇</a:t>
+            </a:r>
+          </a:p>
+        </p:txBody>
+      </p:sp>
     </p:spTree>
     <p:extLst>
       <p:ext uri="{BB962C8B-B14F-4D97-AF65-F5344CB8AC3E}">
@@ -4396,7 +9055,7 @@
 </p:sld>
 </file>
 
-<file path=ppt/slides/slide5.xml><?xml version="1.0" encoding="utf-8"?>
+<file path=ppt/slides/slide4.xml><?xml version="1.0" encoding="utf-8"?>
 <p:sld xmlns:a="http://schemas.openxmlformats.org/drawingml/2006/main" xmlns:r="http://schemas.openxmlformats.org/officeDocument/2006/relationships" xmlns:p="http://schemas.openxmlformats.org/presentationml/2006/main">
   <p:cSld>
     <p:spTree>
@@ -4806,7 +9465,7 @@
             <a:fld id="{7A304655-5D53-B746-8252-3F5A598C52D3}" type="slidenum">
               <a:rPr lang="en-CN" smtClean="0"/>
               <a:pPr/>
-              <a:t>5</a:t>
+              <a:t>4</a:t>
             </a:fld>
             <a:endParaRPr lang="en-CN"/>
           </a:p>
@@ -5191,7 +9850,7 @@
 </p:sld>
 </file>
 
-<file path=ppt/slides/slide6.xml><?xml version="1.0" encoding="utf-8"?>
+<file path=ppt/slides/slide5.xml><?xml version="1.0" encoding="utf-8"?>
 <p:sld xmlns:a="http://schemas.openxmlformats.org/drawingml/2006/main" xmlns:r="http://schemas.openxmlformats.org/officeDocument/2006/relationships" xmlns:p="http://schemas.openxmlformats.org/presentationml/2006/main">
   <p:cSld>
     <p:spTree>
@@ -5232,7 +9891,7 @@
             <a:fld id="{7A304655-5D53-B746-8252-3F5A598C52D3}" type="slidenum">
               <a:rPr lang="en-CN" smtClean="0"/>
               <a:pPr/>
-              <a:t>6</a:t>
+              <a:t>5</a:t>
             </a:fld>
             <a:endParaRPr lang="en-CN"/>
           </a:p>
@@ -5420,7 +10079,7 @@
                 <a:ea typeface="FangSong" panose="02010609060101010101" pitchFamily="49" charset="-122"/>
                 <a:cs typeface="Consolas" panose="020B0609020204030204" pitchFamily="49" charset="0"/>
               </a:rPr>
-              <a:t>PILLARS!!!</a:t>
+              <a:t>DISKS!!!</a:t>
             </a:r>
           </a:p>
           <a:p>
@@ -5633,7 +10292,7 @@
 </p:sld>
 </file>
 
-<file path=ppt/slides/slide7.xml><?xml version="1.0" encoding="utf-8"?>
+<file path=ppt/slides/slide6.xml><?xml version="1.0" encoding="utf-8"?>
 <p:sld xmlns:a="http://schemas.openxmlformats.org/drawingml/2006/main" xmlns:r="http://schemas.openxmlformats.org/officeDocument/2006/relationships" xmlns:p="http://schemas.openxmlformats.org/presentationml/2006/main">
   <p:cSld>
     <p:spTree>
@@ -5674,7 +10333,7 @@
             <a:fld id="{7A304655-5D53-B746-8252-3F5A598C52D3}" type="slidenum">
               <a:rPr lang="en-CN" smtClean="0"/>
               <a:pPr/>
-              <a:t>7</a:t>
+              <a:t>6</a:t>
             </a:fld>
             <a:endParaRPr lang="en-CN"/>
           </a:p>
@@ -5815,6 +10474,107 @@
 </p:sld>
 </file>
 
+<file path=ppt/slides/slide7.xml><?xml version="1.0" encoding="utf-8"?>
+<p:sld xmlns:a="http://schemas.openxmlformats.org/drawingml/2006/main" xmlns:r="http://schemas.openxmlformats.org/officeDocument/2006/relationships" xmlns:p="http://schemas.openxmlformats.org/presentationml/2006/main">
+  <p:cSld>
+    <p:spTree>
+      <p:nvGrpSpPr>
+        <p:cNvPr id="1" name=""/>
+        <p:cNvGrpSpPr/>
+        <p:nvPr/>
+      </p:nvGrpSpPr>
+      <p:grpSpPr>
+        <a:xfrm>
+          <a:off x="0" y="0"/>
+          <a:ext cx="0" cy="0"/>
+          <a:chOff x="0" y="0"/>
+          <a:chExt cx="0" cy="0"/>
+        </a:xfrm>
+      </p:grpSpPr>
+      <p:sp>
+        <p:nvSpPr>
+          <p:cNvPr id="2" name="Slide Number Placeholder 1">
+            <a:extLst>
+              <a:ext uri="{FF2B5EF4-FFF2-40B4-BE49-F238E27FC236}">
+                <a16:creationId xmlns:a16="http://schemas.microsoft.com/office/drawing/2014/main" id="{A7FACA0D-61B7-F858-28F1-536DF3DD1193}"/>
+              </a:ext>
+            </a:extLst>
+          </p:cNvPr>
+          <p:cNvSpPr>
+            <a:spLocks noGrp="1"/>
+          </p:cNvSpPr>
+          <p:nvPr>
+            <p:ph type="sldNum" sz="quarter" idx="12"/>
+          </p:nvPr>
+        </p:nvSpPr>
+        <p:spPr/>
+        <p:txBody>
+          <a:bodyPr/>
+          <a:lstStyle/>
+          <a:p>
+            <a:fld id="{7A304655-5D53-B746-8252-3F5A598C52D3}" type="slidenum">
+              <a:rPr lang="en-CN" smtClean="0"/>
+              <a:pPr/>
+              <a:t>7</a:t>
+            </a:fld>
+            <a:endParaRPr lang="en-CN"/>
+          </a:p>
+        </p:txBody>
+      </p:sp>
+      <p:sp>
+        <p:nvSpPr>
+          <p:cNvPr id="4" name="Title 3">
+            <a:extLst>
+              <a:ext uri="{FF2B5EF4-FFF2-40B4-BE49-F238E27FC236}">
+                <a16:creationId xmlns:a16="http://schemas.microsoft.com/office/drawing/2014/main" id="{4996B47D-C490-E5D6-3897-630BC1F17C52}"/>
+              </a:ext>
+            </a:extLst>
+          </p:cNvPr>
+          <p:cNvSpPr>
+            <a:spLocks noGrp="1"/>
+          </p:cNvSpPr>
+          <p:nvPr>
+            <p:ph type="title"/>
+          </p:nvPr>
+        </p:nvSpPr>
+        <p:spPr/>
+        <p:txBody>
+          <a:bodyPr/>
+          <a:lstStyle/>
+          <a:p>
+            <a:r>
+              <a:rPr lang="zh-CN" altLang="en-US" dirty="0"/>
+              <a:t>排序问题回顾</a:t>
+            </a:r>
+            <a:r>
+              <a:rPr lang="en-US" altLang="zh-CN" dirty="0"/>
+              <a:t>I:</a:t>
+            </a:r>
+            <a:r>
+              <a:rPr lang="zh-CN" altLang="en-US" dirty="0"/>
+              <a:t> </a:t>
+            </a:r>
+            <a:r>
+              <a:rPr lang="en-US" altLang="zh-CN" dirty="0" err="1"/>
+              <a:t>MergeSort</a:t>
+            </a:r>
+            <a:endParaRPr lang="zh-CN" altLang="en-US" dirty="0"/>
+          </a:p>
+        </p:txBody>
+      </p:sp>
+    </p:spTree>
+    <p:extLst>
+      <p:ext uri="{BB962C8B-B14F-4D97-AF65-F5344CB8AC3E}">
+        <p14:creationId xmlns:p14="http://schemas.microsoft.com/office/powerpoint/2010/main" val="3431437072"/>
+      </p:ext>
+    </p:extLst>
+  </p:cSld>
+  <p:clrMapOvr>
+    <a:masterClrMapping/>
+  </p:clrMapOvr>
+</p:sld>
+</file>
+
 <file path=ppt/slides/slide8.xml><?xml version="1.0" encoding="utf-8"?>
 <p:sld xmlns:a="http://schemas.openxmlformats.org/drawingml/2006/main" xmlns:r="http://schemas.openxmlformats.org/officeDocument/2006/relationships" xmlns:p="http://schemas.openxmlformats.org/presentationml/2006/main">
   <p:cSld>
@@ -5837,7 +10597,7 @@
           <p:cNvPr id="2" name="Slide Number Placeholder 1">
             <a:extLst>
               <a:ext uri="{FF2B5EF4-FFF2-40B4-BE49-F238E27FC236}">
-                <a16:creationId xmlns:a16="http://schemas.microsoft.com/office/drawing/2014/main" id="{A7FACA0D-61B7-F858-28F1-536DF3DD1193}"/>
+                <a16:creationId xmlns:a16="http://schemas.microsoft.com/office/drawing/2014/main" id="{7184B7C4-6126-FDF4-545A-246F92140C40}"/>
               </a:ext>
             </a:extLst>
           </p:cNvPr>
@@ -5864,10 +10624,10 @@
       </p:sp>
       <p:sp>
         <p:nvSpPr>
-          <p:cNvPr id="4" name="Title 3">
-            <a:extLst>
-              <a:ext uri="{FF2B5EF4-FFF2-40B4-BE49-F238E27FC236}">
-                <a16:creationId xmlns:a16="http://schemas.microsoft.com/office/drawing/2014/main" id="{4996B47D-C490-E5D6-3897-630BC1F17C52}"/>
+          <p:cNvPr id="3" name="Title 2">
+            <a:extLst>
+              <a:ext uri="{FF2B5EF4-FFF2-40B4-BE49-F238E27FC236}">
+                <a16:creationId xmlns:a16="http://schemas.microsoft.com/office/drawing/2014/main" id="{4286D8EB-47F0-BE19-8266-78A2A8290F88}"/>
               </a:ext>
             </a:extLst>
           </p:cNvPr>
@@ -5884,29 +10644,148 @@
           <a:lstStyle/>
           <a:p>
             <a:r>
-              <a:rPr lang="zh-CN" altLang="en-US" dirty="0"/>
-              <a:t>排序问题回顾</a:t>
-            </a:r>
-            <a:r>
-              <a:rPr lang="en-US" altLang="zh-CN" dirty="0"/>
-              <a:t>I:</a:t>
-            </a:r>
-            <a:r>
-              <a:rPr lang="zh-CN" altLang="en-US" dirty="0"/>
+              <a:rPr kumimoji="1" lang="zh-CN" altLang="en-US" dirty="0"/>
+              <a:t>排序问题</a:t>
+            </a:r>
+            <a:r>
+              <a:rPr kumimoji="1" lang="en-US" altLang="zh-CN" dirty="0"/>
+              <a:t>:</a:t>
+            </a:r>
+            <a:r>
+              <a:rPr kumimoji="1" lang="zh-CN" altLang="en-US" dirty="0"/>
               <a:t> </a:t>
             </a:r>
             <a:r>
-              <a:rPr lang="en-US" altLang="zh-CN" dirty="0" err="1"/>
-              <a:t>MergeSort</a:t>
-            </a:r>
-            <a:endParaRPr lang="zh-CN" altLang="en-US" dirty="0"/>
+              <a:rPr kumimoji="1" lang="en-US" altLang="zh-CN" dirty="0"/>
+              <a:t>Revisited</a:t>
+            </a:r>
+            <a:endParaRPr kumimoji="1" lang="zh-CN" altLang="en-US" dirty="0"/>
+          </a:p>
+        </p:txBody>
+      </p:sp>
+      <p:sp>
+        <p:nvSpPr>
+          <p:cNvPr id="4" name="TextBox 3">
+            <a:extLst>
+              <a:ext uri="{FF2B5EF4-FFF2-40B4-BE49-F238E27FC236}">
+                <a16:creationId xmlns:a16="http://schemas.microsoft.com/office/drawing/2014/main" id="{F0058FF1-1ABF-12F1-D6CE-4F9D0FDBAC1D}"/>
+              </a:ext>
+            </a:extLst>
+          </p:cNvPr>
+          <p:cNvSpPr txBox="1"/>
+          <p:nvPr/>
+        </p:nvSpPr>
+        <p:spPr>
+          <a:xfrm>
+            <a:off x="731519" y="1280160"/>
+            <a:ext cx="7167097" cy="2308324"/>
+          </a:xfrm>
+          <a:prstGeom prst="rect">
+            <a:avLst/>
+          </a:prstGeom>
+          <a:noFill/>
+        </p:spPr>
+        <p:txBody>
+          <a:bodyPr wrap="square" rtlCol="0">
+            <a:spAutoFit/>
+          </a:bodyPr>
+          <a:lstStyle/>
+          <a:p>
+            <a:pPr marL="342900" indent="-342900">
+              <a:buFont typeface="Arial" panose="020B0604020202020204" pitchFamily="34" charset="0"/>
+              <a:buChar char="•"/>
+            </a:pPr>
+            <a:r>
+              <a:rPr kumimoji="1" lang="en-US" altLang="zh-CN" sz="2400" dirty="0"/>
+              <a:t>Divide the input array into two subarrays of roughly equal size.</a:t>
+            </a:r>
+          </a:p>
+          <a:p>
+            <a:pPr marL="342900" indent="-342900">
+              <a:buFont typeface="Arial" panose="020B0604020202020204" pitchFamily="34" charset="0"/>
+              <a:buChar char="•"/>
+            </a:pPr>
+            <a:r>
+              <a:rPr kumimoji="1" lang="en-US" altLang="zh-CN" sz="2400" dirty="0"/>
+              <a:t>Recursively </a:t>
+            </a:r>
+            <a:r>
+              <a:rPr kumimoji="1" lang="en-US" altLang="zh-CN" sz="2400" dirty="0">
+                <a:latin typeface="Consolas" panose="020B0609020204030204" pitchFamily="49" charset="0"/>
+                <a:cs typeface="Consolas" panose="020B0609020204030204" pitchFamily="49" charset="0"/>
+              </a:rPr>
+              <a:t>sort</a:t>
+            </a:r>
+            <a:r>
+              <a:rPr kumimoji="1" lang="en-US" altLang="zh-CN" sz="2400" dirty="0"/>
+              <a:t> each of the subarrays.</a:t>
+            </a:r>
+          </a:p>
+          <a:p>
+            <a:pPr marL="342900" indent="-342900">
+              <a:buFont typeface="Arial" panose="020B0604020202020204" pitchFamily="34" charset="0"/>
+              <a:buChar char="•"/>
+            </a:pPr>
+            <a:r>
+              <a:rPr kumimoji="1" lang="en-US" altLang="zh-CN" sz="2400" dirty="0"/>
+              <a:t>Merge the newly-sorted subarrays into a single sorted array.</a:t>
+            </a:r>
+            <a:br>
+              <a:rPr kumimoji="1" lang="en-US" altLang="zh-CN" sz="2400" dirty="0"/>
+            </a:br>
+            <a:endParaRPr kumimoji="1" lang="zh-CN" altLang="en-US" sz="2400" dirty="0"/>
+          </a:p>
+        </p:txBody>
+      </p:sp>
+      <p:sp>
+        <p:nvSpPr>
+          <p:cNvPr id="8" name="TextBox 7">
+            <a:extLst>
+              <a:ext uri="{FF2B5EF4-FFF2-40B4-BE49-F238E27FC236}">
+                <a16:creationId xmlns:a16="http://schemas.microsoft.com/office/drawing/2014/main" id="{36FB11FC-0BF0-BE23-605C-E3A0C148FE10}"/>
+              </a:ext>
+            </a:extLst>
+          </p:cNvPr>
+          <p:cNvSpPr txBox="1"/>
+          <p:nvPr/>
+        </p:nvSpPr>
+        <p:spPr>
+          <a:xfrm>
+            <a:off x="2939143" y="2769325"/>
+            <a:ext cx="1127232" cy="461665"/>
+          </a:xfrm>
+          <a:prstGeom prst="rect">
+            <a:avLst/>
+          </a:prstGeom>
+          <a:noFill/>
+        </p:spPr>
+        <p:txBody>
+          <a:bodyPr wrap="none" rtlCol="0">
+            <a:spAutoFit/>
+          </a:bodyPr>
+          <a:lstStyle/>
+          <a:p>
+            <a:pPr algn="l"/>
+            <a:r>
+              <a:rPr kumimoji="1" lang="en-US" altLang="zh-CN" sz="2400" dirty="0">
+                <a:solidFill>
+                  <a:srgbClr val="FF0000"/>
+                </a:solidFill>
+              </a:rPr>
+              <a:t>(how?)</a:t>
+            </a:r>
+            <a:endParaRPr kumimoji="1" lang="zh-CN" altLang="en-US" sz="2400" dirty="0">
+              <a:solidFill>
+                <a:srgbClr val="FF0000"/>
+              </a:solidFill>
+            </a:endParaRPr>
           </a:p>
         </p:txBody>
       </p:sp>
     </p:spTree>
     <p:extLst>
       <p:ext uri="{BB962C8B-B14F-4D97-AF65-F5344CB8AC3E}">
-        <p14:creationId xmlns:p14="http://schemas.microsoft.com/office/powerpoint/2010/main" val="3431437072"/>
+        <p14:creationId xmlns:p14="http://schemas.microsoft.com/office/powerpoint/2010/main" val="1047517392"/>
       </p:ext>
     </p:extLst>
   </p:cSld>
@@ -5938,7 +10817,7 @@
           <p:cNvPr id="2" name="Slide Number Placeholder 1">
             <a:extLst>
               <a:ext uri="{FF2B5EF4-FFF2-40B4-BE49-F238E27FC236}">
-                <a16:creationId xmlns:a16="http://schemas.microsoft.com/office/drawing/2014/main" id="{7184B7C4-6126-FDF4-545A-246F92140C40}"/>
+                <a16:creationId xmlns:a16="http://schemas.microsoft.com/office/drawing/2014/main" id="{9CABB57A-8597-EF49-CABD-EC277B4CFABF}"/>
               </a:ext>
             </a:extLst>
           </p:cNvPr>
@@ -5968,7 +10847,7 @@
           <p:cNvPr id="3" name="Title 2">
             <a:extLst>
               <a:ext uri="{FF2B5EF4-FFF2-40B4-BE49-F238E27FC236}">
-                <a16:creationId xmlns:a16="http://schemas.microsoft.com/office/drawing/2014/main" id="{4286D8EB-47F0-BE19-8266-78A2A8290F88}"/>
+                <a16:creationId xmlns:a16="http://schemas.microsoft.com/office/drawing/2014/main" id="{95055BFD-2D18-CA57-F82E-62BE787FA87E}"/>
               </a:ext>
             </a:extLst>
           </p:cNvPr>
@@ -5986,147 +10865,45 @@
           <a:p>
             <a:r>
               <a:rPr kumimoji="1" lang="zh-CN" altLang="en-US" dirty="0"/>
-              <a:t>排序问题</a:t>
-            </a:r>
-            <a:r>
-              <a:rPr kumimoji="1" lang="en-US" altLang="zh-CN" dirty="0"/>
-              <a:t>:</a:t>
-            </a:r>
-            <a:r>
-              <a:rPr kumimoji="1" lang="zh-CN" altLang="en-US" dirty="0"/>
-              <a:t> </a:t>
-            </a:r>
-            <a:r>
-              <a:rPr kumimoji="1" lang="en-US" altLang="zh-CN" dirty="0"/>
-              <a:t>Revisited</a:t>
-            </a:r>
-            <a:endParaRPr kumimoji="1" lang="zh-CN" altLang="en-US" dirty="0"/>
-          </a:p>
-        </p:txBody>
-      </p:sp>
-      <p:sp>
-        <p:nvSpPr>
-          <p:cNvPr id="4" name="TextBox 3">
-            <a:extLst>
-              <a:ext uri="{FF2B5EF4-FFF2-40B4-BE49-F238E27FC236}">
-                <a16:creationId xmlns:a16="http://schemas.microsoft.com/office/drawing/2014/main" id="{F0058FF1-1ABF-12F1-D6CE-4F9D0FDBAC1D}"/>
-              </a:ext>
-            </a:extLst>
-          </p:cNvPr>
-          <p:cNvSpPr txBox="1"/>
+              <a:t>大致思路</a:t>
+            </a:r>
+          </a:p>
+        </p:txBody>
+      </p:sp>
+      <p:pic>
+        <p:nvPicPr>
+          <p:cNvPr id="5" name="Picture 4">
+            <a:extLst>
+              <a:ext uri="{FF2B5EF4-FFF2-40B4-BE49-F238E27FC236}">
+                <a16:creationId xmlns:a16="http://schemas.microsoft.com/office/drawing/2014/main" id="{C00ADADB-0463-373F-0E57-DCD54EF4684A}"/>
+              </a:ext>
+            </a:extLst>
+          </p:cNvPr>
+          <p:cNvPicPr>
+            <a:picLocks noChangeAspect="1"/>
+          </p:cNvPicPr>
           <p:nvPr/>
-        </p:nvSpPr>
+        </p:nvPicPr>
+        <p:blipFill>
+          <a:blip r:embed="rId2"/>
+          <a:stretch>
+            <a:fillRect/>
+          </a:stretch>
+        </p:blipFill>
         <p:spPr>
           <a:xfrm>
-            <a:off x="731519" y="1280160"/>
-            <a:ext cx="7167097" cy="2308324"/>
+            <a:off x="628650" y="1296488"/>
+            <a:ext cx="7835900" cy="3429000"/>
           </a:xfrm>
           <a:prstGeom prst="rect">
             <a:avLst/>
           </a:prstGeom>
-          <a:noFill/>
         </p:spPr>
-        <p:txBody>
-          <a:bodyPr wrap="square" rtlCol="0">
-            <a:spAutoFit/>
-          </a:bodyPr>
-          <a:lstStyle/>
-          <a:p>
-            <a:pPr marL="342900" indent="-342900">
-              <a:buFont typeface="Arial" panose="020B0604020202020204" pitchFamily="34" charset="0"/>
-              <a:buChar char="•"/>
-            </a:pPr>
-            <a:r>
-              <a:rPr kumimoji="1" lang="en-US" altLang="zh-CN" sz="2400" dirty="0"/>
-              <a:t>Divide the input array into two subarrays of roughly equal size.</a:t>
-            </a:r>
-          </a:p>
-          <a:p>
-            <a:pPr marL="342900" indent="-342900">
-              <a:buFont typeface="Arial" panose="020B0604020202020204" pitchFamily="34" charset="0"/>
-              <a:buChar char="•"/>
-            </a:pPr>
-            <a:r>
-              <a:rPr kumimoji="1" lang="en-US" altLang="zh-CN" sz="2400" dirty="0"/>
-              <a:t>Recursively </a:t>
-            </a:r>
-            <a:r>
-              <a:rPr kumimoji="1" lang="en-US" altLang="zh-CN" sz="2400" dirty="0">
-                <a:latin typeface="Consolas" panose="020B0609020204030204" pitchFamily="49" charset="0"/>
-                <a:cs typeface="Consolas" panose="020B0609020204030204" pitchFamily="49" charset="0"/>
-              </a:rPr>
-              <a:t>sort</a:t>
-            </a:r>
-            <a:r>
-              <a:rPr kumimoji="1" lang="en-US" altLang="zh-CN" sz="2400" dirty="0"/>
-              <a:t> each of the subarrays.</a:t>
-            </a:r>
-          </a:p>
-          <a:p>
-            <a:pPr marL="342900" indent="-342900">
-              <a:buFont typeface="Arial" panose="020B0604020202020204" pitchFamily="34" charset="0"/>
-              <a:buChar char="•"/>
-            </a:pPr>
-            <a:r>
-              <a:rPr kumimoji="1" lang="en-US" altLang="zh-CN" sz="2400" dirty="0"/>
-              <a:t>Merge the newly-sorted subarrays into a single sorted array.</a:t>
-            </a:r>
-            <a:br>
-              <a:rPr kumimoji="1" lang="en-US" altLang="zh-CN" sz="2400" dirty="0"/>
-            </a:br>
-            <a:endParaRPr kumimoji="1" lang="zh-CN" altLang="en-US" sz="2400" dirty="0"/>
-          </a:p>
-        </p:txBody>
-      </p:sp>
-      <p:sp>
-        <p:nvSpPr>
-          <p:cNvPr id="8" name="TextBox 7">
-            <a:extLst>
-              <a:ext uri="{FF2B5EF4-FFF2-40B4-BE49-F238E27FC236}">
-                <a16:creationId xmlns:a16="http://schemas.microsoft.com/office/drawing/2014/main" id="{36FB11FC-0BF0-BE23-605C-E3A0C148FE10}"/>
-              </a:ext>
-            </a:extLst>
-          </p:cNvPr>
-          <p:cNvSpPr txBox="1"/>
-          <p:nvPr/>
-        </p:nvSpPr>
-        <p:spPr>
-          <a:xfrm>
-            <a:off x="2939143" y="2769325"/>
-            <a:ext cx="1127232" cy="461665"/>
-          </a:xfrm>
-          <a:prstGeom prst="rect">
-            <a:avLst/>
-          </a:prstGeom>
-          <a:noFill/>
-        </p:spPr>
-        <p:txBody>
-          <a:bodyPr wrap="none" rtlCol="0">
-            <a:spAutoFit/>
-          </a:bodyPr>
-          <a:lstStyle/>
-          <a:p>
-            <a:pPr algn="l"/>
-            <a:r>
-              <a:rPr kumimoji="1" lang="en-US" altLang="zh-CN" sz="2400" dirty="0">
-                <a:solidFill>
-                  <a:srgbClr val="FF0000"/>
-                </a:solidFill>
-              </a:rPr>
-              <a:t>(how?)</a:t>
-            </a:r>
-            <a:endParaRPr kumimoji="1" lang="zh-CN" altLang="en-US" sz="2400" dirty="0">
-              <a:solidFill>
-                <a:srgbClr val="FF0000"/>
-              </a:solidFill>
-            </a:endParaRPr>
-          </a:p>
-        </p:txBody>
-      </p:sp>
+      </p:pic>
     </p:spTree>
     <p:extLst>
       <p:ext uri="{BB962C8B-B14F-4D97-AF65-F5344CB8AC3E}">
-        <p14:creationId xmlns:p14="http://schemas.microsoft.com/office/powerpoint/2010/main" val="1047517392"/>
+        <p14:creationId xmlns:p14="http://schemas.microsoft.com/office/powerpoint/2010/main" val="2009290254"/>
       </p:ext>
     </p:extLst>
   </p:cSld>
@@ -6421,6 +11198,29 @@
         </a:fontRef>
       </a:style>
     </a:spDef>
+    <a:lnDef>
+      <a:spPr>
+        <a:ln>
+          <a:tailEnd type="triangle"/>
+        </a:ln>
+      </a:spPr>
+      <a:bodyPr/>
+      <a:lstStyle/>
+      <a:style>
+        <a:lnRef idx="3">
+          <a:schemeClr val="dk1"/>
+        </a:lnRef>
+        <a:fillRef idx="0">
+          <a:schemeClr val="dk1"/>
+        </a:fillRef>
+        <a:effectRef idx="2">
+          <a:schemeClr val="dk1"/>
+        </a:effectRef>
+        <a:fontRef idx="minor">
+          <a:schemeClr val="tx1"/>
+        </a:fontRef>
+      </a:style>
+    </a:lnDef>
     <a:txDef>
       <a:spPr>
         <a:noFill/>

--- a/notes/notes/ds-algo/ch3-recursive.pptx
+++ b/notes/notes/ds-algo/ch3-recursive.pptx
@@ -221,7 +221,7 @@
           <a:p>
             <a:fld id="{9BFDADED-620D-D24E-82E2-96F000A12D1D}" type="datetimeFigureOut">
               <a:rPr lang="en-CN" smtClean="0"/>
-              <a:t>2024/1/23</a:t>
+              <a:t>2024/1/26</a:t>
             </a:fld>
             <a:endParaRPr lang="en-CN"/>
           </a:p>
@@ -1145,6 +1145,53 @@
           </a:p>
         </p:txBody>
       </p:sp>
+      <p:pic>
+        <p:nvPicPr>
+          <p:cNvPr id="6" name="Picture 2">
+            <a:extLst>
+              <a:ext uri="{FF2B5EF4-FFF2-40B4-BE49-F238E27FC236}">
+                <a16:creationId xmlns:a16="http://schemas.microsoft.com/office/drawing/2014/main" id="{B3631258-99B0-F2D3-C4A1-D6A674BFF16A}"/>
+              </a:ext>
+            </a:extLst>
+          </p:cNvPr>
+          <p:cNvPicPr>
+            <a:picLocks noChangeAspect="1" noChangeArrowheads="1"/>
+          </p:cNvPicPr>
+          <p:nvPr userDrawn="1"/>
+        </p:nvPicPr>
+        <p:blipFill>
+          <a:blip r:embed="rId2">
+            <a:extLst>
+              <a:ext uri="{28A0092B-C50C-407E-A947-70E740481C1C}">
+                <a14:useLocalDpi xmlns:a14="http://schemas.microsoft.com/office/drawing/2010/main" val="0"/>
+              </a:ext>
+            </a:extLst>
+          </a:blip>
+          <a:srcRect/>
+          <a:stretch>
+            <a:fillRect/>
+          </a:stretch>
+        </p:blipFill>
+        <p:spPr bwMode="auto">
+          <a:xfrm>
+            <a:off x="8244520" y="0"/>
+            <a:ext cx="899480" cy="168442"/>
+          </a:xfrm>
+          <a:prstGeom prst="rect">
+            <a:avLst/>
+          </a:prstGeom>
+          <a:noFill/>
+          <a:extLst>
+            <a:ext uri="{909E8E84-426E-40DD-AFC4-6F175D3DCCD1}">
+              <a14:hiddenFill xmlns:a14="http://schemas.microsoft.com/office/drawing/2010/main">
+                <a:solidFill>
+                  <a:srgbClr val="FFFFFF"/>
+                </a:solidFill>
+              </a14:hiddenFill>
+            </a:ext>
+          </a:extLst>
+        </p:spPr>
+      </p:pic>
     </p:spTree>
     <p:extLst>
       <p:ext uri="{BB962C8B-B14F-4D97-AF65-F5344CB8AC3E}">
@@ -1794,7 +1841,7 @@
           <a:p>
             <a:fld id="{58D30FAB-176C-8449-8796-69F8D9C85B57}" type="datetime1">
               <a:rPr lang="en-US" smtClean="0"/>
-              <a:t>1/23/24</a:t>
+              <a:t>1/26/24</a:t>
             </a:fld>
             <a:endParaRPr lang="en-CN"/>
           </a:p>
@@ -4477,8 +4524,8 @@
           </a:prstGeom>
         </p:spPr>
       </p:pic>
-      <mc:AlternateContent xmlns:mc="http://schemas.openxmlformats.org/markup-compatibility/2006">
-        <mc:Choice xmlns:a14="http://schemas.microsoft.com/office/drawing/2010/main" Requires="a14">
+      <mc:AlternateContent xmlns:mc="http://schemas.openxmlformats.org/markup-compatibility/2006" xmlns:a14="http://schemas.microsoft.com/office/drawing/2010/main">
+        <mc:Choice Requires="a14">
           <p:sp>
             <p:nvSpPr>
               <p:cNvPr id="5" name="TextBox 4">
@@ -4621,7 +4668,7 @@
             </p:txBody>
           </p:sp>
         </mc:Choice>
-        <mc:Fallback>
+        <mc:Fallback xmlns="">
           <p:sp>
             <p:nvSpPr>
               <p:cNvPr id="5" name="TextBox 4">
@@ -5493,8 +5540,8 @@
           </a:prstGeom>
         </p:spPr>
       </p:pic>
-      <mc:AlternateContent xmlns:mc="http://schemas.openxmlformats.org/markup-compatibility/2006">
-        <mc:Choice xmlns:a14="http://schemas.microsoft.com/office/drawing/2010/main" Requires="a14">
+      <mc:AlternateContent xmlns:mc="http://schemas.openxmlformats.org/markup-compatibility/2006" xmlns:a14="http://schemas.microsoft.com/office/drawing/2010/main">
+        <mc:Choice Requires="a14">
           <p:sp>
             <p:nvSpPr>
               <p:cNvPr id="9" name="TextBox 8">
@@ -5544,7 +5591,7 @@
             </p:txBody>
           </p:sp>
         </mc:Choice>
-        <mc:Fallback>
+        <mc:Fallback xmlns="">
           <p:sp>
             <p:nvSpPr>
               <p:cNvPr id="9" name="TextBox 8">
@@ -5630,8 +5677,8 @@
           </a:prstGeom>
         </p:spPr>
       </p:pic>
-      <mc:AlternateContent xmlns:mc="http://schemas.openxmlformats.org/markup-compatibility/2006">
-        <mc:Choice xmlns:a14="http://schemas.microsoft.com/office/drawing/2010/main" Requires="a14">
+      <mc:AlternateContent xmlns:mc="http://schemas.openxmlformats.org/markup-compatibility/2006" xmlns:a14="http://schemas.microsoft.com/office/drawing/2010/main">
+        <mc:Choice Requires="a14">
           <p:sp>
             <p:nvSpPr>
               <p:cNvPr id="11" name="TextBox 10">
@@ -5717,7 +5764,7 @@
             </p:txBody>
           </p:sp>
         </mc:Choice>
-        <mc:Fallback>
+        <mc:Fallback xmlns="">
           <p:sp>
             <p:nvSpPr>
               <p:cNvPr id="11" name="TextBox 10">
@@ -5762,8 +5809,8 @@
           </p:sp>
         </mc:Fallback>
       </mc:AlternateContent>
-      <mc:AlternateContent xmlns:mc="http://schemas.openxmlformats.org/markup-compatibility/2006">
-        <mc:Choice xmlns:a14="http://schemas.microsoft.com/office/drawing/2010/main" Requires="a14">
+      <mc:AlternateContent xmlns:mc="http://schemas.openxmlformats.org/markup-compatibility/2006" xmlns:a14="http://schemas.microsoft.com/office/drawing/2010/main">
+        <mc:Choice Requires="a14">
           <p:sp>
             <p:nvSpPr>
               <p:cNvPr id="12" name="TextBox 11">
@@ -5836,7 +5883,7 @@
             </p:txBody>
           </p:sp>
         </mc:Choice>
-        <mc:Fallback>
+        <mc:Fallback xmlns="">
           <p:sp>
             <p:nvSpPr>
               <p:cNvPr id="12" name="TextBox 11">
@@ -5922,8 +5969,8 @@
           </a:prstGeom>
         </p:spPr>
       </p:pic>
-      <mc:AlternateContent xmlns:mc="http://schemas.openxmlformats.org/markup-compatibility/2006">
-        <mc:Choice xmlns:a14="http://schemas.microsoft.com/office/drawing/2010/main" Requires="a14">
+      <mc:AlternateContent xmlns:mc="http://schemas.openxmlformats.org/markup-compatibility/2006" xmlns:a14="http://schemas.microsoft.com/office/drawing/2010/main">
+        <mc:Choice Requires="a14">
           <p:sp>
             <p:nvSpPr>
               <p:cNvPr id="15" name="TextBox 14">
@@ -5991,7 +6038,7 @@
             </p:txBody>
           </p:sp>
         </mc:Choice>
-        <mc:Fallback>
+        <mc:Fallback xmlns="">
           <p:sp>
             <p:nvSpPr>
               <p:cNvPr id="15" name="TextBox 14">
@@ -6089,8 +6136,8 @@
           </a:p>
         </p:txBody>
       </p:sp>
-      <mc:AlternateContent xmlns:mc="http://schemas.openxmlformats.org/markup-compatibility/2006">
-        <mc:Choice xmlns:a14="http://schemas.microsoft.com/office/drawing/2010/main" Requires="a14">
+      <mc:AlternateContent xmlns:mc="http://schemas.openxmlformats.org/markup-compatibility/2006" xmlns:a14="http://schemas.microsoft.com/office/drawing/2010/main">
+        <mc:Choice Requires="a14">
           <p:sp>
             <p:nvSpPr>
               <p:cNvPr id="17" name="TextBox 16">
@@ -6170,7 +6217,7 @@
             </p:txBody>
           </p:sp>
         </mc:Choice>
-        <mc:Fallback>
+        <mc:Fallback xmlns="">
           <p:sp>
             <p:nvSpPr>
               <p:cNvPr id="17" name="TextBox 16">
@@ -6215,8 +6262,8 @@
           </p:sp>
         </mc:Fallback>
       </mc:AlternateContent>
-      <mc:AlternateContent xmlns:mc="http://schemas.openxmlformats.org/markup-compatibility/2006">
-        <mc:Choice xmlns:a14="http://schemas.microsoft.com/office/drawing/2010/main" Requires="a14">
+      <mc:AlternateContent xmlns:mc="http://schemas.openxmlformats.org/markup-compatibility/2006" xmlns:a14="http://schemas.microsoft.com/office/drawing/2010/main">
+        <mc:Choice Requires="a14">
           <p:sp>
             <p:nvSpPr>
               <p:cNvPr id="18" name="TextBox 17">
@@ -6340,7 +6387,7 @@
             </p:txBody>
           </p:sp>
         </mc:Choice>
-        <mc:Fallback>
+        <mc:Fallback xmlns="">
           <p:sp>
             <p:nvSpPr>
               <p:cNvPr id="18" name="TextBox 17">
@@ -6385,8 +6432,8 @@
           </p:sp>
         </mc:Fallback>
       </mc:AlternateContent>
-      <mc:AlternateContent xmlns:mc="http://schemas.openxmlformats.org/markup-compatibility/2006">
-        <mc:Choice xmlns:a14="http://schemas.microsoft.com/office/drawing/2010/main" Requires="a14">
+      <mc:AlternateContent xmlns:mc="http://schemas.openxmlformats.org/markup-compatibility/2006" xmlns:a14="http://schemas.microsoft.com/office/drawing/2010/main">
+        <mc:Choice Requires="a14">
           <p:sp>
             <p:nvSpPr>
               <p:cNvPr id="19" name="TextBox 18">
@@ -6510,7 +6557,7 @@
             </p:txBody>
           </p:sp>
         </mc:Choice>
-        <mc:Fallback>
+        <mc:Fallback xmlns="">
           <p:sp>
             <p:nvSpPr>
               <p:cNvPr id="19" name="TextBox 18">
@@ -7105,8 +7152,8 @@
           </a:prstGeom>
         </p:spPr>
       </p:pic>
-      <mc:AlternateContent xmlns:mc="http://schemas.openxmlformats.org/markup-compatibility/2006">
-        <mc:Choice xmlns:a14="http://schemas.microsoft.com/office/drawing/2010/main" Requires="a14">
+      <mc:AlternateContent xmlns:mc="http://schemas.openxmlformats.org/markup-compatibility/2006" xmlns:a14="http://schemas.microsoft.com/office/drawing/2010/main">
+        <mc:Choice Requires="a14">
           <p:sp>
             <p:nvSpPr>
               <p:cNvPr id="5" name="TextBox 4">
@@ -7207,7 +7254,7 @@
             </p:txBody>
           </p:sp>
         </mc:Choice>
-        <mc:Fallback>
+        <mc:Fallback xmlns="">
           <p:sp>
             <p:nvSpPr>
               <p:cNvPr id="5" name="TextBox 4">

--- a/notes/notes/ds-algo/ch3-recursive.pptx
+++ b/notes/notes/ds-algo/ch3-recursive.pptx
@@ -5,7 +5,7 @@
     <p:sldMasterId id="2147483660" r:id="rId1"/>
   </p:sldMasterIdLst>
   <p:notesMasterIdLst>
-    <p:notesMasterId r:id="rId27"/>
+    <p:notesMasterId r:id="rId33"/>
   </p:notesMasterIdLst>
   <p:sldIdLst>
     <p:sldId id="257" r:id="rId2"/>
@@ -31,8 +31,14 @@
     <p:sldId id="301" r:id="rId22"/>
     <p:sldId id="302" r:id="rId23"/>
     <p:sldId id="303" r:id="rId24"/>
-    <p:sldId id="304" r:id="rId25"/>
-    <p:sldId id="281" r:id="rId26"/>
+    <p:sldId id="305" r:id="rId25"/>
+    <p:sldId id="307" r:id="rId26"/>
+    <p:sldId id="306" r:id="rId27"/>
+    <p:sldId id="308" r:id="rId28"/>
+    <p:sldId id="309" r:id="rId29"/>
+    <p:sldId id="310" r:id="rId30"/>
+    <p:sldId id="304" r:id="rId31"/>
+    <p:sldId id="281" r:id="rId32"/>
   </p:sldIdLst>
   <p:sldSz cx="9144000" cy="6858000" type="screen4x3"/>
   <p:notesSz cx="6858000" cy="9144000"/>
@@ -221,7 +227,7 @@
           <a:p>
             <a:fld id="{9BFDADED-620D-D24E-82E2-96F000A12D1D}" type="datetimeFigureOut">
               <a:rPr lang="en-CN" smtClean="0"/>
-              <a:t>2024/1/26</a:t>
+              <a:t>2024/1/30</a:t>
             </a:fld>
             <a:endParaRPr lang="en-CN"/>
           </a:p>
@@ -1841,7 +1847,7 @@
           <a:p>
             <a:fld id="{58D30FAB-176C-8449-8796-69F8D9C85B57}" type="datetime1">
               <a:rPr lang="en-US" smtClean="0"/>
-              <a:t>1/26/24</a:t>
+              <a:t>1/30/24</a:t>
             </a:fld>
             <a:endParaRPr lang="en-CN"/>
           </a:p>
@@ -3441,7 +3447,7 @@
         </p:nvSpPr>
         <p:spPr>
           <a:xfrm>
-            <a:off x="396421" y="335130"/>
+            <a:off x="524620" y="350128"/>
             <a:ext cx="705394" cy="705394"/>
           </a:xfrm>
           <a:prstGeom prst="flowChartMerge">
@@ -7964,7 +7970,7 @@
           <p:cNvPr id="2" name="Slide Number Placeholder 1">
             <a:extLst>
               <a:ext uri="{FF2B5EF4-FFF2-40B4-BE49-F238E27FC236}">
-                <a16:creationId xmlns:a16="http://schemas.microsoft.com/office/drawing/2014/main" id="{015676C1-D023-6BB7-5751-CF2F72742790}"/>
+                <a16:creationId xmlns:a16="http://schemas.microsoft.com/office/drawing/2014/main" id="{496F1900-1817-8E1B-2CF5-FA8700000039}"/>
               </a:ext>
             </a:extLst>
           </p:cNvPr>
@@ -7991,10 +7997,10 @@
       </p:sp>
       <p:sp>
         <p:nvSpPr>
-          <p:cNvPr id="3" name="Title 2">
-            <a:extLst>
-              <a:ext uri="{FF2B5EF4-FFF2-40B4-BE49-F238E27FC236}">
-                <a16:creationId xmlns:a16="http://schemas.microsoft.com/office/drawing/2014/main" id="{E6DE4461-CDFF-17A3-732C-A0874AB9C321}"/>
+          <p:cNvPr id="4" name="Title 3">
+            <a:extLst>
+              <a:ext uri="{FF2B5EF4-FFF2-40B4-BE49-F238E27FC236}">
+                <a16:creationId xmlns:a16="http://schemas.microsoft.com/office/drawing/2014/main" id="{ED4A5593-4389-6A18-2A3F-C099E8EDA4D5}"/>
               </a:ext>
             </a:extLst>
           </p:cNvPr>
@@ -8011,135 +8017,16 @@
           <a:lstStyle/>
           <a:p>
             <a:r>
-              <a:rPr kumimoji="1" lang="en-US" altLang="zh-CN" dirty="0"/>
-              <a:t>References</a:t>
-            </a:r>
-            <a:endParaRPr kumimoji="1" lang="zh-CN" altLang="en-US" dirty="0"/>
-          </a:p>
-        </p:txBody>
-      </p:sp>
-      <p:sp>
-        <p:nvSpPr>
-          <p:cNvPr id="4" name="TextBox 3">
-            <a:extLst>
-              <a:ext uri="{FF2B5EF4-FFF2-40B4-BE49-F238E27FC236}">
-                <a16:creationId xmlns:a16="http://schemas.microsoft.com/office/drawing/2014/main" id="{C82EB0DE-7D1F-24C2-DD56-35C6C6963072}"/>
-              </a:ext>
-            </a:extLst>
-          </p:cNvPr>
-          <p:cNvSpPr txBox="1"/>
-          <p:nvPr/>
-        </p:nvSpPr>
-        <p:spPr>
-          <a:xfrm>
-            <a:off x="702365" y="1338470"/>
-            <a:ext cx="6117380" cy="1569660"/>
-          </a:xfrm>
-          <a:prstGeom prst="rect">
-            <a:avLst/>
-          </a:prstGeom>
-          <a:noFill/>
-        </p:spPr>
-        <p:txBody>
-          <a:bodyPr wrap="none" rtlCol="0">
-            <a:spAutoFit/>
-          </a:bodyPr>
-          <a:lstStyle/>
-          <a:p>
-            <a:pPr marL="342900" indent="-342900" algn="l">
-              <a:buFont typeface="Arial" panose="020B0604020202020204" pitchFamily="34" charset="0"/>
-              <a:buChar char="•"/>
-            </a:pPr>
-            <a:r>
-              <a:rPr kumimoji="1" lang="en-US" altLang="zh-CN" sz="2400" dirty="0"/>
-              <a:t>Jeff</a:t>
-            </a:r>
-            <a:r>
-              <a:rPr kumimoji="1" lang="zh-CN" altLang="en-US" sz="2400" dirty="0"/>
-              <a:t> </a:t>
-            </a:r>
-            <a:r>
-              <a:rPr kumimoji="1" lang="en-US" altLang="zh-CN" sz="2400" dirty="0"/>
-              <a:t>Erickson</a:t>
-            </a:r>
-            <a:r>
-              <a:rPr kumimoji="1" lang="zh-CN" altLang="en-US" sz="2400" dirty="0"/>
-              <a:t> </a:t>
-            </a:r>
-            <a:r>
-              <a:rPr kumimoji="1" lang="en-US" altLang="zh-CN" sz="2400" dirty="0"/>
-              <a:t>Algorithms</a:t>
-            </a:r>
-            <a:r>
-              <a:rPr kumimoji="1" lang="zh-CN" altLang="en-US" sz="2400" dirty="0"/>
-              <a:t> 第一章</a:t>
-            </a:r>
-            <a:r>
-              <a:rPr kumimoji="1" lang="en-US" altLang="zh-CN" sz="2400" dirty="0"/>
-              <a:t>,</a:t>
-            </a:r>
-            <a:r>
-              <a:rPr kumimoji="1" lang="zh-CN" altLang="en-US" sz="2400" dirty="0"/>
-              <a:t> 第二章</a:t>
-            </a:r>
-            <a:endParaRPr kumimoji="1" lang="en-US" altLang="zh-CN" sz="2400" dirty="0"/>
-          </a:p>
-          <a:p>
-            <a:pPr marL="342900" indent="-342900" algn="l">
-              <a:buFont typeface="Arial" panose="020B0604020202020204" pitchFamily="34" charset="0"/>
-              <a:buChar char="•"/>
-            </a:pPr>
-            <a:r>
-              <a:rPr kumimoji="1" lang="en-US" altLang="zh-CN" sz="2400" dirty="0"/>
-              <a:t>Analysis</a:t>
-            </a:r>
-            <a:r>
-              <a:rPr kumimoji="1" lang="zh-CN" altLang="en-US" sz="2400" dirty="0"/>
-              <a:t> </a:t>
-            </a:r>
-            <a:r>
-              <a:rPr kumimoji="1" lang="en-US" altLang="zh-CN" sz="2400" dirty="0"/>
-              <a:t>of</a:t>
-            </a:r>
-            <a:r>
-              <a:rPr kumimoji="1" lang="zh-CN" altLang="en-US" sz="2400" dirty="0"/>
-              <a:t> </a:t>
-            </a:r>
-            <a:r>
-              <a:rPr kumimoji="1" lang="en-US" altLang="zh-CN" sz="2400" dirty="0"/>
-              <a:t>Algorithms</a:t>
-            </a:r>
-            <a:r>
-              <a:rPr kumimoji="1" lang="zh-CN" altLang="en-US" sz="2400" dirty="0"/>
-              <a:t> 第一章</a:t>
-            </a:r>
-            <a:endParaRPr kumimoji="1" lang="en-US" altLang="zh-CN" sz="2400" dirty="0"/>
-          </a:p>
-          <a:p>
-            <a:pPr marL="342900" indent="-342900" algn="l">
-              <a:buFont typeface="Arial" panose="020B0604020202020204" pitchFamily="34" charset="0"/>
-              <a:buChar char="•"/>
-            </a:pPr>
-            <a:endParaRPr kumimoji="1" lang="en-US" altLang="zh-CN" sz="2400" dirty="0"/>
-          </a:p>
-          <a:p>
-            <a:pPr algn="l"/>
-            <a:r>
-              <a:rPr kumimoji="1" lang="zh-CN" altLang="en-US" sz="2400" dirty="0"/>
-              <a:t>其余的出处在各张幻灯片图片部分已经标出</a:t>
-            </a:r>
-            <a:r>
-              <a:rPr kumimoji="1" lang="en-US" altLang="zh-CN" sz="2400" dirty="0"/>
-              <a:t>.</a:t>
-            </a:r>
-            <a:endParaRPr kumimoji="1" lang="zh-CN" altLang="en-US" sz="2400" dirty="0"/>
+              <a:rPr lang="zh-CN" altLang="en-US" dirty="0"/>
+              <a:t>更多的例子</a:t>
+            </a:r>
           </a:p>
         </p:txBody>
       </p:sp>
     </p:spTree>
     <p:extLst>
       <p:ext uri="{BB962C8B-B14F-4D97-AF65-F5344CB8AC3E}">
-        <p14:creationId xmlns:p14="http://schemas.microsoft.com/office/powerpoint/2010/main" val="1959283491"/>
+        <p14:creationId xmlns:p14="http://schemas.microsoft.com/office/powerpoint/2010/main" val="1401711710"/>
       </p:ext>
     </p:extLst>
   </p:cSld>
@@ -8171,7 +8058,7 @@
           <p:cNvPr id="2" name="Slide Number Placeholder 1">
             <a:extLst>
               <a:ext uri="{FF2B5EF4-FFF2-40B4-BE49-F238E27FC236}">
-                <a16:creationId xmlns:a16="http://schemas.microsoft.com/office/drawing/2014/main" id="{B21780A8-2A62-1D37-FA41-493440D7A0C2}"/>
+                <a16:creationId xmlns:a16="http://schemas.microsoft.com/office/drawing/2014/main" id="{9A9F3069-40F1-0C7A-05FC-8B2BF99B56BB}"/>
               </a:ext>
             </a:extLst>
           </p:cNvPr>
@@ -8196,12 +8083,837 @@
           </a:p>
         </p:txBody>
       </p:sp>
+      <p:sp>
+        <p:nvSpPr>
+          <p:cNvPr id="3" name="Title 2">
+            <a:extLst>
+              <a:ext uri="{FF2B5EF4-FFF2-40B4-BE49-F238E27FC236}">
+                <a16:creationId xmlns:a16="http://schemas.microsoft.com/office/drawing/2014/main" id="{2D1913E7-F946-BB6F-74EC-F72DC3E87D4E}"/>
+              </a:ext>
+            </a:extLst>
+          </p:cNvPr>
+          <p:cNvSpPr>
+            <a:spLocks noGrp="1"/>
+          </p:cNvSpPr>
+          <p:nvPr>
+            <p:ph type="title"/>
+          </p:nvPr>
+        </p:nvSpPr>
+        <p:spPr/>
+        <p:txBody>
+          <a:bodyPr/>
+          <a:lstStyle/>
+          <a:p>
+            <a:r>
+              <a:rPr kumimoji="1" lang="en-US" altLang="zh-CN" dirty="0"/>
+              <a:t>Text</a:t>
+            </a:r>
+            <a:r>
+              <a:rPr kumimoji="1" lang="zh-CN" altLang="en-US" dirty="0"/>
+              <a:t> </a:t>
+            </a:r>
+            <a:r>
+              <a:rPr kumimoji="1" lang="en-US" altLang="zh-CN" dirty="0"/>
+              <a:t>segmentation</a:t>
+            </a:r>
+            <a:endParaRPr kumimoji="1" lang="zh-CN" altLang="en-US" dirty="0"/>
+          </a:p>
+        </p:txBody>
+      </p:sp>
+      <mc:AlternateContent xmlns:mc="http://schemas.openxmlformats.org/markup-compatibility/2006" xmlns:a14="http://schemas.microsoft.com/office/drawing/2010/main">
+        <mc:Choice Requires="a14">
+          <p:sp>
+            <p:nvSpPr>
+              <p:cNvPr id="4" name="TextBox 3">
+                <a:extLst>
+                  <a:ext uri="{FF2B5EF4-FFF2-40B4-BE49-F238E27FC236}">
+                    <a16:creationId xmlns:a16="http://schemas.microsoft.com/office/drawing/2014/main" id="{CA765D35-779A-DEE4-3506-9B584826B196}"/>
+                  </a:ext>
+                </a:extLst>
+              </p:cNvPr>
+              <p:cNvSpPr txBox="1"/>
+              <p:nvPr/>
+            </p:nvSpPr>
+            <p:spPr>
+              <a:xfrm>
+                <a:off x="767644" y="1332089"/>
+                <a:ext cx="6276077" cy="2308324"/>
+              </a:xfrm>
+              <a:prstGeom prst="rect">
+                <a:avLst/>
+              </a:prstGeom>
+              <a:noFill/>
+            </p:spPr>
+            <p:txBody>
+              <a:bodyPr wrap="none" rtlCol="0">
+                <a:spAutoFit/>
+              </a:bodyPr>
+              <a:lstStyle/>
+              <a:p>
+                <a:pPr marL="342900" indent="-342900">
+                  <a:buFont typeface="Arial" panose="020B0604020202020204" pitchFamily="34" charset="0"/>
+                  <a:buChar char="•"/>
+                </a:pPr>
+                <a:r>
+                  <a:rPr kumimoji="1" lang="en-US" altLang="zh-CN" sz="2400" dirty="0"/>
+                  <a:t>“</a:t>
+                </a:r>
+                <a:r>
+                  <a:rPr lang="zh-CN" altLang="en-US" sz="2400" b="0" i="0" dirty="0">
+                    <a:solidFill>
+                      <a:srgbClr val="202124"/>
+                    </a:solidFill>
+                    <a:effectLst/>
+                    <a:latin typeface="Google Sans"/>
+                  </a:rPr>
+                  <a:t>句讀之不知，惑之不解，或師焉，或不焉</a:t>
+                </a:r>
+                <a:r>
+                  <a:rPr kumimoji="1" lang="en-US" altLang="zh-CN" sz="2400" dirty="0"/>
+                  <a:t>”</a:t>
+                </a:r>
+              </a:p>
+              <a:p>
+                <a:pPr marL="342900" indent="-342900" algn="l">
+                  <a:buFont typeface="Arial" panose="020B0604020202020204" pitchFamily="34" charset="0"/>
+                  <a:buChar char="•"/>
+                </a:pPr>
+                <a:endParaRPr kumimoji="1" lang="en-US" altLang="zh-CN" sz="2400" dirty="0"/>
+              </a:p>
+              <a:p>
+                <a:pPr marL="342900" indent="-342900" algn="l">
+                  <a:buFont typeface="Arial" panose="020B0604020202020204" pitchFamily="34" charset="0"/>
+                  <a:buChar char="•"/>
+                </a:pPr>
+                <a:endParaRPr kumimoji="1" lang="en-US" altLang="zh-CN" sz="2400" dirty="0"/>
+              </a:p>
+              <a:p>
+                <a:pPr marL="342900" indent="-342900" algn="l">
+                  <a:buFont typeface="Arial" panose="020B0604020202020204" pitchFamily="34" charset="0"/>
+                  <a:buChar char="•"/>
+                </a:pPr>
+                <a:endParaRPr kumimoji="1" lang="en-US" altLang="zh-CN" sz="2400" dirty="0"/>
+              </a:p>
+              <a:p>
+                <a:pPr marL="342900" indent="-342900" algn="l">
+                  <a:buFont typeface="Arial" panose="020B0604020202020204" pitchFamily="34" charset="0"/>
+                  <a:buChar char="•"/>
+                </a:pPr>
+                <a:r>
+                  <a:rPr kumimoji="1" lang="zh-CN" altLang="en-US" sz="2400" dirty="0"/>
+                  <a:t>有数组</a:t>
+                </a:r>
+                <a14:m>
+                  <m:oMath xmlns:m="http://schemas.openxmlformats.org/officeDocument/2006/math">
+                    <m:r>
+                      <a:rPr kumimoji="1" lang="en-US" altLang="zh-CN" sz="2400" b="0" i="1" smtClean="0">
+                        <a:latin typeface="Cambria Math" panose="02040503050406030204" pitchFamily="18" charset="0"/>
+                      </a:rPr>
+                      <m:t>𝐴</m:t>
+                    </m:r>
+                    <m:r>
+                      <a:rPr kumimoji="1" lang="en-US" altLang="zh-CN" sz="2400" b="0" i="1" smtClean="0">
+                        <a:latin typeface="Cambria Math" panose="02040503050406030204" pitchFamily="18" charset="0"/>
+                      </a:rPr>
+                      <m:t>[1..</m:t>
+                    </m:r>
+                    <m:r>
+                      <a:rPr kumimoji="1" lang="en-US" altLang="zh-CN" sz="2400" b="0" i="1" smtClean="0">
+                        <a:latin typeface="Cambria Math" panose="02040503050406030204" pitchFamily="18" charset="0"/>
+                      </a:rPr>
+                      <m:t>𝑛</m:t>
+                    </m:r>
+                    <m:r>
+                      <a:rPr kumimoji="1" lang="en-US" altLang="zh-CN" sz="2400" b="0" i="1" smtClean="0">
+                        <a:latin typeface="Cambria Math" panose="02040503050406030204" pitchFamily="18" charset="0"/>
+                      </a:rPr>
+                      <m:t>]</m:t>
+                    </m:r>
+                  </m:oMath>
+                </a14:m>
+                <a:r>
+                  <a:rPr kumimoji="1" lang="en-US" altLang="zh-CN" sz="2400" dirty="0"/>
+                  <a:t>,</a:t>
+                </a:r>
+                <a:r>
+                  <a:rPr kumimoji="1" lang="zh-CN" altLang="en-US" sz="2400" dirty="0"/>
+                  <a:t> 函数</a:t>
+                </a:r>
+                <a:r>
+                  <a:rPr kumimoji="1" lang="en-US" altLang="zh-CN" sz="2400" dirty="0" err="1"/>
+                  <a:t>IsWord</a:t>
+                </a:r>
+                <a:r>
+                  <a:rPr kumimoji="1" lang="en-US" altLang="zh-CN" sz="2400" dirty="0"/>
+                  <a:t>,</a:t>
+                </a:r>
+                <a:r>
+                  <a:rPr kumimoji="1" lang="zh-CN" altLang="en-US" sz="2400" dirty="0"/>
+                  <a:t> </a:t>
+                </a:r>
+                <a:endParaRPr kumimoji="1" lang="en-US" altLang="zh-CN" sz="2400" dirty="0"/>
+              </a:p>
+              <a:p>
+                <a:pPr marL="342900" indent="-342900" algn="l">
+                  <a:buFont typeface="Arial" panose="020B0604020202020204" pitchFamily="34" charset="0"/>
+                  <a:buChar char="•"/>
+                </a:pPr>
+                <a:r>
+                  <a:rPr kumimoji="1" lang="zh-CN" altLang="en-US" sz="2400" dirty="0"/>
+                  <a:t>问</a:t>
+                </a:r>
+                <a:r>
+                  <a:rPr kumimoji="1" lang="en-US" altLang="zh-CN" sz="2400" dirty="0"/>
+                  <a:t>:</a:t>
+                </a:r>
+                <a:r>
+                  <a:rPr kumimoji="1" lang="zh-CN" altLang="en-US" sz="2400" dirty="0"/>
+                  <a:t> 是不是可以分割为若干个</a:t>
+                </a:r>
+                <a:r>
+                  <a:rPr kumimoji="1" lang="en-US" altLang="zh-CN" sz="2400" dirty="0"/>
+                  <a:t>word</a:t>
+                </a:r>
+                <a:r>
+                  <a:rPr kumimoji="1" lang="zh-CN" altLang="en-US" sz="2400" dirty="0"/>
+                  <a:t>的集合</a:t>
+                </a:r>
+                <a:r>
+                  <a:rPr kumimoji="1" lang="en-US" altLang="zh-CN" sz="2400" dirty="0"/>
+                  <a:t>?</a:t>
+                </a:r>
+              </a:p>
+            </p:txBody>
+          </p:sp>
+        </mc:Choice>
+        <mc:Fallback xmlns="">
+          <p:sp>
+            <p:nvSpPr>
+              <p:cNvPr id="4" name="TextBox 3">
+                <a:extLst>
+                  <a:ext uri="{FF2B5EF4-FFF2-40B4-BE49-F238E27FC236}">
+                    <a16:creationId xmlns:a16="http://schemas.microsoft.com/office/drawing/2014/main" id="{CA765D35-779A-DEE4-3506-9B584826B196}"/>
+                  </a:ext>
+                </a:extLst>
+              </p:cNvPr>
+              <p:cNvSpPr txBox="1">
+                <a:spLocks noRot="1" noChangeAspect="1" noMove="1" noResize="1" noEditPoints="1" noAdjustHandles="1" noChangeArrowheads="1" noChangeShapeType="1" noTextEdit="1"/>
+              </p:cNvSpPr>
+              <p:nvPr/>
+            </p:nvSpPr>
+            <p:spPr>
+              <a:xfrm>
+                <a:off x="767644" y="1332089"/>
+                <a:ext cx="6276077" cy="2308324"/>
+              </a:xfrm>
+              <a:prstGeom prst="rect">
+                <a:avLst/>
+              </a:prstGeom>
+              <a:blipFill>
+                <a:blip r:embed="rId2"/>
+                <a:stretch>
+                  <a:fillRect l="-1414" t="-3297" r="-606" b="-5495"/>
+                </a:stretch>
+              </a:blipFill>
+            </p:spPr>
+            <p:txBody>
+              <a:bodyPr/>
+              <a:lstStyle/>
+              <a:p>
+                <a:r>
+                  <a:rPr lang="zh-CN" altLang="en-US">
+                    <a:noFill/>
+                  </a:rPr>
+                  <a:t> </a:t>
+                </a:r>
+              </a:p>
+            </p:txBody>
+          </p:sp>
+        </mc:Fallback>
+      </mc:AlternateContent>
       <p:pic>
         <p:nvPicPr>
           <p:cNvPr id="5" name="Picture 4">
             <a:extLst>
               <a:ext uri="{FF2B5EF4-FFF2-40B4-BE49-F238E27FC236}">
-                <a16:creationId xmlns:a16="http://schemas.microsoft.com/office/drawing/2014/main" id="{B7523383-5359-C9E3-DD01-5D842BC27323}"/>
+                <a16:creationId xmlns:a16="http://schemas.microsoft.com/office/drawing/2014/main" id="{D597A872-D724-6899-5BE5-EB8EC45AA70C}"/>
+              </a:ext>
+            </a:extLst>
+          </p:cNvPr>
+          <p:cNvPicPr>
+            <a:picLocks noChangeAspect="1"/>
+          </p:cNvPicPr>
+          <p:nvPr/>
+        </p:nvPicPr>
+        <p:blipFill>
+          <a:blip r:embed="rId3"/>
+          <a:stretch>
+            <a:fillRect/>
+          </a:stretch>
+        </p:blipFill>
+        <p:spPr>
+          <a:xfrm>
+            <a:off x="2100279" y="1842076"/>
+            <a:ext cx="4312356" cy="912996"/>
+          </a:xfrm>
+          <a:prstGeom prst="rect">
+            <a:avLst/>
+          </a:prstGeom>
+        </p:spPr>
+      </p:pic>
+      <p:sp>
+        <p:nvSpPr>
+          <p:cNvPr id="6" name="TextBox 5">
+            <a:extLst>
+              <a:ext uri="{FF2B5EF4-FFF2-40B4-BE49-F238E27FC236}">
+                <a16:creationId xmlns:a16="http://schemas.microsoft.com/office/drawing/2014/main" id="{091ACFB2-A0D9-3E99-9AAB-3FA105CB816E}"/>
+              </a:ext>
+            </a:extLst>
+          </p:cNvPr>
+          <p:cNvSpPr txBox="1"/>
+          <p:nvPr/>
+        </p:nvSpPr>
+        <p:spPr>
+          <a:xfrm>
+            <a:off x="4572000" y="2624267"/>
+            <a:ext cx="1898277" cy="261610"/>
+          </a:xfrm>
+          <a:prstGeom prst="rect">
+            <a:avLst/>
+          </a:prstGeom>
+          <a:noFill/>
+        </p:spPr>
+        <p:txBody>
+          <a:bodyPr wrap="none" rtlCol="0">
+            <a:spAutoFit/>
+          </a:bodyPr>
+          <a:lstStyle/>
+          <a:p>
+            <a:r>
+              <a:rPr kumimoji="1" lang="zh-CN" altLang="en-US" sz="1100" dirty="0">
+                <a:solidFill>
+                  <a:schemeClr val="bg1">
+                    <a:lumMod val="65000"/>
+                  </a:schemeClr>
+                </a:solidFill>
+              </a:rPr>
+              <a:t>来源</a:t>
+            </a:r>
+            <a:r>
+              <a:rPr kumimoji="1" lang="en-US" altLang="zh-CN" sz="1100" dirty="0" err="1">
+                <a:solidFill>
+                  <a:schemeClr val="bg1">
+                    <a:lumMod val="65000"/>
+                  </a:schemeClr>
+                </a:solidFill>
+              </a:rPr>
+              <a:t>ctext.org</a:t>
+            </a:r>
+            <a:r>
+              <a:rPr kumimoji="1" lang="zh-CN" altLang="en-US" sz="1100" dirty="0">
+                <a:solidFill>
+                  <a:schemeClr val="bg1">
+                    <a:lumMod val="65000"/>
+                  </a:schemeClr>
+                </a:solidFill>
+              </a:rPr>
+              <a:t>孟子師說</a:t>
+            </a:r>
+            <a:r>
+              <a:rPr kumimoji="1" lang="en-US" altLang="zh-CN" sz="1100" dirty="0">
+                <a:solidFill>
+                  <a:schemeClr val="bg1">
+                    <a:lumMod val="65000"/>
+                  </a:schemeClr>
+                </a:solidFill>
+              </a:rPr>
+              <a:t>·</a:t>
+            </a:r>
+            <a:r>
+              <a:rPr kumimoji="1" lang="zh-CN" altLang="en-US" sz="1100" dirty="0">
+                <a:solidFill>
+                  <a:schemeClr val="bg1">
+                    <a:lumMod val="65000"/>
+                  </a:schemeClr>
+                </a:solidFill>
+              </a:rPr>
+              <a:t>卷上</a:t>
+            </a:r>
+          </a:p>
+        </p:txBody>
+      </p:sp>
+    </p:spTree>
+    <p:extLst>
+      <p:ext uri="{BB962C8B-B14F-4D97-AF65-F5344CB8AC3E}">
+        <p14:creationId xmlns:p14="http://schemas.microsoft.com/office/powerpoint/2010/main" val="3098448198"/>
+      </p:ext>
+    </p:extLst>
+  </p:cSld>
+  <p:clrMapOvr>
+    <a:masterClrMapping/>
+  </p:clrMapOvr>
+</p:sld>
+</file>
+
+<file path=ppt/slides/slide26.xml><?xml version="1.0" encoding="utf-8"?>
+<p:sld xmlns:a="http://schemas.openxmlformats.org/drawingml/2006/main" xmlns:r="http://schemas.openxmlformats.org/officeDocument/2006/relationships" xmlns:p="http://schemas.openxmlformats.org/presentationml/2006/main">
+  <p:cSld>
+    <p:spTree>
+      <p:nvGrpSpPr>
+        <p:cNvPr id="1" name=""/>
+        <p:cNvGrpSpPr/>
+        <p:nvPr/>
+      </p:nvGrpSpPr>
+      <p:grpSpPr>
+        <a:xfrm>
+          <a:off x="0" y="0"/>
+          <a:ext cx="0" cy="0"/>
+          <a:chOff x="0" y="0"/>
+          <a:chExt cx="0" cy="0"/>
+        </a:xfrm>
+      </p:grpSpPr>
+      <p:sp>
+        <p:nvSpPr>
+          <p:cNvPr id="2" name="Slide Number Placeholder 1">
+            <a:extLst>
+              <a:ext uri="{FF2B5EF4-FFF2-40B4-BE49-F238E27FC236}">
+                <a16:creationId xmlns:a16="http://schemas.microsoft.com/office/drawing/2014/main" id="{12C9BD97-AE57-78DA-1878-D3260F037CB9}"/>
+              </a:ext>
+            </a:extLst>
+          </p:cNvPr>
+          <p:cNvSpPr>
+            <a:spLocks noGrp="1"/>
+          </p:cNvSpPr>
+          <p:nvPr>
+            <p:ph type="sldNum" sz="quarter" idx="12"/>
+          </p:nvPr>
+        </p:nvSpPr>
+        <p:spPr/>
+        <p:txBody>
+          <a:bodyPr/>
+          <a:lstStyle/>
+          <a:p>
+            <a:fld id="{7A304655-5D53-B746-8252-3F5A598C52D3}" type="slidenum">
+              <a:rPr lang="en-CN" smtClean="0"/>
+              <a:pPr/>
+              <a:t>26</a:t>
+            </a:fld>
+            <a:endParaRPr lang="en-CN"/>
+          </a:p>
+        </p:txBody>
+      </p:sp>
+      <p:sp>
+        <p:nvSpPr>
+          <p:cNvPr id="3" name="Title 2">
+            <a:extLst>
+              <a:ext uri="{FF2B5EF4-FFF2-40B4-BE49-F238E27FC236}">
+                <a16:creationId xmlns:a16="http://schemas.microsoft.com/office/drawing/2014/main" id="{DF4AEC23-44C7-492E-DD19-A58CEEF9AA4C}"/>
+              </a:ext>
+            </a:extLst>
+          </p:cNvPr>
+          <p:cNvSpPr>
+            <a:spLocks noGrp="1"/>
+          </p:cNvSpPr>
+          <p:nvPr>
+            <p:ph type="title"/>
+          </p:nvPr>
+        </p:nvSpPr>
+        <p:spPr/>
+        <p:txBody>
+          <a:bodyPr/>
+          <a:lstStyle/>
+          <a:p>
+            <a:r>
+              <a:rPr kumimoji="1" lang="zh-CN" altLang="en-US" dirty="0"/>
+              <a:t>想法</a:t>
+            </a:r>
+            <a:r>
+              <a:rPr kumimoji="1" lang="en-US" altLang="zh-CN" dirty="0"/>
+              <a:t>1:</a:t>
+            </a:r>
+            <a:r>
+              <a:rPr kumimoji="1" lang="zh-CN" altLang="en-US" dirty="0"/>
+              <a:t> 枚举所有可能的词的集合</a:t>
+            </a:r>
+          </a:p>
+        </p:txBody>
+      </p:sp>
+      <p:sp>
+        <p:nvSpPr>
+          <p:cNvPr id="5" name="TextBox 4">
+            <a:extLst>
+              <a:ext uri="{FF2B5EF4-FFF2-40B4-BE49-F238E27FC236}">
+                <a16:creationId xmlns:a16="http://schemas.microsoft.com/office/drawing/2014/main" id="{54873D15-7795-293F-42FF-B6DEC8DBF92C}"/>
+              </a:ext>
+            </a:extLst>
+          </p:cNvPr>
+          <p:cNvSpPr txBox="1"/>
+          <p:nvPr/>
+        </p:nvSpPr>
+        <p:spPr>
+          <a:xfrm>
+            <a:off x="745067" y="1332089"/>
+            <a:ext cx="5147563" cy="1938992"/>
+          </a:xfrm>
+          <a:prstGeom prst="rect">
+            <a:avLst/>
+          </a:prstGeom>
+          <a:noFill/>
+        </p:spPr>
+        <p:txBody>
+          <a:bodyPr wrap="none" rtlCol="0">
+            <a:spAutoFit/>
+          </a:bodyPr>
+          <a:lstStyle/>
+          <a:p>
+            <a:pPr marL="342900" indent="-342900" algn="l">
+              <a:buFont typeface="Arial" panose="020B0604020202020204" pitchFamily="34" charset="0"/>
+              <a:buChar char="•"/>
+            </a:pPr>
+            <a:r>
+              <a:rPr kumimoji="1" lang="zh-CN" altLang="en-US" sz="2400" dirty="0"/>
+              <a:t>枚举当前长度所有可能的词的集合</a:t>
+            </a:r>
+            <a:endParaRPr kumimoji="1" lang="en-US" altLang="zh-CN" sz="2400" dirty="0"/>
+          </a:p>
+          <a:p>
+            <a:pPr marL="800100" lvl="1" indent="-342900">
+              <a:buFont typeface="Arial" panose="020B0604020202020204" pitchFamily="34" charset="0"/>
+              <a:buChar char="•"/>
+            </a:pPr>
+            <a:r>
+              <a:rPr kumimoji="1" lang="zh-CN" altLang="en-US" sz="2400" dirty="0"/>
+              <a:t>每一个字符检验</a:t>
+            </a:r>
+            <a:endParaRPr kumimoji="1" lang="en-US" altLang="zh-CN" sz="2400" dirty="0"/>
+          </a:p>
+          <a:p>
+            <a:pPr marL="800100" lvl="1" indent="-342900">
+              <a:buFont typeface="Arial" panose="020B0604020202020204" pitchFamily="34" charset="0"/>
+              <a:buChar char="•"/>
+            </a:pPr>
+            <a:endParaRPr kumimoji="1" lang="en-US" altLang="zh-CN" sz="2400" dirty="0"/>
+          </a:p>
+          <a:p>
+            <a:pPr marL="342900" indent="-342900">
+              <a:buFont typeface="Arial" panose="020B0604020202020204" pitchFamily="34" charset="0"/>
+              <a:buChar char="•"/>
+            </a:pPr>
+            <a:r>
+              <a:rPr kumimoji="1" lang="zh-CN" altLang="en-US" sz="2400" dirty="0"/>
+              <a:t>时间复杂度</a:t>
+            </a:r>
+            <a:r>
+              <a:rPr kumimoji="1" lang="en-US" altLang="zh-CN" sz="2400" dirty="0"/>
+              <a:t>:</a:t>
+            </a:r>
+            <a:r>
+              <a:rPr kumimoji="1" lang="zh-CN" altLang="en-US" sz="2400" dirty="0"/>
+              <a:t> 指数级别</a:t>
+            </a:r>
+            <a:endParaRPr kumimoji="1" lang="en-US" altLang="zh-CN" sz="2400" dirty="0"/>
+          </a:p>
+          <a:p>
+            <a:pPr marL="342900" indent="-342900">
+              <a:buFont typeface="Arial" panose="020B0604020202020204" pitchFamily="34" charset="0"/>
+              <a:buChar char="•"/>
+            </a:pPr>
+            <a:r>
+              <a:rPr kumimoji="1" lang="zh-CN" altLang="en-US" sz="2400" dirty="0"/>
+              <a:t>我们能做得更好吗</a:t>
+            </a:r>
+            <a:r>
+              <a:rPr kumimoji="1" lang="en-US" altLang="zh-CN" sz="2400" dirty="0"/>
+              <a:t>?</a:t>
+            </a:r>
+            <a:endParaRPr kumimoji="1" lang="zh-CN" altLang="en-US" sz="2400" dirty="0"/>
+          </a:p>
+        </p:txBody>
+      </p:sp>
+    </p:spTree>
+    <p:extLst>
+      <p:ext uri="{BB962C8B-B14F-4D97-AF65-F5344CB8AC3E}">
+        <p14:creationId xmlns:p14="http://schemas.microsoft.com/office/powerpoint/2010/main" val="374966549"/>
+      </p:ext>
+    </p:extLst>
+  </p:cSld>
+  <p:clrMapOvr>
+    <a:masterClrMapping/>
+  </p:clrMapOvr>
+</p:sld>
+</file>
+
+<file path=ppt/slides/slide27.xml><?xml version="1.0" encoding="utf-8"?>
+<p:sld xmlns:a="http://schemas.openxmlformats.org/drawingml/2006/main" xmlns:r="http://schemas.openxmlformats.org/officeDocument/2006/relationships" xmlns:p="http://schemas.openxmlformats.org/presentationml/2006/main">
+  <p:cSld>
+    <p:spTree>
+      <p:nvGrpSpPr>
+        <p:cNvPr id="1" name=""/>
+        <p:cNvGrpSpPr/>
+        <p:nvPr/>
+      </p:nvGrpSpPr>
+      <p:grpSpPr>
+        <a:xfrm>
+          <a:off x="0" y="0"/>
+          <a:ext cx="0" cy="0"/>
+          <a:chOff x="0" y="0"/>
+          <a:chExt cx="0" cy="0"/>
+        </a:xfrm>
+      </p:grpSpPr>
+      <p:sp>
+        <p:nvSpPr>
+          <p:cNvPr id="2" name="Slide Number Placeholder 1">
+            <a:extLst>
+              <a:ext uri="{FF2B5EF4-FFF2-40B4-BE49-F238E27FC236}">
+                <a16:creationId xmlns:a16="http://schemas.microsoft.com/office/drawing/2014/main" id="{0357DF03-8A7B-9B18-400F-C8D318452598}"/>
+              </a:ext>
+            </a:extLst>
+          </p:cNvPr>
+          <p:cNvSpPr>
+            <a:spLocks noGrp="1"/>
+          </p:cNvSpPr>
+          <p:nvPr>
+            <p:ph type="sldNum" sz="quarter" idx="12"/>
+          </p:nvPr>
+        </p:nvSpPr>
+        <p:spPr/>
+        <p:txBody>
+          <a:bodyPr/>
+          <a:lstStyle/>
+          <a:p>
+            <a:fld id="{7A304655-5D53-B746-8252-3F5A598C52D3}" type="slidenum">
+              <a:rPr lang="en-CN" smtClean="0"/>
+              <a:pPr/>
+              <a:t>27</a:t>
+            </a:fld>
+            <a:endParaRPr lang="en-CN"/>
+          </a:p>
+        </p:txBody>
+      </p:sp>
+      <p:sp>
+        <p:nvSpPr>
+          <p:cNvPr id="3" name="Title 2">
+            <a:extLst>
+              <a:ext uri="{FF2B5EF4-FFF2-40B4-BE49-F238E27FC236}">
+                <a16:creationId xmlns:a16="http://schemas.microsoft.com/office/drawing/2014/main" id="{96B0FE84-1D28-0875-FD39-09F44639B44E}"/>
+              </a:ext>
+            </a:extLst>
+          </p:cNvPr>
+          <p:cNvSpPr>
+            <a:spLocks noGrp="1"/>
+          </p:cNvSpPr>
+          <p:nvPr>
+            <p:ph type="title"/>
+          </p:nvPr>
+        </p:nvSpPr>
+        <p:spPr/>
+        <p:txBody>
+          <a:bodyPr/>
+          <a:lstStyle/>
+          <a:p>
+            <a:r>
+              <a:rPr kumimoji="1" lang="zh-CN" altLang="en-US" dirty="0"/>
+              <a:t>想法</a:t>
+            </a:r>
+            <a:r>
+              <a:rPr kumimoji="1" lang="en-US" altLang="zh-CN" dirty="0"/>
+              <a:t>2:</a:t>
+            </a:r>
+            <a:r>
+              <a:rPr kumimoji="1" lang="zh-CN" altLang="en-US" dirty="0"/>
+              <a:t> 聪明地划分状态</a:t>
+            </a:r>
+          </a:p>
+        </p:txBody>
+      </p:sp>
+      <p:sp>
+        <p:nvSpPr>
+          <p:cNvPr id="5" name="TextBox 4">
+            <a:extLst>
+              <a:ext uri="{FF2B5EF4-FFF2-40B4-BE49-F238E27FC236}">
+                <a16:creationId xmlns:a16="http://schemas.microsoft.com/office/drawing/2014/main" id="{5A5B2352-15C8-B64B-A6C2-8CC38227A76E}"/>
+              </a:ext>
+            </a:extLst>
+          </p:cNvPr>
+          <p:cNvSpPr txBox="1"/>
+          <p:nvPr/>
+        </p:nvSpPr>
+        <p:spPr>
+          <a:xfrm>
+            <a:off x="628650" y="1258458"/>
+            <a:ext cx="7612239" cy="830997"/>
+          </a:xfrm>
+          <a:prstGeom prst="rect">
+            <a:avLst/>
+          </a:prstGeom>
+          <a:noFill/>
+        </p:spPr>
+        <p:txBody>
+          <a:bodyPr wrap="square">
+            <a:spAutoFit/>
+          </a:bodyPr>
+          <a:lstStyle/>
+          <a:p>
+            <a:pPr marL="342900" indent="-342900" algn="l">
+              <a:buFont typeface="Arial" panose="020B0604020202020204" pitchFamily="34" charset="0"/>
+              <a:buChar char="•"/>
+            </a:pPr>
+            <a:r>
+              <a:rPr kumimoji="1" lang="en-CN" altLang="zh-CN" sz="2400" dirty="0"/>
+              <a:t>Let</a:t>
+            </a:r>
+            <a:r>
+              <a:rPr kumimoji="1" lang="zh-CN" altLang="en-US" sz="2400" dirty="0"/>
+              <a:t> </a:t>
+            </a:r>
+            <a:r>
+              <a:rPr kumimoji="1" lang="en-US" altLang="zh-CN" sz="2400" dirty="0"/>
+              <a:t>the</a:t>
+            </a:r>
+            <a:r>
+              <a:rPr kumimoji="1" lang="zh-CN" altLang="en-US" sz="2400" dirty="0"/>
+              <a:t> </a:t>
+            </a:r>
+            <a:r>
+              <a:rPr kumimoji="1" lang="en-US" altLang="zh-CN" sz="2400" dirty="0"/>
+              <a:t>recursive</a:t>
+            </a:r>
+            <a:r>
+              <a:rPr kumimoji="1" lang="zh-CN" altLang="en-US" sz="2400" dirty="0"/>
+              <a:t> </a:t>
+            </a:r>
+            <a:r>
+              <a:rPr kumimoji="1" lang="en-US" altLang="zh-CN" sz="2400" dirty="0"/>
+              <a:t>fairy</a:t>
+            </a:r>
+            <a:r>
+              <a:rPr kumimoji="1" lang="zh-CN" altLang="en-US" sz="2400" dirty="0"/>
+              <a:t> </a:t>
+            </a:r>
+            <a:r>
+              <a:rPr kumimoji="1" lang="en-US" altLang="zh-CN" sz="2400" dirty="0"/>
+              <a:t>do</a:t>
+            </a:r>
+            <a:r>
+              <a:rPr kumimoji="1" lang="zh-CN" altLang="en-US" sz="2400" dirty="0"/>
+              <a:t> </a:t>
+            </a:r>
+            <a:r>
+              <a:rPr kumimoji="1" lang="en-US" altLang="zh-CN" sz="2400" dirty="0"/>
+              <a:t>the</a:t>
+            </a:r>
+            <a:r>
+              <a:rPr kumimoji="1" lang="zh-CN" altLang="en-US" sz="2400" dirty="0"/>
+              <a:t> </a:t>
+            </a:r>
+            <a:r>
+              <a:rPr kumimoji="1" lang="en-US" altLang="zh-CN" sz="2400" dirty="0"/>
+              <a:t>thing!</a:t>
+            </a:r>
+          </a:p>
+          <a:p>
+            <a:pPr marL="342900" indent="-342900" algn="l">
+              <a:buFont typeface="Arial" panose="020B0604020202020204" pitchFamily="34" charset="0"/>
+              <a:buChar char="•"/>
+            </a:pPr>
+            <a:r>
+              <a:rPr kumimoji="1" lang="en-US" altLang="zh-CN" sz="2400" dirty="0"/>
+              <a:t>A[</a:t>
+            </a:r>
+            <a:r>
+              <a:rPr kumimoji="1" lang="en-US" altLang="zh-CN" sz="2400" dirty="0" err="1"/>
+              <a:t>i</a:t>
+            </a:r>
+            <a:r>
+              <a:rPr kumimoji="1" lang="en-US" altLang="zh-CN" sz="2400" dirty="0"/>
+              <a:t>..j]</a:t>
+            </a:r>
+            <a:r>
+              <a:rPr kumimoji="1" lang="zh-CN" altLang="en-US" sz="2400" dirty="0"/>
+              <a:t>是不是可以划分</a:t>
+            </a:r>
+            <a:r>
+              <a:rPr kumimoji="1" lang="en-US" altLang="zh-CN" sz="2400" dirty="0"/>
+              <a:t>?</a:t>
+            </a:r>
+            <a:endParaRPr kumimoji="1" lang="zh-CN" altLang="en-US" sz="2400" dirty="0"/>
+          </a:p>
+        </p:txBody>
+      </p:sp>
+      <p:sp>
+        <p:nvSpPr>
+          <p:cNvPr id="6" name="TextBox 5">
+            <a:extLst>
+              <a:ext uri="{FF2B5EF4-FFF2-40B4-BE49-F238E27FC236}">
+                <a16:creationId xmlns:a16="http://schemas.microsoft.com/office/drawing/2014/main" id="{208325D3-E557-6A33-3977-2187B5EAB0C1}"/>
+              </a:ext>
+            </a:extLst>
+          </p:cNvPr>
+          <p:cNvSpPr txBox="1"/>
+          <p:nvPr/>
+        </p:nvSpPr>
+        <p:spPr>
+          <a:xfrm>
+            <a:off x="722489" y="2336800"/>
+            <a:ext cx="5512663" cy="461665"/>
+          </a:xfrm>
+          <a:prstGeom prst="rect">
+            <a:avLst/>
+          </a:prstGeom>
+          <a:noFill/>
+        </p:spPr>
+        <p:txBody>
+          <a:bodyPr wrap="none" rtlCol="0">
+            <a:spAutoFit/>
+          </a:bodyPr>
+          <a:lstStyle/>
+          <a:p>
+            <a:pPr marL="342900" indent="-342900" algn="l">
+              <a:buFont typeface="Arial" panose="020B0604020202020204" pitchFamily="34" charset="0"/>
+              <a:buChar char="•"/>
+            </a:pPr>
+            <a:r>
+              <a:rPr kumimoji="1" lang="zh-CN" altLang="en-US" sz="2400" dirty="0"/>
+              <a:t>有词语</a:t>
+            </a:r>
+            <a:r>
+              <a:rPr kumimoji="1" lang="en-US" altLang="zh-CN" sz="2400" dirty="0"/>
+              <a:t>HE,</a:t>
+            </a:r>
+            <a:r>
+              <a:rPr kumimoji="1" lang="zh-CN" altLang="en-US" sz="2400" dirty="0"/>
+              <a:t> </a:t>
+            </a:r>
+            <a:r>
+              <a:rPr kumimoji="1" lang="en-US" altLang="zh-CN" sz="2400" dirty="0"/>
+              <a:t>HEAR,</a:t>
+            </a:r>
+            <a:r>
+              <a:rPr kumimoji="1" lang="zh-CN" altLang="en-US" sz="2400" dirty="0"/>
+              <a:t> </a:t>
+            </a:r>
+            <a:r>
+              <a:rPr kumimoji="1" lang="en-US" altLang="zh-CN" sz="2400" dirty="0"/>
+              <a:t>HEART,</a:t>
+            </a:r>
+            <a:r>
+              <a:rPr kumimoji="1" lang="zh-CN" altLang="en-US" sz="2400" dirty="0"/>
+              <a:t> </a:t>
+            </a:r>
+            <a:r>
+              <a:rPr kumimoji="1" lang="en-US" altLang="zh-CN" sz="2400" dirty="0"/>
+              <a:t>HEARTH</a:t>
+            </a:r>
+            <a:endParaRPr kumimoji="1" lang="zh-CN" altLang="en-US" sz="2400" dirty="0"/>
+          </a:p>
+        </p:txBody>
+      </p:sp>
+      <p:pic>
+        <p:nvPicPr>
+          <p:cNvPr id="8" name="Picture 7">
+            <a:extLst>
+              <a:ext uri="{FF2B5EF4-FFF2-40B4-BE49-F238E27FC236}">
+                <a16:creationId xmlns:a16="http://schemas.microsoft.com/office/drawing/2014/main" id="{F397A94C-07A7-17FC-7BB4-7D7CF18EEA10}"/>
               </a:ext>
             </a:extLst>
           </p:cNvPr>
@@ -8218,8 +8930,8 @@
         </p:blipFill>
         <p:spPr>
           <a:xfrm>
-            <a:off x="3202164" y="770223"/>
-            <a:ext cx="2739672" cy="1823127"/>
+            <a:off x="1281994" y="2798465"/>
+            <a:ext cx="6083300" cy="546100"/>
           </a:xfrm>
           <a:prstGeom prst="rect">
             <a:avLst/>
@@ -8228,10 +8940,10 @@
       </p:pic>
       <p:pic>
         <p:nvPicPr>
-          <p:cNvPr id="6" name="Picture 5">
-            <a:extLst>
-              <a:ext uri="{FF2B5EF4-FFF2-40B4-BE49-F238E27FC236}">
-                <a16:creationId xmlns:a16="http://schemas.microsoft.com/office/drawing/2014/main" id="{1D8F1FCB-02CC-AE75-09A2-48046C2FFF58}"/>
+          <p:cNvPr id="9" name="Picture 8">
+            <a:extLst>
+              <a:ext uri="{FF2B5EF4-FFF2-40B4-BE49-F238E27FC236}">
+                <a16:creationId xmlns:a16="http://schemas.microsoft.com/office/drawing/2014/main" id="{225CD412-662A-3BE0-E6BB-03029B91498C}"/>
               </a:ext>
             </a:extLst>
           </p:cNvPr>
@@ -8248,20 +8960,80 @@
         </p:blipFill>
         <p:spPr>
           <a:xfrm>
-            <a:off x="2137580" y="2724992"/>
-            <a:ext cx="4608174" cy="1972057"/>
+            <a:off x="1345494" y="3279886"/>
+            <a:ext cx="5956300" cy="508000"/>
           </a:xfrm>
           <a:prstGeom prst="rect">
             <a:avLst/>
           </a:prstGeom>
         </p:spPr>
       </p:pic>
-      <p:sp>
-        <p:nvSpPr>
-          <p:cNvPr id="8" name="TextBox 7">
-            <a:extLst>
-              <a:ext uri="{FF2B5EF4-FFF2-40B4-BE49-F238E27FC236}">
-                <a16:creationId xmlns:a16="http://schemas.microsoft.com/office/drawing/2014/main" id="{FCF5365B-5FB3-4693-8FDD-59683605F615}"/>
+      <p:pic>
+        <p:nvPicPr>
+          <p:cNvPr id="10" name="Picture 9">
+            <a:extLst>
+              <a:ext uri="{FF2B5EF4-FFF2-40B4-BE49-F238E27FC236}">
+                <a16:creationId xmlns:a16="http://schemas.microsoft.com/office/drawing/2014/main" id="{6678509A-7624-D155-FD18-1696D50E9022}"/>
+              </a:ext>
+            </a:extLst>
+          </p:cNvPr>
+          <p:cNvPicPr>
+            <a:picLocks noChangeAspect="1"/>
+          </p:cNvPicPr>
+          <p:nvPr/>
+        </p:nvPicPr>
+        <p:blipFill>
+          <a:blip r:embed="rId4"/>
+          <a:stretch>
+            <a:fillRect/>
+          </a:stretch>
+        </p:blipFill>
+        <p:spPr>
+          <a:xfrm>
+            <a:off x="1320094" y="3773775"/>
+            <a:ext cx="6007100" cy="520700"/>
+          </a:xfrm>
+          <a:prstGeom prst="rect">
+            <a:avLst/>
+          </a:prstGeom>
+        </p:spPr>
+      </p:pic>
+      <p:pic>
+        <p:nvPicPr>
+          <p:cNvPr id="11" name="Picture 10">
+            <a:extLst>
+              <a:ext uri="{FF2B5EF4-FFF2-40B4-BE49-F238E27FC236}">
+                <a16:creationId xmlns:a16="http://schemas.microsoft.com/office/drawing/2014/main" id="{E0DED9FE-2278-E7CE-9503-E91C5A4DCEF8}"/>
+              </a:ext>
+            </a:extLst>
+          </p:cNvPr>
+          <p:cNvPicPr>
+            <a:picLocks noChangeAspect="1"/>
+          </p:cNvPicPr>
+          <p:nvPr/>
+        </p:nvPicPr>
+        <p:blipFill>
+          <a:blip r:embed="rId5"/>
+          <a:stretch>
+            <a:fillRect/>
+          </a:stretch>
+        </p:blipFill>
+        <p:spPr>
+          <a:xfrm>
+            <a:off x="1281994" y="4217096"/>
+            <a:ext cx="6019800" cy="533400"/>
+          </a:xfrm>
+          <a:prstGeom prst="rect">
+            <a:avLst/>
+          </a:prstGeom>
+        </p:spPr>
+      </p:pic>
+      <p:sp>
+        <p:nvSpPr>
+          <p:cNvPr id="12" name="TextBox 11">
+            <a:extLst>
+              <a:ext uri="{FF2B5EF4-FFF2-40B4-BE49-F238E27FC236}">
+                <a16:creationId xmlns:a16="http://schemas.microsoft.com/office/drawing/2014/main" id="{F61509DA-4621-C9B6-E47F-3B1216A3F5FA}"/>
               </a:ext>
             </a:extLst>
           </p:cNvPr>
@@ -8270,8 +9042,8 @@
         </p:nvSpPr>
         <p:spPr>
           <a:xfrm>
-            <a:off x="2137580" y="4719538"/>
-            <a:ext cx="4608174" cy="646331"/>
+            <a:off x="756356" y="5000978"/>
+            <a:ext cx="4884671" cy="461665"/>
           </a:xfrm>
           <a:prstGeom prst="rect">
             <a:avLst/>
@@ -8279,31 +9051,505 @@
           <a:noFill/>
         </p:spPr>
         <p:txBody>
-          <a:bodyPr wrap="square">
+          <a:bodyPr wrap="none" rtlCol="0">
             <a:spAutoFit/>
           </a:bodyPr>
           <a:lstStyle/>
           <a:p>
-            <a:pPr algn="ctr"/>
-            <a:r>
-              <a:rPr lang="en-US" altLang="zh-CN" dirty="0"/>
-              <a:t>QQ: 2095728218</a:t>
-            </a:r>
-          </a:p>
-          <a:p>
-            <a:pPr algn="ctr"/>
-            <a:r>
-              <a:rPr lang="en-US" altLang="zh-CN" dirty="0" err="1"/>
-              <a:t>gwzhang@cug.edu.cn</a:t>
-            </a:r>
-            <a:endParaRPr lang="en-US" altLang="zh-CN" dirty="0"/>
+            <a:pPr marL="342900" indent="-342900" algn="l">
+              <a:buFont typeface="Arial" panose="020B0604020202020204" pitchFamily="34" charset="0"/>
+              <a:buChar char="•"/>
+            </a:pPr>
+            <a:r>
+              <a:rPr kumimoji="1" lang="en-US" altLang="zh-CN" sz="2400" dirty="0"/>
+              <a:t>base</a:t>
+            </a:r>
+            <a:r>
+              <a:rPr kumimoji="1" lang="zh-CN" altLang="en-US" sz="2400" dirty="0"/>
+              <a:t> </a:t>
+            </a:r>
+            <a:r>
+              <a:rPr kumimoji="1" lang="en-US" altLang="zh-CN" sz="2400" dirty="0"/>
+              <a:t>case:</a:t>
+            </a:r>
+            <a:r>
+              <a:rPr kumimoji="1" lang="zh-CN" altLang="en-US" sz="2400" dirty="0"/>
+              <a:t> </a:t>
+            </a:r>
+            <a:r>
+              <a:rPr kumimoji="1" lang="en-US" altLang="zh-CN" sz="2400" dirty="0"/>
+              <a:t>length=0,</a:t>
+            </a:r>
+            <a:r>
+              <a:rPr kumimoji="1" lang="zh-CN" altLang="en-US" sz="2400" dirty="0"/>
+              <a:t> </a:t>
+            </a:r>
+            <a:r>
+              <a:rPr kumimoji="1" lang="en-US" altLang="zh-CN" sz="2400" dirty="0"/>
+              <a:t>return</a:t>
+            </a:r>
+            <a:r>
+              <a:rPr kumimoji="1" lang="zh-CN" altLang="en-US" sz="2400" dirty="0"/>
+              <a:t> </a:t>
+            </a:r>
+            <a:r>
+              <a:rPr kumimoji="1" lang="en-US" altLang="zh-CN" sz="2400" dirty="0"/>
+              <a:t>OK.</a:t>
+            </a:r>
+            <a:endParaRPr kumimoji="1" lang="zh-CN" altLang="en-US" sz="2400" dirty="0"/>
           </a:p>
         </p:txBody>
       </p:sp>
     </p:spTree>
     <p:extLst>
       <p:ext uri="{BB962C8B-B14F-4D97-AF65-F5344CB8AC3E}">
-        <p14:creationId xmlns:p14="http://schemas.microsoft.com/office/powerpoint/2010/main" val="1646968304"/>
+        <p14:creationId xmlns:p14="http://schemas.microsoft.com/office/powerpoint/2010/main" val="3987370067"/>
+      </p:ext>
+    </p:extLst>
+  </p:cSld>
+  <p:clrMapOvr>
+    <a:masterClrMapping/>
+  </p:clrMapOvr>
+</p:sld>
+</file>
+
+<file path=ppt/slides/slide28.xml><?xml version="1.0" encoding="utf-8"?>
+<p:sld xmlns:a="http://schemas.openxmlformats.org/drawingml/2006/main" xmlns:r="http://schemas.openxmlformats.org/officeDocument/2006/relationships" xmlns:p="http://schemas.openxmlformats.org/presentationml/2006/main">
+  <p:cSld>
+    <p:spTree>
+      <p:nvGrpSpPr>
+        <p:cNvPr id="1" name=""/>
+        <p:cNvGrpSpPr/>
+        <p:nvPr/>
+      </p:nvGrpSpPr>
+      <p:grpSpPr>
+        <a:xfrm>
+          <a:off x="0" y="0"/>
+          <a:ext cx="0" cy="0"/>
+          <a:chOff x="0" y="0"/>
+          <a:chExt cx="0" cy="0"/>
+        </a:xfrm>
+      </p:grpSpPr>
+      <p:sp>
+        <p:nvSpPr>
+          <p:cNvPr id="2" name="Slide Number Placeholder 1">
+            <a:extLst>
+              <a:ext uri="{FF2B5EF4-FFF2-40B4-BE49-F238E27FC236}">
+                <a16:creationId xmlns:a16="http://schemas.microsoft.com/office/drawing/2014/main" id="{1BA2234A-936D-4A70-D68D-C1AC7891AA8F}"/>
+              </a:ext>
+            </a:extLst>
+          </p:cNvPr>
+          <p:cNvSpPr>
+            <a:spLocks noGrp="1"/>
+          </p:cNvSpPr>
+          <p:nvPr>
+            <p:ph type="sldNum" sz="quarter" idx="12"/>
+          </p:nvPr>
+        </p:nvSpPr>
+        <p:spPr/>
+        <p:txBody>
+          <a:bodyPr/>
+          <a:lstStyle/>
+          <a:p>
+            <a:fld id="{7A304655-5D53-B746-8252-3F5A598C52D3}" type="slidenum">
+              <a:rPr lang="en-CN" smtClean="0"/>
+              <a:pPr/>
+              <a:t>28</a:t>
+            </a:fld>
+            <a:endParaRPr lang="en-CN"/>
+          </a:p>
+        </p:txBody>
+      </p:sp>
+      <p:sp>
+        <p:nvSpPr>
+          <p:cNvPr id="3" name="Title 2">
+            <a:extLst>
+              <a:ext uri="{FF2B5EF4-FFF2-40B4-BE49-F238E27FC236}">
+                <a16:creationId xmlns:a16="http://schemas.microsoft.com/office/drawing/2014/main" id="{588F8CFA-410A-46AD-3866-9B182C032F75}"/>
+              </a:ext>
+            </a:extLst>
+          </p:cNvPr>
+          <p:cNvSpPr>
+            <a:spLocks noGrp="1"/>
+          </p:cNvSpPr>
+          <p:nvPr>
+            <p:ph type="title"/>
+          </p:nvPr>
+        </p:nvSpPr>
+        <p:spPr/>
+        <p:txBody>
+          <a:bodyPr/>
+          <a:lstStyle/>
+          <a:p>
+            <a:r>
+              <a:rPr kumimoji="1" lang="zh-CN" altLang="en-US" dirty="0"/>
+              <a:t>想法</a:t>
+            </a:r>
+            <a:r>
+              <a:rPr kumimoji="1" lang="en-US" altLang="zh-CN" dirty="0"/>
+              <a:t>2:</a:t>
+            </a:r>
+            <a:r>
+              <a:rPr kumimoji="1" lang="zh-CN" altLang="en-US" dirty="0"/>
+              <a:t> </a:t>
+            </a:r>
+            <a:r>
+              <a:rPr kumimoji="1" lang="en-US" altLang="zh-CN" dirty="0"/>
+              <a:t>Code</a:t>
+            </a:r>
+            <a:endParaRPr kumimoji="1" lang="zh-CN" altLang="en-US" dirty="0"/>
+          </a:p>
+        </p:txBody>
+      </p:sp>
+      <p:pic>
+        <p:nvPicPr>
+          <p:cNvPr id="4" name="Picture 3">
+            <a:extLst>
+              <a:ext uri="{FF2B5EF4-FFF2-40B4-BE49-F238E27FC236}">
+                <a16:creationId xmlns:a16="http://schemas.microsoft.com/office/drawing/2014/main" id="{647C6966-8ABD-E2AE-0FDF-B8C86049430D}"/>
+              </a:ext>
+            </a:extLst>
+          </p:cNvPr>
+          <p:cNvPicPr>
+            <a:picLocks noChangeAspect="1"/>
+          </p:cNvPicPr>
+          <p:nvPr/>
+        </p:nvPicPr>
+        <p:blipFill>
+          <a:blip r:embed="rId2"/>
+          <a:stretch>
+            <a:fillRect/>
+          </a:stretch>
+        </p:blipFill>
+        <p:spPr>
+          <a:xfrm>
+            <a:off x="2641600" y="1294454"/>
+            <a:ext cx="3860800" cy="2438400"/>
+          </a:xfrm>
+          <a:prstGeom prst="rect">
+            <a:avLst/>
+          </a:prstGeom>
+        </p:spPr>
+      </p:pic>
+      <p:sp>
+        <p:nvSpPr>
+          <p:cNvPr id="5" name="TextBox 4">
+            <a:extLst>
+              <a:ext uri="{FF2B5EF4-FFF2-40B4-BE49-F238E27FC236}">
+                <a16:creationId xmlns:a16="http://schemas.microsoft.com/office/drawing/2014/main" id="{4253D5E8-A8D9-8D1F-9FB7-E2502BFC0D05}"/>
+              </a:ext>
+            </a:extLst>
+          </p:cNvPr>
+          <p:cNvSpPr txBox="1"/>
+          <p:nvPr/>
+        </p:nvSpPr>
+        <p:spPr>
+          <a:xfrm>
+            <a:off x="688622" y="4188178"/>
+            <a:ext cx="5420074" cy="461665"/>
+          </a:xfrm>
+          <a:prstGeom prst="rect">
+            <a:avLst/>
+          </a:prstGeom>
+          <a:noFill/>
+        </p:spPr>
+        <p:txBody>
+          <a:bodyPr wrap="none" rtlCol="0">
+            <a:spAutoFit/>
+          </a:bodyPr>
+          <a:lstStyle/>
+          <a:p>
+            <a:pPr marL="342900" indent="-342900" algn="l">
+              <a:buFont typeface="Arial" panose="020B0604020202020204" pitchFamily="34" charset="0"/>
+              <a:buChar char="•"/>
+            </a:pPr>
+            <a:r>
+              <a:rPr kumimoji="1" lang="zh-CN" altLang="en-US" sz="2400" dirty="0"/>
+              <a:t>一些修改</a:t>
+            </a:r>
+            <a:r>
+              <a:rPr kumimoji="1" lang="en-US" altLang="zh-CN" sz="2400" dirty="0"/>
+              <a:t>:</a:t>
+            </a:r>
+            <a:r>
+              <a:rPr kumimoji="1" lang="zh-CN" altLang="en-US" sz="2400" dirty="0"/>
+              <a:t> 使用下标</a:t>
+            </a:r>
+            <a:r>
+              <a:rPr kumimoji="1" lang="en-US" altLang="zh-CN" sz="2400" dirty="0"/>
+              <a:t>(</a:t>
+            </a:r>
+            <a:r>
+              <a:rPr kumimoji="1" lang="zh-CN" altLang="en-US" sz="2400" dirty="0"/>
+              <a:t>对于</a:t>
+            </a:r>
+            <a:r>
+              <a:rPr kumimoji="1" lang="en-US" altLang="zh-CN" sz="2400" dirty="0"/>
+              <a:t>A</a:t>
+            </a:r>
+            <a:r>
+              <a:rPr kumimoji="1" lang="zh-CN" altLang="en-US" sz="2400" dirty="0"/>
+              <a:t>没有修改</a:t>
+            </a:r>
+            <a:r>
+              <a:rPr kumimoji="1" lang="en-US" altLang="zh-CN" sz="2400" dirty="0"/>
+              <a:t>)</a:t>
+            </a:r>
+            <a:endParaRPr kumimoji="1" lang="zh-CN" altLang="en-US" sz="2400" dirty="0"/>
+          </a:p>
+        </p:txBody>
+      </p:sp>
+    </p:spTree>
+    <p:extLst>
+      <p:ext uri="{BB962C8B-B14F-4D97-AF65-F5344CB8AC3E}">
+        <p14:creationId xmlns:p14="http://schemas.microsoft.com/office/powerpoint/2010/main" val="2662771473"/>
+      </p:ext>
+    </p:extLst>
+  </p:cSld>
+  <p:clrMapOvr>
+    <a:masterClrMapping/>
+  </p:clrMapOvr>
+</p:sld>
+</file>
+
+<file path=ppt/slides/slide29.xml><?xml version="1.0" encoding="utf-8"?>
+<p:sld xmlns:a="http://schemas.openxmlformats.org/drawingml/2006/main" xmlns:r="http://schemas.openxmlformats.org/officeDocument/2006/relationships" xmlns:p="http://schemas.openxmlformats.org/presentationml/2006/main">
+  <p:cSld>
+    <p:spTree>
+      <p:nvGrpSpPr>
+        <p:cNvPr id="1" name=""/>
+        <p:cNvGrpSpPr/>
+        <p:nvPr/>
+      </p:nvGrpSpPr>
+      <p:grpSpPr>
+        <a:xfrm>
+          <a:off x="0" y="0"/>
+          <a:ext cx="0" cy="0"/>
+          <a:chOff x="0" y="0"/>
+          <a:chExt cx="0" cy="0"/>
+        </a:xfrm>
+      </p:grpSpPr>
+      <p:sp>
+        <p:nvSpPr>
+          <p:cNvPr id="2" name="Slide Number Placeholder 1">
+            <a:extLst>
+              <a:ext uri="{FF2B5EF4-FFF2-40B4-BE49-F238E27FC236}">
+                <a16:creationId xmlns:a16="http://schemas.microsoft.com/office/drawing/2014/main" id="{0E362716-DC69-DB0D-7E77-9A85C088BE74}"/>
+              </a:ext>
+            </a:extLst>
+          </p:cNvPr>
+          <p:cNvSpPr>
+            <a:spLocks noGrp="1"/>
+          </p:cNvSpPr>
+          <p:nvPr>
+            <p:ph type="sldNum" sz="quarter" idx="12"/>
+          </p:nvPr>
+        </p:nvSpPr>
+        <p:spPr/>
+        <p:txBody>
+          <a:bodyPr/>
+          <a:lstStyle/>
+          <a:p>
+            <a:fld id="{7A304655-5D53-B746-8252-3F5A598C52D3}" type="slidenum">
+              <a:rPr lang="en-CN" smtClean="0"/>
+              <a:pPr/>
+              <a:t>29</a:t>
+            </a:fld>
+            <a:endParaRPr lang="en-CN"/>
+          </a:p>
+        </p:txBody>
+      </p:sp>
+      <p:sp>
+        <p:nvSpPr>
+          <p:cNvPr id="3" name="Title 2">
+            <a:extLst>
+              <a:ext uri="{FF2B5EF4-FFF2-40B4-BE49-F238E27FC236}">
+                <a16:creationId xmlns:a16="http://schemas.microsoft.com/office/drawing/2014/main" id="{1A451854-4DFC-EFB5-7B16-4E95A6033015}"/>
+              </a:ext>
+            </a:extLst>
+          </p:cNvPr>
+          <p:cNvSpPr>
+            <a:spLocks noGrp="1"/>
+          </p:cNvSpPr>
+          <p:nvPr>
+            <p:ph type="title"/>
+          </p:nvPr>
+        </p:nvSpPr>
+        <p:spPr/>
+        <p:txBody>
+          <a:bodyPr/>
+          <a:lstStyle/>
+          <a:p>
+            <a:r>
+              <a:rPr kumimoji="1" lang="zh-CN" altLang="en-US" dirty="0"/>
+              <a:t>想法</a:t>
+            </a:r>
+            <a:r>
+              <a:rPr kumimoji="1" lang="en-US" altLang="zh-CN" dirty="0"/>
+              <a:t>2+:</a:t>
+            </a:r>
+            <a:r>
+              <a:rPr kumimoji="1" lang="zh-CN" altLang="en-US" dirty="0"/>
+              <a:t> 使用下标指代当前状态</a:t>
+            </a:r>
+          </a:p>
+        </p:txBody>
+      </p:sp>
+      <p:pic>
+        <p:nvPicPr>
+          <p:cNvPr id="4" name="Picture 3">
+            <a:extLst>
+              <a:ext uri="{FF2B5EF4-FFF2-40B4-BE49-F238E27FC236}">
+                <a16:creationId xmlns:a16="http://schemas.microsoft.com/office/drawing/2014/main" id="{147CC329-3A7D-DE70-FFA2-5987913ADE5D}"/>
+              </a:ext>
+            </a:extLst>
+          </p:cNvPr>
+          <p:cNvPicPr>
+            <a:picLocks noChangeAspect="1"/>
+          </p:cNvPicPr>
+          <p:nvPr/>
+        </p:nvPicPr>
+        <p:blipFill>
+          <a:blip r:embed="rId2"/>
+          <a:stretch>
+            <a:fillRect/>
+          </a:stretch>
+        </p:blipFill>
+        <p:spPr>
+          <a:xfrm>
+            <a:off x="1466850" y="1040524"/>
+            <a:ext cx="6210300" cy="622300"/>
+          </a:xfrm>
+          <a:prstGeom prst="rect">
+            <a:avLst/>
+          </a:prstGeom>
+        </p:spPr>
+      </p:pic>
+      <p:pic>
+        <p:nvPicPr>
+          <p:cNvPr id="5" name="Picture 4">
+            <a:extLst>
+              <a:ext uri="{FF2B5EF4-FFF2-40B4-BE49-F238E27FC236}">
+                <a16:creationId xmlns:a16="http://schemas.microsoft.com/office/drawing/2014/main" id="{841E2F0A-5924-1913-10B2-3357E8CD09AC}"/>
+              </a:ext>
+            </a:extLst>
+          </p:cNvPr>
+          <p:cNvPicPr>
+            <a:picLocks noChangeAspect="1"/>
+          </p:cNvPicPr>
+          <p:nvPr/>
+        </p:nvPicPr>
+        <p:blipFill>
+          <a:blip r:embed="rId3"/>
+          <a:stretch>
+            <a:fillRect/>
+          </a:stretch>
+        </p:blipFill>
+        <p:spPr>
+          <a:xfrm>
+            <a:off x="1104900" y="1662824"/>
+            <a:ext cx="6934200" cy="1270000"/>
+          </a:xfrm>
+          <a:prstGeom prst="rect">
+            <a:avLst/>
+          </a:prstGeom>
+        </p:spPr>
+      </p:pic>
+      <p:pic>
+        <p:nvPicPr>
+          <p:cNvPr id="6" name="Picture 5">
+            <a:extLst>
+              <a:ext uri="{FF2B5EF4-FFF2-40B4-BE49-F238E27FC236}">
+                <a16:creationId xmlns:a16="http://schemas.microsoft.com/office/drawing/2014/main" id="{CF1885D2-E9AC-163B-07A9-C3BD43EF42E5}"/>
+              </a:ext>
+            </a:extLst>
+          </p:cNvPr>
+          <p:cNvPicPr>
+            <a:picLocks noChangeAspect="1"/>
+          </p:cNvPicPr>
+          <p:nvPr/>
+        </p:nvPicPr>
+        <p:blipFill>
+          <a:blip r:embed="rId4"/>
+          <a:stretch>
+            <a:fillRect/>
+          </a:stretch>
+        </p:blipFill>
+        <p:spPr>
+          <a:xfrm>
+            <a:off x="2933700" y="2930537"/>
+            <a:ext cx="3276600" cy="2540000"/>
+          </a:xfrm>
+          <a:prstGeom prst="rect">
+            <a:avLst/>
+          </a:prstGeom>
+        </p:spPr>
+      </p:pic>
+      <p:sp>
+        <p:nvSpPr>
+          <p:cNvPr id="7" name="TextBox 6">
+            <a:extLst>
+              <a:ext uri="{FF2B5EF4-FFF2-40B4-BE49-F238E27FC236}">
+                <a16:creationId xmlns:a16="http://schemas.microsoft.com/office/drawing/2014/main" id="{E9B35668-6C30-24A0-DC55-80BFBE7E9706}"/>
+              </a:ext>
+            </a:extLst>
+          </p:cNvPr>
+          <p:cNvSpPr txBox="1"/>
+          <p:nvPr/>
+        </p:nvSpPr>
+        <p:spPr>
+          <a:xfrm>
+            <a:off x="628650" y="5470537"/>
+            <a:ext cx="4705134" cy="830997"/>
+          </a:xfrm>
+          <a:prstGeom prst="rect">
+            <a:avLst/>
+          </a:prstGeom>
+          <a:noFill/>
+        </p:spPr>
+        <p:txBody>
+          <a:bodyPr wrap="none" rtlCol="0">
+            <a:spAutoFit/>
+          </a:bodyPr>
+          <a:lstStyle/>
+          <a:p>
+            <a:pPr marL="342900" indent="-342900" algn="l">
+              <a:buFont typeface="Arial" panose="020B0604020202020204" pitchFamily="34" charset="0"/>
+              <a:buChar char="•"/>
+            </a:pPr>
+            <a:r>
+              <a:rPr kumimoji="1" lang="zh-CN" altLang="en-US" sz="2400" dirty="0"/>
+              <a:t>这是 </a:t>
+            </a:r>
+            <a:r>
+              <a:rPr kumimoji="1" lang="en-US" altLang="zh-CN" sz="2400" dirty="0"/>
+              <a:t>“</a:t>
+            </a:r>
+            <a:r>
+              <a:rPr kumimoji="1" lang="zh-CN" altLang="en-US" sz="2400" dirty="0"/>
+              <a:t>中间体</a:t>
+            </a:r>
+            <a:r>
+              <a:rPr kumimoji="1" lang="en-US" altLang="zh-CN" sz="2400" dirty="0"/>
+              <a:t>”</a:t>
+            </a:r>
+          </a:p>
+          <a:p>
+            <a:pPr marL="342900" indent="-342900" algn="l">
+              <a:buFont typeface="Arial" panose="020B0604020202020204" pitchFamily="34" charset="0"/>
+              <a:buChar char="•"/>
+            </a:pPr>
+            <a:r>
+              <a:rPr kumimoji="1" lang="zh-CN" altLang="en-US" sz="2400" dirty="0"/>
+              <a:t>完整的故事动态规划那一章见</a:t>
+            </a:r>
+          </a:p>
+        </p:txBody>
+      </p:sp>
+    </p:spTree>
+    <p:extLst>
+      <p:ext uri="{BB962C8B-B14F-4D97-AF65-F5344CB8AC3E}">
+        <p14:creationId xmlns:p14="http://schemas.microsoft.com/office/powerpoint/2010/main" val="3303306350"/>
       </p:ext>
     </p:extLst>
   </p:cSld>
@@ -9093,6 +10339,381 @@
     <p:extLst>
       <p:ext uri="{BB962C8B-B14F-4D97-AF65-F5344CB8AC3E}">
         <p14:creationId xmlns:p14="http://schemas.microsoft.com/office/powerpoint/2010/main" val="1738216061"/>
+      </p:ext>
+    </p:extLst>
+  </p:cSld>
+  <p:clrMapOvr>
+    <a:masterClrMapping/>
+  </p:clrMapOvr>
+</p:sld>
+</file>
+
+<file path=ppt/slides/slide30.xml><?xml version="1.0" encoding="utf-8"?>
+<p:sld xmlns:a="http://schemas.openxmlformats.org/drawingml/2006/main" xmlns:r="http://schemas.openxmlformats.org/officeDocument/2006/relationships" xmlns:p="http://schemas.openxmlformats.org/presentationml/2006/main">
+  <p:cSld>
+    <p:spTree>
+      <p:nvGrpSpPr>
+        <p:cNvPr id="1" name=""/>
+        <p:cNvGrpSpPr/>
+        <p:nvPr/>
+      </p:nvGrpSpPr>
+      <p:grpSpPr>
+        <a:xfrm>
+          <a:off x="0" y="0"/>
+          <a:ext cx="0" cy="0"/>
+          <a:chOff x="0" y="0"/>
+          <a:chExt cx="0" cy="0"/>
+        </a:xfrm>
+      </p:grpSpPr>
+      <p:sp>
+        <p:nvSpPr>
+          <p:cNvPr id="2" name="Slide Number Placeholder 1">
+            <a:extLst>
+              <a:ext uri="{FF2B5EF4-FFF2-40B4-BE49-F238E27FC236}">
+                <a16:creationId xmlns:a16="http://schemas.microsoft.com/office/drawing/2014/main" id="{015676C1-D023-6BB7-5751-CF2F72742790}"/>
+              </a:ext>
+            </a:extLst>
+          </p:cNvPr>
+          <p:cNvSpPr>
+            <a:spLocks noGrp="1"/>
+          </p:cNvSpPr>
+          <p:nvPr>
+            <p:ph type="sldNum" sz="quarter" idx="12"/>
+          </p:nvPr>
+        </p:nvSpPr>
+        <p:spPr/>
+        <p:txBody>
+          <a:bodyPr/>
+          <a:lstStyle/>
+          <a:p>
+            <a:fld id="{7A304655-5D53-B746-8252-3F5A598C52D3}" type="slidenum">
+              <a:rPr lang="en-CN" smtClean="0"/>
+              <a:pPr/>
+              <a:t>30</a:t>
+            </a:fld>
+            <a:endParaRPr lang="en-CN"/>
+          </a:p>
+        </p:txBody>
+      </p:sp>
+      <p:sp>
+        <p:nvSpPr>
+          <p:cNvPr id="3" name="Title 2">
+            <a:extLst>
+              <a:ext uri="{FF2B5EF4-FFF2-40B4-BE49-F238E27FC236}">
+                <a16:creationId xmlns:a16="http://schemas.microsoft.com/office/drawing/2014/main" id="{E6DE4461-CDFF-17A3-732C-A0874AB9C321}"/>
+              </a:ext>
+            </a:extLst>
+          </p:cNvPr>
+          <p:cNvSpPr>
+            <a:spLocks noGrp="1"/>
+          </p:cNvSpPr>
+          <p:nvPr>
+            <p:ph type="title"/>
+          </p:nvPr>
+        </p:nvSpPr>
+        <p:spPr/>
+        <p:txBody>
+          <a:bodyPr/>
+          <a:lstStyle/>
+          <a:p>
+            <a:r>
+              <a:rPr kumimoji="1" lang="en-US" altLang="zh-CN" dirty="0"/>
+              <a:t>References</a:t>
+            </a:r>
+            <a:endParaRPr kumimoji="1" lang="zh-CN" altLang="en-US" dirty="0"/>
+          </a:p>
+        </p:txBody>
+      </p:sp>
+      <p:sp>
+        <p:nvSpPr>
+          <p:cNvPr id="4" name="TextBox 3">
+            <a:extLst>
+              <a:ext uri="{FF2B5EF4-FFF2-40B4-BE49-F238E27FC236}">
+                <a16:creationId xmlns:a16="http://schemas.microsoft.com/office/drawing/2014/main" id="{C82EB0DE-7D1F-24C2-DD56-35C6C6963072}"/>
+              </a:ext>
+            </a:extLst>
+          </p:cNvPr>
+          <p:cNvSpPr txBox="1"/>
+          <p:nvPr/>
+        </p:nvSpPr>
+        <p:spPr>
+          <a:xfrm>
+            <a:off x="702365" y="1338470"/>
+            <a:ext cx="6117380" cy="1569660"/>
+          </a:xfrm>
+          <a:prstGeom prst="rect">
+            <a:avLst/>
+          </a:prstGeom>
+          <a:noFill/>
+        </p:spPr>
+        <p:txBody>
+          <a:bodyPr wrap="none" rtlCol="0">
+            <a:spAutoFit/>
+          </a:bodyPr>
+          <a:lstStyle/>
+          <a:p>
+            <a:pPr marL="342900" indent="-342900" algn="l">
+              <a:buFont typeface="Arial" panose="020B0604020202020204" pitchFamily="34" charset="0"/>
+              <a:buChar char="•"/>
+            </a:pPr>
+            <a:r>
+              <a:rPr kumimoji="1" lang="en-US" altLang="zh-CN" sz="2400" dirty="0"/>
+              <a:t>Jeff</a:t>
+            </a:r>
+            <a:r>
+              <a:rPr kumimoji="1" lang="zh-CN" altLang="en-US" sz="2400" dirty="0"/>
+              <a:t> </a:t>
+            </a:r>
+            <a:r>
+              <a:rPr kumimoji="1" lang="en-US" altLang="zh-CN" sz="2400" dirty="0"/>
+              <a:t>Erickson</a:t>
+            </a:r>
+            <a:r>
+              <a:rPr kumimoji="1" lang="zh-CN" altLang="en-US" sz="2400" dirty="0"/>
+              <a:t> </a:t>
+            </a:r>
+            <a:r>
+              <a:rPr kumimoji="1" lang="en-US" altLang="zh-CN" sz="2400" i="1" dirty="0"/>
+              <a:t>Algorithms</a:t>
+            </a:r>
+            <a:r>
+              <a:rPr kumimoji="1" lang="zh-CN" altLang="en-US" sz="2400" dirty="0"/>
+              <a:t> 第一章</a:t>
+            </a:r>
+            <a:r>
+              <a:rPr kumimoji="1" lang="en-US" altLang="zh-CN" sz="2400" dirty="0"/>
+              <a:t>,</a:t>
+            </a:r>
+            <a:r>
+              <a:rPr kumimoji="1" lang="zh-CN" altLang="en-US" sz="2400" dirty="0"/>
+              <a:t> 第二章</a:t>
+            </a:r>
+            <a:endParaRPr kumimoji="1" lang="en-US" altLang="zh-CN" sz="2400" dirty="0"/>
+          </a:p>
+          <a:p>
+            <a:pPr marL="342900" indent="-342900" algn="l">
+              <a:buFont typeface="Arial" panose="020B0604020202020204" pitchFamily="34" charset="0"/>
+              <a:buChar char="•"/>
+            </a:pPr>
+            <a:r>
+              <a:rPr kumimoji="1" lang="en-US" altLang="zh-CN" sz="2400" i="1" dirty="0"/>
+              <a:t>Analysis</a:t>
+            </a:r>
+            <a:r>
+              <a:rPr kumimoji="1" lang="zh-CN" altLang="en-US" sz="2400" i="1" dirty="0"/>
+              <a:t> </a:t>
+            </a:r>
+            <a:r>
+              <a:rPr kumimoji="1" lang="en-US" altLang="zh-CN" sz="2400" i="1" dirty="0"/>
+              <a:t>of</a:t>
+            </a:r>
+            <a:r>
+              <a:rPr kumimoji="1" lang="zh-CN" altLang="en-US" sz="2400" i="1" dirty="0"/>
+              <a:t> </a:t>
+            </a:r>
+            <a:r>
+              <a:rPr kumimoji="1" lang="en-US" altLang="zh-CN" sz="2400" i="1" dirty="0"/>
+              <a:t>Algorithms</a:t>
+            </a:r>
+            <a:r>
+              <a:rPr kumimoji="1" lang="zh-CN" altLang="en-US" sz="2400" i="1" dirty="0"/>
+              <a:t> </a:t>
+            </a:r>
+            <a:r>
+              <a:rPr kumimoji="1" lang="zh-CN" altLang="en-US" sz="2400" dirty="0"/>
+              <a:t>第一章</a:t>
+            </a:r>
+            <a:endParaRPr kumimoji="1" lang="en-US" altLang="zh-CN" sz="2400" dirty="0"/>
+          </a:p>
+          <a:p>
+            <a:pPr marL="342900" indent="-342900" algn="l">
+              <a:buFont typeface="Arial" panose="020B0604020202020204" pitchFamily="34" charset="0"/>
+              <a:buChar char="•"/>
+            </a:pPr>
+            <a:endParaRPr kumimoji="1" lang="en-US" altLang="zh-CN" sz="2400" dirty="0"/>
+          </a:p>
+          <a:p>
+            <a:pPr algn="l"/>
+            <a:r>
+              <a:rPr kumimoji="1" lang="zh-CN" altLang="en-US" sz="2400" dirty="0"/>
+              <a:t>其余的出处在各张幻灯片图片部分已经标出</a:t>
+            </a:r>
+            <a:r>
+              <a:rPr kumimoji="1" lang="en-US" altLang="zh-CN" sz="2400" dirty="0"/>
+              <a:t>.</a:t>
+            </a:r>
+            <a:endParaRPr kumimoji="1" lang="zh-CN" altLang="en-US" sz="2400" dirty="0"/>
+          </a:p>
+        </p:txBody>
+      </p:sp>
+    </p:spTree>
+    <p:extLst>
+      <p:ext uri="{BB962C8B-B14F-4D97-AF65-F5344CB8AC3E}">
+        <p14:creationId xmlns:p14="http://schemas.microsoft.com/office/powerpoint/2010/main" val="1959283491"/>
+      </p:ext>
+    </p:extLst>
+  </p:cSld>
+  <p:clrMapOvr>
+    <a:masterClrMapping/>
+  </p:clrMapOvr>
+</p:sld>
+</file>
+
+<file path=ppt/slides/slide31.xml><?xml version="1.0" encoding="utf-8"?>
+<p:sld xmlns:a="http://schemas.openxmlformats.org/drawingml/2006/main" xmlns:r="http://schemas.openxmlformats.org/officeDocument/2006/relationships" xmlns:p="http://schemas.openxmlformats.org/presentationml/2006/main">
+  <p:cSld>
+    <p:spTree>
+      <p:nvGrpSpPr>
+        <p:cNvPr id="1" name=""/>
+        <p:cNvGrpSpPr/>
+        <p:nvPr/>
+      </p:nvGrpSpPr>
+      <p:grpSpPr>
+        <a:xfrm>
+          <a:off x="0" y="0"/>
+          <a:ext cx="0" cy="0"/>
+          <a:chOff x="0" y="0"/>
+          <a:chExt cx="0" cy="0"/>
+        </a:xfrm>
+      </p:grpSpPr>
+      <p:sp>
+        <p:nvSpPr>
+          <p:cNvPr id="2" name="Slide Number Placeholder 1">
+            <a:extLst>
+              <a:ext uri="{FF2B5EF4-FFF2-40B4-BE49-F238E27FC236}">
+                <a16:creationId xmlns:a16="http://schemas.microsoft.com/office/drawing/2014/main" id="{B21780A8-2A62-1D37-FA41-493440D7A0C2}"/>
+              </a:ext>
+            </a:extLst>
+          </p:cNvPr>
+          <p:cNvSpPr>
+            <a:spLocks noGrp="1"/>
+          </p:cNvSpPr>
+          <p:nvPr>
+            <p:ph type="sldNum" sz="quarter" idx="12"/>
+          </p:nvPr>
+        </p:nvSpPr>
+        <p:spPr/>
+        <p:txBody>
+          <a:bodyPr/>
+          <a:lstStyle/>
+          <a:p>
+            <a:fld id="{7A304655-5D53-B746-8252-3F5A598C52D3}" type="slidenum">
+              <a:rPr lang="en-CN" smtClean="0"/>
+              <a:pPr/>
+              <a:t>31</a:t>
+            </a:fld>
+            <a:endParaRPr lang="en-CN"/>
+          </a:p>
+        </p:txBody>
+      </p:sp>
+      <p:pic>
+        <p:nvPicPr>
+          <p:cNvPr id="5" name="Picture 4">
+            <a:extLst>
+              <a:ext uri="{FF2B5EF4-FFF2-40B4-BE49-F238E27FC236}">
+                <a16:creationId xmlns:a16="http://schemas.microsoft.com/office/drawing/2014/main" id="{B7523383-5359-C9E3-DD01-5D842BC27323}"/>
+              </a:ext>
+            </a:extLst>
+          </p:cNvPr>
+          <p:cNvPicPr>
+            <a:picLocks noChangeAspect="1"/>
+          </p:cNvPicPr>
+          <p:nvPr/>
+        </p:nvPicPr>
+        <p:blipFill>
+          <a:blip r:embed="rId2"/>
+          <a:stretch>
+            <a:fillRect/>
+          </a:stretch>
+        </p:blipFill>
+        <p:spPr>
+          <a:xfrm>
+            <a:off x="3202164" y="770223"/>
+            <a:ext cx="2739672" cy="1823127"/>
+          </a:xfrm>
+          <a:prstGeom prst="rect">
+            <a:avLst/>
+          </a:prstGeom>
+        </p:spPr>
+      </p:pic>
+      <p:pic>
+        <p:nvPicPr>
+          <p:cNvPr id="6" name="Picture 5">
+            <a:extLst>
+              <a:ext uri="{FF2B5EF4-FFF2-40B4-BE49-F238E27FC236}">
+                <a16:creationId xmlns:a16="http://schemas.microsoft.com/office/drawing/2014/main" id="{1D8F1FCB-02CC-AE75-09A2-48046C2FFF58}"/>
+              </a:ext>
+            </a:extLst>
+          </p:cNvPr>
+          <p:cNvPicPr>
+            <a:picLocks noChangeAspect="1"/>
+          </p:cNvPicPr>
+          <p:nvPr/>
+        </p:nvPicPr>
+        <p:blipFill>
+          <a:blip r:embed="rId3"/>
+          <a:stretch>
+            <a:fillRect/>
+          </a:stretch>
+        </p:blipFill>
+        <p:spPr>
+          <a:xfrm>
+            <a:off x="2137580" y="2724992"/>
+            <a:ext cx="4608174" cy="1972057"/>
+          </a:xfrm>
+          <a:prstGeom prst="rect">
+            <a:avLst/>
+          </a:prstGeom>
+        </p:spPr>
+      </p:pic>
+      <p:sp>
+        <p:nvSpPr>
+          <p:cNvPr id="8" name="TextBox 7">
+            <a:extLst>
+              <a:ext uri="{FF2B5EF4-FFF2-40B4-BE49-F238E27FC236}">
+                <a16:creationId xmlns:a16="http://schemas.microsoft.com/office/drawing/2014/main" id="{FCF5365B-5FB3-4693-8FDD-59683605F615}"/>
+              </a:ext>
+            </a:extLst>
+          </p:cNvPr>
+          <p:cNvSpPr txBox="1"/>
+          <p:nvPr/>
+        </p:nvSpPr>
+        <p:spPr>
+          <a:xfrm>
+            <a:off x="2137580" y="4719538"/>
+            <a:ext cx="4608174" cy="646331"/>
+          </a:xfrm>
+          <a:prstGeom prst="rect">
+            <a:avLst/>
+          </a:prstGeom>
+          <a:noFill/>
+        </p:spPr>
+        <p:txBody>
+          <a:bodyPr wrap="square">
+            <a:spAutoFit/>
+          </a:bodyPr>
+          <a:lstStyle/>
+          <a:p>
+            <a:pPr algn="ctr"/>
+            <a:r>
+              <a:rPr lang="en-US" altLang="zh-CN" dirty="0"/>
+              <a:t>QQ: 2095728218</a:t>
+            </a:r>
+          </a:p>
+          <a:p>
+            <a:pPr algn="ctr"/>
+            <a:r>
+              <a:rPr lang="en-US" altLang="zh-CN" dirty="0" err="1"/>
+              <a:t>gwzhang@cug.edu.cn</a:t>
+            </a:r>
+            <a:endParaRPr lang="en-US" altLang="zh-CN" dirty="0"/>
+          </a:p>
+        </p:txBody>
+      </p:sp>
+    </p:spTree>
+    <p:extLst>
+      <p:ext uri="{BB962C8B-B14F-4D97-AF65-F5344CB8AC3E}">
+        <p14:creationId xmlns:p14="http://schemas.microsoft.com/office/powerpoint/2010/main" val="1646968304"/>
       </p:ext>
     </p:extLst>
   </p:cSld>

--- a/notes/notes/ds-algo/ch3-recursive.pptx
+++ b/notes/notes/ds-algo/ch3-recursive.pptx
@@ -227,7 +227,7 @@
           <a:p>
             <a:fld id="{9BFDADED-620D-D24E-82E2-96F000A12D1D}" type="datetimeFigureOut">
               <a:rPr lang="en-CN" smtClean="0"/>
-              <a:t>2024/1/30</a:t>
+              <a:t>2024/8/3</a:t>
             </a:fld>
             <a:endParaRPr lang="en-CN"/>
           </a:p>
@@ -1847,7 +1847,7 @@
           <a:p>
             <a:fld id="{58D30FAB-176C-8449-8796-69F8D9C85B57}" type="datetime1">
               <a:rPr lang="en-US" smtClean="0"/>
-              <a:t>1/30/24</a:t>
+              <a:t>8/3/24</a:t>
             </a:fld>
             <a:endParaRPr lang="en-CN"/>
           </a:p>
@@ -11378,7 +11378,7 @@
         <p:spPr>
           <a:xfrm>
             <a:off x="581071" y="3626758"/>
-            <a:ext cx="8306344" cy="3046988"/>
+            <a:ext cx="8306344" cy="1938992"/>
           </a:xfrm>
           <a:prstGeom prst="rect">
             <a:avLst/>
@@ -11396,112 +11396,51 @@
               <a:buChar char="•"/>
             </a:pPr>
             <a:r>
-              <a:rPr kumimoji="1" lang="en-US" altLang="zh-CN" sz="2400" dirty="0"/>
-              <a:t>Rule:</a:t>
-            </a:r>
-          </a:p>
-          <a:p>
-            <a:pPr marL="800100" lvl="1" indent="-342900">
+              <a:rPr kumimoji="1" lang="zh-CN" altLang="en-US" sz="2400" dirty="0"/>
+              <a:t>规则：</a:t>
+            </a:r>
+          </a:p>
+          <a:p>
+            <a:pPr marL="342900" indent="-342900" algn="l">
               <a:buFont typeface="Arial" panose="020B0604020202020204" pitchFamily="34" charset="0"/>
               <a:buChar char="•"/>
             </a:pPr>
             <a:r>
-              <a:rPr lang="en-US" sz="2400" b="0" i="0" dirty="0">
-                <a:solidFill>
-                  <a:srgbClr val="202122"/>
-                </a:solidFill>
-                <a:effectLst/>
-                <a:latin typeface="Arial" panose="020B0604020202020204" pitchFamily="34" charset="0"/>
-              </a:rPr>
-              <a:t>Only one disk </a:t>
-            </a:r>
-            <a:r>
-              <a:rPr lang="en-US" altLang="zh-CN" sz="2400" b="0" i="0" dirty="0">
-                <a:solidFill>
-                  <a:srgbClr val="202122"/>
-                </a:solidFill>
-                <a:effectLst/>
-                <a:latin typeface="Arial" panose="020B0604020202020204" pitchFamily="34" charset="0"/>
-              </a:rPr>
-              <a:t>can</a:t>
-            </a:r>
-            <a:r>
-              <a:rPr lang="zh-CN" altLang="en-US" sz="2400" b="0" i="0" dirty="0">
-                <a:solidFill>
-                  <a:srgbClr val="202122"/>
-                </a:solidFill>
-                <a:effectLst/>
-                <a:latin typeface="Arial" panose="020B0604020202020204" pitchFamily="34" charset="0"/>
-              </a:rPr>
-              <a:t> </a:t>
-            </a:r>
-            <a:r>
-              <a:rPr lang="en-US" sz="2400" b="0" i="0" dirty="0">
-                <a:solidFill>
-                  <a:srgbClr val="202122"/>
-                </a:solidFill>
-                <a:effectLst/>
-                <a:latin typeface="Arial" panose="020B0604020202020204" pitchFamily="34" charset="0"/>
-              </a:rPr>
-              <a:t>be moved at a time</a:t>
-            </a:r>
-          </a:p>
-          <a:p>
-            <a:pPr marL="800100" lvl="1" indent="-342900">
+              <a:rPr kumimoji="1" lang="en-US" altLang="zh-CN" sz="2400" dirty="0"/>
+              <a:t>1. </a:t>
+            </a:r>
+            <a:r>
+              <a:rPr kumimoji="1" lang="zh-CN" altLang="en-US" sz="2400" dirty="0"/>
+              <a:t>一次只能移动一个圆盘。</a:t>
+            </a:r>
+          </a:p>
+          <a:p>
+            <a:pPr marL="342900" indent="-342900" algn="l">
               <a:buFont typeface="Arial" panose="020B0604020202020204" pitchFamily="34" charset="0"/>
               <a:buChar char="•"/>
             </a:pPr>
             <a:r>
               <a:rPr kumimoji="1" lang="en-US" altLang="zh-CN" sz="2400" dirty="0"/>
-              <a:t>Each move consists of taking the </a:t>
-            </a:r>
-            <a:r>
-              <a:rPr kumimoji="1" lang="en-US" altLang="zh-CN" sz="2400" dirty="0">
-                <a:solidFill>
-                  <a:srgbClr val="FF0000"/>
-                </a:solidFill>
-              </a:rPr>
-              <a:t>upper disk </a:t>
-            </a:r>
-            <a:r>
-              <a:rPr kumimoji="1" lang="en-US" altLang="zh-CN" sz="2400" dirty="0"/>
-              <a:t>from one of the stacks and placing it </a:t>
-            </a:r>
-            <a:r>
-              <a:rPr kumimoji="1" lang="en-US" altLang="zh-CN" sz="2400" dirty="0">
-                <a:solidFill>
-                  <a:srgbClr val="FF0000"/>
-                </a:solidFill>
-              </a:rPr>
-              <a:t>on top of </a:t>
-            </a:r>
-            <a:r>
-              <a:rPr kumimoji="1" lang="en-US" altLang="zh-CN" sz="2400" dirty="0"/>
-              <a:t>another stack or on an empty rod.</a:t>
-            </a:r>
-          </a:p>
-          <a:p>
-            <a:pPr marL="800100" lvl="1" indent="-342900">
+              <a:t>2. </a:t>
+            </a:r>
+            <a:r>
+              <a:rPr kumimoji="1" lang="zh-CN" altLang="en-US" sz="2400" dirty="0"/>
+              <a:t>每次移动包含将一个圆盘从一摞的顶部取下并放置在另一摞的顶部或空杆上。</a:t>
+            </a:r>
+          </a:p>
+          <a:p>
+            <a:pPr marL="342900" indent="-342900" algn="l">
               <a:buFont typeface="Arial" panose="020B0604020202020204" pitchFamily="34" charset="0"/>
               <a:buChar char="•"/>
             </a:pPr>
             <a:r>
-              <a:rPr lang="en-US" sz="2400" b="0" i="0" dirty="0">
-                <a:solidFill>
-                  <a:srgbClr val="202122"/>
-                </a:solidFill>
-                <a:effectLst/>
-                <a:latin typeface="Arial" panose="020B0604020202020204" pitchFamily="34" charset="0"/>
-              </a:rPr>
-              <a:t>No disk may be placed on top of a disk that is smaller than it.</a:t>
-            </a:r>
-          </a:p>
-          <a:p>
-            <a:pPr marL="800100" lvl="1" indent="-342900">
-              <a:buFont typeface="Arial" panose="020B0604020202020204" pitchFamily="34" charset="0"/>
-              <a:buChar char="•"/>
-            </a:pPr>
-            <a:endParaRPr kumimoji="1" lang="zh-CN" altLang="en-US" sz="2400" dirty="0"/>
+              <a:rPr kumimoji="1" lang="en-US" altLang="zh-CN" sz="2400" dirty="0"/>
+              <a:t>3. </a:t>
+            </a:r>
+            <a:r>
+              <a:rPr kumimoji="1" lang="zh-CN" altLang="en-US" sz="2400" dirty="0"/>
+              <a:t>任何圆盘不能放在比它小的圆盘上。</a:t>
+            </a:r>
           </a:p>
         </p:txBody>
       </p:sp>
